--- a/2018/06/06_Sorting_and_IO.pptx
+++ b/2018/06/06_Sorting_and_IO.pptx
@@ -5,7 +5,7 @@
     <p:sldMasterId id="2147483684" r:id="rId1"/>
   </p:sldMasterIdLst>
   <p:notesMasterIdLst>
-    <p:notesMasterId r:id="rId58"/>
+    <p:notesMasterId r:id="rId65"/>
   </p:notesMasterIdLst>
   <p:sldIdLst>
     <p:sldId id="256" r:id="rId2"/>
@@ -61,9 +61,16 @@
     <p:sldId id="313" r:id="rId52"/>
     <p:sldId id="314" r:id="rId53"/>
     <p:sldId id="315" r:id="rId54"/>
-    <p:sldId id="302" r:id="rId55"/>
-    <p:sldId id="316" r:id="rId56"/>
-    <p:sldId id="303" r:id="rId57"/>
+    <p:sldId id="317" r:id="rId55"/>
+    <p:sldId id="319" r:id="rId56"/>
+    <p:sldId id="318" r:id="rId57"/>
+    <p:sldId id="302" r:id="rId58"/>
+    <p:sldId id="316" r:id="rId59"/>
+    <p:sldId id="320" r:id="rId60"/>
+    <p:sldId id="321" r:id="rId61"/>
+    <p:sldId id="322" r:id="rId62"/>
+    <p:sldId id="323" r:id="rId63"/>
+    <p:sldId id="303" r:id="rId64"/>
   </p:sldIdLst>
   <p:sldSz cx="12192000" cy="6858000"/>
   <p:notesSz cx="6858000" cy="9144000"/>
@@ -175,14 +182,14 @@
 
 <file path=ppt/commentAuthors.xml><?xml version="1.0" encoding="utf-8"?>
 <p:cmAuthorLst xmlns:a="http://schemas.openxmlformats.org/drawingml/2006/main" xmlns:r="http://schemas.openxmlformats.org/officeDocument/2006/relationships" xmlns:p="http://schemas.openxmlformats.org/presentationml/2006/main">
-  <p:cmAuthor id="1" name="Antonia H." initials="AH" lastIdx="27" clrIdx="0">
+  <p:cmAuthor id="1" name="Antonia H." initials="AH" lastIdx="32" clrIdx="0">
     <p:extLst>
       <p:ext uri="{19B8F6BF-5375-455C-9EA6-DF929625EA0E}">
         <p15:presenceInfo xmlns:p15="http://schemas.microsoft.com/office/powerpoint/2012/main" userId="da08060cd893cdf4" providerId="Windows Live"/>
       </p:ext>
     </p:extLst>
   </p:cmAuthor>
-  <p:cmAuthor id="2" name="Moritz Nipshagen" initials="MN" lastIdx="33" clrIdx="1">
+  <p:cmAuthor id="2" name="Moritz Nipshagen" initials="MN" lastIdx="47" clrIdx="1">
     <p:extLst>
       <p:ext uri="{19B8F6BF-5375-455C-9EA6-DF929625EA0E}">
         <p15:presenceInfo xmlns:p15="http://schemas.microsoft.com/office/powerpoint/2012/main" userId="ee3b3bbc25b4cb6d" providerId="Windows Live"/>
@@ -192,855 +199,123 @@
 </p:cmAuthorLst>
 </file>
 
+<file path=ppt/revisionInfo.xml><?xml version="1.0" encoding="utf-8"?>
+<p1510:revInfo xmlns:a="http://schemas.openxmlformats.org/drawingml/2006/main" xmlns:r="http://schemas.openxmlformats.org/officeDocument/2006/relationships" xmlns:p1510="http://schemas.microsoft.com/office/powerpoint/2015/10/main">
+  <p1510:revLst>
+    <p1510:client id="{29B88FFD-1FD6-4574-A9D7-C80550FB2799}" v="1597" dt="2018-05-09T08:06:39.852"/>
+  </p1510:revLst>
+</p1510:revInfo>
+</file>
+
 <file path=ppt/changesInfos/changesInfo1.xml><?xml version="1.0" encoding="utf-8"?>
 <pc:chgInfo xmlns:a="http://schemas.openxmlformats.org/drawingml/2006/main" xmlns:r="http://schemas.openxmlformats.org/officeDocument/2006/relationships" xmlns:ac="http://schemas.microsoft.com/office/drawing/2013/main/command" xmlns:pc="http://schemas.microsoft.com/office/powerpoint/2013/main/command">
   <pc:docChgLst>
-    <pc:chgData name="Antonia H." userId="da08060cd893cdf4" providerId="Windows Live" clId="Web-{A01B1539-1B23-4F4E-BE58-ECF19CF911F9}"/>
-    <pc:docChg chg="addSld modSld">
-      <pc:chgData name="Antonia H." userId="da08060cd893cdf4" providerId="Windows Live" clId="Web-{A01B1539-1B23-4F4E-BE58-ECF19CF911F9}" dt="2018-05-04T21:13:10.465" v="6"/>
+    <pc:chgData name="Moritz Nipshagen" userId="ee3b3bbc25b4cb6d" providerId="LiveId" clId="{89800FAC-459B-4A6B-8E52-6A9F5D47AABB}"/>
+    <pc:docChg chg="modSld">
+      <pc:chgData name="Moritz Nipshagen" userId="ee3b3bbc25b4cb6d" providerId="LiveId" clId="{89800FAC-459B-4A6B-8E52-6A9F5D47AABB}" dt="2018-05-06T16:57:47.576" v="35"/>
       <pc:docMkLst>
         <pc:docMk/>
       </pc:docMkLst>
-      <pc:sldChg chg="modSp new">
-        <pc:chgData name="Antonia H." userId="da08060cd893cdf4" providerId="Windows Live" clId="Web-{A01B1539-1B23-4F4E-BE58-ECF19CF911F9}" dt="2018-05-04T21:13:10.465" v="5"/>
+      <pc:sldChg chg="addCm">
+        <pc:chgData name="Moritz Nipshagen" userId="ee3b3bbc25b4cb6d" providerId="LiveId" clId="{89800FAC-459B-4A6B-8E52-6A9F5D47AABB}" dt="2018-05-06T16:57:47.576" v="35"/>
+        <pc:sldMkLst>
+          <pc:docMk/>
+          <pc:sldMk cId="541990114" sldId="261"/>
+        </pc:sldMkLst>
+      </pc:sldChg>
+      <pc:sldChg chg="addCm modCm">
+        <pc:chgData name="Moritz Nipshagen" userId="ee3b3bbc25b4cb6d" providerId="LiveId" clId="{89800FAC-459B-4A6B-8E52-6A9F5D47AABB}" dt="2018-05-06T16:42:50.841" v="1"/>
+        <pc:sldMkLst>
+          <pc:docMk/>
+          <pc:sldMk cId="608969387" sldId="267"/>
+        </pc:sldMkLst>
+      </pc:sldChg>
+      <pc:sldChg chg="addCm modCm">
+        <pc:chgData name="Moritz Nipshagen" userId="ee3b3bbc25b4cb6d" providerId="LiveId" clId="{89800FAC-459B-4A6B-8E52-6A9F5D47AABB}" dt="2018-05-06T16:45:51.432" v="3"/>
+        <pc:sldMkLst>
+          <pc:docMk/>
+          <pc:sldMk cId="1236686889" sldId="268"/>
+        </pc:sldMkLst>
+      </pc:sldChg>
+      <pc:sldChg chg="addCm modCm">
+        <pc:chgData name="Moritz Nipshagen" userId="ee3b3bbc25b4cb6d" providerId="LiveId" clId="{89800FAC-459B-4A6B-8E52-6A9F5D47AABB}" dt="2018-05-06T16:46:55.193" v="6"/>
+        <pc:sldMkLst>
+          <pc:docMk/>
+          <pc:sldMk cId="1455336899" sldId="269"/>
+        </pc:sldMkLst>
+      </pc:sldChg>
+      <pc:sldChg chg="addCm">
+        <pc:chgData name="Moritz Nipshagen" userId="ee3b3bbc25b4cb6d" providerId="LiveId" clId="{89800FAC-459B-4A6B-8E52-6A9F5D47AABB}" dt="2018-05-06T16:49:03.001" v="12"/>
+        <pc:sldMkLst>
+          <pc:docMk/>
+          <pc:sldMk cId="3660028228" sldId="274"/>
+        </pc:sldMkLst>
+      </pc:sldChg>
+      <pc:sldChg chg="addCm modCm">
+        <pc:chgData name="Moritz Nipshagen" userId="ee3b3bbc25b4cb6d" providerId="LiveId" clId="{89800FAC-459B-4A6B-8E52-6A9F5D47AABB}" dt="2018-05-06T16:49:23.704" v="14"/>
         <pc:sldMkLst>
           <pc:docMk/>
           <pc:sldMk cId="3234975730" sldId="275"/>
         </pc:sldMkLst>
-        <pc:spChg chg="mod">
-          <ac:chgData name="Antonia H." userId="da08060cd893cdf4" providerId="Windows Live" clId="Web-{A01B1539-1B23-4F4E-BE58-ECF19CF911F9}" dt="2018-05-04T21:13:10.465" v="5"/>
-          <ac:spMkLst>
-            <pc:docMk/>
-            <pc:sldMk cId="3234975730" sldId="275"/>
-            <ac:spMk id="2" creationId="{F14E151B-6042-427C-86B5-E6DB4E9A3CE8}"/>
-          </ac:spMkLst>
-        </pc:spChg>
       </pc:sldChg>
-    </pc:docChg>
-  </pc:docChgLst>
-  <pc:docChgLst>
-    <pc:chgData name="Moritz Nipshagen" userId="ee3b3bbc25b4cb6d" providerId="LiveId" clId="{29B88FFD-1FD6-4574-A9D7-C80550FB2799}"/>
-    <pc:docChg chg="undo modSld sldOrd">
-      <pc:chgData name="Moritz Nipshagen" userId="ee3b3bbc25b4cb6d" providerId="LiveId" clId="{29B88FFD-1FD6-4574-A9D7-C80550FB2799}" dt="2018-05-07T13:12:20.576" v="46"/>
-      <pc:docMkLst>
-        <pc:docMk/>
-      </pc:docMkLst>
-      <pc:sldChg chg="ord">
-        <pc:chgData name="Moritz Nipshagen" userId="ee3b3bbc25b4cb6d" providerId="LiveId" clId="{29B88FFD-1FD6-4574-A9D7-C80550FB2799}" dt="2018-05-07T12:29:39.960" v="1"/>
+      <pc:sldChg chg="addCm modCm">
+        <pc:chgData name="Moritz Nipshagen" userId="ee3b3bbc25b4cb6d" providerId="LiveId" clId="{89800FAC-459B-4A6B-8E52-6A9F5D47AABB}" dt="2018-05-06T16:50:19.816" v="18"/>
         <pc:sldMkLst>
           <pc:docMk/>
-          <pc:sldMk cId="1309100374" sldId="256"/>
-        </pc:sldMkLst>
-      </pc:sldChg>
-      <pc:sldChg chg="ord">
-        <pc:chgData name="Moritz Nipshagen" userId="ee3b3bbc25b4cb6d" providerId="LiveId" clId="{29B88FFD-1FD6-4574-A9D7-C80550FB2799}" dt="2018-05-07T12:29:34.348" v="0"/>
-        <pc:sldMkLst>
-          <pc:docMk/>
-          <pc:sldMk cId="2788220547" sldId="283"/>
+          <pc:sldMk cId="138513243" sldId="277"/>
         </pc:sldMkLst>
       </pc:sldChg>
       <pc:sldChg chg="addCm modCm">
-        <pc:chgData name="Moritz Nipshagen" userId="ee3b3bbc25b4cb6d" providerId="LiveId" clId="{29B88FFD-1FD6-4574-A9D7-C80550FB2799}" dt="2018-05-07T12:59:29.279" v="38"/>
+        <pc:chgData name="Moritz Nipshagen" userId="ee3b3bbc25b4cb6d" providerId="LiveId" clId="{89800FAC-459B-4A6B-8E52-6A9F5D47AABB}" dt="2018-05-06T16:51:05.559" v="20"/>
         <pc:sldMkLst>
           <pc:docMk/>
-          <pc:sldMk cId="1997070144" sldId="286"/>
+          <pc:sldMk cId="151621342" sldId="279"/>
         </pc:sldMkLst>
       </pc:sldChg>
-      <pc:sldChg chg="modSp addCm modCm">
-        <pc:chgData name="Moritz Nipshagen" userId="ee3b3bbc25b4cb6d" providerId="LiveId" clId="{29B88FFD-1FD6-4574-A9D7-C80550FB2799}" dt="2018-05-07T12:33:13.410" v="9"/>
+      <pc:sldChg chg="modSp addCm delCm modCm">
+        <pc:chgData name="Moritz Nipshagen" userId="ee3b3bbc25b4cb6d" providerId="LiveId" clId="{89800FAC-459B-4A6B-8E52-6A9F5D47AABB}" dt="2018-05-06T16:52:34.545" v="25"/>
         <pc:sldMkLst>
           <pc:docMk/>
-          <pc:sldMk cId="2931144488" sldId="288"/>
+          <pc:sldMk cId="1038459410" sldId="280"/>
         </pc:sldMkLst>
         <pc:spChg chg="mod">
-          <ac:chgData name="Moritz Nipshagen" userId="ee3b3bbc25b4cb6d" providerId="LiveId" clId="{29B88FFD-1FD6-4574-A9D7-C80550FB2799}" dt="2018-05-07T12:32:44.940" v="6" actId="1076"/>
+          <ac:chgData name="Moritz Nipshagen" userId="ee3b3bbc25b4cb6d" providerId="LiveId" clId="{89800FAC-459B-4A6B-8E52-6A9F5D47AABB}" dt="2018-05-06T16:51:34.034" v="22" actId="20577"/>
           <ac:spMkLst>
             <pc:docMk/>
-            <pc:sldMk cId="2931144488" sldId="288"/>
-            <ac:spMk id="6" creationId="{834E74A6-1D55-4CF2-81BA-7B666291B430}"/>
+            <pc:sldMk cId="1038459410" sldId="280"/>
+            <ac:spMk id="2" creationId="{E9887E70-004E-4E54-8EC2-569202DD8951}"/>
           </ac:spMkLst>
         </pc:spChg>
       </pc:sldChg>
       <pc:sldChg chg="addCm modCm">
-        <pc:chgData name="Moritz Nipshagen" userId="ee3b3bbc25b4cb6d" providerId="LiveId" clId="{29B88FFD-1FD6-4574-A9D7-C80550FB2799}" dt="2018-05-07T12:39:50.251" v="11"/>
+        <pc:chgData name="Moritz Nipshagen" userId="ee3b3bbc25b4cb6d" providerId="LiveId" clId="{89800FAC-459B-4A6B-8E52-6A9F5D47AABB}" dt="2018-05-06T16:53:28.023" v="28"/>
         <pc:sldMkLst>
           <pc:docMk/>
-          <pc:sldMk cId="2728745322" sldId="289"/>
+          <pc:sldMk cId="2760054146" sldId="281"/>
         </pc:sldMkLst>
       </pc:sldChg>
       <pc:sldChg chg="addCm modCm">
-        <pc:chgData name="Moritz Nipshagen" userId="ee3b3bbc25b4cb6d" providerId="LiveId" clId="{29B88FFD-1FD6-4574-A9D7-C80550FB2799}" dt="2018-05-07T12:43:51.911" v="17"/>
+        <pc:chgData name="Moritz Nipshagen" userId="ee3b3bbc25b4cb6d" providerId="LiveId" clId="{89800FAC-459B-4A6B-8E52-6A9F5D47AABB}" dt="2018-05-06T16:56:03.751" v="32"/>
         <pc:sldMkLst>
           <pc:docMk/>
-          <pc:sldMk cId="1529941566" sldId="290"/>
-        </pc:sldMkLst>
-      </pc:sldChg>
-      <pc:sldChg chg="addCm modCm">
-        <pc:chgData name="Moritz Nipshagen" userId="ee3b3bbc25b4cb6d" providerId="LiveId" clId="{29B88FFD-1FD6-4574-A9D7-C80550FB2799}" dt="2018-05-07T12:49:46.074" v="22"/>
-        <pc:sldMkLst>
-          <pc:docMk/>
-          <pc:sldMk cId="534387332" sldId="291"/>
-        </pc:sldMkLst>
-      </pc:sldChg>
-      <pc:sldChg chg="addCm modCm">
-        <pc:chgData name="Moritz Nipshagen" userId="ee3b3bbc25b4cb6d" providerId="LiveId" clId="{29B88FFD-1FD6-4574-A9D7-C80550FB2799}" dt="2018-05-07T12:51:23.797" v="26"/>
-        <pc:sldMkLst>
-          <pc:docMk/>
-          <pc:sldMk cId="3527562659" sldId="292"/>
-        </pc:sldMkLst>
-      </pc:sldChg>
-      <pc:sldChg chg="addCm modCm">
-        <pc:chgData name="Moritz Nipshagen" userId="ee3b3bbc25b4cb6d" providerId="LiveId" clId="{29B88FFD-1FD6-4574-A9D7-C80550FB2799}" dt="2018-05-07T12:52:49.558" v="29"/>
-        <pc:sldMkLst>
-          <pc:docMk/>
-          <pc:sldMk cId="3222949515" sldId="293"/>
-        </pc:sldMkLst>
-      </pc:sldChg>
-      <pc:sldChg chg="modSp addCm modCm">
-        <pc:chgData name="Moritz Nipshagen" userId="ee3b3bbc25b4cb6d" providerId="LiveId" clId="{29B88FFD-1FD6-4574-A9D7-C80550FB2799}" dt="2018-05-07T12:58:24.537" v="34"/>
-        <pc:sldMkLst>
-          <pc:docMk/>
-          <pc:sldMk cId="1885901484" sldId="294"/>
-        </pc:sldMkLst>
-        <pc:spChg chg="mod">
-          <ac:chgData name="Moritz Nipshagen" userId="ee3b3bbc25b4cb6d" providerId="LiveId" clId="{29B88FFD-1FD6-4574-A9D7-C80550FB2799}" dt="2018-05-07T12:54:30.290" v="30" actId="20577"/>
-          <ac:spMkLst>
-            <pc:docMk/>
-            <pc:sldMk cId="1885901484" sldId="294"/>
-            <ac:spMk id="6" creationId="{7DD28814-2C66-4ED5-9973-27A905C58D80}"/>
-          </ac:spMkLst>
-        </pc:spChg>
-      </pc:sldChg>
-      <pc:sldChg chg="addCm modCm">
-        <pc:chgData name="Moritz Nipshagen" userId="ee3b3bbc25b4cb6d" providerId="LiveId" clId="{29B88FFD-1FD6-4574-A9D7-C80550FB2799}" dt="2018-05-07T12:59:10.982" v="36"/>
-        <pc:sldMkLst>
-          <pc:docMk/>
-          <pc:sldMk cId="1599932138" sldId="295"/>
-        </pc:sldMkLst>
-      </pc:sldChg>
-      <pc:sldChg chg="addCm modCm">
-        <pc:chgData name="Moritz Nipshagen" userId="ee3b3bbc25b4cb6d" providerId="LiveId" clId="{29B88FFD-1FD6-4574-A9D7-C80550FB2799}" dt="2018-05-07T13:00:31.871" v="42"/>
-        <pc:sldMkLst>
-          <pc:docMk/>
-          <pc:sldMk cId="2112731322" sldId="296"/>
-        </pc:sldMkLst>
-      </pc:sldChg>
-      <pc:sldChg chg="addCm modCm">
-        <pc:chgData name="Moritz Nipshagen" userId="ee3b3bbc25b4cb6d" providerId="LiveId" clId="{29B88FFD-1FD6-4574-A9D7-C80550FB2799}" dt="2018-05-07T13:12:20.576" v="46"/>
-        <pc:sldMkLst>
-          <pc:docMk/>
-          <pc:sldMk cId="1834800628" sldId="297"/>
+          <pc:sldMk cId="377796833" sldId="282"/>
         </pc:sldMkLst>
       </pc:sldChg>
     </pc:docChg>
   </pc:docChgLst>
   <pc:docChgLst>
-    <pc:chgData name="Antonia H." userId="da08060cd893cdf4" providerId="Windows Live" clId="Web-{B0531029-AE6B-49AC-BC80-C06618D99EBB}"/>
-    <pc:docChg chg="addSld delSld modSld">
-      <pc:chgData name="Antonia H." userId="da08060cd893cdf4" providerId="Windows Live" clId="Web-{B0531029-AE6B-49AC-BC80-C06618D99EBB}" dt="2018-05-04T15:43:43.779" v="1240"/>
+    <pc:chgData name="Antonia H." userId="da08060cd893cdf4" providerId="Windows Live" clId="Web-{65C8DDD2-AB1B-4CBB-8699-32091EC35729}"/>
+    <pc:docChg chg="">
+      <pc:chgData name="Antonia H." userId="da08060cd893cdf4" providerId="Windows Live" clId="Web-{65C8DDD2-AB1B-4CBB-8699-32091EC35729}" dt="2018-05-08T23:21:01.206" v="0"/>
       <pc:docMkLst>
         <pc:docMk/>
       </pc:docMkLst>
-      <pc:sldChg chg="modSp modNotes">
-        <pc:chgData name="Antonia H." userId="da08060cd893cdf4" providerId="Windows Live" clId="Web-{B0531029-AE6B-49AC-BC80-C06618D99EBB}" dt="2018-05-04T15:14:05.589" v="311"/>
-        <pc:sldMkLst>
-          <pc:docMk/>
-          <pc:sldMk cId="1455336899" sldId="269"/>
-        </pc:sldMkLst>
-        <pc:spChg chg="mod">
-          <ac:chgData name="Antonia H." userId="da08060cd893cdf4" providerId="Windows Live" clId="Web-{B0531029-AE6B-49AC-BC80-C06618D99EBB}" dt="2018-05-04T15:14:05.589" v="311"/>
-          <ac:spMkLst>
-            <pc:docMk/>
-            <pc:sldMk cId="1455336899" sldId="269"/>
-            <ac:spMk id="3" creationId="{60CB2CC6-0C49-4602-B491-AF89B535960C}"/>
-          </ac:spMkLst>
-        </pc:spChg>
-      </pc:sldChg>
-      <pc:sldChg chg="addSp modSp new">
-        <pc:chgData name="Antonia H." userId="da08060cd893cdf4" providerId="Windows Live" clId="Web-{B0531029-AE6B-49AC-BC80-C06618D99EBB}" dt="2018-05-04T14:59:58.979" v="285"/>
-        <pc:sldMkLst>
-          <pc:docMk/>
-          <pc:sldMk cId="2613893894" sldId="272"/>
-        </pc:sldMkLst>
-        <pc:spChg chg="mod">
-          <ac:chgData name="Antonia H." userId="da08060cd893cdf4" providerId="Windows Live" clId="Web-{B0531029-AE6B-49AC-BC80-C06618D99EBB}" dt="2018-05-04T14:55:36.115" v="32"/>
-          <ac:spMkLst>
-            <pc:docMk/>
-            <pc:sldMk cId="2613893894" sldId="272"/>
-            <ac:spMk id="2" creationId="{7B7C0CD7-D996-4495-B2EF-0202CE3AB0E5}"/>
-          </ac:spMkLst>
-        </pc:spChg>
-        <pc:spChg chg="mod">
-          <ac:chgData name="Antonia H." userId="da08060cd893cdf4" providerId="Windows Live" clId="Web-{B0531029-AE6B-49AC-BC80-C06618D99EBB}" dt="2018-05-04T14:59:58.979" v="285"/>
-          <ac:spMkLst>
-            <pc:docMk/>
-            <pc:sldMk cId="2613893894" sldId="272"/>
-            <ac:spMk id="3" creationId="{8A2C1CE0-FA47-4B81-87B2-B9B1E8CDFE35}"/>
-          </ac:spMkLst>
-        </pc:spChg>
-        <pc:spChg chg="add mod">
-          <ac:chgData name="Antonia H." userId="da08060cd893cdf4" providerId="Windows Live" clId="Web-{B0531029-AE6B-49AC-BC80-C06618D99EBB}" dt="2018-05-04T14:56:40.194" v="38"/>
-          <ac:spMkLst>
-            <pc:docMk/>
-            <pc:sldMk cId="2613893894" sldId="272"/>
-            <ac:spMk id="7" creationId="{42C81482-75AA-48C4-93A1-24E0D657BB02}"/>
-          </ac:spMkLst>
-        </pc:spChg>
-        <pc:picChg chg="add mod">
-          <ac:chgData name="Antonia H." userId="da08060cd893cdf4" providerId="Windows Live" clId="Web-{B0531029-AE6B-49AC-BC80-C06618D99EBB}" dt="2018-05-04T14:56:40.178" v="37"/>
-          <ac:picMkLst>
-            <pc:docMk/>
-            <pc:sldMk cId="2613893894" sldId="272"/>
-            <ac:picMk id="6" creationId="{867BE37B-C8FA-4F31-BB5A-A839B5D6B796}"/>
-          </ac:picMkLst>
-        </pc:picChg>
-      </pc:sldChg>
-      <pc:sldChg chg="delSp modSp add replId addCm modCm">
-        <pc:chgData name="Antonia H." userId="da08060cd893cdf4" providerId="Windows Live" clId="Web-{B0531029-AE6B-49AC-BC80-C06618D99EBB}" dt="2018-05-04T15:25:36.555" v="923"/>
-        <pc:sldMkLst>
-          <pc:docMk/>
-          <pc:sldMk cId="1039991320" sldId="273"/>
-        </pc:sldMkLst>
-        <pc:spChg chg="mod">
-          <ac:chgData name="Antonia H." userId="da08060cd893cdf4" providerId="Windows Live" clId="Web-{B0531029-AE6B-49AC-BC80-C06618D99EBB}" dt="2018-05-04T15:19:36.174" v="487"/>
-          <ac:spMkLst>
-            <pc:docMk/>
-            <pc:sldMk cId="1039991320" sldId="273"/>
-            <ac:spMk id="2" creationId="{7B7C0CD7-D996-4495-B2EF-0202CE3AB0E5}"/>
-          </ac:spMkLst>
-        </pc:spChg>
-        <pc:spChg chg="mod">
-          <ac:chgData name="Antonia H." userId="da08060cd893cdf4" providerId="Windows Live" clId="Web-{B0531029-AE6B-49AC-BC80-C06618D99EBB}" dt="2018-05-04T15:25:36.555" v="923"/>
-          <ac:spMkLst>
-            <pc:docMk/>
-            <pc:sldMk cId="1039991320" sldId="273"/>
-            <ac:spMk id="3" creationId="{8A2C1CE0-FA47-4B81-87B2-B9B1E8CDFE35}"/>
-          </ac:spMkLst>
-        </pc:spChg>
-        <pc:spChg chg="del mod">
-          <ac:chgData name="Antonia H." userId="da08060cd893cdf4" providerId="Windows Live" clId="Web-{B0531029-AE6B-49AC-BC80-C06618D99EBB}" dt="2018-05-04T15:17:04.842" v="327"/>
-          <ac:spMkLst>
-            <pc:docMk/>
-            <pc:sldMk cId="1039991320" sldId="273"/>
-            <ac:spMk id="7" creationId="{42C81482-75AA-48C4-93A1-24E0D657BB02}"/>
-          </ac:spMkLst>
-        </pc:spChg>
-        <pc:picChg chg="del">
-          <ac:chgData name="Antonia H." userId="da08060cd893cdf4" providerId="Windows Live" clId="Web-{B0531029-AE6B-49AC-BC80-C06618D99EBB}" dt="2018-05-04T15:17:01.530" v="323"/>
-          <ac:picMkLst>
-            <pc:docMk/>
-            <pc:sldMk cId="1039991320" sldId="273"/>
-            <ac:picMk id="6" creationId="{867BE37B-C8FA-4F31-BB5A-A839B5D6B796}"/>
-          </ac:picMkLst>
-        </pc:picChg>
-      </pc:sldChg>
-      <pc:sldChg chg="addSp modSp new addCm modNotes">
-        <pc:chgData name="Antonia H." userId="da08060cd893cdf4" providerId="Windows Live" clId="Web-{B0531029-AE6B-49AC-BC80-C06618D99EBB}" dt="2018-05-04T15:43:43.779" v="1240"/>
-        <pc:sldMkLst>
-          <pc:docMk/>
-          <pc:sldMk cId="3660028228" sldId="274"/>
-        </pc:sldMkLst>
-        <pc:spChg chg="mod">
-          <ac:chgData name="Antonia H." userId="da08060cd893cdf4" providerId="Windows Live" clId="Web-{B0531029-AE6B-49AC-BC80-C06618D99EBB}" dt="2018-05-04T15:25:51.227" v="930"/>
-          <ac:spMkLst>
-            <pc:docMk/>
-            <pc:sldMk cId="3660028228" sldId="274"/>
-            <ac:spMk id="2" creationId="{D7E27CE0-119E-4CD5-893A-F2A185A0DDB4}"/>
-          </ac:spMkLst>
-        </pc:spChg>
-        <pc:spChg chg="mod">
-          <ac:chgData name="Antonia H." userId="da08060cd893cdf4" providerId="Windows Live" clId="Web-{B0531029-AE6B-49AC-BC80-C06618D99EBB}" dt="2018-05-04T15:35:29.098" v="1231"/>
-          <ac:spMkLst>
-            <pc:docMk/>
-            <pc:sldMk cId="3660028228" sldId="274"/>
-            <ac:spMk id="3" creationId="{D03D88D9-7D55-4FFD-9778-7B1D51DCE2E4}"/>
-          </ac:spMkLst>
-        </pc:spChg>
-        <pc:spChg chg="add mod">
-          <ac:chgData name="Antonia H." userId="da08060cd893cdf4" providerId="Windows Live" clId="Web-{B0531029-AE6B-49AC-BC80-C06618D99EBB}" dt="2018-05-04T15:43:43.779" v="1240"/>
-          <ac:spMkLst>
-            <pc:docMk/>
-            <pc:sldMk cId="3660028228" sldId="274"/>
-            <ac:spMk id="8" creationId="{9ED1CA00-6374-40A6-9AAB-8825B32644D7}"/>
-          </ac:spMkLst>
-        </pc:spChg>
-        <pc:picChg chg="add mod">
-          <ac:chgData name="Antonia H." userId="da08060cd893cdf4" providerId="Windows Live" clId="Web-{B0531029-AE6B-49AC-BC80-C06618D99EBB}" dt="2018-05-04T15:43:26.248" v="1238"/>
-          <ac:picMkLst>
-            <pc:docMk/>
-            <pc:sldMk cId="3660028228" sldId="274"/>
-            <ac:picMk id="5" creationId="{9859DF95-7831-496C-9B52-83C753264486}"/>
-          </ac:picMkLst>
-        </pc:picChg>
-      </pc:sldChg>
-    </pc:docChg>
-  </pc:docChgLst>
-  <pc:docChgLst>
-    <pc:chgData name="Antonia H." userId="da08060cd893cdf4" providerId="Windows Live" clId="Web-{6C1C8969-1520-4DF8-8BE3-BF2EB65DD6BB}"/>
-    <pc:docChg chg="modSld sldOrd">
-      <pc:chgData name="Antonia H." userId="da08060cd893cdf4" providerId="Windows Live" clId="Web-{6C1C8969-1520-4DF8-8BE3-BF2EB65DD6BB}" dt="2018-05-05T12:45:12.187" v="405"/>
-      <pc:docMkLst>
-        <pc:docMk/>
-      </pc:docMkLst>
-      <pc:sldChg chg="modSp">
-        <pc:chgData name="Antonia H." userId="da08060cd893cdf4" providerId="Windows Live" clId="Web-{6C1C8969-1520-4DF8-8BE3-BF2EB65DD6BB}" dt="2018-05-05T12:27:11.503" v="37"/>
-        <pc:sldMkLst>
-          <pc:docMk/>
-          <pc:sldMk cId="138513243" sldId="277"/>
-        </pc:sldMkLst>
-        <pc:spChg chg="mod">
-          <ac:chgData name="Antonia H." userId="da08060cd893cdf4" providerId="Windows Live" clId="Web-{6C1C8969-1520-4DF8-8BE3-BF2EB65DD6BB}" dt="2018-05-05T12:27:11.503" v="37"/>
-          <ac:spMkLst>
-            <pc:docMk/>
-            <pc:sldMk cId="138513243" sldId="277"/>
-            <ac:spMk id="5" creationId="{C71AE9B4-B67A-4A38-98AB-9129A5BDFB14}"/>
-          </ac:spMkLst>
-        </pc:spChg>
-      </pc:sldChg>
-      <pc:sldChg chg="addSp modSp modNotes">
-        <pc:chgData name="Antonia H." userId="da08060cd893cdf4" providerId="Windows Live" clId="Web-{6C1C8969-1520-4DF8-8BE3-BF2EB65DD6BB}" dt="2018-05-05T12:45:12.187" v="405"/>
-        <pc:sldMkLst>
-          <pc:docMk/>
-          <pc:sldMk cId="964619605" sldId="278"/>
-        </pc:sldMkLst>
-        <pc:spChg chg="mod">
-          <ac:chgData name="Antonia H." userId="da08060cd893cdf4" providerId="Windows Live" clId="Web-{6C1C8969-1520-4DF8-8BE3-BF2EB65DD6BB}" dt="2018-05-05T12:27:03.675" v="28"/>
-          <ac:spMkLst>
-            <pc:docMk/>
-            <pc:sldMk cId="964619605" sldId="278"/>
-            <ac:spMk id="2" creationId="{DC447A74-EE68-4C19-B334-AC1F6C97BBD6}"/>
-          </ac:spMkLst>
-        </pc:spChg>
-        <pc:spChg chg="mod">
-          <ac:chgData name="Antonia H." userId="da08060cd893cdf4" providerId="Windows Live" clId="Web-{6C1C8969-1520-4DF8-8BE3-BF2EB65DD6BB}" dt="2018-05-05T12:45:06.156" v="402"/>
-          <ac:spMkLst>
-            <pc:docMk/>
-            <pc:sldMk cId="964619605" sldId="278"/>
-            <ac:spMk id="3" creationId="{2C59D76C-56D9-456B-AA29-4770DF0DD128}"/>
-          </ac:spMkLst>
-        </pc:spChg>
-        <pc:spChg chg="add mod">
-          <ac:chgData name="Antonia H." userId="da08060cd893cdf4" providerId="Windows Live" clId="Web-{6C1C8969-1520-4DF8-8BE3-BF2EB65DD6BB}" dt="2018-05-05T12:45:12.187" v="405"/>
-          <ac:spMkLst>
-            <pc:docMk/>
-            <pc:sldMk cId="964619605" sldId="278"/>
-            <ac:spMk id="6" creationId="{1CBD9E94-E81F-4EB0-BEC3-D5BA47B27F30}"/>
-          </ac:spMkLst>
-        </pc:spChg>
-      </pc:sldChg>
-      <pc:sldChg chg="addSp modSp ord">
-        <pc:chgData name="Antonia H." userId="da08060cd893cdf4" providerId="Windows Live" clId="Web-{6C1C8969-1520-4DF8-8BE3-BF2EB65DD6BB}" dt="2018-05-05T12:41:34.498" v="209"/>
-        <pc:sldMkLst>
-          <pc:docMk/>
-          <pc:sldMk cId="151621342" sldId="279"/>
-        </pc:sldMkLst>
-        <pc:spChg chg="mod">
-          <ac:chgData name="Antonia H." userId="da08060cd893cdf4" providerId="Windows Live" clId="Web-{6C1C8969-1520-4DF8-8BE3-BF2EB65DD6BB}" dt="2018-05-05T12:38:37.201" v="178"/>
-          <ac:spMkLst>
-            <pc:docMk/>
-            <pc:sldMk cId="151621342" sldId="279"/>
-            <ac:spMk id="3" creationId="{2C59D76C-56D9-456B-AA29-4770DF0DD128}"/>
-          </ac:spMkLst>
-        </pc:spChg>
-        <pc:spChg chg="add mod">
-          <ac:chgData name="Antonia H." userId="da08060cd893cdf4" providerId="Windows Live" clId="Web-{6C1C8969-1520-4DF8-8BE3-BF2EB65DD6BB}" dt="2018-05-05T12:41:34.498" v="209"/>
-          <ac:spMkLst>
-            <pc:docMk/>
-            <pc:sldMk cId="151621342" sldId="279"/>
-            <ac:spMk id="5" creationId="{5ECA2A81-D2BD-4E10-98C1-4DA1603682D4}"/>
-          </ac:spMkLst>
-        </pc:spChg>
-      </pc:sldChg>
-    </pc:docChg>
-  </pc:docChgLst>
-  <pc:docChgLst>
-    <pc:chgData name="Antonia H." userId="da08060cd893cdf4" providerId="Windows Live" clId="Web-{07514F11-A717-4A31-B590-C0340D59FC3B}"/>
-    <pc:docChg chg="modSld">
-      <pc:chgData name="Antonia H." userId="da08060cd893cdf4" providerId="Windows Live" clId="Web-{07514F11-A717-4A31-B590-C0340D59FC3B}" dt="2018-05-08T11:17:38.563" v="233"/>
-      <pc:docMkLst>
-        <pc:docMk/>
-      </pc:docMkLst>
-      <pc:sldChg chg="modSp modNotes">
-        <pc:chgData name="Antonia H." userId="da08060cd893cdf4" providerId="Windows Live" clId="Web-{07514F11-A717-4A31-B590-C0340D59FC3B}" dt="2018-05-08T11:17:31.032" v="231"/>
-        <pc:sldMkLst>
-          <pc:docMk/>
-          <pc:sldMk cId="138513243" sldId="277"/>
-        </pc:sldMkLst>
-        <pc:spChg chg="mod">
-          <ac:chgData name="Antonia H." userId="da08060cd893cdf4" providerId="Windows Live" clId="Web-{07514F11-A717-4A31-B590-C0340D59FC3B}" dt="2018-05-08T11:17:31.032" v="231"/>
-          <ac:spMkLst>
-            <pc:docMk/>
-            <pc:sldMk cId="138513243" sldId="277"/>
-            <ac:spMk id="5" creationId="{C71AE9B4-B67A-4A38-98AB-9129A5BDFB14}"/>
-          </ac:spMkLst>
-        </pc:spChg>
-      </pc:sldChg>
-      <pc:sldChg chg="delCm">
-        <pc:chgData name="Antonia H." userId="da08060cd893cdf4" providerId="Windows Live" clId="Web-{07514F11-A717-4A31-B590-C0340D59FC3B}" dt="2018-05-08T11:17:38.563" v="233"/>
-        <pc:sldMkLst>
-          <pc:docMk/>
-          <pc:sldMk cId="151621342" sldId="279"/>
-        </pc:sldMkLst>
-      </pc:sldChg>
-    </pc:docChg>
-  </pc:docChgLst>
-  <pc:docChgLst>
-    <pc:chgData name="Antonia H." userId="da08060cd893cdf4" providerId="Windows Live" clId="Web-{41ED416B-9D2D-4C0C-B881-984A27A7E006}"/>
-    <pc:docChg chg="addSld modSld sldOrd">
-      <pc:chgData name="Antonia H." userId="da08060cd893cdf4" providerId="Windows Live" clId="Web-{41ED416B-9D2D-4C0C-B881-984A27A7E006}" dt="2018-05-05T17:58:23.252" v="210"/>
-      <pc:docMkLst>
-        <pc:docMk/>
-      </pc:docMkLst>
-      <pc:sldChg chg="addSp modSp new modNotes">
-        <pc:chgData name="Antonia H." userId="da08060cd893cdf4" providerId="Windows Live" clId="Web-{41ED416B-9D2D-4C0C-B881-984A27A7E006}" dt="2018-05-05T17:58:23.252" v="210"/>
-        <pc:sldMkLst>
-          <pc:docMk/>
-          <pc:sldMk cId="2788220547" sldId="283"/>
-        </pc:sldMkLst>
-        <pc:spChg chg="mod">
-          <ac:chgData name="Antonia H." userId="da08060cd893cdf4" providerId="Windows Live" clId="Web-{41ED416B-9D2D-4C0C-B881-984A27A7E006}" dt="2018-05-05T17:48:10.256" v="5"/>
-          <ac:spMkLst>
-            <pc:docMk/>
-            <pc:sldMk cId="2788220547" sldId="283"/>
-            <ac:spMk id="2" creationId="{7A9F486C-6D75-4F93-8811-ADCA8CE5DF2F}"/>
-          </ac:spMkLst>
-        </pc:spChg>
-        <pc:spChg chg="mod">
-          <ac:chgData name="Antonia H." userId="da08060cd893cdf4" providerId="Windows Live" clId="Web-{41ED416B-9D2D-4C0C-B881-984A27A7E006}" dt="2018-05-05T17:57:16.204" v="171"/>
-          <ac:spMkLst>
-            <pc:docMk/>
-            <pc:sldMk cId="2788220547" sldId="283"/>
-            <ac:spMk id="3" creationId="{5A186DE6-FD3E-4290-8308-D2322283BB5C}"/>
-          </ac:spMkLst>
-        </pc:spChg>
-        <pc:spChg chg="add mod">
-          <ac:chgData name="Antonia H." userId="da08060cd893cdf4" providerId="Windows Live" clId="Web-{41ED416B-9D2D-4C0C-B881-984A27A7E006}" dt="2018-05-05T17:57:51.956" v="179"/>
-          <ac:spMkLst>
-            <pc:docMk/>
-            <pc:sldMk cId="2788220547" sldId="283"/>
-            <ac:spMk id="6" creationId="{950A0326-FAEC-47CF-A597-969F34C623EB}"/>
-          </ac:spMkLst>
-        </pc:spChg>
-      </pc:sldChg>
-      <pc:sldChg chg="modSp new ord">
-        <pc:chgData name="Antonia H." userId="da08060cd893cdf4" providerId="Windows Live" clId="Web-{41ED416B-9D2D-4C0C-B881-984A27A7E006}" dt="2018-05-05T17:48:21.975" v="19"/>
-        <pc:sldMkLst>
-          <pc:docMk/>
-          <pc:sldMk cId="2046395673" sldId="284"/>
-        </pc:sldMkLst>
-        <pc:spChg chg="mod">
-          <ac:chgData name="Antonia H." userId="da08060cd893cdf4" providerId="Windows Live" clId="Web-{41ED416B-9D2D-4C0C-B881-984A27A7E006}" dt="2018-05-05T17:48:21.975" v="19"/>
-          <ac:spMkLst>
-            <pc:docMk/>
-            <pc:sldMk cId="2046395673" sldId="284"/>
-            <ac:spMk id="2" creationId="{2271E946-9645-4ADD-9AB0-5F12F072D381}"/>
-          </ac:spMkLst>
-        </pc:spChg>
-      </pc:sldChg>
-    </pc:docChg>
-  </pc:docChgLst>
-  <pc:docChgLst>
-    <pc:chgData name="Antonia H." userId="da08060cd893cdf4" providerId="Windows Live" clId="Web-{EB80B6CD-F390-4C5A-97C7-214C6DE115FE}"/>
-    <pc:docChg chg="addSld delSld modSld">
-      <pc:chgData name="Antonia H." userId="da08060cd893cdf4" providerId="Windows Live" clId="Web-{EB80B6CD-F390-4C5A-97C7-214C6DE115FE}" dt="2018-05-08T13:53:49.534" v="17"/>
-      <pc:docMkLst>
-        <pc:docMk/>
-      </pc:docMkLst>
-      <pc:sldChg chg="add del">
-        <pc:chgData name="Antonia H." userId="da08060cd893cdf4" providerId="Windows Live" clId="Web-{EB80B6CD-F390-4C5A-97C7-214C6DE115FE}" dt="2018-05-08T13:43:48.253" v="2"/>
-        <pc:sldMkLst>
-          <pc:docMk/>
-          <pc:sldMk cId="2613893894" sldId="272"/>
-        </pc:sldMkLst>
-      </pc:sldChg>
-      <pc:sldChg chg="modSp">
-        <pc:chgData name="Antonia H." userId="da08060cd893cdf4" providerId="Windows Live" clId="Web-{EB80B6CD-F390-4C5A-97C7-214C6DE115FE}" dt="2018-05-08T13:45:23.003" v="3"/>
-        <pc:sldMkLst>
-          <pc:docMk/>
-          <pc:sldMk cId="2760054146" sldId="281"/>
-        </pc:sldMkLst>
-        <pc:spChg chg="mod">
-          <ac:chgData name="Antonia H." userId="da08060cd893cdf4" providerId="Windows Live" clId="Web-{EB80B6CD-F390-4C5A-97C7-214C6DE115FE}" dt="2018-05-08T13:45:23.003" v="3"/>
-          <ac:spMkLst>
-            <pc:docMk/>
-            <pc:sldMk cId="2760054146" sldId="281"/>
-            <ac:spMk id="2" creationId="{E9887E70-004E-4E54-8EC2-569202DD8951}"/>
-          </ac:spMkLst>
-        </pc:spChg>
-      </pc:sldChg>
-      <pc:sldChg chg="modSp">
-        <pc:chgData name="Antonia H." userId="da08060cd893cdf4" providerId="Windows Live" clId="Web-{EB80B6CD-F390-4C5A-97C7-214C6DE115FE}" dt="2018-05-08T13:53:49.519" v="16"/>
-        <pc:sldMkLst>
-          <pc:docMk/>
-          <pc:sldMk cId="1343733425" sldId="304"/>
-        </pc:sldMkLst>
-        <pc:spChg chg="mod">
-          <ac:chgData name="Antonia H." userId="da08060cd893cdf4" providerId="Windows Live" clId="Web-{EB80B6CD-F390-4C5A-97C7-214C6DE115FE}" dt="2018-05-08T13:53:49.519" v="16"/>
-          <ac:spMkLst>
-            <pc:docMk/>
-            <pc:sldMk cId="1343733425" sldId="304"/>
-            <ac:spMk id="3" creationId="{8F7EF2D9-3798-4456-B6AB-D7AD594F578F}"/>
-          </ac:spMkLst>
-        </pc:spChg>
-      </pc:sldChg>
-    </pc:docChg>
-  </pc:docChgLst>
-  <pc:docChgLst>
-    <pc:chgData name="Antonia H." userId="da08060cd893cdf4" providerId="Windows Live" clId="Web-{C69ADD99-7266-4D1E-9617-0C92D6E9677A}"/>
-    <pc:docChg chg="addSld modSld">
-      <pc:chgData name="Antonia H." userId="da08060cd893cdf4" providerId="Windows Live" clId="Web-{C69ADD99-7266-4D1E-9617-0C92D6E9677A}" dt="2018-05-08T19:29:42.251" v="1802" actId="20577"/>
-      <pc:docMkLst>
-        <pc:docMk/>
-      </pc:docMkLst>
-      <pc:sldChg chg="modSp modNotes">
-        <pc:chgData name="Antonia H." userId="da08060cd893cdf4" providerId="Windows Live" clId="Web-{C69ADD99-7266-4D1E-9617-0C92D6E9677A}" dt="2018-05-08T18:42:44.099" v="693" actId="20577"/>
-        <pc:sldMkLst>
-          <pc:docMk/>
-          <pc:sldMk cId="2728745322" sldId="289"/>
-        </pc:sldMkLst>
-        <pc:spChg chg="mod">
-          <ac:chgData name="Antonia H." userId="da08060cd893cdf4" providerId="Windows Live" clId="Web-{C69ADD99-7266-4D1E-9617-0C92D6E9677A}" dt="2018-05-08T18:41:22.257" v="668" actId="20577"/>
-          <ac:spMkLst>
-            <pc:docMk/>
-            <pc:sldMk cId="2728745322" sldId="289"/>
-            <ac:spMk id="3" creationId="{4DDA3825-DD4A-4D96-AEE8-F3E4FF89C2D1}"/>
-          </ac:spMkLst>
-        </pc:spChg>
-      </pc:sldChg>
-      <pc:sldChg chg="modSp addCm delCm modCm">
-        <pc:chgData name="Antonia H." userId="da08060cd893cdf4" providerId="Windows Live" clId="Web-{C69ADD99-7266-4D1E-9617-0C92D6E9677A}" dt="2018-05-08T18:48:34.376" v="882" actId="20577"/>
-        <pc:sldMkLst>
-          <pc:docMk/>
-          <pc:sldMk cId="1529941566" sldId="290"/>
-        </pc:sldMkLst>
-        <pc:spChg chg="mod">
-          <ac:chgData name="Antonia H." userId="da08060cd893cdf4" providerId="Windows Live" clId="Web-{C69ADD99-7266-4D1E-9617-0C92D6E9677A}" dt="2018-05-08T18:48:34.376" v="882" actId="20577"/>
-          <ac:spMkLst>
-            <pc:docMk/>
-            <pc:sldMk cId="1529941566" sldId="290"/>
-            <ac:spMk id="3" creationId="{B89FBDA8-D8B5-433A-BC51-6FA2CB383BEF}"/>
-          </ac:spMkLst>
-        </pc:spChg>
-        <pc:spChg chg="mod">
-          <ac:chgData name="Antonia H." userId="da08060cd893cdf4" providerId="Windows Live" clId="Web-{C69ADD99-7266-4D1E-9617-0C92D6E9677A}" dt="2018-05-08T18:46:25.737" v="772" actId="1076"/>
-          <ac:spMkLst>
-            <pc:docMk/>
-            <pc:sldMk cId="1529941566" sldId="290"/>
-            <ac:spMk id="6" creationId="{139D3327-983B-4614-A819-89B003CF932C}"/>
-          </ac:spMkLst>
-        </pc:spChg>
-      </pc:sldChg>
-      <pc:sldChg chg="modSp modNotes">
-        <pc:chgData name="Antonia H." userId="da08060cd893cdf4" providerId="Windows Live" clId="Web-{C69ADD99-7266-4D1E-9617-0C92D6E9677A}" dt="2018-05-08T18:50:59.655" v="1007" actId="20577"/>
-        <pc:sldMkLst>
-          <pc:docMk/>
-          <pc:sldMk cId="534387332" sldId="291"/>
-        </pc:sldMkLst>
-        <pc:spChg chg="mod">
-          <ac:chgData name="Antonia H." userId="da08060cd893cdf4" providerId="Windows Live" clId="Web-{C69ADD99-7266-4D1E-9617-0C92D6E9677A}" dt="2018-05-08T18:50:59.655" v="1007" actId="20577"/>
-          <ac:spMkLst>
-            <pc:docMk/>
-            <pc:sldMk cId="534387332" sldId="291"/>
-            <ac:spMk id="3" creationId="{8F7EF2D9-3798-4456-B6AB-D7AD594F578F}"/>
-          </ac:spMkLst>
-        </pc:spChg>
-      </pc:sldChg>
-      <pc:sldChg chg="modNotes">
-        <pc:chgData name="Antonia H." userId="da08060cd893cdf4" providerId="Windows Live" clId="Web-{C69ADD99-7266-4D1E-9617-0C92D6E9677A}" dt="2018-05-08T18:54:24.575" v="1028" actId="20577"/>
-        <pc:sldMkLst>
-          <pc:docMk/>
-          <pc:sldMk cId="3527562659" sldId="292"/>
-        </pc:sldMkLst>
-      </pc:sldChg>
-      <pc:sldChg chg="modSp">
-        <pc:chgData name="Antonia H." userId="da08060cd893cdf4" providerId="Windows Live" clId="Web-{C69ADD99-7266-4D1E-9617-0C92D6E9677A}" dt="2018-05-08T19:00:29.898" v="1089" actId="20577"/>
-        <pc:sldMkLst>
-          <pc:docMk/>
-          <pc:sldMk cId="1885901484" sldId="294"/>
-        </pc:sldMkLst>
-        <pc:spChg chg="mod">
-          <ac:chgData name="Antonia H." userId="da08060cd893cdf4" providerId="Windows Live" clId="Web-{C69ADD99-7266-4D1E-9617-0C92D6E9677A}" dt="2018-05-08T19:00:29.898" v="1089" actId="20577"/>
-          <ac:spMkLst>
-            <pc:docMk/>
-            <pc:sldMk cId="1885901484" sldId="294"/>
-            <ac:spMk id="3" creationId="{8412D31A-8BBA-4A39-A26A-9FAB748ECDCC}"/>
-          </ac:spMkLst>
-        </pc:spChg>
-      </pc:sldChg>
-      <pc:sldChg chg="modSp modNotes">
-        <pc:chgData name="Antonia H." userId="da08060cd893cdf4" providerId="Windows Live" clId="Web-{C69ADD99-7266-4D1E-9617-0C92D6E9677A}" dt="2018-05-08T18:58:50.915" v="1080" actId="20577"/>
-        <pc:sldMkLst>
-          <pc:docMk/>
-          <pc:sldMk cId="1599932138" sldId="295"/>
-        </pc:sldMkLst>
-        <pc:spChg chg="mod">
-          <ac:chgData name="Antonia H." userId="da08060cd893cdf4" providerId="Windows Live" clId="Web-{C69ADD99-7266-4D1E-9617-0C92D6E9677A}" dt="2018-05-08T18:58:47.743" v="1078" actId="20577"/>
-          <ac:spMkLst>
-            <pc:docMk/>
-            <pc:sldMk cId="1599932138" sldId="295"/>
-            <ac:spMk id="3" creationId="{35BB2564-9EEC-45DC-B8F6-2676BB9D51BC}"/>
-          </ac:spMkLst>
-        </pc:spChg>
-      </pc:sldChg>
-      <pc:sldChg chg="addCm modCm">
-        <pc:chgData name="Antonia H." userId="da08060cd893cdf4" providerId="Windows Live" clId="Web-{C69ADD99-7266-4D1E-9617-0C92D6E9677A}" dt="2018-05-08T19:01:10.273" v="1091" actId="20577"/>
-        <pc:sldMkLst>
-          <pc:docMk/>
-          <pc:sldMk cId="2112731322" sldId="296"/>
-        </pc:sldMkLst>
-      </pc:sldChg>
-      <pc:sldChg chg="addSp delSp modSp">
-        <pc:chgData name="Antonia H." userId="da08060cd893cdf4" providerId="Windows Live" clId="Web-{C69ADD99-7266-4D1E-9617-0C92D6E9677A}" dt="2018-05-08T19:05:17.707" v="1105" actId="20577"/>
-        <pc:sldMkLst>
-          <pc:docMk/>
-          <pc:sldMk cId="4279001389" sldId="301"/>
-        </pc:sldMkLst>
-        <pc:spChg chg="mod">
-          <ac:chgData name="Antonia H." userId="da08060cd893cdf4" providerId="Windows Live" clId="Web-{C69ADD99-7266-4D1E-9617-0C92D6E9677A}" dt="2018-05-08T19:04:47.645" v="1098" actId="20577"/>
-          <ac:spMkLst>
-            <pc:docMk/>
-            <pc:sldMk cId="4279001389" sldId="301"/>
-            <ac:spMk id="3" creationId="{E645BEE6-195A-4CB8-BBBF-EEEDD648E111}"/>
-          </ac:spMkLst>
-        </pc:spChg>
-        <pc:spChg chg="del">
-          <ac:chgData name="Antonia H." userId="da08060cd893cdf4" providerId="Windows Live" clId="Web-{C69ADD99-7266-4D1E-9617-0C92D6E9677A}" dt="2018-05-08T19:04:25.192" v="1097" actId="20577"/>
-          <ac:spMkLst>
-            <pc:docMk/>
-            <pc:sldMk cId="4279001389" sldId="301"/>
-            <ac:spMk id="8" creationId="{416BCAEB-3558-4AF5-9D6E-66484374177F}"/>
-          </ac:spMkLst>
-        </pc:spChg>
-        <pc:cxnChg chg="add del mod">
-          <ac:chgData name="Antonia H." userId="da08060cd893cdf4" providerId="Windows Live" clId="Web-{C69ADD99-7266-4D1E-9617-0C92D6E9677A}" dt="2018-05-08T19:05:17.707" v="1105" actId="20577"/>
-          <ac:cxnSpMkLst>
-            <pc:docMk/>
-            <pc:sldMk cId="4279001389" sldId="301"/>
-            <ac:cxnSpMk id="5" creationId="{7F59A2D6-63B0-48DF-BF74-3169DE980BEB}"/>
-          </ac:cxnSpMkLst>
-        </pc:cxnChg>
-      </pc:sldChg>
-      <pc:sldChg chg="modSp">
-        <pc:chgData name="Antonia H." userId="da08060cd893cdf4" providerId="Windows Live" clId="Web-{C69ADD99-7266-4D1E-9617-0C92D6E9677A}" dt="2018-05-08T18:52:57.091" v="1015" actId="20577"/>
-        <pc:sldMkLst>
-          <pc:docMk/>
-          <pc:sldMk cId="1343733425" sldId="304"/>
-        </pc:sldMkLst>
-        <pc:spChg chg="mod">
-          <ac:chgData name="Antonia H." userId="da08060cd893cdf4" providerId="Windows Live" clId="Web-{C69ADD99-7266-4D1E-9617-0C92D6E9677A}" dt="2018-05-08T18:52:57.091" v="1015" actId="20577"/>
-          <ac:spMkLst>
-            <pc:docMk/>
-            <pc:sldMk cId="1343733425" sldId="304"/>
-            <ac:spMk id="3" creationId="{8F7EF2D9-3798-4456-B6AB-D7AD594F578F}"/>
-          </ac:spMkLst>
-        </pc:spChg>
-      </pc:sldChg>
-      <pc:sldChg chg="modSp">
-        <pc:chgData name="Antonia H." userId="da08060cd893cdf4" providerId="Windows Live" clId="Web-{C69ADD99-7266-4D1E-9617-0C92D6E9677A}" dt="2018-05-08T19:03:37.318" v="1096" actId="1076"/>
-        <pc:sldMkLst>
-          <pc:docMk/>
-          <pc:sldMk cId="4073502560" sldId="305"/>
-        </pc:sldMkLst>
-        <pc:spChg chg="mod">
-          <ac:chgData name="Antonia H." userId="da08060cd893cdf4" providerId="Windows Live" clId="Web-{C69ADD99-7266-4D1E-9617-0C92D6E9677A}" dt="2018-05-08T19:03:33.146" v="1094" actId="20577"/>
-          <ac:spMkLst>
-            <pc:docMk/>
-            <pc:sldMk cId="4073502560" sldId="305"/>
-            <ac:spMk id="3" creationId="{938EA15B-4875-4C84-8529-EA274E67C4BA}"/>
-          </ac:spMkLst>
-        </pc:spChg>
-        <pc:spChg chg="mod">
-          <ac:chgData name="Antonia H." userId="da08060cd893cdf4" providerId="Windows Live" clId="Web-{C69ADD99-7266-4D1E-9617-0C92D6E9677A}" dt="2018-05-08T19:03:37.318" v="1096" actId="1076"/>
-          <ac:spMkLst>
-            <pc:docMk/>
-            <pc:sldMk cId="4073502560" sldId="305"/>
-            <ac:spMk id="6" creationId="{8FEF87CE-C598-4565-A4FE-14C54ED338F4}"/>
-          </ac:spMkLst>
-        </pc:spChg>
-      </pc:sldChg>
-      <pc:sldChg chg="modSp modNotes">
-        <pc:chgData name="Antonia H." userId="da08060cd893cdf4" providerId="Windows Live" clId="Web-{C69ADD99-7266-4D1E-9617-0C92D6E9677A}" dt="2018-05-08T19:05:52.706" v="1118" actId="20577"/>
+      <pc:sldChg chg="addCm">
+        <pc:chgData name="Antonia H." userId="da08060cd893cdf4" providerId="Windows Live" clId="Web-{65C8DDD2-AB1B-4CBB-8699-32091EC35729}" dt="2018-05-08T23:21:01.206" v="0"/>
         <pc:sldMkLst>
           <pc:docMk/>
           <pc:sldMk cId="1279915171" sldId="309"/>
         </pc:sldMkLst>
-        <pc:spChg chg="mod">
-          <ac:chgData name="Antonia H." userId="da08060cd893cdf4" providerId="Windows Live" clId="Web-{C69ADD99-7266-4D1E-9617-0C92D6E9677A}" dt="2018-05-08T19:05:52.285" v="1112" actId="20577"/>
-          <ac:spMkLst>
-            <pc:docMk/>
-            <pc:sldMk cId="1279915171" sldId="309"/>
-            <ac:spMk id="3" creationId="{E645BEE6-195A-4CB8-BBBF-EEEDD648E111}"/>
-          </ac:spMkLst>
-        </pc:spChg>
-        <pc:spChg chg="mod">
-          <ac:chgData name="Antonia H." userId="da08060cd893cdf4" providerId="Windows Live" clId="Web-{C69ADD99-7266-4D1E-9617-0C92D6E9677A}" dt="2018-05-08T19:05:31.301" v="1109" actId="20577"/>
-          <ac:spMkLst>
-            <pc:docMk/>
-            <pc:sldMk cId="1279915171" sldId="309"/>
-            <ac:spMk id="8" creationId="{416BCAEB-3558-4AF5-9D6E-66484374177F}"/>
-          </ac:spMkLst>
-        </pc:spChg>
-      </pc:sldChg>
-      <pc:sldChg chg="modSp">
-        <pc:chgData name="Antonia H." userId="da08060cd893cdf4" providerId="Windows Live" clId="Web-{C69ADD99-7266-4D1E-9617-0C92D6E9677A}" dt="2018-05-08T19:07:05.799" v="1165" actId="20577"/>
-        <pc:sldMkLst>
-          <pc:docMk/>
-          <pc:sldMk cId="3775888634" sldId="310"/>
-        </pc:sldMkLst>
-        <pc:spChg chg="mod">
-          <ac:chgData name="Antonia H." userId="da08060cd893cdf4" providerId="Windows Live" clId="Web-{C69ADD99-7266-4D1E-9617-0C92D6E9677A}" dt="2018-05-08T19:07:05.799" v="1165" actId="20577"/>
-          <ac:spMkLst>
-            <pc:docMk/>
-            <pc:sldMk cId="3775888634" sldId="310"/>
-            <ac:spMk id="3" creationId="{A52BA628-5DDF-4334-A361-5230D07313B1}"/>
-          </ac:spMkLst>
-        </pc:spChg>
-      </pc:sldChg>
-      <pc:sldChg chg="modSp addCm modCm modNotes">
-        <pc:chgData name="Antonia H." userId="da08060cd893cdf4" providerId="Windows Live" clId="Web-{C69ADD99-7266-4D1E-9617-0C92D6E9677A}" dt="2018-05-08T18:50:21.968" v="976" actId="20577"/>
-        <pc:sldMkLst>
-          <pc:docMk/>
-          <pc:sldMk cId="997277653" sldId="311"/>
-        </pc:sldMkLst>
-        <pc:spChg chg="mod">
-          <ac:chgData name="Antonia H." userId="da08060cd893cdf4" providerId="Windows Live" clId="Web-{C69ADD99-7266-4D1E-9617-0C92D6E9677A}" dt="2018-05-08T18:37:13.525" v="608" actId="20577"/>
-          <ac:spMkLst>
-            <pc:docMk/>
-            <pc:sldMk cId="997277653" sldId="311"/>
-            <ac:spMk id="3" creationId="{FB77ED10-1DDF-43E8-9F83-EC5C62381D24}"/>
-          </ac:spMkLst>
-        </pc:spChg>
-      </pc:sldChg>
-      <pc:sldChg chg="modSp add replId delCm">
-        <pc:chgData name="Antonia H." userId="da08060cd893cdf4" providerId="Windows Live" clId="Web-{C69ADD99-7266-4D1E-9617-0C92D6E9677A}" dt="2018-05-08T18:38:57.837" v="644" actId="20577"/>
-        <pc:sldMkLst>
-          <pc:docMk/>
-          <pc:sldMk cId="1146980296" sldId="312"/>
-        </pc:sldMkLst>
-        <pc:spChg chg="mod">
-          <ac:chgData name="Antonia H." userId="da08060cd893cdf4" providerId="Windows Live" clId="Web-{C69ADD99-7266-4D1E-9617-0C92D6E9677A}" dt="2018-05-08T18:38:57.837" v="644" actId="20577"/>
-          <ac:spMkLst>
-            <pc:docMk/>
-            <pc:sldMk cId="1146980296" sldId="312"/>
-            <ac:spMk id="3" creationId="{FB77ED10-1DDF-43E8-9F83-EC5C62381D24}"/>
-          </ac:spMkLst>
-        </pc:spChg>
-      </pc:sldChg>
-      <pc:sldChg chg="modSp new addCm modCm">
-        <pc:chgData name="Antonia H." userId="da08060cd893cdf4" providerId="Windows Live" clId="Web-{C69ADD99-7266-4D1E-9617-0C92D6E9677A}" dt="2018-05-08T19:10:10.078" v="1249" actId="20577"/>
-        <pc:sldMkLst>
-          <pc:docMk/>
-          <pc:sldMk cId="1659226659" sldId="313"/>
-        </pc:sldMkLst>
-        <pc:spChg chg="mod">
-          <ac:chgData name="Antonia H." userId="da08060cd893cdf4" providerId="Windows Live" clId="Web-{C69ADD99-7266-4D1E-9617-0C92D6E9677A}" dt="2018-05-08T19:10:05.938" v="1244" actId="20577"/>
-          <ac:spMkLst>
-            <pc:docMk/>
-            <pc:sldMk cId="1659226659" sldId="313"/>
-            <ac:spMk id="2" creationId="{D55D00F8-180D-4088-84A0-F478490FF99E}"/>
-          </ac:spMkLst>
-        </pc:spChg>
-        <pc:spChg chg="mod">
-          <ac:chgData name="Antonia H." userId="da08060cd893cdf4" providerId="Windows Live" clId="Web-{C69ADD99-7266-4D1E-9617-0C92D6E9677A}" dt="2018-05-08T19:10:10.078" v="1249" actId="20577"/>
-          <ac:spMkLst>
-            <pc:docMk/>
-            <pc:sldMk cId="1659226659" sldId="313"/>
-            <ac:spMk id="3" creationId="{AB450AA9-873E-44FE-99C3-4F5C389A03AC}"/>
-          </ac:spMkLst>
-        </pc:spChg>
-      </pc:sldChg>
-      <pc:sldChg chg="delSp modSp new mod modClrScheme chgLayout modNotes">
-        <pc:chgData name="Antonia H." userId="da08060cd893cdf4" providerId="Windows Live" clId="Web-{C69ADD99-7266-4D1E-9617-0C92D6E9677A}" dt="2018-05-08T19:10:50.343" v="1279" actId="20577"/>
-        <pc:sldMkLst>
-          <pc:docMk/>
-          <pc:sldMk cId="995696346" sldId="314"/>
-        </pc:sldMkLst>
-        <pc:spChg chg="mod ord">
-          <ac:chgData name="Antonia H." userId="da08060cd893cdf4" providerId="Windows Live" clId="Web-{C69ADD99-7266-4D1E-9617-0C92D6E9677A}" dt="2018-05-08T19:10:39.765" v="1269" actId="20577"/>
-          <ac:spMkLst>
-            <pc:docMk/>
-            <pc:sldMk cId="995696346" sldId="314"/>
-            <ac:spMk id="2" creationId="{D6290F11-2B19-4A30-A4EA-DFD2067A16F4}"/>
-          </ac:spMkLst>
-        </pc:spChg>
-        <pc:spChg chg="del">
-          <ac:chgData name="Antonia H." userId="da08060cd893cdf4" providerId="Windows Live" clId="Web-{C69ADD99-7266-4D1E-9617-0C92D6E9677A}" dt="2018-05-08T19:10:28.609" v="1252" actId="20577"/>
-          <ac:spMkLst>
-            <pc:docMk/>
-            <pc:sldMk cId="995696346" sldId="314"/>
-            <ac:spMk id="3" creationId="{64804AE3-E364-45D8-88FB-052C044A9A18}"/>
-          </ac:spMkLst>
-        </pc:spChg>
-        <pc:spChg chg="mod ord">
-          <ac:chgData name="Antonia H." userId="da08060cd893cdf4" providerId="Windows Live" clId="Web-{C69ADD99-7266-4D1E-9617-0C92D6E9677A}" dt="2018-05-08T19:10:28.609" v="1252" actId="20577"/>
-          <ac:spMkLst>
-            <pc:docMk/>
-            <pc:sldMk cId="995696346" sldId="314"/>
-            <ac:spMk id="4" creationId="{AFFD4692-60D5-4A15-A475-BE885ED49FB4}"/>
-          </ac:spMkLst>
-        </pc:spChg>
-      </pc:sldChg>
-      <pc:sldChg chg="addSp modSp new mod modClrScheme addCm chgLayout modNotes">
-        <pc:chgData name="Antonia H." userId="da08060cd893cdf4" providerId="Windows Live" clId="Web-{C69ADD99-7266-4D1E-9617-0C92D6E9677A}" dt="2018-05-08T19:29:42.251" v="1801" actId="20577"/>
-        <pc:sldMkLst>
-          <pc:docMk/>
-          <pc:sldMk cId="4128416432" sldId="315"/>
-        </pc:sldMkLst>
-        <pc:spChg chg="mod ord">
-          <ac:chgData name="Antonia H." userId="da08060cd893cdf4" providerId="Windows Live" clId="Web-{C69ADD99-7266-4D1E-9617-0C92D6E9677A}" dt="2018-05-08T19:19:56.336" v="1490" actId="20577"/>
-          <ac:spMkLst>
-            <pc:docMk/>
-            <pc:sldMk cId="4128416432" sldId="315"/>
-            <ac:spMk id="2" creationId="{830F9923-FEE6-4A17-9956-7D258E7BE794}"/>
-          </ac:spMkLst>
-        </pc:spChg>
-        <pc:spChg chg="mod ord">
-          <ac:chgData name="Antonia H." userId="da08060cd893cdf4" providerId="Windows Live" clId="Web-{C69ADD99-7266-4D1E-9617-0C92D6E9677A}" dt="2018-05-08T19:18:03.150" v="1485" actId="20577"/>
-          <ac:spMkLst>
-            <pc:docMk/>
-            <pc:sldMk cId="4128416432" sldId="315"/>
-            <ac:spMk id="3" creationId="{31D2851D-4846-4F30-9B5D-C4969B608A01}"/>
-          </ac:spMkLst>
-        </pc:spChg>
-        <pc:spChg chg="add mod ord">
-          <ac:chgData name="Antonia H." userId="da08060cd893cdf4" providerId="Windows Live" clId="Web-{C69ADD99-7266-4D1E-9617-0C92D6E9677A}" dt="2018-05-08T19:29:42.251" v="1801" actId="20577"/>
-          <ac:spMkLst>
-            <pc:docMk/>
-            <pc:sldMk cId="4128416432" sldId="315"/>
-            <ac:spMk id="5" creationId="{E66D3FE2-C890-46D5-8841-7FCD2E92A30A}"/>
-          </ac:spMkLst>
-        </pc:spChg>
-      </pc:sldChg>
-      <pc:sldChg chg="addSp modSp new mod modClrScheme chgLayout">
-        <pc:chgData name="Antonia H." userId="da08060cd893cdf4" providerId="Windows Live" clId="Web-{C69ADD99-7266-4D1E-9617-0C92D6E9677A}" dt="2018-05-08T19:22:02.241" v="1522" actId="20577"/>
-        <pc:sldMkLst>
-          <pc:docMk/>
-          <pc:sldMk cId="2415655377" sldId="316"/>
-        </pc:sldMkLst>
-        <pc:spChg chg="mod ord">
-          <ac:chgData name="Antonia H." userId="da08060cd893cdf4" providerId="Windows Live" clId="Web-{C69ADD99-7266-4D1E-9617-0C92D6E9677A}" dt="2018-05-08T19:11:47.139" v="1309" actId="20577"/>
-          <ac:spMkLst>
-            <pc:docMk/>
-            <pc:sldMk cId="2415655377" sldId="316"/>
-            <ac:spMk id="2" creationId="{27D469A1-9ABD-458A-B894-15799091CDC5}"/>
-          </ac:spMkLst>
-        </pc:spChg>
-        <pc:spChg chg="mod ord">
-          <ac:chgData name="Antonia H." userId="da08060cd893cdf4" providerId="Windows Live" clId="Web-{C69ADD99-7266-4D1E-9617-0C92D6E9677A}" dt="2018-05-08T19:11:04.218" v="1282" actId="20577"/>
-          <ac:spMkLst>
-            <pc:docMk/>
-            <pc:sldMk cId="2415655377" sldId="316"/>
-            <ac:spMk id="3" creationId="{78175592-A091-4EAD-BA57-EA59CA78D180}"/>
-          </ac:spMkLst>
-        </pc:spChg>
-        <pc:spChg chg="add mod ord">
-          <ac:chgData name="Antonia H." userId="da08060cd893cdf4" providerId="Windows Live" clId="Web-{C69ADD99-7266-4D1E-9617-0C92D6E9677A}" dt="2018-05-08T19:22:02.241" v="1522" actId="20577"/>
-          <ac:spMkLst>
-            <pc:docMk/>
-            <pc:sldMk cId="2415655377" sldId="316"/>
-            <ac:spMk id="5" creationId="{3FB56575-BE2F-4B15-956B-74176E9F7162}"/>
-          </ac:spMkLst>
-        </pc:spChg>
       </pc:sldChg>
     </pc:docChg>
   </pc:docChgLst>
@@ -1245,102 +520,189 @@
     </pc:docChg>
   </pc:docChgLst>
   <pc:docChgLst>
-    <pc:chgData name="Antonia H." userId="da08060cd893cdf4" providerId="Windows Live" clId="Web-{1F2D6279-45AA-4F75-B927-55D730CC3AE2}"/>
-    <pc:docChg chg="addSld delSld modSld">
-      <pc:chgData name="Antonia H." userId="da08060cd893cdf4" providerId="Windows Live" clId="Web-{1F2D6279-45AA-4F75-B927-55D730CC3AE2}" dt="2018-05-08T12:38:43.742" v="363" actId="20577"/>
+    <pc:chgData name="Antonia H." userId="da08060cd893cdf4" providerId="Windows Live" clId="Web-{6C1C8969-1520-4DF8-8BE3-BF2EB65DD6BB}"/>
+    <pc:docChg chg="modSld sldOrd">
+      <pc:chgData name="Antonia H." userId="da08060cd893cdf4" providerId="Windows Live" clId="Web-{6C1C8969-1520-4DF8-8BE3-BF2EB65DD6BB}" dt="2018-05-05T12:45:12.187" v="405"/>
+      <pc:docMkLst>
+        <pc:docMk/>
+      </pc:docMkLst>
+      <pc:sldChg chg="modSp">
+        <pc:chgData name="Antonia H." userId="da08060cd893cdf4" providerId="Windows Live" clId="Web-{6C1C8969-1520-4DF8-8BE3-BF2EB65DD6BB}" dt="2018-05-05T12:27:11.503" v="37"/>
+        <pc:sldMkLst>
+          <pc:docMk/>
+          <pc:sldMk cId="138513243" sldId="277"/>
+        </pc:sldMkLst>
+        <pc:spChg chg="mod">
+          <ac:chgData name="Antonia H." userId="da08060cd893cdf4" providerId="Windows Live" clId="Web-{6C1C8969-1520-4DF8-8BE3-BF2EB65DD6BB}" dt="2018-05-05T12:27:11.503" v="37"/>
+          <ac:spMkLst>
+            <pc:docMk/>
+            <pc:sldMk cId="138513243" sldId="277"/>
+            <ac:spMk id="5" creationId="{C71AE9B4-B67A-4A38-98AB-9129A5BDFB14}"/>
+          </ac:spMkLst>
+        </pc:spChg>
+      </pc:sldChg>
+      <pc:sldChg chg="addSp modSp modNotes">
+        <pc:chgData name="Antonia H." userId="da08060cd893cdf4" providerId="Windows Live" clId="Web-{6C1C8969-1520-4DF8-8BE3-BF2EB65DD6BB}" dt="2018-05-05T12:45:12.187" v="405"/>
+        <pc:sldMkLst>
+          <pc:docMk/>
+          <pc:sldMk cId="964619605" sldId="278"/>
+        </pc:sldMkLst>
+        <pc:spChg chg="mod">
+          <ac:chgData name="Antonia H." userId="da08060cd893cdf4" providerId="Windows Live" clId="Web-{6C1C8969-1520-4DF8-8BE3-BF2EB65DD6BB}" dt="2018-05-05T12:27:03.675" v="28"/>
+          <ac:spMkLst>
+            <pc:docMk/>
+            <pc:sldMk cId="964619605" sldId="278"/>
+            <ac:spMk id="2" creationId="{DC447A74-EE68-4C19-B334-AC1F6C97BBD6}"/>
+          </ac:spMkLst>
+        </pc:spChg>
+        <pc:spChg chg="mod">
+          <ac:chgData name="Antonia H." userId="da08060cd893cdf4" providerId="Windows Live" clId="Web-{6C1C8969-1520-4DF8-8BE3-BF2EB65DD6BB}" dt="2018-05-05T12:45:06.156" v="402"/>
+          <ac:spMkLst>
+            <pc:docMk/>
+            <pc:sldMk cId="964619605" sldId="278"/>
+            <ac:spMk id="3" creationId="{2C59D76C-56D9-456B-AA29-4770DF0DD128}"/>
+          </ac:spMkLst>
+        </pc:spChg>
+        <pc:spChg chg="add mod">
+          <ac:chgData name="Antonia H." userId="da08060cd893cdf4" providerId="Windows Live" clId="Web-{6C1C8969-1520-4DF8-8BE3-BF2EB65DD6BB}" dt="2018-05-05T12:45:12.187" v="405"/>
+          <ac:spMkLst>
+            <pc:docMk/>
+            <pc:sldMk cId="964619605" sldId="278"/>
+            <ac:spMk id="6" creationId="{1CBD9E94-E81F-4EB0-BEC3-D5BA47B27F30}"/>
+          </ac:spMkLst>
+        </pc:spChg>
+      </pc:sldChg>
+      <pc:sldChg chg="addSp modSp ord">
+        <pc:chgData name="Antonia H." userId="da08060cd893cdf4" providerId="Windows Live" clId="Web-{6C1C8969-1520-4DF8-8BE3-BF2EB65DD6BB}" dt="2018-05-05T12:41:34.498" v="209"/>
+        <pc:sldMkLst>
+          <pc:docMk/>
+          <pc:sldMk cId="151621342" sldId="279"/>
+        </pc:sldMkLst>
+        <pc:spChg chg="mod">
+          <ac:chgData name="Antonia H." userId="da08060cd893cdf4" providerId="Windows Live" clId="Web-{6C1C8969-1520-4DF8-8BE3-BF2EB65DD6BB}" dt="2018-05-05T12:38:37.201" v="178"/>
+          <ac:spMkLst>
+            <pc:docMk/>
+            <pc:sldMk cId="151621342" sldId="279"/>
+            <ac:spMk id="3" creationId="{2C59D76C-56D9-456B-AA29-4770DF0DD128}"/>
+          </ac:spMkLst>
+        </pc:spChg>
+        <pc:spChg chg="add mod">
+          <ac:chgData name="Antonia H." userId="da08060cd893cdf4" providerId="Windows Live" clId="Web-{6C1C8969-1520-4DF8-8BE3-BF2EB65DD6BB}" dt="2018-05-05T12:41:34.498" v="209"/>
+          <ac:spMkLst>
+            <pc:docMk/>
+            <pc:sldMk cId="151621342" sldId="279"/>
+            <ac:spMk id="5" creationId="{5ECA2A81-D2BD-4E10-98C1-4DA1603682D4}"/>
+          </ac:spMkLst>
+        </pc:spChg>
+      </pc:sldChg>
+    </pc:docChg>
+  </pc:docChgLst>
+  <pc:docChgLst>
+    <pc:chgData name="Antonia H." userId="da08060cd893cdf4" providerId="Windows Live" clId="Web-{A01B1539-1B23-4F4E-BE58-ECF19CF911F9}"/>
+    <pc:docChg chg="addSld modSld">
+      <pc:chgData name="Antonia H." userId="da08060cd893cdf4" providerId="Windows Live" clId="Web-{A01B1539-1B23-4F4E-BE58-ECF19CF911F9}" dt="2018-05-04T21:13:10.465" v="6"/>
+      <pc:docMkLst>
+        <pc:docMk/>
+      </pc:docMkLst>
+      <pc:sldChg chg="modSp new">
+        <pc:chgData name="Antonia H." userId="da08060cd893cdf4" providerId="Windows Live" clId="Web-{A01B1539-1B23-4F4E-BE58-ECF19CF911F9}" dt="2018-05-04T21:13:10.465" v="5"/>
+        <pc:sldMkLst>
+          <pc:docMk/>
+          <pc:sldMk cId="3234975730" sldId="275"/>
+        </pc:sldMkLst>
+        <pc:spChg chg="mod">
+          <ac:chgData name="Antonia H." userId="da08060cd893cdf4" providerId="Windows Live" clId="Web-{A01B1539-1B23-4F4E-BE58-ECF19CF911F9}" dt="2018-05-04T21:13:10.465" v="5"/>
+          <ac:spMkLst>
+            <pc:docMk/>
+            <pc:sldMk cId="3234975730" sldId="275"/>
+            <ac:spMk id="2" creationId="{F14E151B-6042-427C-86B5-E6DB4E9A3CE8}"/>
+          </ac:spMkLst>
+        </pc:spChg>
+      </pc:sldChg>
+    </pc:docChg>
+  </pc:docChgLst>
+  <pc:docChgLst>
+    <pc:chgData name="Antonia H." userId="da08060cd893cdf4" providerId="Windows Live" clId="Web-{618B1466-10D4-4305-AB65-8E8BD41F8491}"/>
+    <pc:docChg chg="addSld modSld">
+      <pc:chgData name="Antonia H." userId="da08060cd893cdf4" providerId="Windows Live" clId="Web-{618B1466-10D4-4305-AB65-8E8BD41F8491}" dt="2018-05-08T17:54:48.725" v="339" actId="20577"/>
       <pc:docMkLst>
         <pc:docMk/>
       </pc:docMkLst>
       <pc:sldChg chg="modSp delCm">
-        <pc:chgData name="Antonia H." userId="da08060cd893cdf4" providerId="Windows Live" clId="Web-{1F2D6279-45AA-4F75-B927-55D730CC3AE2}" dt="2018-05-08T12:23:44.428" v="154" actId="20577"/>
+        <pc:chgData name="Antonia H." userId="da08060cd893cdf4" providerId="Windows Live" clId="Web-{618B1466-10D4-4305-AB65-8E8BD41F8491}" dt="2018-05-08T17:33:08.809" v="273" actId="20577"/>
         <pc:sldMkLst>
           <pc:docMk/>
-          <pc:sldMk cId="1529941566" sldId="290"/>
+          <pc:sldMk cId="1997070144" sldId="286"/>
         </pc:sldMkLst>
         <pc:spChg chg="mod">
-          <ac:chgData name="Antonia H." userId="da08060cd893cdf4" providerId="Windows Live" clId="Web-{1F2D6279-45AA-4F75-B927-55D730CC3AE2}" dt="2018-05-08T12:23:44.428" v="154" actId="20577"/>
+          <ac:chgData name="Antonia H." userId="da08060cd893cdf4" providerId="Windows Live" clId="Web-{618B1466-10D4-4305-AB65-8E8BD41F8491}" dt="2018-05-08T17:33:08.809" v="273" actId="20577"/>
           <ac:spMkLst>
             <pc:docMk/>
-            <pc:sldMk cId="1529941566" sldId="290"/>
-            <ac:spMk id="3" creationId="{B89FBDA8-D8B5-433A-BC51-6FA2CB383BEF}"/>
+            <pc:sldMk cId="1997070144" sldId="286"/>
+            <ac:spMk id="5" creationId="{F29291CB-7FAD-4D97-A8CB-E1DB9833E999}"/>
+          </ac:spMkLst>
+        </pc:spChg>
+      </pc:sldChg>
+      <pc:sldChg chg="modSp addCm modCm">
+        <pc:chgData name="Antonia H." userId="da08060cd893cdf4" providerId="Windows Live" clId="Web-{618B1466-10D4-4305-AB65-8E8BD41F8491}" dt="2018-05-08T17:33:55.748" v="303" actId="20577"/>
+        <pc:sldMkLst>
+          <pc:docMk/>
+          <pc:sldMk cId="2728745322" sldId="289"/>
+        </pc:sldMkLst>
+        <pc:spChg chg="mod">
+          <ac:chgData name="Antonia H." userId="da08060cd893cdf4" providerId="Windows Live" clId="Web-{618B1466-10D4-4305-AB65-8E8BD41F8491}" dt="2018-05-08T17:33:46.935" v="299" actId="20577"/>
+          <ac:spMkLst>
+            <pc:docMk/>
+            <pc:sldMk cId="2728745322" sldId="289"/>
+            <ac:spMk id="3" creationId="{4DDA3825-DD4A-4D96-AEE8-F3E4FF89C2D1}"/>
+          </ac:spMkLst>
+        </pc:spChg>
+      </pc:sldChg>
+      <pc:sldChg chg="modSp addCm delCm modCm">
+        <pc:chgData name="Antonia H." userId="da08060cd893cdf4" providerId="Windows Live" clId="Web-{618B1466-10D4-4305-AB65-8E8BD41F8491}" dt="2018-05-08T17:30:54.916" v="225" actId="20577"/>
+        <pc:sldMkLst>
+          <pc:docMk/>
+          <pc:sldMk cId="1834800628" sldId="297"/>
+        </pc:sldMkLst>
+        <pc:spChg chg="mod">
+          <ac:chgData name="Antonia H." userId="da08060cd893cdf4" providerId="Windows Live" clId="Web-{618B1466-10D4-4305-AB65-8E8BD41F8491}" dt="2018-05-08T17:30:54.916" v="225" actId="20577"/>
+          <ac:spMkLst>
+            <pc:docMk/>
+            <pc:sldMk cId="1834800628" sldId="297"/>
+            <ac:spMk id="3" creationId="{8412D31A-8BBA-4A39-A26A-9FAB748ECDCC}"/>
           </ac:spMkLst>
         </pc:spChg>
         <pc:spChg chg="mod">
-          <ac:chgData name="Antonia H." userId="da08060cd893cdf4" providerId="Windows Live" clId="Web-{1F2D6279-45AA-4F75-B927-55D730CC3AE2}" dt="2018-05-08T12:14:18.120" v="50" actId="20577"/>
+          <ac:chgData name="Antonia H." userId="da08060cd893cdf4" providerId="Windows Live" clId="Web-{618B1466-10D4-4305-AB65-8E8BD41F8491}" dt="2018-05-08T17:25:02.691" v="125" actId="20577"/>
           <ac:spMkLst>
             <pc:docMk/>
-            <pc:sldMk cId="1529941566" sldId="290"/>
-            <ac:spMk id="6" creationId="{139D3327-983B-4614-A819-89B003CF932C}"/>
+            <pc:sldMk cId="1834800628" sldId="297"/>
+            <ac:spMk id="6" creationId="{7DD28814-2C66-4ED5-9973-27A905C58D80}"/>
           </ac:spMkLst>
         </pc:spChg>
       </pc:sldChg>
-      <pc:sldChg chg="modSp">
-        <pc:chgData name="Antonia H." userId="da08060cd893cdf4" providerId="Windows Live" clId="Web-{1F2D6279-45AA-4F75-B927-55D730CC3AE2}" dt="2018-05-08T12:21:47.644" v="105" actId="20577"/>
+      <pc:sldChg chg="modSp new">
+        <pc:chgData name="Antonia H." userId="da08060cd893cdf4" providerId="Windows Live" clId="Web-{618B1466-10D4-4305-AB65-8E8BD41F8491}" dt="2018-05-08T17:54:48.725" v="338" actId="20577"/>
         <pc:sldMkLst>
           <pc:docMk/>
-          <pc:sldMk cId="534387332" sldId="291"/>
+          <pc:sldMk cId="997277653" sldId="311"/>
         </pc:sldMkLst>
         <pc:spChg chg="mod">
-          <ac:chgData name="Antonia H." userId="da08060cd893cdf4" providerId="Windows Live" clId="Web-{1F2D6279-45AA-4F75-B927-55D730CC3AE2}" dt="2018-05-08T12:21:47.644" v="105" actId="20577"/>
+          <ac:chgData name="Antonia H." userId="da08060cd893cdf4" providerId="Windows Live" clId="Web-{618B1466-10D4-4305-AB65-8E8BD41F8491}" dt="2018-05-08T17:33:15.528" v="278" actId="20577"/>
           <ac:spMkLst>
             <pc:docMk/>
-            <pc:sldMk cId="534387332" sldId="291"/>
-            <ac:spMk id="3" creationId="{8F7EF2D9-3798-4456-B6AB-D7AD594F578F}"/>
+            <pc:sldMk cId="997277653" sldId="311"/>
+            <ac:spMk id="2" creationId="{52C0293E-7673-4742-9ECF-45C099E0DEFB}"/>
           </ac:spMkLst>
         </pc:spChg>
         <pc:spChg chg="mod">
-          <ac:chgData name="Antonia H." userId="da08060cd893cdf4" providerId="Windows Live" clId="Web-{1F2D6279-45AA-4F75-B927-55D730CC3AE2}" dt="2018-05-08T12:15:09.699" v="70" actId="1076"/>
+          <ac:chgData name="Antonia H." userId="da08060cd893cdf4" providerId="Windows Live" clId="Web-{618B1466-10D4-4305-AB65-8E8BD41F8491}" dt="2018-05-08T17:54:48.725" v="338" actId="20577"/>
           <ac:spMkLst>
             <pc:docMk/>
-            <pc:sldMk cId="534387332" sldId="291"/>
-            <ac:spMk id="6" creationId="{16553126-0168-41F7-A049-29789E906EE1}"/>
+            <pc:sldMk cId="997277653" sldId="311"/>
+            <ac:spMk id="3" creationId="{FB77ED10-1DDF-43E8-9F83-EC5C62381D24}"/>
           </ac:spMkLst>
         </pc:spChg>
-      </pc:sldChg>
-      <pc:sldChg chg="modSp add del replId">
-        <pc:chgData name="Antonia H." userId="da08060cd893cdf4" providerId="Windows Live" clId="Web-{1F2D6279-45AA-4F75-B927-55D730CC3AE2}" dt="2018-05-08T12:36:43.740" v="238" actId="20577"/>
-        <pc:sldMkLst>
-          <pc:docMk/>
-          <pc:sldMk cId="671228110" sldId="304"/>
-        </pc:sldMkLst>
-        <pc:spChg chg="mod">
-          <ac:chgData name="Antonia H." userId="da08060cd893cdf4" providerId="Windows Live" clId="Web-{1F2D6279-45AA-4F75-B927-55D730CC3AE2}" dt="2018-05-08T12:36:38.239" v="236" actId="20577"/>
-          <ac:spMkLst>
-            <pc:docMk/>
-            <pc:sldMk cId="671228110" sldId="304"/>
-            <ac:spMk id="3" creationId="{8F7EF2D9-3798-4456-B6AB-D7AD594F578F}"/>
-          </ac:spMkLst>
-        </pc:spChg>
-      </pc:sldChg>
-      <pc:sldChg chg="modSp add replId">
-        <pc:chgData name="Antonia H." userId="da08060cd893cdf4" providerId="Windows Live" clId="Web-{1F2D6279-45AA-4F75-B927-55D730CC3AE2}" dt="2018-05-08T12:38:42.382" v="361" actId="20577"/>
-        <pc:sldMkLst>
-          <pc:docMk/>
-          <pc:sldMk cId="1343733425" sldId="304"/>
-        </pc:sldMkLst>
-        <pc:spChg chg="mod">
-          <ac:chgData name="Antonia H." userId="da08060cd893cdf4" providerId="Windows Live" clId="Web-{1F2D6279-45AA-4F75-B927-55D730CC3AE2}" dt="2018-05-08T12:38:42.382" v="361" actId="20577"/>
-          <ac:spMkLst>
-            <pc:docMk/>
-            <pc:sldMk cId="1343733425" sldId="304"/>
-            <ac:spMk id="3" creationId="{8F7EF2D9-3798-4456-B6AB-D7AD594F578F}"/>
-          </ac:spMkLst>
-        </pc:spChg>
-        <pc:spChg chg="mod">
-          <ac:chgData name="Antonia H." userId="da08060cd893cdf4" providerId="Windows Live" clId="Web-{1F2D6279-45AA-4F75-B927-55D730CC3AE2}" dt="2018-05-08T12:38:04.163" v="294" actId="20577"/>
-          <ac:spMkLst>
-            <pc:docMk/>
-            <pc:sldMk cId="1343733425" sldId="304"/>
-            <ac:spMk id="6" creationId="{16553126-0168-41F7-A049-29789E906EE1}"/>
-          </ac:spMkLst>
-        </pc:spChg>
-      </pc:sldChg>
-      <pc:sldChg chg="new del">
-        <pc:chgData name="Antonia H." userId="da08060cd893cdf4" providerId="Windows Live" clId="Web-{1F2D6279-45AA-4F75-B927-55D730CC3AE2}" dt="2018-05-08T12:36:47.896" v="240" actId="20577"/>
-        <pc:sldMkLst>
-          <pc:docMk/>
-          <pc:sldMk cId="3363577877" sldId="304"/>
-        </pc:sldMkLst>
       </pc:sldChg>
     </pc:docChg>
   </pc:docChgLst>
@@ -1486,866 +848,52 @@
     </pc:docChg>
   </pc:docChgLst>
   <pc:docChgLst>
-    <pc:chgData name="Antonia H." userId="da08060cd893cdf4" providerId="Windows Live" clId="Web-{35B094CE-161E-4F65-8362-9F3F5813F5E1}"/>
-    <pc:docChg chg="addSld delSld modSld">
-      <pc:chgData name="Antonia H." userId="da08060cd893cdf4" providerId="Windows Live" clId="Web-{35B094CE-161E-4F65-8362-9F3F5813F5E1}" dt="2018-05-06T10:24:32.356" v="1419"/>
+    <pc:chgData name="Antonia H." userId="da08060cd893cdf4" providerId="Windows Live" clId="Web-{B951892C-74D7-4A1D-81D4-A7809E05EBC9}"/>
+    <pc:docChg chg="modSld">
+      <pc:chgData name="Antonia H." userId="da08060cd893cdf4" providerId="Windows Live" clId="Web-{B951892C-74D7-4A1D-81D4-A7809E05EBC9}" dt="2018-05-09T08:20:43.509" v="7"/>
       <pc:docMkLst>
         <pc:docMk/>
       </pc:docMkLst>
-      <pc:sldChg chg="modSp">
-        <pc:chgData name="Antonia H." userId="da08060cd893cdf4" providerId="Windows Live" clId="Web-{35B094CE-161E-4F65-8362-9F3F5813F5E1}" dt="2018-05-06T09:05:21.935" v="2"/>
+      <pc:sldChg chg="delCm">
+        <pc:chgData name="Antonia H." userId="da08060cd893cdf4" providerId="Windows Live" clId="Web-{B951892C-74D7-4A1D-81D4-A7809E05EBC9}" dt="2018-05-09T08:20:28.946" v="5"/>
         <pc:sldMkLst>
           <pc:docMk/>
-          <pc:sldMk cId="377796833" sldId="282"/>
-        </pc:sldMkLst>
-        <pc:spChg chg="mod">
-          <ac:chgData name="Antonia H." userId="da08060cd893cdf4" providerId="Windows Live" clId="Web-{35B094CE-161E-4F65-8362-9F3F5813F5E1}" dt="2018-05-06T09:05:21.935" v="2"/>
-          <ac:spMkLst>
-            <pc:docMk/>
-            <pc:sldMk cId="377796833" sldId="282"/>
-            <ac:spMk id="6" creationId="{2D50BEC1-08DC-4929-99C1-0A9C9C045167}"/>
-          </ac:spMkLst>
-        </pc:spChg>
-      </pc:sldChg>
-      <pc:sldChg chg="addCm modCm">
-        <pc:chgData name="Antonia H." userId="da08060cd893cdf4" providerId="Windows Live" clId="Web-{35B094CE-161E-4F65-8362-9F3F5813F5E1}" dt="2018-05-06T09:10:32.140" v="6"/>
-        <pc:sldMkLst>
-          <pc:docMk/>
-          <pc:sldMk cId="2046395673" sldId="284"/>
+          <pc:sldMk cId="1039991320" sldId="273"/>
         </pc:sldMkLst>
       </pc:sldChg>
-      <pc:sldChg chg="delSp modSp new mod modClrScheme chgLayout">
-        <pc:chgData name="Antonia H." userId="da08060cd893cdf4" providerId="Windows Live" clId="Web-{35B094CE-161E-4F65-8362-9F3F5813F5E1}" dt="2018-05-06T09:14:20.955" v="11"/>
-        <pc:sldMkLst>
-          <pc:docMk/>
-          <pc:sldMk cId="52005616" sldId="285"/>
-        </pc:sldMkLst>
-        <pc:spChg chg="mod ord">
-          <ac:chgData name="Antonia H." userId="da08060cd893cdf4" providerId="Windows Live" clId="Web-{35B094CE-161E-4F65-8362-9F3F5813F5E1}" dt="2018-05-06T09:14:20.955" v="11"/>
-          <ac:spMkLst>
-            <pc:docMk/>
-            <pc:sldMk cId="52005616" sldId="285"/>
-            <ac:spMk id="2" creationId="{765B5F82-0188-4DDD-8BCE-FE00055E2BC6}"/>
-          </ac:spMkLst>
-        </pc:spChg>
-        <pc:spChg chg="del">
-          <ac:chgData name="Antonia H." userId="da08060cd893cdf4" providerId="Windows Live" clId="Web-{35B094CE-161E-4F65-8362-9F3F5813F5E1}" dt="2018-05-06T09:14:17.502" v="8"/>
-          <ac:spMkLst>
-            <pc:docMk/>
-            <pc:sldMk cId="52005616" sldId="285"/>
-            <ac:spMk id="3" creationId="{41517C57-EE0A-4040-B7AB-2ADEA94C992C}"/>
-          </ac:spMkLst>
-        </pc:spChg>
-        <pc:spChg chg="mod ord">
-          <ac:chgData name="Antonia H." userId="da08060cd893cdf4" providerId="Windows Live" clId="Web-{35B094CE-161E-4F65-8362-9F3F5813F5E1}" dt="2018-05-06T09:14:17.502" v="8"/>
-          <ac:spMkLst>
-            <pc:docMk/>
-            <pc:sldMk cId="52005616" sldId="285"/>
-            <ac:spMk id="4" creationId="{B5C40638-F11E-4D46-87F9-B65813120737}"/>
-          </ac:spMkLst>
-        </pc:spChg>
-      </pc:sldChg>
-      <pc:sldChg chg="addSp modSp add mod replId modClrScheme chgLayout">
-        <pc:chgData name="Antonia H." userId="da08060cd893cdf4" providerId="Windows Live" clId="Web-{35B094CE-161E-4F65-8362-9F3F5813F5E1}" dt="2018-05-06T09:20:06.693" v="97"/>
-        <pc:sldMkLst>
-          <pc:docMk/>
-          <pc:sldMk cId="1997070144" sldId="286"/>
-        </pc:sldMkLst>
-        <pc:spChg chg="mod ord">
-          <ac:chgData name="Antonia H." userId="da08060cd893cdf4" providerId="Windows Live" clId="Web-{35B094CE-161E-4F65-8362-9F3F5813F5E1}" dt="2018-05-06T09:14:27.627" v="15"/>
-          <ac:spMkLst>
-            <pc:docMk/>
-            <pc:sldMk cId="1997070144" sldId="286"/>
-            <ac:spMk id="2" creationId="{765B5F82-0188-4DDD-8BCE-FE00055E2BC6}"/>
-          </ac:spMkLst>
-        </pc:spChg>
-        <pc:spChg chg="mod ord">
-          <ac:chgData name="Antonia H." userId="da08060cd893cdf4" providerId="Windows Live" clId="Web-{35B094CE-161E-4F65-8362-9F3F5813F5E1}" dt="2018-05-06T09:14:27.627" v="15"/>
-          <ac:spMkLst>
-            <pc:docMk/>
-            <pc:sldMk cId="1997070144" sldId="286"/>
-            <ac:spMk id="4" creationId="{B5C40638-F11E-4D46-87F9-B65813120737}"/>
-          </ac:spMkLst>
-        </pc:spChg>
-        <pc:spChg chg="add mod ord">
-          <ac:chgData name="Antonia H." userId="da08060cd893cdf4" providerId="Windows Live" clId="Web-{35B094CE-161E-4F65-8362-9F3F5813F5E1}" dt="2018-05-06T09:20:06.693" v="97"/>
-          <ac:spMkLst>
-            <pc:docMk/>
-            <pc:sldMk cId="1997070144" sldId="286"/>
-            <ac:spMk id="5" creationId="{F29291CB-7FAD-4D97-A8CB-E1DB9833E999}"/>
-          </ac:spMkLst>
-        </pc:spChg>
-      </pc:sldChg>
-      <pc:sldChg chg="addSp modSp new del modNotes">
-        <pc:chgData name="Antonia H." userId="da08060cd893cdf4" providerId="Windows Live" clId="Web-{35B094CE-161E-4F65-8362-9F3F5813F5E1}" dt="2018-05-06T09:25:55.961" v="267"/>
-        <pc:sldMkLst>
-          <pc:docMk/>
-          <pc:sldMk cId="2559816721" sldId="287"/>
-        </pc:sldMkLst>
-        <pc:spChg chg="mod">
-          <ac:chgData name="Antonia H." userId="da08060cd893cdf4" providerId="Windows Live" clId="Web-{35B094CE-161E-4F65-8362-9F3F5813F5E1}" dt="2018-05-06T09:20:28.786" v="120"/>
-          <ac:spMkLst>
-            <pc:docMk/>
-            <pc:sldMk cId="2559816721" sldId="287"/>
-            <ac:spMk id="2" creationId="{4DA42A7F-F13C-4323-9CBC-3D2CC0EFD3F5}"/>
-          </ac:spMkLst>
-        </pc:spChg>
-        <pc:spChg chg="mod">
-          <ac:chgData name="Antonia H." userId="da08060cd893cdf4" providerId="Windows Live" clId="Web-{35B094CE-161E-4F65-8362-9F3F5813F5E1}" dt="2018-05-06T09:25:16.429" v="254"/>
-          <ac:spMkLst>
-            <pc:docMk/>
-            <pc:sldMk cId="2559816721" sldId="287"/>
-            <ac:spMk id="3" creationId="{EF855A7A-9C16-4E3A-8FBB-499CDF63565B}"/>
-          </ac:spMkLst>
-        </pc:spChg>
-        <pc:spChg chg="add mod">
-          <ac:chgData name="Antonia H." userId="da08060cd893cdf4" providerId="Windows Live" clId="Web-{35B094CE-161E-4F65-8362-9F3F5813F5E1}" dt="2018-05-06T09:25:21.648" v="256"/>
-          <ac:spMkLst>
-            <pc:docMk/>
-            <pc:sldMk cId="2559816721" sldId="287"/>
-            <ac:spMk id="6" creationId="{834E74A6-1D55-4CF2-81BA-7B666291B430}"/>
-          </ac:spMkLst>
-        </pc:spChg>
-      </pc:sldChg>
-      <pc:sldChg chg="addSp delSp modSp add replId">
-        <pc:chgData name="Antonia H." userId="da08060cd893cdf4" providerId="Windows Live" clId="Web-{35B094CE-161E-4F65-8362-9F3F5813F5E1}" dt="2018-05-06T09:48:33.142" v="553"/>
-        <pc:sldMkLst>
-          <pc:docMk/>
-          <pc:sldMk cId="2931144488" sldId="288"/>
-        </pc:sldMkLst>
-        <pc:spChg chg="mod">
-          <ac:chgData name="Antonia H." userId="da08060cd893cdf4" providerId="Windows Live" clId="Web-{35B094CE-161E-4F65-8362-9F3F5813F5E1}" dt="2018-05-06T09:25:46.742" v="264"/>
-          <ac:spMkLst>
-            <pc:docMk/>
-            <pc:sldMk cId="2931144488" sldId="288"/>
-            <ac:spMk id="2" creationId="{4DA42A7F-F13C-4323-9CBC-3D2CC0EFD3F5}"/>
-          </ac:spMkLst>
-        </pc:spChg>
-        <pc:spChg chg="add del mod">
-          <ac:chgData name="Antonia H." userId="da08060cd893cdf4" providerId="Windows Live" clId="Web-{35B094CE-161E-4F65-8362-9F3F5813F5E1}" dt="2018-05-06T09:48:33.142" v="553"/>
-          <ac:spMkLst>
-            <pc:docMk/>
-            <pc:sldMk cId="2931144488" sldId="288"/>
-            <ac:spMk id="6" creationId="{834E74A6-1D55-4CF2-81BA-7B666291B430}"/>
-          </ac:spMkLst>
-        </pc:spChg>
-      </pc:sldChg>
-      <pc:sldChg chg="addSp delSp modSp new modNotes">
-        <pc:chgData name="Antonia H." userId="da08060cd893cdf4" providerId="Windows Live" clId="Web-{35B094CE-161E-4F65-8362-9F3F5813F5E1}" dt="2018-05-06T09:47:33.704" v="551"/>
-        <pc:sldMkLst>
-          <pc:docMk/>
-          <pc:sldMk cId="2728745322" sldId="289"/>
-        </pc:sldMkLst>
-        <pc:spChg chg="mod">
-          <ac:chgData name="Antonia H." userId="da08060cd893cdf4" providerId="Windows Live" clId="Web-{35B094CE-161E-4F65-8362-9F3F5813F5E1}" dt="2018-05-06T09:26:51.320" v="317"/>
-          <ac:spMkLst>
-            <pc:docMk/>
-            <pc:sldMk cId="2728745322" sldId="289"/>
-            <ac:spMk id="2" creationId="{E826A33B-88B9-47AD-99B5-636D37D6C4B8}"/>
-          </ac:spMkLst>
-        </pc:spChg>
-        <pc:spChg chg="mod">
-          <ac:chgData name="Antonia H." userId="da08060cd893cdf4" providerId="Windows Live" clId="Web-{35B094CE-161E-4F65-8362-9F3F5813F5E1}" dt="2018-05-06T09:47:33.704" v="551"/>
-          <ac:spMkLst>
-            <pc:docMk/>
-            <pc:sldMk cId="2728745322" sldId="289"/>
-            <ac:spMk id="3" creationId="{4DDA3825-DD4A-4D96-AEE8-F3E4FF89C2D1}"/>
-          </ac:spMkLst>
-        </pc:spChg>
-        <pc:spChg chg="add mod">
-          <ac:chgData name="Antonia H." userId="da08060cd893cdf4" providerId="Windows Live" clId="Web-{35B094CE-161E-4F65-8362-9F3F5813F5E1}" dt="2018-05-06T09:27:50.571" v="331"/>
-          <ac:spMkLst>
-            <pc:docMk/>
-            <pc:sldMk cId="2728745322" sldId="289"/>
-            <ac:spMk id="6" creationId="{ECBEC8F8-85FE-4FAA-B571-08EEF5B3559C}"/>
-          </ac:spMkLst>
-        </pc:spChg>
-        <pc:spChg chg="add mod">
-          <ac:chgData name="Antonia H." userId="da08060cd893cdf4" providerId="Windows Live" clId="Web-{35B094CE-161E-4F65-8362-9F3F5813F5E1}" dt="2018-05-06T09:41:45.327" v="370"/>
-          <ac:spMkLst>
-            <pc:docMk/>
-            <pc:sldMk cId="2728745322" sldId="289"/>
-            <ac:spMk id="12" creationId="{B2F9E0F3-1CFB-42A3-A593-8250D1DE6CC4}"/>
-          </ac:spMkLst>
-        </pc:spChg>
-        <pc:spChg chg="add del mod">
-          <ac:chgData name="Antonia H." userId="da08060cd893cdf4" providerId="Windows Live" clId="Web-{35B094CE-161E-4F65-8362-9F3F5813F5E1}" dt="2018-05-06T09:41:34.967" v="361"/>
-          <ac:spMkLst>
-            <pc:docMk/>
-            <pc:sldMk cId="2728745322" sldId="289"/>
-            <ac:spMk id="13" creationId="{B8AA900E-6359-4596-B7DB-D90E384D616E}"/>
-          </ac:spMkLst>
-        </pc:spChg>
-        <pc:spChg chg="add mod">
-          <ac:chgData name="Antonia H." userId="da08060cd893cdf4" providerId="Windows Live" clId="Web-{35B094CE-161E-4F65-8362-9F3F5813F5E1}" dt="2018-05-06T09:42:16.139" v="394"/>
-          <ac:spMkLst>
-            <pc:docMk/>
-            <pc:sldMk cId="2728745322" sldId="289"/>
-            <ac:spMk id="14" creationId="{A494683F-326A-416C-93E5-C001A00F944C}"/>
-          </ac:spMkLst>
-        </pc:spChg>
-        <pc:spChg chg="add mod">
-          <ac:chgData name="Antonia H." userId="da08060cd893cdf4" providerId="Windows Live" clId="Web-{35B094CE-161E-4F65-8362-9F3F5813F5E1}" dt="2018-05-06T09:42:44.515" v="417"/>
-          <ac:spMkLst>
-            <pc:docMk/>
-            <pc:sldMk cId="2728745322" sldId="289"/>
-            <ac:spMk id="15" creationId="{8A1BC517-C211-4934-AB40-E1C66981CF6B}"/>
-          </ac:spMkLst>
-        </pc:spChg>
-        <pc:spChg chg="add mod">
-          <ac:chgData name="Antonia H." userId="da08060cd893cdf4" providerId="Windows Live" clId="Web-{35B094CE-161E-4F65-8362-9F3F5813F5E1}" dt="2018-05-06T09:44:09.296" v="462"/>
-          <ac:spMkLst>
-            <pc:docMk/>
-            <pc:sldMk cId="2728745322" sldId="289"/>
-            <ac:spMk id="16" creationId="{E8A6EAE8-0665-4EAE-95C4-5687EADE54BC}"/>
-          </ac:spMkLst>
-        </pc:spChg>
-        <pc:spChg chg="add mod">
-          <ac:chgData name="Antonia H." userId="da08060cd893cdf4" providerId="Windows Live" clId="Web-{35B094CE-161E-4F65-8362-9F3F5813F5E1}" dt="2018-05-06T09:43:59.109" v="456"/>
-          <ac:spMkLst>
-            <pc:docMk/>
-            <pc:sldMk cId="2728745322" sldId="289"/>
-            <ac:spMk id="17" creationId="{F878F8AB-CC0A-44FA-BEAA-DCFDF54F61C8}"/>
-          </ac:spMkLst>
-        </pc:spChg>
-        <pc:spChg chg="add del mod ord">
-          <ac:chgData name="Antonia H." userId="da08060cd893cdf4" providerId="Windows Live" clId="Web-{35B094CE-161E-4F65-8362-9F3F5813F5E1}" dt="2018-05-06T09:46:46.313" v="508"/>
-          <ac:spMkLst>
-            <pc:docMk/>
-            <pc:sldMk cId="2728745322" sldId="289"/>
-            <ac:spMk id="18" creationId="{5E1FFC00-3F8E-4E87-9AC1-760DE89233FA}"/>
-          </ac:spMkLst>
-        </pc:spChg>
-        <pc:cxnChg chg="add mod">
-          <ac:chgData name="Antonia H." userId="da08060cd893cdf4" providerId="Windows Live" clId="Web-{35B094CE-161E-4F65-8362-9F3F5813F5E1}" dt="2018-05-06T09:28:13.164" v="336"/>
-          <ac:cxnSpMkLst>
-            <pc:docMk/>
-            <pc:sldMk cId="2728745322" sldId="289"/>
-            <ac:cxnSpMk id="7" creationId="{D361F689-78FE-4597-BFED-9A8A2BC1E631}"/>
-          </ac:cxnSpMkLst>
-        </pc:cxnChg>
-        <pc:cxnChg chg="add mod">
-          <ac:chgData name="Antonia H." userId="da08060cd893cdf4" providerId="Windows Live" clId="Web-{35B094CE-161E-4F65-8362-9F3F5813F5E1}" dt="2018-05-06T09:40:40.920" v="341"/>
-          <ac:cxnSpMkLst>
-            <pc:docMk/>
-            <pc:sldMk cId="2728745322" sldId="289"/>
-            <ac:cxnSpMk id="8" creationId="{77AEC18E-04B5-4076-91A0-E32812037705}"/>
-          </ac:cxnSpMkLst>
-        </pc:cxnChg>
-        <pc:cxnChg chg="add mod">
-          <ac:chgData name="Antonia H." userId="da08060cd893cdf4" providerId="Windows Live" clId="Web-{35B094CE-161E-4F65-8362-9F3F5813F5E1}" dt="2018-05-06T09:40:49.983" v="345"/>
-          <ac:cxnSpMkLst>
-            <pc:docMk/>
-            <pc:sldMk cId="2728745322" sldId="289"/>
-            <ac:cxnSpMk id="9" creationId="{F5A146F2-2BCD-4C6E-BE25-A298074E633A}"/>
-          </ac:cxnSpMkLst>
-        </pc:cxnChg>
-        <pc:cxnChg chg="add mod">
-          <ac:chgData name="Antonia H." userId="da08060cd893cdf4" providerId="Windows Live" clId="Web-{35B094CE-161E-4F65-8362-9F3F5813F5E1}" dt="2018-05-06T09:41:02.623" v="350"/>
-          <ac:cxnSpMkLst>
-            <pc:docMk/>
-            <pc:sldMk cId="2728745322" sldId="289"/>
-            <ac:cxnSpMk id="10" creationId="{11D9468B-28C2-439D-A00C-32EA00C467D7}"/>
-          </ac:cxnSpMkLst>
-        </pc:cxnChg>
-        <pc:cxnChg chg="add mod">
-          <ac:chgData name="Antonia H." userId="da08060cd893cdf4" providerId="Windows Live" clId="Web-{35B094CE-161E-4F65-8362-9F3F5813F5E1}" dt="2018-05-06T09:41:13.217" v="353"/>
-          <ac:cxnSpMkLst>
-            <pc:docMk/>
-            <pc:sldMk cId="2728745322" sldId="289"/>
-            <ac:cxnSpMk id="11" creationId="{1A8187A2-8766-46AC-901D-C8E88BCE97EC}"/>
-          </ac:cxnSpMkLst>
-        </pc:cxnChg>
-      </pc:sldChg>
-      <pc:sldChg chg="addSp modSp new modNotes">
-        <pc:chgData name="Antonia H." userId="da08060cd893cdf4" providerId="Windows Live" clId="Web-{35B094CE-161E-4F65-8362-9F3F5813F5E1}" dt="2018-05-06T09:52:49.362" v="707"/>
-        <pc:sldMkLst>
-          <pc:docMk/>
-          <pc:sldMk cId="1529941566" sldId="290"/>
-        </pc:sldMkLst>
-        <pc:spChg chg="mod">
-          <ac:chgData name="Antonia H." userId="da08060cd893cdf4" providerId="Windows Live" clId="Web-{35B094CE-161E-4F65-8362-9F3F5813F5E1}" dt="2018-05-06T09:47:20.595" v="525"/>
-          <ac:spMkLst>
-            <pc:docMk/>
-            <pc:sldMk cId="1529941566" sldId="290"/>
-            <ac:spMk id="2" creationId="{4E312535-B4A5-4118-8222-15C1125E156E}"/>
-          </ac:spMkLst>
-        </pc:spChg>
-        <pc:spChg chg="mod">
-          <ac:chgData name="Antonia H." userId="da08060cd893cdf4" providerId="Windows Live" clId="Web-{35B094CE-161E-4F65-8362-9F3F5813F5E1}" dt="2018-05-06T09:52:47.065" v="705"/>
-          <ac:spMkLst>
-            <pc:docMk/>
-            <pc:sldMk cId="1529941566" sldId="290"/>
-            <ac:spMk id="3" creationId="{B89FBDA8-D8B5-433A-BC51-6FA2CB383BEF}"/>
-          </ac:spMkLst>
-        </pc:spChg>
-        <pc:spChg chg="add mod">
-          <ac:chgData name="Antonia H." userId="da08060cd893cdf4" providerId="Windows Live" clId="Web-{35B094CE-161E-4F65-8362-9F3F5813F5E1}" dt="2018-05-06T09:52:49.362" v="707"/>
-          <ac:spMkLst>
-            <pc:docMk/>
-            <pc:sldMk cId="1529941566" sldId="290"/>
-            <ac:spMk id="6" creationId="{139D3327-983B-4614-A819-89B003CF932C}"/>
-          </ac:spMkLst>
-        </pc:spChg>
-      </pc:sldChg>
-      <pc:sldChg chg="addSp modSp new">
-        <pc:chgData name="Antonia H." userId="da08060cd893cdf4" providerId="Windows Live" clId="Web-{35B094CE-161E-4F65-8362-9F3F5813F5E1}" dt="2018-05-06T09:59:46.021" v="1017"/>
-        <pc:sldMkLst>
-          <pc:docMk/>
-          <pc:sldMk cId="534387332" sldId="291"/>
-        </pc:sldMkLst>
-        <pc:spChg chg="mod">
-          <ac:chgData name="Antonia H." userId="da08060cd893cdf4" providerId="Windows Live" clId="Web-{35B094CE-161E-4F65-8362-9F3F5813F5E1}" dt="2018-05-06T09:53:41.660" v="741"/>
-          <ac:spMkLst>
-            <pc:docMk/>
-            <pc:sldMk cId="534387332" sldId="291"/>
-            <ac:spMk id="2" creationId="{23499BE3-B8F7-44EB-8920-B45BC7987CAE}"/>
-          </ac:spMkLst>
-        </pc:spChg>
-        <pc:spChg chg="mod">
-          <ac:chgData name="Antonia H." userId="da08060cd893cdf4" providerId="Windows Live" clId="Web-{35B094CE-161E-4F65-8362-9F3F5813F5E1}" dt="2018-05-06T09:59:46.021" v="1017"/>
-          <ac:spMkLst>
-            <pc:docMk/>
-            <pc:sldMk cId="534387332" sldId="291"/>
-            <ac:spMk id="3" creationId="{8F7EF2D9-3798-4456-B6AB-D7AD594F578F}"/>
-          </ac:spMkLst>
-        </pc:spChg>
-        <pc:spChg chg="add mod">
-          <ac:chgData name="Antonia H." userId="da08060cd893cdf4" providerId="Windows Live" clId="Web-{35B094CE-161E-4F65-8362-9F3F5813F5E1}" dt="2018-05-06T09:54:04.238" v="757"/>
-          <ac:spMkLst>
-            <pc:docMk/>
-            <pc:sldMk cId="534387332" sldId="291"/>
-            <ac:spMk id="6" creationId="{16553126-0168-41F7-A049-29789E906EE1}"/>
-          </ac:spMkLst>
-        </pc:spChg>
-      </pc:sldChg>
-      <pc:sldChg chg="addSp modSp new addCm">
-        <pc:chgData name="Antonia H." userId="da08060cd893cdf4" providerId="Windows Live" clId="Web-{35B094CE-161E-4F65-8362-9F3F5813F5E1}" dt="2018-05-06T10:24:32.356" v="1418"/>
-        <pc:sldMkLst>
-          <pc:docMk/>
-          <pc:sldMk cId="3527562659" sldId="292"/>
-        </pc:sldMkLst>
-        <pc:spChg chg="mod">
-          <ac:chgData name="Antonia H." userId="da08060cd893cdf4" providerId="Windows Live" clId="Web-{35B094CE-161E-4F65-8362-9F3F5813F5E1}" dt="2018-05-06T10:24:32.356" v="1418"/>
-          <ac:spMkLst>
-            <pc:docMk/>
-            <pc:sldMk cId="3527562659" sldId="292"/>
-            <ac:spMk id="2" creationId="{A3065377-DBB0-4C2B-A43A-9DE360617240}"/>
-          </ac:spMkLst>
-        </pc:spChg>
-        <pc:spChg chg="mod">
-          <ac:chgData name="Antonia H." userId="da08060cd893cdf4" providerId="Windows Live" clId="Web-{35B094CE-161E-4F65-8362-9F3F5813F5E1}" dt="2018-05-06T10:09:04.477" v="1413"/>
-          <ac:spMkLst>
-            <pc:docMk/>
-            <pc:sldMk cId="3527562659" sldId="292"/>
-            <ac:spMk id="3" creationId="{30CF71D0-7A26-4855-B7FE-8D82F839E4B6}"/>
-          </ac:spMkLst>
-        </pc:spChg>
-        <pc:spChg chg="add mod">
-          <ac:chgData name="Antonia H." userId="da08060cd893cdf4" providerId="Windows Live" clId="Web-{35B094CE-161E-4F65-8362-9F3F5813F5E1}" dt="2018-05-06T10:07:25.414" v="1296"/>
-          <ac:spMkLst>
-            <pc:docMk/>
-            <pc:sldMk cId="3527562659" sldId="292"/>
-            <ac:spMk id="6" creationId="{9F96D9C0-0CBC-4AA3-9A76-B9690298D694}"/>
-          </ac:spMkLst>
-        </pc:spChg>
-        <pc:spChg chg="add mod">
-          <ac:chgData name="Antonia H." userId="da08060cd893cdf4" providerId="Windows Live" clId="Web-{35B094CE-161E-4F65-8362-9F3F5813F5E1}" dt="2018-05-06T10:08:23.398" v="1368"/>
-          <ac:spMkLst>
-            <pc:docMk/>
-            <pc:sldMk cId="3527562659" sldId="292"/>
-            <ac:spMk id="7" creationId="{EA6B6462-53CB-40F5-AB60-1E55B69E507E}"/>
-          </ac:spMkLst>
-        </pc:spChg>
-      </pc:sldChg>
-    </pc:docChg>
-  </pc:docChgLst>
-  <pc:docChgLst>
-    <pc:chgData name="Moritz Nipshagen" userId="ee3b3bbc25b4cb6d" providerId="LiveId" clId="{89800FAC-459B-4A6B-8E52-6A9F5D47AABB}"/>
-    <pc:docChg chg="modSld">
-      <pc:chgData name="Moritz Nipshagen" userId="ee3b3bbc25b4cb6d" providerId="LiveId" clId="{89800FAC-459B-4A6B-8E52-6A9F5D47AABB}" dt="2018-05-06T16:57:47.576" v="35"/>
-      <pc:docMkLst>
-        <pc:docMk/>
-      </pc:docMkLst>
-      <pc:sldChg chg="addCm">
-        <pc:chgData name="Moritz Nipshagen" userId="ee3b3bbc25b4cb6d" providerId="LiveId" clId="{89800FAC-459B-4A6B-8E52-6A9F5D47AABB}" dt="2018-05-06T16:57:47.576" v="35"/>
-        <pc:sldMkLst>
-          <pc:docMk/>
-          <pc:sldMk cId="541990114" sldId="261"/>
-        </pc:sldMkLst>
-      </pc:sldChg>
-      <pc:sldChg chg="addCm modCm">
-        <pc:chgData name="Moritz Nipshagen" userId="ee3b3bbc25b4cb6d" providerId="LiveId" clId="{89800FAC-459B-4A6B-8E52-6A9F5D47AABB}" dt="2018-05-06T16:42:50.841" v="1"/>
-        <pc:sldMkLst>
-          <pc:docMk/>
-          <pc:sldMk cId="608969387" sldId="267"/>
-        </pc:sldMkLst>
-      </pc:sldChg>
-      <pc:sldChg chg="addCm modCm">
-        <pc:chgData name="Moritz Nipshagen" userId="ee3b3bbc25b4cb6d" providerId="LiveId" clId="{89800FAC-459B-4A6B-8E52-6A9F5D47AABB}" dt="2018-05-06T16:45:51.432" v="3"/>
-        <pc:sldMkLst>
-          <pc:docMk/>
-          <pc:sldMk cId="1236686889" sldId="268"/>
-        </pc:sldMkLst>
-      </pc:sldChg>
-      <pc:sldChg chg="addCm modCm">
-        <pc:chgData name="Moritz Nipshagen" userId="ee3b3bbc25b4cb6d" providerId="LiveId" clId="{89800FAC-459B-4A6B-8E52-6A9F5D47AABB}" dt="2018-05-06T16:46:55.193" v="6"/>
-        <pc:sldMkLst>
-          <pc:docMk/>
-          <pc:sldMk cId="1455336899" sldId="269"/>
-        </pc:sldMkLst>
-      </pc:sldChg>
-      <pc:sldChg chg="addCm modCm">
-        <pc:chgData name="Moritz Nipshagen" userId="ee3b3bbc25b4cb6d" providerId="LiveId" clId="{89800FAC-459B-4A6B-8E52-6A9F5D47AABB}" dt="2018-05-06T16:47:47.368" v="11"/>
-        <pc:sldMkLst>
-          <pc:docMk/>
-          <pc:sldMk cId="2613893894" sldId="272"/>
-        </pc:sldMkLst>
-      </pc:sldChg>
-      <pc:sldChg chg="addCm">
-        <pc:chgData name="Moritz Nipshagen" userId="ee3b3bbc25b4cb6d" providerId="LiveId" clId="{89800FAC-459B-4A6B-8E52-6A9F5D47AABB}" dt="2018-05-06T16:49:03.001" v="12"/>
+      <pc:sldChg chg="delCm">
+        <pc:chgData name="Antonia H." userId="da08060cd893cdf4" providerId="Windows Live" clId="Web-{B951892C-74D7-4A1D-81D4-A7809E05EBC9}" dt="2018-05-09T08:20:26.618" v="4"/>
         <pc:sldMkLst>
           <pc:docMk/>
           <pc:sldMk cId="3660028228" sldId="274"/>
         </pc:sldMkLst>
       </pc:sldChg>
-      <pc:sldChg chg="addCm modCm">
-        <pc:chgData name="Moritz Nipshagen" userId="ee3b3bbc25b4cb6d" providerId="LiveId" clId="{89800FAC-459B-4A6B-8E52-6A9F5D47AABB}" dt="2018-05-06T16:49:23.704" v="14"/>
+      <pc:sldChg chg="delCm">
+        <pc:chgData name="Antonia H." userId="da08060cd893cdf4" providerId="Windows Live" clId="Web-{B951892C-74D7-4A1D-81D4-A7809E05EBC9}" dt="2018-05-09T08:20:34.009" v="6"/>
         <pc:sldMkLst>
           <pc:docMk/>
           <pc:sldMk cId="3234975730" sldId="275"/>
         </pc:sldMkLst>
       </pc:sldChg>
-      <pc:sldChg chg="addCm modCm">
-        <pc:chgData name="Moritz Nipshagen" userId="ee3b3bbc25b4cb6d" providerId="LiveId" clId="{89800FAC-459B-4A6B-8E52-6A9F5D47AABB}" dt="2018-05-06T16:50:19.816" v="18"/>
-        <pc:sldMkLst>
-          <pc:docMk/>
-          <pc:sldMk cId="138513243" sldId="277"/>
-        </pc:sldMkLst>
-      </pc:sldChg>
-      <pc:sldChg chg="addCm modCm">
-        <pc:chgData name="Moritz Nipshagen" userId="ee3b3bbc25b4cb6d" providerId="LiveId" clId="{89800FAC-459B-4A6B-8E52-6A9F5D47AABB}" dt="2018-05-06T16:51:05.559" v="20"/>
-        <pc:sldMkLst>
-          <pc:docMk/>
-          <pc:sldMk cId="151621342" sldId="279"/>
-        </pc:sldMkLst>
-      </pc:sldChg>
-      <pc:sldChg chg="modSp addCm delCm modCm">
-        <pc:chgData name="Moritz Nipshagen" userId="ee3b3bbc25b4cb6d" providerId="LiveId" clId="{89800FAC-459B-4A6B-8E52-6A9F5D47AABB}" dt="2018-05-06T16:52:34.545" v="25"/>
-        <pc:sldMkLst>
-          <pc:docMk/>
-          <pc:sldMk cId="1038459410" sldId="280"/>
-        </pc:sldMkLst>
-        <pc:spChg chg="mod">
-          <ac:chgData name="Moritz Nipshagen" userId="ee3b3bbc25b4cb6d" providerId="LiveId" clId="{89800FAC-459B-4A6B-8E52-6A9F5D47AABB}" dt="2018-05-06T16:51:34.034" v="22" actId="20577"/>
-          <ac:spMkLst>
-            <pc:docMk/>
-            <pc:sldMk cId="1038459410" sldId="280"/>
-            <ac:spMk id="2" creationId="{E9887E70-004E-4E54-8EC2-569202DD8951}"/>
-          </ac:spMkLst>
-        </pc:spChg>
-      </pc:sldChg>
-      <pc:sldChg chg="addCm modCm">
-        <pc:chgData name="Moritz Nipshagen" userId="ee3b3bbc25b4cb6d" providerId="LiveId" clId="{89800FAC-459B-4A6B-8E52-6A9F5D47AABB}" dt="2018-05-06T16:53:28.023" v="28"/>
+      <pc:sldChg chg="delCm">
+        <pc:chgData name="Antonia H." userId="da08060cd893cdf4" providerId="Windows Live" clId="Web-{B951892C-74D7-4A1D-81D4-A7809E05EBC9}" dt="2018-05-09T08:20:43.509" v="7"/>
         <pc:sldMkLst>
           <pc:docMk/>
           <pc:sldMk cId="2760054146" sldId="281"/>
         </pc:sldMkLst>
       </pc:sldChg>
-      <pc:sldChg chg="addCm modCm">
-        <pc:chgData name="Moritz Nipshagen" userId="ee3b3bbc25b4cb6d" providerId="LiveId" clId="{89800FAC-459B-4A6B-8E52-6A9F5D47AABB}" dt="2018-05-06T16:56:03.751" v="32"/>
+      <pc:sldChg chg="modSp">
+        <pc:chgData name="Antonia H." userId="da08060cd893cdf4" providerId="Windows Live" clId="Web-{B951892C-74D7-4A1D-81D4-A7809E05EBC9}" dt="2018-05-09T08:18:49.368" v="2" actId="20577"/>
         <pc:sldMkLst>
           <pc:docMk/>
-          <pc:sldMk cId="377796833" sldId="282"/>
-        </pc:sldMkLst>
-      </pc:sldChg>
-      <pc:sldChg chg="addCm modCm">
-        <pc:chgData name="Moritz Nipshagen" userId="ee3b3bbc25b4cb6d" providerId="LiveId" clId="{89800FAC-459B-4A6B-8E52-6A9F5D47AABB}" dt="2018-05-06T16:56:56.167" v="34"/>
-        <pc:sldMkLst>
-          <pc:docMk/>
-          <pc:sldMk cId="2046395673" sldId="284"/>
-        </pc:sldMkLst>
-      </pc:sldChg>
-    </pc:docChg>
-  </pc:docChgLst>
-  <pc:docChgLst>
-    <pc:chgData name="Antonia H." userId="da08060cd893cdf4" providerId="Windows Live" clId="Web-{96548583-B4A2-49DF-AB53-3674DAC5BA9C}"/>
-    <pc:docChg chg="addSld modSld">
-      <pc:chgData name="Antonia H." userId="da08060cd893cdf4" providerId="Windows Live" clId="Web-{96548583-B4A2-49DF-AB53-3674DAC5BA9C}" dt="2018-05-05T17:03:10.252" v="881"/>
-      <pc:docMkLst>
-        <pc:docMk/>
-      </pc:docMkLst>
-      <pc:sldChg chg="modSp">
-        <pc:chgData name="Antonia H." userId="da08060cd893cdf4" providerId="Windows Live" clId="Web-{96548583-B4A2-49DF-AB53-3674DAC5BA9C}" dt="2018-05-05T16:27:54.101" v="72"/>
-        <pc:sldMkLst>
-          <pc:docMk/>
-          <pc:sldMk cId="964619605" sldId="278"/>
+          <pc:sldMk cId="2415655377" sldId="316"/>
         </pc:sldMkLst>
         <pc:spChg chg="mod">
-          <ac:chgData name="Antonia H." userId="da08060cd893cdf4" providerId="Windows Live" clId="Web-{96548583-B4A2-49DF-AB53-3674DAC5BA9C}" dt="2018-05-05T16:27:54.101" v="72"/>
+          <ac:chgData name="Antonia H." userId="da08060cd893cdf4" providerId="Windows Live" clId="Web-{B951892C-74D7-4A1D-81D4-A7809E05EBC9}" dt="2018-05-09T08:18:49.368" v="2" actId="20577"/>
           <ac:spMkLst>
             <pc:docMk/>
-            <pc:sldMk cId="964619605" sldId="278"/>
-            <ac:spMk id="3" creationId="{2C59D76C-56D9-456B-AA29-4770DF0DD128}"/>
-          </ac:spMkLst>
-        </pc:spChg>
-      </pc:sldChg>
-      <pc:sldChg chg="addSp modSp new">
-        <pc:chgData name="Antonia H." userId="da08060cd893cdf4" providerId="Windows Live" clId="Web-{96548583-B4A2-49DF-AB53-3674DAC5BA9C}" dt="2018-05-05T17:02:59.392" v="871"/>
-        <pc:sldMkLst>
-          <pc:docMk/>
-          <pc:sldMk cId="1038459410" sldId="280"/>
-        </pc:sldMkLst>
-        <pc:spChg chg="mod">
-          <ac:chgData name="Antonia H." userId="da08060cd893cdf4" providerId="Windows Live" clId="Web-{96548583-B4A2-49DF-AB53-3674DAC5BA9C}" dt="2018-05-05T17:02:59.392" v="871"/>
-          <ac:spMkLst>
-            <pc:docMk/>
-            <pc:sldMk cId="1038459410" sldId="280"/>
-            <ac:spMk id="2" creationId="{E9887E70-004E-4E54-8EC2-569202DD8951}"/>
-          </ac:spMkLst>
-        </pc:spChg>
-        <pc:spChg chg="mod">
-          <ac:chgData name="Antonia H." userId="da08060cd893cdf4" providerId="Windows Live" clId="Web-{96548583-B4A2-49DF-AB53-3674DAC5BA9C}" dt="2018-05-05T16:42:04.977" v="418"/>
-          <ac:spMkLst>
-            <pc:docMk/>
-            <pc:sldMk cId="1038459410" sldId="280"/>
-            <ac:spMk id="3" creationId="{0F0CFA88-A677-45B1-8C46-DDD487EF5FF0}"/>
-          </ac:spMkLst>
-        </pc:spChg>
-        <pc:spChg chg="add mod">
-          <ac:chgData name="Antonia H." userId="da08060cd893cdf4" providerId="Windows Live" clId="Web-{96548583-B4A2-49DF-AB53-3674DAC5BA9C}" dt="2018-05-05T16:40:37.444" v="368"/>
-          <ac:spMkLst>
-            <pc:docMk/>
-            <pc:sldMk cId="1038459410" sldId="280"/>
-            <ac:spMk id="5" creationId="{14510D5F-5051-4B7C-896F-A5C1B43B58B3}"/>
-          </ac:spMkLst>
-        </pc:spChg>
-        <pc:spChg chg="add mod">
-          <ac:chgData name="Antonia H." userId="da08060cd893cdf4" providerId="Windows Live" clId="Web-{96548583-B4A2-49DF-AB53-3674DAC5BA9C}" dt="2018-05-05T16:41:02.866" v="384"/>
-          <ac:spMkLst>
-            <pc:docMk/>
-            <pc:sldMk cId="1038459410" sldId="280"/>
-            <ac:spMk id="6" creationId="{2D50BEC1-08DC-4929-99C1-0A9C9C045167}"/>
-          </ac:spMkLst>
-        </pc:spChg>
-      </pc:sldChg>
-      <pc:sldChg chg="addSp delSp modSp add replId">
-        <pc:chgData name="Antonia H." userId="da08060cd893cdf4" providerId="Windows Live" clId="Web-{96548583-B4A2-49DF-AB53-3674DAC5BA9C}" dt="2018-05-05T17:03:04.439" v="876"/>
-        <pc:sldMkLst>
-          <pc:docMk/>
-          <pc:sldMk cId="2760054146" sldId="281"/>
-        </pc:sldMkLst>
-        <pc:spChg chg="mod">
-          <ac:chgData name="Antonia H." userId="da08060cd893cdf4" providerId="Windows Live" clId="Web-{96548583-B4A2-49DF-AB53-3674DAC5BA9C}" dt="2018-05-05T17:03:04.439" v="876"/>
-          <ac:spMkLst>
-            <pc:docMk/>
-            <pc:sldMk cId="2760054146" sldId="281"/>
-            <ac:spMk id="2" creationId="{E9887E70-004E-4E54-8EC2-569202DD8951}"/>
-          </ac:spMkLst>
-        </pc:spChg>
-        <pc:spChg chg="del mod">
-          <ac:chgData name="Antonia H." userId="da08060cd893cdf4" providerId="Windows Live" clId="Web-{96548583-B4A2-49DF-AB53-3674DAC5BA9C}" dt="2018-05-05T16:42:17.680" v="420"/>
-          <ac:spMkLst>
-            <pc:docMk/>
-            <pc:sldMk cId="2760054146" sldId="281"/>
-            <ac:spMk id="3" creationId="{0F0CFA88-A677-45B1-8C46-DDD487EF5FF0}"/>
-          </ac:spMkLst>
-        </pc:spChg>
-        <pc:spChg chg="mod">
-          <ac:chgData name="Antonia H." userId="da08060cd893cdf4" providerId="Windows Live" clId="Web-{96548583-B4A2-49DF-AB53-3674DAC5BA9C}" dt="2018-05-05T16:41:18.008" v="387"/>
-          <ac:spMkLst>
-            <pc:docMk/>
-            <pc:sldMk cId="2760054146" sldId="281"/>
-            <ac:spMk id="5" creationId="{14510D5F-5051-4B7C-896F-A5C1B43B58B3}"/>
-          </ac:spMkLst>
-        </pc:spChg>
-        <pc:spChg chg="del mod">
-          <ac:chgData name="Antonia H." userId="da08060cd893cdf4" providerId="Windows Live" clId="Web-{96548583-B4A2-49DF-AB53-3674DAC5BA9C}" dt="2018-05-05T16:48:57.844" v="645"/>
-          <ac:spMkLst>
-            <pc:docMk/>
-            <pc:sldMk cId="2760054146" sldId="281"/>
-            <ac:spMk id="6" creationId="{2D50BEC1-08DC-4929-99C1-0A9C9C045167}"/>
-          </ac:spMkLst>
-        </pc:spChg>
-        <pc:spChg chg="add mod">
-          <ac:chgData name="Antonia H." userId="da08060cd893cdf4" providerId="Windows Live" clId="Web-{96548583-B4A2-49DF-AB53-3674DAC5BA9C}" dt="2018-05-05T16:46:54.529" v="635"/>
-          <ac:spMkLst>
-            <pc:docMk/>
-            <pc:sldMk cId="2760054146" sldId="281"/>
-            <ac:spMk id="8" creationId="{C984D1C8-F757-4093-A7FB-F69E5AB22D87}"/>
-          </ac:spMkLst>
-        </pc:spChg>
-      </pc:sldChg>
-      <pc:sldChg chg="delSp modSp add replId modNotes">
-        <pc:chgData name="Antonia H." userId="da08060cd893cdf4" providerId="Windows Live" clId="Web-{96548583-B4A2-49DF-AB53-3674DAC5BA9C}" dt="2018-05-05T17:03:09.517" v="879"/>
-        <pc:sldMkLst>
-          <pc:docMk/>
-          <pc:sldMk cId="377796833" sldId="282"/>
-        </pc:sldMkLst>
-        <pc:spChg chg="mod">
-          <ac:chgData name="Antonia H." userId="da08060cd893cdf4" providerId="Windows Live" clId="Web-{96548583-B4A2-49DF-AB53-3674DAC5BA9C}" dt="2018-05-05T17:03:09.517" v="879"/>
-          <ac:spMkLst>
-            <pc:docMk/>
-            <pc:sldMk cId="377796833" sldId="282"/>
-            <ac:spMk id="2" creationId="{E9887E70-004E-4E54-8EC2-569202DD8951}"/>
-          </ac:spMkLst>
-        </pc:spChg>
-        <pc:spChg chg="del mod">
-          <ac:chgData name="Antonia H." userId="da08060cd893cdf4" providerId="Windows Live" clId="Web-{96548583-B4A2-49DF-AB53-3674DAC5BA9C}" dt="2018-05-05T16:49:06.516" v="650"/>
-          <ac:spMkLst>
-            <pc:docMk/>
-            <pc:sldMk cId="377796833" sldId="282"/>
-            <ac:spMk id="5" creationId="{14510D5F-5051-4B7C-896F-A5C1B43B58B3}"/>
-          </ac:spMkLst>
-        </pc:spChg>
-        <pc:spChg chg="mod">
-          <ac:chgData name="Antonia H." userId="da08060cd893cdf4" providerId="Windows Live" clId="Web-{96548583-B4A2-49DF-AB53-3674DAC5BA9C}" dt="2018-05-05T16:54:06.788" v="857"/>
-          <ac:spMkLst>
-            <pc:docMk/>
-            <pc:sldMk cId="377796833" sldId="282"/>
-            <ac:spMk id="6" creationId="{2D50BEC1-08DC-4929-99C1-0A9C9C045167}"/>
-          </ac:spMkLst>
-        </pc:spChg>
-        <pc:spChg chg="mod">
-          <ac:chgData name="Antonia H." userId="da08060cd893cdf4" providerId="Windows Live" clId="Web-{96548583-B4A2-49DF-AB53-3674DAC5BA9C}" dt="2018-05-05T16:53:03.396" v="795"/>
-          <ac:spMkLst>
-            <pc:docMk/>
-            <pc:sldMk cId="377796833" sldId="282"/>
-            <ac:spMk id="8" creationId="{C984D1C8-F757-4093-A7FB-F69E5AB22D87}"/>
-          </ac:spMkLst>
-        </pc:spChg>
-      </pc:sldChg>
-    </pc:docChg>
-  </pc:docChgLst>
-  <pc:docChgLst>
-    <pc:chgData name="Antonia H." userId="da08060cd893cdf4" providerId="Windows Live" clId="Web-{27E73AE0-D86F-430D-8C4D-1B886AAA0B03}"/>
-    <pc:docChg chg="delSld modSld">
-      <pc:chgData name="Antonia H." userId="da08060cd893cdf4" providerId="Windows Live" clId="Web-{27E73AE0-D86F-430D-8C4D-1B886AAA0B03}" dt="2018-05-08T10:09:01.923" v="92"/>
-      <pc:docMkLst>
-        <pc:docMk/>
-      </pc:docMkLst>
-      <pc:sldChg chg="delCm">
-        <pc:chgData name="Antonia H." userId="da08060cd893cdf4" providerId="Windows Live" clId="Web-{27E73AE0-D86F-430D-8C4D-1B886AAA0B03}" dt="2018-05-08T09:57:26.394" v="87"/>
-        <pc:sldMkLst>
-          <pc:docMk/>
-          <pc:sldMk cId="541990114" sldId="261"/>
-        </pc:sldMkLst>
-      </pc:sldChg>
-      <pc:sldChg chg="modSp">
-        <pc:chgData name="Antonia H." userId="da08060cd893cdf4" providerId="Windows Live" clId="Web-{27E73AE0-D86F-430D-8C4D-1B886AAA0B03}" dt="2018-05-08T09:38:10.559" v="8" actId="20577"/>
-        <pc:sldMkLst>
-          <pc:docMk/>
-          <pc:sldMk cId="3188346349" sldId="263"/>
-        </pc:sldMkLst>
-        <pc:spChg chg="mod">
-          <ac:chgData name="Antonia H." userId="da08060cd893cdf4" providerId="Windows Live" clId="Web-{27E73AE0-D86F-430D-8C4D-1B886AAA0B03}" dt="2018-05-08T09:38:10.559" v="8" actId="20577"/>
-          <ac:spMkLst>
-            <pc:docMk/>
-            <pc:sldMk cId="3188346349" sldId="263"/>
-            <ac:spMk id="5" creationId="{A66E490D-96A6-4405-B808-CACAC3588E87}"/>
-          </ac:spMkLst>
-        </pc:spChg>
-      </pc:sldChg>
-      <pc:sldChg chg="modSp">
-        <pc:chgData name="Antonia H." userId="da08060cd893cdf4" providerId="Windows Live" clId="Web-{27E73AE0-D86F-430D-8C4D-1B886AAA0B03}" dt="2018-05-08T09:38:40.997" v="11" actId="20577"/>
-        <pc:sldMkLst>
-          <pc:docMk/>
-          <pc:sldMk cId="608969387" sldId="267"/>
-        </pc:sldMkLst>
-        <pc:spChg chg="mod">
-          <ac:chgData name="Antonia H." userId="da08060cd893cdf4" providerId="Windows Live" clId="Web-{27E73AE0-D86F-430D-8C4D-1B886AAA0B03}" dt="2018-05-08T09:38:40.997" v="11" actId="20577"/>
-          <ac:spMkLst>
-            <pc:docMk/>
-            <pc:sldMk cId="608969387" sldId="267"/>
-            <ac:spMk id="3" creationId="{60CB2CC6-0C49-4602-B491-AF89B535960C}"/>
-          </ac:spMkLst>
-        </pc:spChg>
-      </pc:sldChg>
-      <pc:sldChg chg="modSp addCm delCm">
-        <pc:chgData name="Antonia H." userId="da08060cd893cdf4" providerId="Windows Live" clId="Web-{27E73AE0-D86F-430D-8C4D-1B886AAA0B03}" dt="2018-05-08T09:42:25.893" v="36"/>
-        <pc:sldMkLst>
-          <pc:docMk/>
-          <pc:sldMk cId="1236686889" sldId="268"/>
-        </pc:sldMkLst>
-        <pc:spChg chg="mod">
-          <ac:chgData name="Antonia H." userId="da08060cd893cdf4" providerId="Windows Live" clId="Web-{27E73AE0-D86F-430D-8C4D-1B886AAA0B03}" dt="2018-05-08T09:42:05.269" v="33" actId="20577"/>
-          <ac:spMkLst>
-            <pc:docMk/>
-            <pc:sldMk cId="1236686889" sldId="268"/>
-            <ac:spMk id="3" creationId="{60CB2CC6-0C49-4602-B491-AF89B535960C}"/>
-          </ac:spMkLst>
-        </pc:spChg>
-      </pc:sldChg>
-      <pc:sldChg chg="delCm">
-        <pc:chgData name="Antonia H." userId="da08060cd893cdf4" providerId="Windows Live" clId="Web-{27E73AE0-D86F-430D-8C4D-1B886AAA0B03}" dt="2018-05-08T09:58:10.051" v="88"/>
-        <pc:sldMkLst>
-          <pc:docMk/>
-          <pc:sldMk cId="1455336899" sldId="269"/>
-        </pc:sldMkLst>
-      </pc:sldChg>
-      <pc:sldChg chg="modSp addCm delCm">
-        <pc:chgData name="Antonia H." userId="da08060cd893cdf4" providerId="Windows Live" clId="Web-{27E73AE0-D86F-430D-8C4D-1B886AAA0B03}" dt="2018-05-08T09:58:54.317" v="89"/>
-        <pc:sldMkLst>
-          <pc:docMk/>
-          <pc:sldMk cId="138513243" sldId="277"/>
-        </pc:sldMkLst>
-        <pc:spChg chg="mod">
-          <ac:chgData name="Antonia H." userId="da08060cd893cdf4" providerId="Windows Live" clId="Web-{27E73AE0-D86F-430D-8C4D-1B886AAA0B03}" dt="2018-05-08T09:48:18.399" v="53" actId="20577"/>
-          <ac:spMkLst>
-            <pc:docMk/>
-            <pc:sldMk cId="138513243" sldId="277"/>
-            <ac:spMk id="5" creationId="{C71AE9B4-B67A-4A38-98AB-9129A5BDFB14}"/>
-          </ac:spMkLst>
-        </pc:spChg>
-      </pc:sldChg>
-      <pc:sldChg chg="modSp">
-        <pc:chgData name="Antonia H." userId="da08060cd893cdf4" providerId="Windows Live" clId="Web-{27E73AE0-D86F-430D-8C4D-1B886AAA0B03}" dt="2018-05-08T09:57:12.644" v="85" actId="20577"/>
-        <pc:sldMkLst>
-          <pc:docMk/>
-          <pc:sldMk cId="377796833" sldId="282"/>
-        </pc:sldMkLst>
-        <pc:spChg chg="mod">
-          <ac:chgData name="Antonia H." userId="da08060cd893cdf4" providerId="Windows Live" clId="Web-{27E73AE0-D86F-430D-8C4D-1B886AAA0B03}" dt="2018-05-08T09:57:12.644" v="85" actId="20577"/>
-          <ac:spMkLst>
-            <pc:docMk/>
-            <pc:sldMk cId="377796833" sldId="282"/>
-            <ac:spMk id="6" creationId="{2D50BEC1-08DC-4929-99C1-0A9C9C045167}"/>
-          </ac:spMkLst>
-        </pc:spChg>
-      </pc:sldChg>
-      <pc:sldChg chg="del">
-        <pc:chgData name="Antonia H." userId="da08060cd893cdf4" providerId="Windows Live" clId="Web-{27E73AE0-D86F-430D-8C4D-1B886AAA0B03}" dt="2018-05-08T09:59:21.068" v="90"/>
-        <pc:sldMkLst>
-          <pc:docMk/>
-          <pc:sldMk cId="2046395673" sldId="284"/>
-        </pc:sldMkLst>
-      </pc:sldChg>
-      <pc:sldChg chg="modCm">
-        <pc:chgData name="Antonia H." userId="da08060cd893cdf4" providerId="Windows Live" clId="Web-{27E73AE0-D86F-430D-8C4D-1B886AAA0B03}" dt="2018-05-08T10:03:07.541" v="91"/>
-        <pc:sldMkLst>
-          <pc:docMk/>
-          <pc:sldMk cId="3527562659" sldId="292"/>
-        </pc:sldMkLst>
-      </pc:sldChg>
-      <pc:sldChg chg="modSp">
-        <pc:chgData name="Antonia H." userId="da08060cd893cdf4" providerId="Windows Live" clId="Web-{27E73AE0-D86F-430D-8C4D-1B886AAA0B03}" dt="2018-05-08T09:53:47.343" v="58" actId="20577"/>
-        <pc:sldMkLst>
-          <pc:docMk/>
-          <pc:sldMk cId="3222949515" sldId="293"/>
-        </pc:sldMkLst>
-        <pc:spChg chg="mod">
-          <ac:chgData name="Antonia H." userId="da08060cd893cdf4" providerId="Windows Live" clId="Web-{27E73AE0-D86F-430D-8C4D-1B886AAA0B03}" dt="2018-05-08T09:53:47.343" v="58" actId="20577"/>
-          <ac:spMkLst>
-            <pc:docMk/>
-            <pc:sldMk cId="3222949515" sldId="293"/>
-            <ac:spMk id="6" creationId="{55FC48F2-3F5C-4B47-942A-1CFC3CDE1A77}"/>
-          </ac:spMkLst>
-        </pc:spChg>
-      </pc:sldChg>
-      <pc:sldChg chg="modSp delCm">
-        <pc:chgData name="Antonia H." userId="da08060cd893cdf4" providerId="Windows Live" clId="Web-{27E73AE0-D86F-430D-8C4D-1B886AAA0B03}" dt="2018-05-08T09:55:15.907" v="67" actId="20577"/>
-        <pc:sldMkLst>
-          <pc:docMk/>
-          <pc:sldMk cId="1885901484" sldId="294"/>
-        </pc:sldMkLst>
-        <pc:spChg chg="mod">
-          <ac:chgData name="Antonia H." userId="da08060cd893cdf4" providerId="Windows Live" clId="Web-{27E73AE0-D86F-430D-8C4D-1B886AAA0B03}" dt="2018-05-08T09:55:15.907" v="67" actId="20577"/>
-          <ac:spMkLst>
-            <pc:docMk/>
-            <pc:sldMk cId="1885901484" sldId="294"/>
-            <ac:spMk id="3" creationId="{8412D31A-8BBA-4A39-A26A-9FAB748ECDCC}"/>
-          </ac:spMkLst>
-        </pc:spChg>
-      </pc:sldChg>
-      <pc:sldChg chg="addCm">
-        <pc:chgData name="Antonia H." userId="da08060cd893cdf4" providerId="Windows Live" clId="Web-{27E73AE0-D86F-430D-8C4D-1B886AAA0B03}" dt="2018-05-08T10:09:01.923" v="92"/>
-        <pc:sldMkLst>
-          <pc:docMk/>
-          <pc:sldMk cId="824565248" sldId="302"/>
-        </pc:sldMkLst>
-      </pc:sldChg>
-    </pc:docChg>
-  </pc:docChgLst>
-  <pc:docChgLst>
-    <pc:chgData name="Antonia H." userId="da08060cd893cdf4" providerId="Windows Live" clId="Web-{618B1466-10D4-4305-AB65-8E8BD41F8491}"/>
-    <pc:docChg chg="addSld modSld">
-      <pc:chgData name="Antonia H." userId="da08060cd893cdf4" providerId="Windows Live" clId="Web-{618B1466-10D4-4305-AB65-8E8BD41F8491}" dt="2018-05-08T17:54:48.725" v="339" actId="20577"/>
-      <pc:docMkLst>
-        <pc:docMk/>
-      </pc:docMkLst>
-      <pc:sldChg chg="modSp delCm">
-        <pc:chgData name="Antonia H." userId="da08060cd893cdf4" providerId="Windows Live" clId="Web-{618B1466-10D4-4305-AB65-8E8BD41F8491}" dt="2018-05-08T17:33:08.809" v="273" actId="20577"/>
-        <pc:sldMkLst>
-          <pc:docMk/>
-          <pc:sldMk cId="1997070144" sldId="286"/>
-        </pc:sldMkLst>
-        <pc:spChg chg="mod">
-          <ac:chgData name="Antonia H." userId="da08060cd893cdf4" providerId="Windows Live" clId="Web-{618B1466-10D4-4305-AB65-8E8BD41F8491}" dt="2018-05-08T17:33:08.809" v="273" actId="20577"/>
-          <ac:spMkLst>
-            <pc:docMk/>
-            <pc:sldMk cId="1997070144" sldId="286"/>
-            <ac:spMk id="5" creationId="{F29291CB-7FAD-4D97-A8CB-E1DB9833E999}"/>
-          </ac:spMkLst>
-        </pc:spChg>
-      </pc:sldChg>
-      <pc:sldChg chg="modSp addCm modCm">
-        <pc:chgData name="Antonia H." userId="da08060cd893cdf4" providerId="Windows Live" clId="Web-{618B1466-10D4-4305-AB65-8E8BD41F8491}" dt="2018-05-08T17:33:55.748" v="303" actId="20577"/>
-        <pc:sldMkLst>
-          <pc:docMk/>
-          <pc:sldMk cId="2728745322" sldId="289"/>
-        </pc:sldMkLst>
-        <pc:spChg chg="mod">
-          <ac:chgData name="Antonia H." userId="da08060cd893cdf4" providerId="Windows Live" clId="Web-{618B1466-10D4-4305-AB65-8E8BD41F8491}" dt="2018-05-08T17:33:46.935" v="299" actId="20577"/>
-          <ac:spMkLst>
-            <pc:docMk/>
-            <pc:sldMk cId="2728745322" sldId="289"/>
-            <ac:spMk id="3" creationId="{4DDA3825-DD4A-4D96-AEE8-F3E4FF89C2D1}"/>
-          </ac:spMkLst>
-        </pc:spChg>
-      </pc:sldChg>
-      <pc:sldChg chg="modSp addCm delCm modCm">
-        <pc:chgData name="Antonia H." userId="da08060cd893cdf4" providerId="Windows Live" clId="Web-{618B1466-10D4-4305-AB65-8E8BD41F8491}" dt="2018-05-08T17:30:54.916" v="225" actId="20577"/>
-        <pc:sldMkLst>
-          <pc:docMk/>
-          <pc:sldMk cId="1834800628" sldId="297"/>
-        </pc:sldMkLst>
-        <pc:spChg chg="mod">
-          <ac:chgData name="Antonia H." userId="da08060cd893cdf4" providerId="Windows Live" clId="Web-{618B1466-10D4-4305-AB65-8E8BD41F8491}" dt="2018-05-08T17:30:54.916" v="225" actId="20577"/>
-          <ac:spMkLst>
-            <pc:docMk/>
-            <pc:sldMk cId="1834800628" sldId="297"/>
-            <ac:spMk id="3" creationId="{8412D31A-8BBA-4A39-A26A-9FAB748ECDCC}"/>
-          </ac:spMkLst>
-        </pc:spChg>
-        <pc:spChg chg="mod">
-          <ac:chgData name="Antonia H." userId="da08060cd893cdf4" providerId="Windows Live" clId="Web-{618B1466-10D4-4305-AB65-8E8BD41F8491}" dt="2018-05-08T17:25:02.691" v="125" actId="20577"/>
-          <ac:spMkLst>
-            <pc:docMk/>
-            <pc:sldMk cId="1834800628" sldId="297"/>
-            <ac:spMk id="6" creationId="{7DD28814-2C66-4ED5-9973-27A905C58D80}"/>
-          </ac:spMkLst>
-        </pc:spChg>
-      </pc:sldChg>
-      <pc:sldChg chg="modSp new">
-        <pc:chgData name="Antonia H." userId="da08060cd893cdf4" providerId="Windows Live" clId="Web-{618B1466-10D4-4305-AB65-8E8BD41F8491}" dt="2018-05-08T17:54:48.725" v="338" actId="20577"/>
-        <pc:sldMkLst>
-          <pc:docMk/>
-          <pc:sldMk cId="997277653" sldId="311"/>
-        </pc:sldMkLst>
-        <pc:spChg chg="mod">
-          <ac:chgData name="Antonia H." userId="da08060cd893cdf4" providerId="Windows Live" clId="Web-{618B1466-10D4-4305-AB65-8E8BD41F8491}" dt="2018-05-08T17:33:15.528" v="278" actId="20577"/>
-          <ac:spMkLst>
-            <pc:docMk/>
-            <pc:sldMk cId="997277653" sldId="311"/>
-            <ac:spMk id="2" creationId="{52C0293E-7673-4742-9ECF-45C099E0DEFB}"/>
-          </ac:spMkLst>
-        </pc:spChg>
-        <pc:spChg chg="mod">
-          <ac:chgData name="Antonia H." userId="da08060cd893cdf4" providerId="Windows Live" clId="Web-{618B1466-10D4-4305-AB65-8E8BD41F8491}" dt="2018-05-08T17:54:48.725" v="338" actId="20577"/>
-          <ac:spMkLst>
-            <pc:docMk/>
-            <pc:sldMk cId="997277653" sldId="311"/>
-            <ac:spMk id="3" creationId="{FB77ED10-1DDF-43E8-9F83-EC5C62381D24}"/>
+            <pc:sldMk cId="2415655377" sldId="316"/>
+            <ac:spMk id="5" creationId="{3FB56575-BE2F-4B15-956B-74176E9F7162}"/>
           </ac:spMkLst>
         </pc:spChg>
       </pc:sldChg>
@@ -2879,24 +1427,1188 @@
     </pc:docChg>
   </pc:docChgLst>
   <pc:docChgLst>
-    <pc:chgData name="Antonia H." userId="da08060cd893cdf4" providerId="Windows Live" clId="Web-{943D935D-48DD-4A1F-A748-3BA4554D6EB7}"/>
-    <pc:docChg chg="modSld">
-      <pc:chgData name="Antonia H." userId="da08060cd893cdf4" providerId="Windows Live" clId="Web-{943D935D-48DD-4A1F-A748-3BA4554D6EB7}" dt="2018-05-08T19:34:19.968" v="195"/>
+    <pc:chgData name="Antonia H." userId="da08060cd893cdf4" providerId="Windows Live" clId="Web-{EB80B6CD-F390-4C5A-97C7-214C6DE115FE}"/>
+    <pc:docChg chg="addSld delSld modSld">
+      <pc:chgData name="Antonia H." userId="da08060cd893cdf4" providerId="Windows Live" clId="Web-{EB80B6CD-F390-4C5A-97C7-214C6DE115FE}" dt="2018-05-08T13:53:49.534" v="17"/>
+      <pc:docMkLst>
+        <pc:docMk/>
+      </pc:docMkLst>
+      <pc:sldChg chg="add del">
+        <pc:chgData name="Antonia H." userId="da08060cd893cdf4" providerId="Windows Live" clId="Web-{EB80B6CD-F390-4C5A-97C7-214C6DE115FE}" dt="2018-05-08T13:43:48.253" v="2"/>
+        <pc:sldMkLst>
+          <pc:docMk/>
+          <pc:sldMk cId="2613893894" sldId="272"/>
+        </pc:sldMkLst>
+      </pc:sldChg>
+      <pc:sldChg chg="modSp">
+        <pc:chgData name="Antonia H." userId="da08060cd893cdf4" providerId="Windows Live" clId="Web-{EB80B6CD-F390-4C5A-97C7-214C6DE115FE}" dt="2018-05-08T13:45:23.003" v="3"/>
+        <pc:sldMkLst>
+          <pc:docMk/>
+          <pc:sldMk cId="2760054146" sldId="281"/>
+        </pc:sldMkLst>
+        <pc:spChg chg="mod">
+          <ac:chgData name="Antonia H." userId="da08060cd893cdf4" providerId="Windows Live" clId="Web-{EB80B6CD-F390-4C5A-97C7-214C6DE115FE}" dt="2018-05-08T13:45:23.003" v="3"/>
+          <ac:spMkLst>
+            <pc:docMk/>
+            <pc:sldMk cId="2760054146" sldId="281"/>
+            <ac:spMk id="2" creationId="{E9887E70-004E-4E54-8EC2-569202DD8951}"/>
+          </ac:spMkLst>
+        </pc:spChg>
+      </pc:sldChg>
+      <pc:sldChg chg="modSp">
+        <pc:chgData name="Antonia H." userId="da08060cd893cdf4" providerId="Windows Live" clId="Web-{EB80B6CD-F390-4C5A-97C7-214C6DE115FE}" dt="2018-05-08T13:53:49.519" v="16"/>
+        <pc:sldMkLst>
+          <pc:docMk/>
+          <pc:sldMk cId="1343733425" sldId="304"/>
+        </pc:sldMkLst>
+        <pc:spChg chg="mod">
+          <ac:chgData name="Antonia H." userId="da08060cd893cdf4" providerId="Windows Live" clId="Web-{EB80B6CD-F390-4C5A-97C7-214C6DE115FE}" dt="2018-05-08T13:53:49.519" v="16"/>
+          <ac:spMkLst>
+            <pc:docMk/>
+            <pc:sldMk cId="1343733425" sldId="304"/>
+            <ac:spMk id="3" creationId="{8F7EF2D9-3798-4456-B6AB-D7AD594F578F}"/>
+          </ac:spMkLst>
+        </pc:spChg>
+      </pc:sldChg>
+    </pc:docChg>
+  </pc:docChgLst>
+  <pc:docChgLst>
+    <pc:chgData name="Antonia H." userId="da08060cd893cdf4" providerId="Windows Live" clId="Web-{27E73AE0-D86F-430D-8C4D-1B886AAA0B03}"/>
+    <pc:docChg chg="delSld modSld">
+      <pc:chgData name="Antonia H." userId="da08060cd893cdf4" providerId="Windows Live" clId="Web-{27E73AE0-D86F-430D-8C4D-1B886AAA0B03}" dt="2018-05-08T10:09:01.923" v="92"/>
+      <pc:docMkLst>
+        <pc:docMk/>
+      </pc:docMkLst>
+      <pc:sldChg chg="delCm">
+        <pc:chgData name="Antonia H." userId="da08060cd893cdf4" providerId="Windows Live" clId="Web-{27E73AE0-D86F-430D-8C4D-1B886AAA0B03}" dt="2018-05-08T09:57:26.394" v="87"/>
+        <pc:sldMkLst>
+          <pc:docMk/>
+          <pc:sldMk cId="541990114" sldId="261"/>
+        </pc:sldMkLst>
+      </pc:sldChg>
+      <pc:sldChg chg="modSp">
+        <pc:chgData name="Antonia H." userId="da08060cd893cdf4" providerId="Windows Live" clId="Web-{27E73AE0-D86F-430D-8C4D-1B886AAA0B03}" dt="2018-05-08T09:38:10.559" v="8" actId="20577"/>
+        <pc:sldMkLst>
+          <pc:docMk/>
+          <pc:sldMk cId="3188346349" sldId="263"/>
+        </pc:sldMkLst>
+        <pc:spChg chg="mod">
+          <ac:chgData name="Antonia H." userId="da08060cd893cdf4" providerId="Windows Live" clId="Web-{27E73AE0-D86F-430D-8C4D-1B886AAA0B03}" dt="2018-05-08T09:38:10.559" v="8" actId="20577"/>
+          <ac:spMkLst>
+            <pc:docMk/>
+            <pc:sldMk cId="3188346349" sldId="263"/>
+            <ac:spMk id="5" creationId="{A66E490D-96A6-4405-B808-CACAC3588E87}"/>
+          </ac:spMkLst>
+        </pc:spChg>
+      </pc:sldChg>
+      <pc:sldChg chg="modSp">
+        <pc:chgData name="Antonia H." userId="da08060cd893cdf4" providerId="Windows Live" clId="Web-{27E73AE0-D86F-430D-8C4D-1B886AAA0B03}" dt="2018-05-08T09:38:40.997" v="11" actId="20577"/>
+        <pc:sldMkLst>
+          <pc:docMk/>
+          <pc:sldMk cId="608969387" sldId="267"/>
+        </pc:sldMkLst>
+        <pc:spChg chg="mod">
+          <ac:chgData name="Antonia H." userId="da08060cd893cdf4" providerId="Windows Live" clId="Web-{27E73AE0-D86F-430D-8C4D-1B886AAA0B03}" dt="2018-05-08T09:38:40.997" v="11" actId="20577"/>
+          <ac:spMkLst>
+            <pc:docMk/>
+            <pc:sldMk cId="608969387" sldId="267"/>
+            <ac:spMk id="3" creationId="{60CB2CC6-0C49-4602-B491-AF89B535960C}"/>
+          </ac:spMkLst>
+        </pc:spChg>
+      </pc:sldChg>
+      <pc:sldChg chg="modSp addCm delCm">
+        <pc:chgData name="Antonia H." userId="da08060cd893cdf4" providerId="Windows Live" clId="Web-{27E73AE0-D86F-430D-8C4D-1B886AAA0B03}" dt="2018-05-08T09:42:25.893" v="36"/>
+        <pc:sldMkLst>
+          <pc:docMk/>
+          <pc:sldMk cId="1236686889" sldId="268"/>
+        </pc:sldMkLst>
+        <pc:spChg chg="mod">
+          <ac:chgData name="Antonia H." userId="da08060cd893cdf4" providerId="Windows Live" clId="Web-{27E73AE0-D86F-430D-8C4D-1B886AAA0B03}" dt="2018-05-08T09:42:05.269" v="33" actId="20577"/>
+          <ac:spMkLst>
+            <pc:docMk/>
+            <pc:sldMk cId="1236686889" sldId="268"/>
+            <ac:spMk id="3" creationId="{60CB2CC6-0C49-4602-B491-AF89B535960C}"/>
+          </ac:spMkLst>
+        </pc:spChg>
+      </pc:sldChg>
+      <pc:sldChg chg="delCm">
+        <pc:chgData name="Antonia H." userId="da08060cd893cdf4" providerId="Windows Live" clId="Web-{27E73AE0-D86F-430D-8C4D-1B886AAA0B03}" dt="2018-05-08T09:58:10.051" v="88"/>
+        <pc:sldMkLst>
+          <pc:docMk/>
+          <pc:sldMk cId="1455336899" sldId="269"/>
+        </pc:sldMkLst>
+      </pc:sldChg>
+      <pc:sldChg chg="modSp addCm delCm">
+        <pc:chgData name="Antonia H." userId="da08060cd893cdf4" providerId="Windows Live" clId="Web-{27E73AE0-D86F-430D-8C4D-1B886AAA0B03}" dt="2018-05-08T09:58:54.317" v="89"/>
+        <pc:sldMkLst>
+          <pc:docMk/>
+          <pc:sldMk cId="138513243" sldId="277"/>
+        </pc:sldMkLst>
+        <pc:spChg chg="mod">
+          <ac:chgData name="Antonia H." userId="da08060cd893cdf4" providerId="Windows Live" clId="Web-{27E73AE0-D86F-430D-8C4D-1B886AAA0B03}" dt="2018-05-08T09:48:18.399" v="53" actId="20577"/>
+          <ac:spMkLst>
+            <pc:docMk/>
+            <pc:sldMk cId="138513243" sldId="277"/>
+            <ac:spMk id="5" creationId="{C71AE9B4-B67A-4A38-98AB-9129A5BDFB14}"/>
+          </ac:spMkLst>
+        </pc:spChg>
+      </pc:sldChg>
+      <pc:sldChg chg="modSp">
+        <pc:chgData name="Antonia H." userId="da08060cd893cdf4" providerId="Windows Live" clId="Web-{27E73AE0-D86F-430D-8C4D-1B886AAA0B03}" dt="2018-05-08T09:57:12.644" v="85" actId="20577"/>
+        <pc:sldMkLst>
+          <pc:docMk/>
+          <pc:sldMk cId="377796833" sldId="282"/>
+        </pc:sldMkLst>
+        <pc:spChg chg="mod">
+          <ac:chgData name="Antonia H." userId="da08060cd893cdf4" providerId="Windows Live" clId="Web-{27E73AE0-D86F-430D-8C4D-1B886AAA0B03}" dt="2018-05-08T09:57:12.644" v="85" actId="20577"/>
+          <ac:spMkLst>
+            <pc:docMk/>
+            <pc:sldMk cId="377796833" sldId="282"/>
+            <ac:spMk id="6" creationId="{2D50BEC1-08DC-4929-99C1-0A9C9C045167}"/>
+          </ac:spMkLst>
+        </pc:spChg>
+      </pc:sldChg>
+      <pc:sldChg chg="del">
+        <pc:chgData name="Antonia H." userId="da08060cd893cdf4" providerId="Windows Live" clId="Web-{27E73AE0-D86F-430D-8C4D-1B886AAA0B03}" dt="2018-05-08T09:59:21.068" v="90"/>
+        <pc:sldMkLst>
+          <pc:docMk/>
+          <pc:sldMk cId="2046395673" sldId="284"/>
+        </pc:sldMkLst>
+      </pc:sldChg>
+      <pc:sldChg chg="modCm">
+        <pc:chgData name="Antonia H." userId="da08060cd893cdf4" providerId="Windows Live" clId="Web-{27E73AE0-D86F-430D-8C4D-1B886AAA0B03}" dt="2018-05-08T10:03:07.541" v="91"/>
+        <pc:sldMkLst>
+          <pc:docMk/>
+          <pc:sldMk cId="3527562659" sldId="292"/>
+        </pc:sldMkLst>
+      </pc:sldChg>
+      <pc:sldChg chg="modSp">
+        <pc:chgData name="Antonia H." userId="da08060cd893cdf4" providerId="Windows Live" clId="Web-{27E73AE0-D86F-430D-8C4D-1B886AAA0B03}" dt="2018-05-08T09:53:47.343" v="58" actId="20577"/>
+        <pc:sldMkLst>
+          <pc:docMk/>
+          <pc:sldMk cId="3222949515" sldId="293"/>
+        </pc:sldMkLst>
+        <pc:spChg chg="mod">
+          <ac:chgData name="Antonia H." userId="da08060cd893cdf4" providerId="Windows Live" clId="Web-{27E73AE0-D86F-430D-8C4D-1B886AAA0B03}" dt="2018-05-08T09:53:47.343" v="58" actId="20577"/>
+          <ac:spMkLst>
+            <pc:docMk/>
+            <pc:sldMk cId="3222949515" sldId="293"/>
+            <ac:spMk id="6" creationId="{55FC48F2-3F5C-4B47-942A-1CFC3CDE1A77}"/>
+          </ac:spMkLst>
+        </pc:spChg>
+      </pc:sldChg>
+      <pc:sldChg chg="modSp delCm">
+        <pc:chgData name="Antonia H." userId="da08060cd893cdf4" providerId="Windows Live" clId="Web-{27E73AE0-D86F-430D-8C4D-1B886AAA0B03}" dt="2018-05-08T09:55:15.907" v="67" actId="20577"/>
+        <pc:sldMkLst>
+          <pc:docMk/>
+          <pc:sldMk cId="1885901484" sldId="294"/>
+        </pc:sldMkLst>
+        <pc:spChg chg="mod">
+          <ac:chgData name="Antonia H." userId="da08060cd893cdf4" providerId="Windows Live" clId="Web-{27E73AE0-D86F-430D-8C4D-1B886AAA0B03}" dt="2018-05-08T09:55:15.907" v="67" actId="20577"/>
+          <ac:spMkLst>
+            <pc:docMk/>
+            <pc:sldMk cId="1885901484" sldId="294"/>
+            <ac:spMk id="3" creationId="{8412D31A-8BBA-4A39-A26A-9FAB748ECDCC}"/>
+          </ac:spMkLst>
+        </pc:spChg>
+      </pc:sldChg>
+      <pc:sldChg chg="addCm">
+        <pc:chgData name="Antonia H." userId="da08060cd893cdf4" providerId="Windows Live" clId="Web-{27E73AE0-D86F-430D-8C4D-1B886AAA0B03}" dt="2018-05-08T10:09:01.923" v="92"/>
+        <pc:sldMkLst>
+          <pc:docMk/>
+          <pc:sldMk cId="824565248" sldId="302"/>
+        </pc:sldMkLst>
+      </pc:sldChg>
+    </pc:docChg>
+  </pc:docChgLst>
+  <pc:docChgLst>
+    <pc:chgData name="Antonia H." userId="da08060cd893cdf4" providerId="Windows Live" clId="Web-{B0531029-AE6B-49AC-BC80-C06618D99EBB}"/>
+    <pc:docChg chg="addSld delSld modSld">
+      <pc:chgData name="Antonia H." userId="da08060cd893cdf4" providerId="Windows Live" clId="Web-{B0531029-AE6B-49AC-BC80-C06618D99EBB}" dt="2018-05-04T15:43:43.779" v="1240"/>
+      <pc:docMkLst>
+        <pc:docMk/>
+      </pc:docMkLst>
+      <pc:sldChg chg="modSp modNotes">
+        <pc:chgData name="Antonia H." userId="da08060cd893cdf4" providerId="Windows Live" clId="Web-{B0531029-AE6B-49AC-BC80-C06618D99EBB}" dt="2018-05-04T15:14:05.589" v="311"/>
+        <pc:sldMkLst>
+          <pc:docMk/>
+          <pc:sldMk cId="1455336899" sldId="269"/>
+        </pc:sldMkLst>
+        <pc:spChg chg="mod">
+          <ac:chgData name="Antonia H." userId="da08060cd893cdf4" providerId="Windows Live" clId="Web-{B0531029-AE6B-49AC-BC80-C06618D99EBB}" dt="2018-05-04T15:14:05.589" v="311"/>
+          <ac:spMkLst>
+            <pc:docMk/>
+            <pc:sldMk cId="1455336899" sldId="269"/>
+            <ac:spMk id="3" creationId="{60CB2CC6-0C49-4602-B491-AF89B535960C}"/>
+          </ac:spMkLst>
+        </pc:spChg>
+      </pc:sldChg>
+      <pc:sldChg chg="delSp modSp add replId addCm modCm">
+        <pc:chgData name="Antonia H." userId="da08060cd893cdf4" providerId="Windows Live" clId="Web-{B0531029-AE6B-49AC-BC80-C06618D99EBB}" dt="2018-05-04T15:25:36.555" v="923"/>
+        <pc:sldMkLst>
+          <pc:docMk/>
+          <pc:sldMk cId="1039991320" sldId="273"/>
+        </pc:sldMkLst>
+        <pc:spChg chg="mod">
+          <ac:chgData name="Antonia H." userId="da08060cd893cdf4" providerId="Windows Live" clId="Web-{B0531029-AE6B-49AC-BC80-C06618D99EBB}" dt="2018-05-04T15:19:36.174" v="487"/>
+          <ac:spMkLst>
+            <pc:docMk/>
+            <pc:sldMk cId="1039991320" sldId="273"/>
+            <ac:spMk id="2" creationId="{7B7C0CD7-D996-4495-B2EF-0202CE3AB0E5}"/>
+          </ac:spMkLst>
+        </pc:spChg>
+        <pc:spChg chg="mod">
+          <ac:chgData name="Antonia H." userId="da08060cd893cdf4" providerId="Windows Live" clId="Web-{B0531029-AE6B-49AC-BC80-C06618D99EBB}" dt="2018-05-04T15:25:36.555" v="923"/>
+          <ac:spMkLst>
+            <pc:docMk/>
+            <pc:sldMk cId="1039991320" sldId="273"/>
+            <ac:spMk id="3" creationId="{8A2C1CE0-FA47-4B81-87B2-B9B1E8CDFE35}"/>
+          </ac:spMkLst>
+        </pc:spChg>
+        <pc:spChg chg="del mod">
+          <ac:chgData name="Antonia H." userId="da08060cd893cdf4" providerId="Windows Live" clId="Web-{B0531029-AE6B-49AC-BC80-C06618D99EBB}" dt="2018-05-04T15:17:04.842" v="327"/>
+          <ac:spMkLst>
+            <pc:docMk/>
+            <pc:sldMk cId="1039991320" sldId="273"/>
+            <ac:spMk id="7" creationId="{42C81482-75AA-48C4-93A1-24E0D657BB02}"/>
+          </ac:spMkLst>
+        </pc:spChg>
+        <pc:picChg chg="del">
+          <ac:chgData name="Antonia H." userId="da08060cd893cdf4" providerId="Windows Live" clId="Web-{B0531029-AE6B-49AC-BC80-C06618D99EBB}" dt="2018-05-04T15:17:01.530" v="323"/>
+          <ac:picMkLst>
+            <pc:docMk/>
+            <pc:sldMk cId="1039991320" sldId="273"/>
+            <ac:picMk id="6" creationId="{867BE37B-C8FA-4F31-BB5A-A839B5D6B796}"/>
+          </ac:picMkLst>
+        </pc:picChg>
+      </pc:sldChg>
+      <pc:sldChg chg="addSp modSp new addCm modNotes">
+        <pc:chgData name="Antonia H." userId="da08060cd893cdf4" providerId="Windows Live" clId="Web-{B0531029-AE6B-49AC-BC80-C06618D99EBB}" dt="2018-05-04T15:43:43.779" v="1240"/>
+        <pc:sldMkLst>
+          <pc:docMk/>
+          <pc:sldMk cId="3660028228" sldId="274"/>
+        </pc:sldMkLst>
+        <pc:spChg chg="mod">
+          <ac:chgData name="Antonia H." userId="da08060cd893cdf4" providerId="Windows Live" clId="Web-{B0531029-AE6B-49AC-BC80-C06618D99EBB}" dt="2018-05-04T15:25:51.227" v="930"/>
+          <ac:spMkLst>
+            <pc:docMk/>
+            <pc:sldMk cId="3660028228" sldId="274"/>
+            <ac:spMk id="2" creationId="{D7E27CE0-119E-4CD5-893A-F2A185A0DDB4}"/>
+          </ac:spMkLst>
+        </pc:spChg>
+        <pc:spChg chg="mod">
+          <ac:chgData name="Antonia H." userId="da08060cd893cdf4" providerId="Windows Live" clId="Web-{B0531029-AE6B-49AC-BC80-C06618D99EBB}" dt="2018-05-04T15:35:29.098" v="1231"/>
+          <ac:spMkLst>
+            <pc:docMk/>
+            <pc:sldMk cId="3660028228" sldId="274"/>
+            <ac:spMk id="3" creationId="{D03D88D9-7D55-4FFD-9778-7B1D51DCE2E4}"/>
+          </ac:spMkLst>
+        </pc:spChg>
+        <pc:spChg chg="add mod">
+          <ac:chgData name="Antonia H." userId="da08060cd893cdf4" providerId="Windows Live" clId="Web-{B0531029-AE6B-49AC-BC80-C06618D99EBB}" dt="2018-05-04T15:43:43.779" v="1240"/>
+          <ac:spMkLst>
+            <pc:docMk/>
+            <pc:sldMk cId="3660028228" sldId="274"/>
+            <ac:spMk id="8" creationId="{9ED1CA00-6374-40A6-9AAB-8825B32644D7}"/>
+          </ac:spMkLst>
+        </pc:spChg>
+        <pc:picChg chg="add mod">
+          <ac:chgData name="Antonia H." userId="da08060cd893cdf4" providerId="Windows Live" clId="Web-{B0531029-AE6B-49AC-BC80-C06618D99EBB}" dt="2018-05-04T15:43:26.248" v="1238"/>
+          <ac:picMkLst>
+            <pc:docMk/>
+            <pc:sldMk cId="3660028228" sldId="274"/>
+            <ac:picMk id="5" creationId="{9859DF95-7831-496C-9B52-83C753264486}"/>
+          </ac:picMkLst>
+        </pc:picChg>
+      </pc:sldChg>
+    </pc:docChg>
+  </pc:docChgLst>
+  <pc:docChgLst>
+    <pc:chgData name="Antonia H." userId="da08060cd893cdf4" providerId="Windows Live" clId="Web-{41ED416B-9D2D-4C0C-B881-984A27A7E006}"/>
+    <pc:docChg chg="addSld modSld sldOrd">
+      <pc:chgData name="Antonia H." userId="da08060cd893cdf4" providerId="Windows Live" clId="Web-{41ED416B-9D2D-4C0C-B881-984A27A7E006}" dt="2018-05-05T17:58:23.252" v="210"/>
+      <pc:docMkLst>
+        <pc:docMk/>
+      </pc:docMkLst>
+      <pc:sldChg chg="addSp modSp new modNotes">
+        <pc:chgData name="Antonia H." userId="da08060cd893cdf4" providerId="Windows Live" clId="Web-{41ED416B-9D2D-4C0C-B881-984A27A7E006}" dt="2018-05-05T17:58:23.252" v="210"/>
+        <pc:sldMkLst>
+          <pc:docMk/>
+          <pc:sldMk cId="2788220547" sldId="283"/>
+        </pc:sldMkLst>
+        <pc:spChg chg="mod">
+          <ac:chgData name="Antonia H." userId="da08060cd893cdf4" providerId="Windows Live" clId="Web-{41ED416B-9D2D-4C0C-B881-984A27A7E006}" dt="2018-05-05T17:48:10.256" v="5"/>
+          <ac:spMkLst>
+            <pc:docMk/>
+            <pc:sldMk cId="2788220547" sldId="283"/>
+            <ac:spMk id="2" creationId="{7A9F486C-6D75-4F93-8811-ADCA8CE5DF2F}"/>
+          </ac:spMkLst>
+        </pc:spChg>
+        <pc:spChg chg="mod">
+          <ac:chgData name="Antonia H." userId="da08060cd893cdf4" providerId="Windows Live" clId="Web-{41ED416B-9D2D-4C0C-B881-984A27A7E006}" dt="2018-05-05T17:57:16.204" v="171"/>
+          <ac:spMkLst>
+            <pc:docMk/>
+            <pc:sldMk cId="2788220547" sldId="283"/>
+            <ac:spMk id="3" creationId="{5A186DE6-FD3E-4290-8308-D2322283BB5C}"/>
+          </ac:spMkLst>
+        </pc:spChg>
+        <pc:spChg chg="add mod">
+          <ac:chgData name="Antonia H." userId="da08060cd893cdf4" providerId="Windows Live" clId="Web-{41ED416B-9D2D-4C0C-B881-984A27A7E006}" dt="2018-05-05T17:57:51.956" v="179"/>
+          <ac:spMkLst>
+            <pc:docMk/>
+            <pc:sldMk cId="2788220547" sldId="283"/>
+            <ac:spMk id="6" creationId="{950A0326-FAEC-47CF-A597-969F34C623EB}"/>
+          </ac:spMkLst>
+        </pc:spChg>
+      </pc:sldChg>
+    </pc:docChg>
+  </pc:docChgLst>
+  <pc:docChgLst>
+    <pc:chgData name="Antonia H." userId="da08060cd893cdf4" providerId="Windows Live" clId="Web-{35B094CE-161E-4F65-8362-9F3F5813F5E1}"/>
+    <pc:docChg chg="addSld delSld modSld">
+      <pc:chgData name="Antonia H." userId="da08060cd893cdf4" providerId="Windows Live" clId="Web-{35B094CE-161E-4F65-8362-9F3F5813F5E1}" dt="2018-05-06T10:24:32.356" v="1419"/>
       <pc:docMkLst>
         <pc:docMk/>
       </pc:docMkLst>
       <pc:sldChg chg="modSp">
-        <pc:chgData name="Antonia H." userId="da08060cd893cdf4" providerId="Windows Live" clId="Web-{943D935D-48DD-4A1F-A748-3BA4554D6EB7}" dt="2018-05-08T19:34:18.999" v="193"/>
+        <pc:chgData name="Antonia H." userId="da08060cd893cdf4" providerId="Windows Live" clId="Web-{35B094CE-161E-4F65-8362-9F3F5813F5E1}" dt="2018-05-06T09:05:21.935" v="2"/>
+        <pc:sldMkLst>
+          <pc:docMk/>
+          <pc:sldMk cId="377796833" sldId="282"/>
+        </pc:sldMkLst>
+        <pc:spChg chg="mod">
+          <ac:chgData name="Antonia H." userId="da08060cd893cdf4" providerId="Windows Live" clId="Web-{35B094CE-161E-4F65-8362-9F3F5813F5E1}" dt="2018-05-06T09:05:21.935" v="2"/>
+          <ac:spMkLst>
+            <pc:docMk/>
+            <pc:sldMk cId="377796833" sldId="282"/>
+            <ac:spMk id="6" creationId="{2D50BEC1-08DC-4929-99C1-0A9C9C045167}"/>
+          </ac:spMkLst>
+        </pc:spChg>
+      </pc:sldChg>
+      <pc:sldChg chg="delSp modSp new mod modClrScheme chgLayout">
+        <pc:chgData name="Antonia H." userId="da08060cd893cdf4" providerId="Windows Live" clId="Web-{35B094CE-161E-4F65-8362-9F3F5813F5E1}" dt="2018-05-06T09:14:20.955" v="11"/>
+        <pc:sldMkLst>
+          <pc:docMk/>
+          <pc:sldMk cId="52005616" sldId="285"/>
+        </pc:sldMkLst>
+        <pc:spChg chg="mod ord">
+          <ac:chgData name="Antonia H." userId="da08060cd893cdf4" providerId="Windows Live" clId="Web-{35B094CE-161E-4F65-8362-9F3F5813F5E1}" dt="2018-05-06T09:14:20.955" v="11"/>
+          <ac:spMkLst>
+            <pc:docMk/>
+            <pc:sldMk cId="52005616" sldId="285"/>
+            <ac:spMk id="2" creationId="{765B5F82-0188-4DDD-8BCE-FE00055E2BC6}"/>
+          </ac:spMkLst>
+        </pc:spChg>
+        <pc:spChg chg="del">
+          <ac:chgData name="Antonia H." userId="da08060cd893cdf4" providerId="Windows Live" clId="Web-{35B094CE-161E-4F65-8362-9F3F5813F5E1}" dt="2018-05-06T09:14:17.502" v="8"/>
+          <ac:spMkLst>
+            <pc:docMk/>
+            <pc:sldMk cId="52005616" sldId="285"/>
+            <ac:spMk id="3" creationId="{41517C57-EE0A-4040-B7AB-2ADEA94C992C}"/>
+          </ac:spMkLst>
+        </pc:spChg>
+        <pc:spChg chg="mod ord">
+          <ac:chgData name="Antonia H." userId="da08060cd893cdf4" providerId="Windows Live" clId="Web-{35B094CE-161E-4F65-8362-9F3F5813F5E1}" dt="2018-05-06T09:14:17.502" v="8"/>
+          <ac:spMkLst>
+            <pc:docMk/>
+            <pc:sldMk cId="52005616" sldId="285"/>
+            <ac:spMk id="4" creationId="{B5C40638-F11E-4D46-87F9-B65813120737}"/>
+          </ac:spMkLst>
+        </pc:spChg>
+      </pc:sldChg>
+      <pc:sldChg chg="addSp modSp add mod replId modClrScheme chgLayout">
+        <pc:chgData name="Antonia H." userId="da08060cd893cdf4" providerId="Windows Live" clId="Web-{35B094CE-161E-4F65-8362-9F3F5813F5E1}" dt="2018-05-06T09:20:06.693" v="97"/>
+        <pc:sldMkLst>
+          <pc:docMk/>
+          <pc:sldMk cId="1997070144" sldId="286"/>
+        </pc:sldMkLst>
+        <pc:spChg chg="mod ord">
+          <ac:chgData name="Antonia H." userId="da08060cd893cdf4" providerId="Windows Live" clId="Web-{35B094CE-161E-4F65-8362-9F3F5813F5E1}" dt="2018-05-06T09:14:27.627" v="15"/>
+          <ac:spMkLst>
+            <pc:docMk/>
+            <pc:sldMk cId="1997070144" sldId="286"/>
+            <ac:spMk id="2" creationId="{765B5F82-0188-4DDD-8BCE-FE00055E2BC6}"/>
+          </ac:spMkLst>
+        </pc:spChg>
+        <pc:spChg chg="mod ord">
+          <ac:chgData name="Antonia H." userId="da08060cd893cdf4" providerId="Windows Live" clId="Web-{35B094CE-161E-4F65-8362-9F3F5813F5E1}" dt="2018-05-06T09:14:27.627" v="15"/>
+          <ac:spMkLst>
+            <pc:docMk/>
+            <pc:sldMk cId="1997070144" sldId="286"/>
+            <ac:spMk id="4" creationId="{B5C40638-F11E-4D46-87F9-B65813120737}"/>
+          </ac:spMkLst>
+        </pc:spChg>
+        <pc:spChg chg="add mod ord">
+          <ac:chgData name="Antonia H." userId="da08060cd893cdf4" providerId="Windows Live" clId="Web-{35B094CE-161E-4F65-8362-9F3F5813F5E1}" dt="2018-05-06T09:20:06.693" v="97"/>
+          <ac:spMkLst>
+            <pc:docMk/>
+            <pc:sldMk cId="1997070144" sldId="286"/>
+            <ac:spMk id="5" creationId="{F29291CB-7FAD-4D97-A8CB-E1DB9833E999}"/>
+          </ac:spMkLst>
+        </pc:spChg>
+      </pc:sldChg>
+      <pc:sldChg chg="addSp delSp modSp add replId">
+        <pc:chgData name="Antonia H." userId="da08060cd893cdf4" providerId="Windows Live" clId="Web-{35B094CE-161E-4F65-8362-9F3F5813F5E1}" dt="2018-05-06T09:48:33.142" v="553"/>
+        <pc:sldMkLst>
+          <pc:docMk/>
+          <pc:sldMk cId="2931144488" sldId="288"/>
+        </pc:sldMkLst>
+        <pc:spChg chg="mod">
+          <ac:chgData name="Antonia H." userId="da08060cd893cdf4" providerId="Windows Live" clId="Web-{35B094CE-161E-4F65-8362-9F3F5813F5E1}" dt="2018-05-06T09:25:46.742" v="264"/>
+          <ac:spMkLst>
+            <pc:docMk/>
+            <pc:sldMk cId="2931144488" sldId="288"/>
+            <ac:spMk id="2" creationId="{4DA42A7F-F13C-4323-9CBC-3D2CC0EFD3F5}"/>
+          </ac:spMkLst>
+        </pc:spChg>
+        <pc:spChg chg="add del mod">
+          <ac:chgData name="Antonia H." userId="da08060cd893cdf4" providerId="Windows Live" clId="Web-{35B094CE-161E-4F65-8362-9F3F5813F5E1}" dt="2018-05-06T09:48:33.142" v="553"/>
+          <ac:spMkLst>
+            <pc:docMk/>
+            <pc:sldMk cId="2931144488" sldId="288"/>
+            <ac:spMk id="6" creationId="{834E74A6-1D55-4CF2-81BA-7B666291B430}"/>
+          </ac:spMkLst>
+        </pc:spChg>
+      </pc:sldChg>
+      <pc:sldChg chg="addSp delSp modSp new modNotes">
+        <pc:chgData name="Antonia H." userId="da08060cd893cdf4" providerId="Windows Live" clId="Web-{35B094CE-161E-4F65-8362-9F3F5813F5E1}" dt="2018-05-06T09:47:33.704" v="551"/>
+        <pc:sldMkLst>
+          <pc:docMk/>
+          <pc:sldMk cId="2728745322" sldId="289"/>
+        </pc:sldMkLst>
+        <pc:spChg chg="mod">
+          <ac:chgData name="Antonia H." userId="da08060cd893cdf4" providerId="Windows Live" clId="Web-{35B094CE-161E-4F65-8362-9F3F5813F5E1}" dt="2018-05-06T09:26:51.320" v="317"/>
+          <ac:spMkLst>
+            <pc:docMk/>
+            <pc:sldMk cId="2728745322" sldId="289"/>
+            <ac:spMk id="2" creationId="{E826A33B-88B9-47AD-99B5-636D37D6C4B8}"/>
+          </ac:spMkLst>
+        </pc:spChg>
+        <pc:spChg chg="mod">
+          <ac:chgData name="Antonia H." userId="da08060cd893cdf4" providerId="Windows Live" clId="Web-{35B094CE-161E-4F65-8362-9F3F5813F5E1}" dt="2018-05-06T09:47:33.704" v="551"/>
+          <ac:spMkLst>
+            <pc:docMk/>
+            <pc:sldMk cId="2728745322" sldId="289"/>
+            <ac:spMk id="3" creationId="{4DDA3825-DD4A-4D96-AEE8-F3E4FF89C2D1}"/>
+          </ac:spMkLst>
+        </pc:spChg>
+        <pc:spChg chg="add mod">
+          <ac:chgData name="Antonia H." userId="da08060cd893cdf4" providerId="Windows Live" clId="Web-{35B094CE-161E-4F65-8362-9F3F5813F5E1}" dt="2018-05-06T09:27:50.571" v="331"/>
+          <ac:spMkLst>
+            <pc:docMk/>
+            <pc:sldMk cId="2728745322" sldId="289"/>
+            <ac:spMk id="6" creationId="{ECBEC8F8-85FE-4FAA-B571-08EEF5B3559C}"/>
+          </ac:spMkLst>
+        </pc:spChg>
+        <pc:spChg chg="add mod">
+          <ac:chgData name="Antonia H." userId="da08060cd893cdf4" providerId="Windows Live" clId="Web-{35B094CE-161E-4F65-8362-9F3F5813F5E1}" dt="2018-05-06T09:41:45.327" v="370"/>
+          <ac:spMkLst>
+            <pc:docMk/>
+            <pc:sldMk cId="2728745322" sldId="289"/>
+            <ac:spMk id="12" creationId="{B2F9E0F3-1CFB-42A3-A593-8250D1DE6CC4}"/>
+          </ac:spMkLst>
+        </pc:spChg>
+        <pc:spChg chg="add del mod">
+          <ac:chgData name="Antonia H." userId="da08060cd893cdf4" providerId="Windows Live" clId="Web-{35B094CE-161E-4F65-8362-9F3F5813F5E1}" dt="2018-05-06T09:41:34.967" v="361"/>
+          <ac:spMkLst>
+            <pc:docMk/>
+            <pc:sldMk cId="2728745322" sldId="289"/>
+            <ac:spMk id="13" creationId="{B8AA900E-6359-4596-B7DB-D90E384D616E}"/>
+          </ac:spMkLst>
+        </pc:spChg>
+        <pc:spChg chg="add mod">
+          <ac:chgData name="Antonia H." userId="da08060cd893cdf4" providerId="Windows Live" clId="Web-{35B094CE-161E-4F65-8362-9F3F5813F5E1}" dt="2018-05-06T09:42:16.139" v="394"/>
+          <ac:spMkLst>
+            <pc:docMk/>
+            <pc:sldMk cId="2728745322" sldId="289"/>
+            <ac:spMk id="14" creationId="{A494683F-326A-416C-93E5-C001A00F944C}"/>
+          </ac:spMkLst>
+        </pc:spChg>
+        <pc:spChg chg="add mod">
+          <ac:chgData name="Antonia H." userId="da08060cd893cdf4" providerId="Windows Live" clId="Web-{35B094CE-161E-4F65-8362-9F3F5813F5E1}" dt="2018-05-06T09:42:44.515" v="417"/>
+          <ac:spMkLst>
+            <pc:docMk/>
+            <pc:sldMk cId="2728745322" sldId="289"/>
+            <ac:spMk id="15" creationId="{8A1BC517-C211-4934-AB40-E1C66981CF6B}"/>
+          </ac:spMkLst>
+        </pc:spChg>
+        <pc:spChg chg="add mod">
+          <ac:chgData name="Antonia H." userId="da08060cd893cdf4" providerId="Windows Live" clId="Web-{35B094CE-161E-4F65-8362-9F3F5813F5E1}" dt="2018-05-06T09:44:09.296" v="462"/>
+          <ac:spMkLst>
+            <pc:docMk/>
+            <pc:sldMk cId="2728745322" sldId="289"/>
+            <ac:spMk id="16" creationId="{E8A6EAE8-0665-4EAE-95C4-5687EADE54BC}"/>
+          </ac:spMkLst>
+        </pc:spChg>
+        <pc:spChg chg="add mod">
+          <ac:chgData name="Antonia H." userId="da08060cd893cdf4" providerId="Windows Live" clId="Web-{35B094CE-161E-4F65-8362-9F3F5813F5E1}" dt="2018-05-06T09:43:59.109" v="456"/>
+          <ac:spMkLst>
+            <pc:docMk/>
+            <pc:sldMk cId="2728745322" sldId="289"/>
+            <ac:spMk id="17" creationId="{F878F8AB-CC0A-44FA-BEAA-DCFDF54F61C8}"/>
+          </ac:spMkLst>
+        </pc:spChg>
+        <pc:spChg chg="add del mod ord">
+          <ac:chgData name="Antonia H." userId="da08060cd893cdf4" providerId="Windows Live" clId="Web-{35B094CE-161E-4F65-8362-9F3F5813F5E1}" dt="2018-05-06T09:46:46.313" v="508"/>
+          <ac:spMkLst>
+            <pc:docMk/>
+            <pc:sldMk cId="2728745322" sldId="289"/>
+            <ac:spMk id="18" creationId="{5E1FFC00-3F8E-4E87-9AC1-760DE89233FA}"/>
+          </ac:spMkLst>
+        </pc:spChg>
+        <pc:cxnChg chg="add mod">
+          <ac:chgData name="Antonia H." userId="da08060cd893cdf4" providerId="Windows Live" clId="Web-{35B094CE-161E-4F65-8362-9F3F5813F5E1}" dt="2018-05-06T09:28:13.164" v="336"/>
+          <ac:cxnSpMkLst>
+            <pc:docMk/>
+            <pc:sldMk cId="2728745322" sldId="289"/>
+            <ac:cxnSpMk id="7" creationId="{D361F689-78FE-4597-BFED-9A8A2BC1E631}"/>
+          </ac:cxnSpMkLst>
+        </pc:cxnChg>
+        <pc:cxnChg chg="add mod">
+          <ac:chgData name="Antonia H." userId="da08060cd893cdf4" providerId="Windows Live" clId="Web-{35B094CE-161E-4F65-8362-9F3F5813F5E1}" dt="2018-05-06T09:40:40.920" v="341"/>
+          <ac:cxnSpMkLst>
+            <pc:docMk/>
+            <pc:sldMk cId="2728745322" sldId="289"/>
+            <ac:cxnSpMk id="8" creationId="{77AEC18E-04B5-4076-91A0-E32812037705}"/>
+          </ac:cxnSpMkLst>
+        </pc:cxnChg>
+        <pc:cxnChg chg="add mod">
+          <ac:chgData name="Antonia H." userId="da08060cd893cdf4" providerId="Windows Live" clId="Web-{35B094CE-161E-4F65-8362-9F3F5813F5E1}" dt="2018-05-06T09:40:49.983" v="345"/>
+          <ac:cxnSpMkLst>
+            <pc:docMk/>
+            <pc:sldMk cId="2728745322" sldId="289"/>
+            <ac:cxnSpMk id="9" creationId="{F5A146F2-2BCD-4C6E-BE25-A298074E633A}"/>
+          </ac:cxnSpMkLst>
+        </pc:cxnChg>
+        <pc:cxnChg chg="add mod">
+          <ac:chgData name="Antonia H." userId="da08060cd893cdf4" providerId="Windows Live" clId="Web-{35B094CE-161E-4F65-8362-9F3F5813F5E1}" dt="2018-05-06T09:41:02.623" v="350"/>
+          <ac:cxnSpMkLst>
+            <pc:docMk/>
+            <pc:sldMk cId="2728745322" sldId="289"/>
+            <ac:cxnSpMk id="10" creationId="{11D9468B-28C2-439D-A00C-32EA00C467D7}"/>
+          </ac:cxnSpMkLst>
+        </pc:cxnChg>
+        <pc:cxnChg chg="add mod">
+          <ac:chgData name="Antonia H." userId="da08060cd893cdf4" providerId="Windows Live" clId="Web-{35B094CE-161E-4F65-8362-9F3F5813F5E1}" dt="2018-05-06T09:41:13.217" v="353"/>
+          <ac:cxnSpMkLst>
+            <pc:docMk/>
+            <pc:sldMk cId="2728745322" sldId="289"/>
+            <ac:cxnSpMk id="11" creationId="{1A8187A2-8766-46AC-901D-C8E88BCE97EC}"/>
+          </ac:cxnSpMkLst>
+        </pc:cxnChg>
+      </pc:sldChg>
+      <pc:sldChg chg="addSp modSp new modNotes">
+        <pc:chgData name="Antonia H." userId="da08060cd893cdf4" providerId="Windows Live" clId="Web-{35B094CE-161E-4F65-8362-9F3F5813F5E1}" dt="2018-05-06T09:52:49.362" v="707"/>
+        <pc:sldMkLst>
+          <pc:docMk/>
+          <pc:sldMk cId="1529941566" sldId="290"/>
+        </pc:sldMkLst>
+        <pc:spChg chg="mod">
+          <ac:chgData name="Antonia H." userId="da08060cd893cdf4" providerId="Windows Live" clId="Web-{35B094CE-161E-4F65-8362-9F3F5813F5E1}" dt="2018-05-06T09:47:20.595" v="525"/>
+          <ac:spMkLst>
+            <pc:docMk/>
+            <pc:sldMk cId="1529941566" sldId="290"/>
+            <ac:spMk id="2" creationId="{4E312535-B4A5-4118-8222-15C1125E156E}"/>
+          </ac:spMkLst>
+        </pc:spChg>
+        <pc:spChg chg="mod">
+          <ac:chgData name="Antonia H." userId="da08060cd893cdf4" providerId="Windows Live" clId="Web-{35B094CE-161E-4F65-8362-9F3F5813F5E1}" dt="2018-05-06T09:52:47.065" v="705"/>
+          <ac:spMkLst>
+            <pc:docMk/>
+            <pc:sldMk cId="1529941566" sldId="290"/>
+            <ac:spMk id="3" creationId="{B89FBDA8-D8B5-433A-BC51-6FA2CB383BEF}"/>
+          </ac:spMkLst>
+        </pc:spChg>
+        <pc:spChg chg="add mod">
+          <ac:chgData name="Antonia H." userId="da08060cd893cdf4" providerId="Windows Live" clId="Web-{35B094CE-161E-4F65-8362-9F3F5813F5E1}" dt="2018-05-06T09:52:49.362" v="707"/>
+          <ac:spMkLst>
+            <pc:docMk/>
+            <pc:sldMk cId="1529941566" sldId="290"/>
+            <ac:spMk id="6" creationId="{139D3327-983B-4614-A819-89B003CF932C}"/>
+          </ac:spMkLst>
+        </pc:spChg>
+      </pc:sldChg>
+      <pc:sldChg chg="addSp modSp new">
+        <pc:chgData name="Antonia H." userId="da08060cd893cdf4" providerId="Windows Live" clId="Web-{35B094CE-161E-4F65-8362-9F3F5813F5E1}" dt="2018-05-06T09:59:46.021" v="1017"/>
+        <pc:sldMkLst>
+          <pc:docMk/>
+          <pc:sldMk cId="534387332" sldId="291"/>
+        </pc:sldMkLst>
+        <pc:spChg chg="mod">
+          <ac:chgData name="Antonia H." userId="da08060cd893cdf4" providerId="Windows Live" clId="Web-{35B094CE-161E-4F65-8362-9F3F5813F5E1}" dt="2018-05-06T09:53:41.660" v="741"/>
+          <ac:spMkLst>
+            <pc:docMk/>
+            <pc:sldMk cId="534387332" sldId="291"/>
+            <ac:spMk id="2" creationId="{23499BE3-B8F7-44EB-8920-B45BC7987CAE}"/>
+          </ac:spMkLst>
+        </pc:spChg>
+        <pc:spChg chg="mod">
+          <ac:chgData name="Antonia H." userId="da08060cd893cdf4" providerId="Windows Live" clId="Web-{35B094CE-161E-4F65-8362-9F3F5813F5E1}" dt="2018-05-06T09:59:46.021" v="1017"/>
+          <ac:spMkLst>
+            <pc:docMk/>
+            <pc:sldMk cId="534387332" sldId="291"/>
+            <ac:spMk id="3" creationId="{8F7EF2D9-3798-4456-B6AB-D7AD594F578F}"/>
+          </ac:spMkLst>
+        </pc:spChg>
+        <pc:spChg chg="add mod">
+          <ac:chgData name="Antonia H." userId="da08060cd893cdf4" providerId="Windows Live" clId="Web-{35B094CE-161E-4F65-8362-9F3F5813F5E1}" dt="2018-05-06T09:54:04.238" v="757"/>
+          <ac:spMkLst>
+            <pc:docMk/>
+            <pc:sldMk cId="534387332" sldId="291"/>
+            <ac:spMk id="6" creationId="{16553126-0168-41F7-A049-29789E906EE1}"/>
+          </ac:spMkLst>
+        </pc:spChg>
+      </pc:sldChg>
+      <pc:sldChg chg="addSp modSp new addCm">
+        <pc:chgData name="Antonia H." userId="da08060cd893cdf4" providerId="Windows Live" clId="Web-{35B094CE-161E-4F65-8362-9F3F5813F5E1}" dt="2018-05-06T10:24:32.356" v="1418"/>
+        <pc:sldMkLst>
+          <pc:docMk/>
+          <pc:sldMk cId="3527562659" sldId="292"/>
+        </pc:sldMkLst>
+        <pc:spChg chg="mod">
+          <ac:chgData name="Antonia H." userId="da08060cd893cdf4" providerId="Windows Live" clId="Web-{35B094CE-161E-4F65-8362-9F3F5813F5E1}" dt="2018-05-06T10:24:32.356" v="1418"/>
+          <ac:spMkLst>
+            <pc:docMk/>
+            <pc:sldMk cId="3527562659" sldId="292"/>
+            <ac:spMk id="2" creationId="{A3065377-DBB0-4C2B-A43A-9DE360617240}"/>
+          </ac:spMkLst>
+        </pc:spChg>
+        <pc:spChg chg="mod">
+          <ac:chgData name="Antonia H." userId="da08060cd893cdf4" providerId="Windows Live" clId="Web-{35B094CE-161E-4F65-8362-9F3F5813F5E1}" dt="2018-05-06T10:09:04.477" v="1413"/>
+          <ac:spMkLst>
+            <pc:docMk/>
+            <pc:sldMk cId="3527562659" sldId="292"/>
+            <ac:spMk id="3" creationId="{30CF71D0-7A26-4855-B7FE-8D82F839E4B6}"/>
+          </ac:spMkLst>
+        </pc:spChg>
+        <pc:spChg chg="add mod">
+          <ac:chgData name="Antonia H." userId="da08060cd893cdf4" providerId="Windows Live" clId="Web-{35B094CE-161E-4F65-8362-9F3F5813F5E1}" dt="2018-05-06T10:07:25.414" v="1296"/>
+          <ac:spMkLst>
+            <pc:docMk/>
+            <pc:sldMk cId="3527562659" sldId="292"/>
+            <ac:spMk id="6" creationId="{9F96D9C0-0CBC-4AA3-9A76-B9690298D694}"/>
+          </ac:spMkLst>
+        </pc:spChg>
+        <pc:spChg chg="add mod">
+          <ac:chgData name="Antonia H." userId="da08060cd893cdf4" providerId="Windows Live" clId="Web-{35B094CE-161E-4F65-8362-9F3F5813F5E1}" dt="2018-05-06T10:08:23.398" v="1368"/>
+          <ac:spMkLst>
+            <pc:docMk/>
+            <pc:sldMk cId="3527562659" sldId="292"/>
+            <ac:spMk id="7" creationId="{EA6B6462-53CB-40F5-AB60-1E55B69E507E}"/>
+          </ac:spMkLst>
+        </pc:spChg>
+      </pc:sldChg>
+    </pc:docChg>
+  </pc:docChgLst>
+  <pc:docChgLst>
+    <pc:chgData name="Antonia H." userId="da08060cd893cdf4" providerId="Windows Live" clId="Web-{943D935D-48DD-4A1F-A748-3BA4554D6EB7}"/>
+    <pc:docChg chg="addSld modSld">
+      <pc:chgData name="Antonia H." userId="da08060cd893cdf4" providerId="Windows Live" clId="Web-{943D935D-48DD-4A1F-A748-3BA4554D6EB7}" dt="2018-05-08T19:59:13.893" v="1078"/>
+      <pc:docMkLst>
+        <pc:docMk/>
+      </pc:docMkLst>
+      <pc:sldChg chg="addCm">
+        <pc:chgData name="Antonia H." userId="da08060cd893cdf4" providerId="Windows Live" clId="Web-{943D935D-48DD-4A1F-A748-3BA4554D6EB7}" dt="2018-05-08T19:36:26.079" v="196"/>
+        <pc:sldMkLst>
+          <pc:docMk/>
+          <pc:sldMk cId="3527562659" sldId="292"/>
+        </pc:sldMkLst>
+      </pc:sldChg>
+      <pc:sldChg chg="addCm">
+        <pc:chgData name="Antonia H." userId="da08060cd893cdf4" providerId="Windows Live" clId="Web-{943D935D-48DD-4A1F-A748-3BA4554D6EB7}" dt="2018-05-08T19:36:48.235" v="197"/>
+        <pc:sldMkLst>
+          <pc:docMk/>
+          <pc:sldMk cId="3775888634" sldId="310"/>
+        </pc:sldMkLst>
+      </pc:sldChg>
+      <pc:sldChg chg="modSp">
+        <pc:chgData name="Antonia H." userId="da08060cd893cdf4" providerId="Windows Live" clId="Web-{943D935D-48DD-4A1F-A748-3BA4554D6EB7}" dt="2018-05-08T19:56:27" v="964"/>
         <pc:sldMkLst>
           <pc:docMk/>
           <pc:sldMk cId="4128416432" sldId="315"/>
         </pc:sldMkLst>
         <pc:spChg chg="mod">
-          <ac:chgData name="Antonia H." userId="da08060cd893cdf4" providerId="Windows Live" clId="Web-{943D935D-48DD-4A1F-A748-3BA4554D6EB7}" dt="2018-05-08T19:34:18.999" v="193"/>
+          <ac:chgData name="Antonia H." userId="da08060cd893cdf4" providerId="Windows Live" clId="Web-{943D935D-48DD-4A1F-A748-3BA4554D6EB7}" dt="2018-05-08T19:56:27" v="964"/>
           <ac:spMkLst>
             <pc:docMk/>
             <pc:sldMk cId="4128416432" sldId="315"/>
             <ac:spMk id="5" creationId="{E66D3FE2-C890-46D5-8841-7FCD2E92A30A}"/>
+          </ac:spMkLst>
+        </pc:spChg>
+      </pc:sldChg>
+      <pc:sldChg chg="addSp modSp new addCm modCm modNotes">
+        <pc:chgData name="Antonia H." userId="da08060cd893cdf4" providerId="Windows Live" clId="Web-{943D935D-48DD-4A1F-A748-3BA4554D6EB7}" dt="2018-05-08T19:48:34.932" v="561"/>
+        <pc:sldMkLst>
+          <pc:docMk/>
+          <pc:sldMk cId="3368698885" sldId="317"/>
+        </pc:sldMkLst>
+        <pc:spChg chg="mod">
+          <ac:chgData name="Antonia H." userId="da08060cd893cdf4" providerId="Windows Live" clId="Web-{943D935D-48DD-4A1F-A748-3BA4554D6EB7}" dt="2018-05-08T19:38:57.143" v="230"/>
+          <ac:spMkLst>
+            <pc:docMk/>
+            <pc:sldMk cId="3368698885" sldId="317"/>
+            <ac:spMk id="2" creationId="{CA487C71-53FC-4735-A8E7-DA1377512BFE}"/>
+          </ac:spMkLst>
+        </pc:spChg>
+        <pc:spChg chg="mod">
+          <ac:chgData name="Antonia H." userId="da08060cd893cdf4" providerId="Windows Live" clId="Web-{943D935D-48DD-4A1F-A748-3BA4554D6EB7}" dt="2018-05-08T19:45:53.898" v="470"/>
+          <ac:spMkLst>
+            <pc:docMk/>
+            <pc:sldMk cId="3368698885" sldId="317"/>
+            <ac:spMk id="3" creationId="{3364B052-1670-4F43-86A0-153690A800F1}"/>
+          </ac:spMkLst>
+        </pc:spChg>
+        <pc:spChg chg="add mod">
+          <ac:chgData name="Antonia H." userId="da08060cd893cdf4" providerId="Windows Live" clId="Web-{943D935D-48DD-4A1F-A748-3BA4554D6EB7}" dt="2018-05-08T19:48:34.932" v="561"/>
+          <ac:spMkLst>
+            <pc:docMk/>
+            <pc:sldMk cId="3368698885" sldId="317"/>
+            <ac:spMk id="6" creationId="{B5C0427D-E34F-4E6B-A5B2-31E974075B46}"/>
+          </ac:spMkLst>
+        </pc:spChg>
+        <pc:spChg chg="add mod">
+          <ac:chgData name="Antonia H." userId="da08060cd893cdf4" providerId="Windows Live" clId="Web-{943D935D-48DD-4A1F-A748-3BA4554D6EB7}" dt="2018-05-08T19:45:43.398" v="461"/>
+          <ac:spMkLst>
+            <pc:docMk/>
+            <pc:sldMk cId="3368698885" sldId="317"/>
+            <ac:spMk id="7" creationId="{E77AFB84-DA7C-4AC5-AA09-9555B6FDCFBA}"/>
+          </ac:spMkLst>
+        </pc:spChg>
+      </pc:sldChg>
+      <pc:sldChg chg="addSp delSp modSp new addCm modCm modNotes">
+        <pc:chgData name="Antonia H." userId="da08060cd893cdf4" providerId="Windows Live" clId="Web-{943D935D-48DD-4A1F-A748-3BA4554D6EB7}" dt="2018-05-08T19:58:59.533" v="1069"/>
+        <pc:sldMkLst>
+          <pc:docMk/>
+          <pc:sldMk cId="3535084096" sldId="318"/>
+        </pc:sldMkLst>
+        <pc:spChg chg="mod">
+          <ac:chgData name="Antonia H." userId="da08060cd893cdf4" providerId="Windows Live" clId="Web-{943D935D-48DD-4A1F-A748-3BA4554D6EB7}" dt="2018-05-08T19:55:39.625" v="932"/>
+          <ac:spMkLst>
+            <pc:docMk/>
+            <pc:sldMk cId="3535084096" sldId="318"/>
+            <ac:spMk id="2" creationId="{F53B2C45-F3E2-4AFA-BFA6-8CC66412D31F}"/>
+          </ac:spMkLst>
+        </pc:spChg>
+        <pc:spChg chg="mod">
+          <ac:chgData name="Antonia H." userId="da08060cd893cdf4" providerId="Windows Live" clId="Web-{943D935D-48DD-4A1F-A748-3BA4554D6EB7}" dt="2018-05-08T19:58:51.861" v="1066"/>
+          <ac:spMkLst>
+            <pc:docMk/>
+            <pc:sldMk cId="3535084096" sldId="318"/>
+            <ac:spMk id="3" creationId="{61260618-6B83-465F-A4DB-AE88543A6D9D}"/>
+          </ac:spMkLst>
+        </pc:spChg>
+        <pc:spChg chg="add del mod">
+          <ac:chgData name="Antonia H." userId="da08060cd893cdf4" providerId="Windows Live" clId="Web-{943D935D-48DD-4A1F-A748-3BA4554D6EB7}" dt="2018-05-08T19:58:34.861" v="1052"/>
+          <ac:spMkLst>
+            <pc:docMk/>
+            <pc:sldMk cId="3535084096" sldId="318"/>
+            <ac:spMk id="6" creationId="{BA3254FB-03A1-4EA4-A34E-F827C0ECDDE1}"/>
+          </ac:spMkLst>
+        </pc:spChg>
+        <pc:spChg chg="add mod">
+          <ac:chgData name="Antonia H." userId="da08060cd893cdf4" providerId="Windows Live" clId="Web-{943D935D-48DD-4A1F-A748-3BA4554D6EB7}" dt="2018-05-08T19:58:56.018" v="1067"/>
+          <ac:spMkLst>
+            <pc:docMk/>
+            <pc:sldMk cId="3535084096" sldId="318"/>
+            <ac:spMk id="7" creationId="{E9E8F3C3-3F19-41B3-95A3-0847F5D7ED0A}"/>
+          </ac:spMkLst>
+        </pc:spChg>
+        <pc:spChg chg="add mod">
+          <ac:chgData name="Antonia H." userId="da08060cd893cdf4" providerId="Windows Live" clId="Web-{943D935D-48DD-4A1F-A748-3BA4554D6EB7}" dt="2018-05-08T19:58:59.533" v="1069"/>
+          <ac:spMkLst>
+            <pc:docMk/>
+            <pc:sldMk cId="3535084096" sldId="318"/>
+            <ac:spMk id="8" creationId="{F41527FE-CE76-4DB3-9F62-2E08797FC0A8}"/>
+          </ac:spMkLst>
+        </pc:spChg>
+      </pc:sldChg>
+      <pc:sldChg chg="addSp modSp new">
+        <pc:chgData name="Antonia H." userId="da08060cd893cdf4" providerId="Windows Live" clId="Web-{943D935D-48DD-4A1F-A748-3BA4554D6EB7}" dt="2018-05-08T19:59:13.893" v="1078"/>
+        <pc:sldMkLst>
+          <pc:docMk/>
+          <pc:sldMk cId="2457584161" sldId="319"/>
+        </pc:sldMkLst>
+        <pc:spChg chg="mod">
+          <ac:chgData name="Antonia H." userId="da08060cd893cdf4" providerId="Windows Live" clId="Web-{943D935D-48DD-4A1F-A748-3BA4554D6EB7}" dt="2018-05-08T19:56:40.438" v="979"/>
+          <ac:spMkLst>
+            <pc:docMk/>
+            <pc:sldMk cId="2457584161" sldId="319"/>
+            <ac:spMk id="2" creationId="{8B3548FF-EB73-46CF-85F1-C8102113A5A9}"/>
+          </ac:spMkLst>
+        </pc:spChg>
+        <pc:spChg chg="mod">
+          <ac:chgData name="Antonia H." userId="da08060cd893cdf4" providerId="Windows Live" clId="Web-{943D935D-48DD-4A1F-A748-3BA4554D6EB7}" dt="2018-05-08T19:59:10.534" v="1075"/>
+          <ac:spMkLst>
+            <pc:docMk/>
+            <pc:sldMk cId="2457584161" sldId="319"/>
+            <ac:spMk id="3" creationId="{2EE147D3-8039-4357-8204-74476B469D5D}"/>
+          </ac:spMkLst>
+        </pc:spChg>
+        <pc:spChg chg="add mod">
+          <ac:chgData name="Antonia H." userId="da08060cd893cdf4" providerId="Windows Live" clId="Web-{943D935D-48DD-4A1F-A748-3BA4554D6EB7}" dt="2018-05-08T19:59:13.893" v="1078"/>
+          <ac:spMkLst>
+            <pc:docMk/>
+            <pc:sldMk cId="2457584161" sldId="319"/>
+            <ac:spMk id="5" creationId="{6C5D327E-FF6C-482C-9BAE-1B36246CA526}"/>
+          </ac:spMkLst>
+        </pc:spChg>
+      </pc:sldChg>
+    </pc:docChg>
+  </pc:docChgLst>
+  <pc:docChgLst>
+    <pc:chgData name="Antonia H." userId="da08060cd893cdf4" providerId="Windows Live" clId="Web-{C69ADD99-7266-4D1E-9617-0C92D6E9677A}"/>
+    <pc:docChg chg="addSld modSld">
+      <pc:chgData name="Antonia H." userId="da08060cd893cdf4" providerId="Windows Live" clId="Web-{C69ADD99-7266-4D1E-9617-0C92D6E9677A}" dt="2018-05-08T19:29:42.251" v="1802" actId="20577"/>
+      <pc:docMkLst>
+        <pc:docMk/>
+      </pc:docMkLst>
+      <pc:sldChg chg="modSp modNotes">
+        <pc:chgData name="Antonia H." userId="da08060cd893cdf4" providerId="Windows Live" clId="Web-{C69ADD99-7266-4D1E-9617-0C92D6E9677A}" dt="2018-05-08T18:42:44.099" v="693" actId="20577"/>
+        <pc:sldMkLst>
+          <pc:docMk/>
+          <pc:sldMk cId="2728745322" sldId="289"/>
+        </pc:sldMkLst>
+        <pc:spChg chg="mod">
+          <ac:chgData name="Antonia H." userId="da08060cd893cdf4" providerId="Windows Live" clId="Web-{C69ADD99-7266-4D1E-9617-0C92D6E9677A}" dt="2018-05-08T18:41:22.257" v="668" actId="20577"/>
+          <ac:spMkLst>
+            <pc:docMk/>
+            <pc:sldMk cId="2728745322" sldId="289"/>
+            <ac:spMk id="3" creationId="{4DDA3825-DD4A-4D96-AEE8-F3E4FF89C2D1}"/>
+          </ac:spMkLst>
+        </pc:spChg>
+      </pc:sldChg>
+      <pc:sldChg chg="modSp addCm delCm modCm">
+        <pc:chgData name="Antonia H." userId="da08060cd893cdf4" providerId="Windows Live" clId="Web-{C69ADD99-7266-4D1E-9617-0C92D6E9677A}" dt="2018-05-08T18:48:34.376" v="882" actId="20577"/>
+        <pc:sldMkLst>
+          <pc:docMk/>
+          <pc:sldMk cId="1529941566" sldId="290"/>
+        </pc:sldMkLst>
+        <pc:spChg chg="mod">
+          <ac:chgData name="Antonia H." userId="da08060cd893cdf4" providerId="Windows Live" clId="Web-{C69ADD99-7266-4D1E-9617-0C92D6E9677A}" dt="2018-05-08T18:48:34.376" v="882" actId="20577"/>
+          <ac:spMkLst>
+            <pc:docMk/>
+            <pc:sldMk cId="1529941566" sldId="290"/>
+            <ac:spMk id="3" creationId="{B89FBDA8-D8B5-433A-BC51-6FA2CB383BEF}"/>
+          </ac:spMkLst>
+        </pc:spChg>
+        <pc:spChg chg="mod">
+          <ac:chgData name="Antonia H." userId="da08060cd893cdf4" providerId="Windows Live" clId="Web-{C69ADD99-7266-4D1E-9617-0C92D6E9677A}" dt="2018-05-08T18:46:25.737" v="772" actId="1076"/>
+          <ac:spMkLst>
+            <pc:docMk/>
+            <pc:sldMk cId="1529941566" sldId="290"/>
+            <ac:spMk id="6" creationId="{139D3327-983B-4614-A819-89B003CF932C}"/>
+          </ac:spMkLst>
+        </pc:spChg>
+      </pc:sldChg>
+      <pc:sldChg chg="modSp modNotes">
+        <pc:chgData name="Antonia H." userId="da08060cd893cdf4" providerId="Windows Live" clId="Web-{C69ADD99-7266-4D1E-9617-0C92D6E9677A}" dt="2018-05-08T18:50:59.655" v="1007" actId="20577"/>
+        <pc:sldMkLst>
+          <pc:docMk/>
+          <pc:sldMk cId="534387332" sldId="291"/>
+        </pc:sldMkLst>
+        <pc:spChg chg="mod">
+          <ac:chgData name="Antonia H." userId="da08060cd893cdf4" providerId="Windows Live" clId="Web-{C69ADD99-7266-4D1E-9617-0C92D6E9677A}" dt="2018-05-08T18:50:59.655" v="1007" actId="20577"/>
+          <ac:spMkLst>
+            <pc:docMk/>
+            <pc:sldMk cId="534387332" sldId="291"/>
+            <ac:spMk id="3" creationId="{8F7EF2D9-3798-4456-B6AB-D7AD594F578F}"/>
+          </ac:spMkLst>
+        </pc:spChg>
+      </pc:sldChg>
+      <pc:sldChg chg="modNotes">
+        <pc:chgData name="Antonia H." userId="da08060cd893cdf4" providerId="Windows Live" clId="Web-{C69ADD99-7266-4D1E-9617-0C92D6E9677A}" dt="2018-05-08T18:54:24.575" v="1028" actId="20577"/>
+        <pc:sldMkLst>
+          <pc:docMk/>
+          <pc:sldMk cId="3527562659" sldId="292"/>
+        </pc:sldMkLst>
+      </pc:sldChg>
+      <pc:sldChg chg="modSp">
+        <pc:chgData name="Antonia H." userId="da08060cd893cdf4" providerId="Windows Live" clId="Web-{C69ADD99-7266-4D1E-9617-0C92D6E9677A}" dt="2018-05-08T19:00:29.898" v="1089" actId="20577"/>
+        <pc:sldMkLst>
+          <pc:docMk/>
+          <pc:sldMk cId="1885901484" sldId="294"/>
+        </pc:sldMkLst>
+        <pc:spChg chg="mod">
+          <ac:chgData name="Antonia H." userId="da08060cd893cdf4" providerId="Windows Live" clId="Web-{C69ADD99-7266-4D1E-9617-0C92D6E9677A}" dt="2018-05-08T19:00:29.898" v="1089" actId="20577"/>
+          <ac:spMkLst>
+            <pc:docMk/>
+            <pc:sldMk cId="1885901484" sldId="294"/>
+            <ac:spMk id="3" creationId="{8412D31A-8BBA-4A39-A26A-9FAB748ECDCC}"/>
+          </ac:spMkLst>
+        </pc:spChg>
+      </pc:sldChg>
+      <pc:sldChg chg="modSp modNotes">
+        <pc:chgData name="Antonia H." userId="da08060cd893cdf4" providerId="Windows Live" clId="Web-{C69ADD99-7266-4D1E-9617-0C92D6E9677A}" dt="2018-05-08T18:58:50.915" v="1080" actId="20577"/>
+        <pc:sldMkLst>
+          <pc:docMk/>
+          <pc:sldMk cId="1599932138" sldId="295"/>
+        </pc:sldMkLst>
+        <pc:spChg chg="mod">
+          <ac:chgData name="Antonia H." userId="da08060cd893cdf4" providerId="Windows Live" clId="Web-{C69ADD99-7266-4D1E-9617-0C92D6E9677A}" dt="2018-05-08T18:58:47.743" v="1078" actId="20577"/>
+          <ac:spMkLst>
+            <pc:docMk/>
+            <pc:sldMk cId="1599932138" sldId="295"/>
+            <ac:spMk id="3" creationId="{35BB2564-9EEC-45DC-B8F6-2676BB9D51BC}"/>
+          </ac:spMkLst>
+        </pc:spChg>
+      </pc:sldChg>
+      <pc:sldChg chg="addCm modCm">
+        <pc:chgData name="Antonia H." userId="da08060cd893cdf4" providerId="Windows Live" clId="Web-{C69ADD99-7266-4D1E-9617-0C92D6E9677A}" dt="2018-05-08T19:01:10.273" v="1091" actId="20577"/>
+        <pc:sldMkLst>
+          <pc:docMk/>
+          <pc:sldMk cId="2112731322" sldId="296"/>
+        </pc:sldMkLst>
+      </pc:sldChg>
+      <pc:sldChg chg="addSp delSp modSp">
+        <pc:chgData name="Antonia H." userId="da08060cd893cdf4" providerId="Windows Live" clId="Web-{C69ADD99-7266-4D1E-9617-0C92D6E9677A}" dt="2018-05-08T19:05:17.707" v="1105" actId="20577"/>
+        <pc:sldMkLst>
+          <pc:docMk/>
+          <pc:sldMk cId="4279001389" sldId="301"/>
+        </pc:sldMkLst>
+        <pc:spChg chg="mod">
+          <ac:chgData name="Antonia H." userId="da08060cd893cdf4" providerId="Windows Live" clId="Web-{C69ADD99-7266-4D1E-9617-0C92D6E9677A}" dt="2018-05-08T19:04:47.645" v="1098" actId="20577"/>
+          <ac:spMkLst>
+            <pc:docMk/>
+            <pc:sldMk cId="4279001389" sldId="301"/>
+            <ac:spMk id="3" creationId="{E645BEE6-195A-4CB8-BBBF-EEEDD648E111}"/>
+          </ac:spMkLst>
+        </pc:spChg>
+        <pc:spChg chg="del">
+          <ac:chgData name="Antonia H." userId="da08060cd893cdf4" providerId="Windows Live" clId="Web-{C69ADD99-7266-4D1E-9617-0C92D6E9677A}" dt="2018-05-08T19:04:25.192" v="1097" actId="20577"/>
+          <ac:spMkLst>
+            <pc:docMk/>
+            <pc:sldMk cId="4279001389" sldId="301"/>
+            <ac:spMk id="8" creationId="{416BCAEB-3558-4AF5-9D6E-66484374177F}"/>
+          </ac:spMkLst>
+        </pc:spChg>
+        <pc:cxnChg chg="add del mod">
+          <ac:chgData name="Antonia H." userId="da08060cd893cdf4" providerId="Windows Live" clId="Web-{C69ADD99-7266-4D1E-9617-0C92D6E9677A}" dt="2018-05-08T19:05:17.707" v="1105" actId="20577"/>
+          <ac:cxnSpMkLst>
+            <pc:docMk/>
+            <pc:sldMk cId="4279001389" sldId="301"/>
+            <ac:cxnSpMk id="5" creationId="{7F59A2D6-63B0-48DF-BF74-3169DE980BEB}"/>
+          </ac:cxnSpMkLst>
+        </pc:cxnChg>
+      </pc:sldChg>
+      <pc:sldChg chg="modSp">
+        <pc:chgData name="Antonia H." userId="da08060cd893cdf4" providerId="Windows Live" clId="Web-{C69ADD99-7266-4D1E-9617-0C92D6E9677A}" dt="2018-05-08T18:52:57.091" v="1015" actId="20577"/>
+        <pc:sldMkLst>
+          <pc:docMk/>
+          <pc:sldMk cId="1343733425" sldId="304"/>
+        </pc:sldMkLst>
+        <pc:spChg chg="mod">
+          <ac:chgData name="Antonia H." userId="da08060cd893cdf4" providerId="Windows Live" clId="Web-{C69ADD99-7266-4D1E-9617-0C92D6E9677A}" dt="2018-05-08T18:52:57.091" v="1015" actId="20577"/>
+          <ac:spMkLst>
+            <pc:docMk/>
+            <pc:sldMk cId="1343733425" sldId="304"/>
+            <ac:spMk id="3" creationId="{8F7EF2D9-3798-4456-B6AB-D7AD594F578F}"/>
+          </ac:spMkLst>
+        </pc:spChg>
+      </pc:sldChg>
+      <pc:sldChg chg="modSp">
+        <pc:chgData name="Antonia H." userId="da08060cd893cdf4" providerId="Windows Live" clId="Web-{C69ADD99-7266-4D1E-9617-0C92D6E9677A}" dt="2018-05-08T19:03:37.318" v="1096" actId="1076"/>
+        <pc:sldMkLst>
+          <pc:docMk/>
+          <pc:sldMk cId="4073502560" sldId="305"/>
+        </pc:sldMkLst>
+        <pc:spChg chg="mod">
+          <ac:chgData name="Antonia H." userId="da08060cd893cdf4" providerId="Windows Live" clId="Web-{C69ADD99-7266-4D1E-9617-0C92D6E9677A}" dt="2018-05-08T19:03:33.146" v="1094" actId="20577"/>
+          <ac:spMkLst>
+            <pc:docMk/>
+            <pc:sldMk cId="4073502560" sldId="305"/>
+            <ac:spMk id="3" creationId="{938EA15B-4875-4C84-8529-EA274E67C4BA}"/>
+          </ac:spMkLst>
+        </pc:spChg>
+        <pc:spChg chg="mod">
+          <ac:chgData name="Antonia H." userId="da08060cd893cdf4" providerId="Windows Live" clId="Web-{C69ADD99-7266-4D1E-9617-0C92D6E9677A}" dt="2018-05-08T19:03:37.318" v="1096" actId="1076"/>
+          <ac:spMkLst>
+            <pc:docMk/>
+            <pc:sldMk cId="4073502560" sldId="305"/>
+            <ac:spMk id="6" creationId="{8FEF87CE-C598-4565-A4FE-14C54ED338F4}"/>
+          </ac:spMkLst>
+        </pc:spChg>
+      </pc:sldChg>
+      <pc:sldChg chg="modSp modNotes">
+        <pc:chgData name="Antonia H." userId="da08060cd893cdf4" providerId="Windows Live" clId="Web-{C69ADD99-7266-4D1E-9617-0C92D6E9677A}" dt="2018-05-08T19:05:52.706" v="1118" actId="20577"/>
+        <pc:sldMkLst>
+          <pc:docMk/>
+          <pc:sldMk cId="1279915171" sldId="309"/>
+        </pc:sldMkLst>
+        <pc:spChg chg="mod">
+          <ac:chgData name="Antonia H." userId="da08060cd893cdf4" providerId="Windows Live" clId="Web-{C69ADD99-7266-4D1E-9617-0C92D6E9677A}" dt="2018-05-08T19:05:52.285" v="1112" actId="20577"/>
+          <ac:spMkLst>
+            <pc:docMk/>
+            <pc:sldMk cId="1279915171" sldId="309"/>
+            <ac:spMk id="3" creationId="{E645BEE6-195A-4CB8-BBBF-EEEDD648E111}"/>
+          </ac:spMkLst>
+        </pc:spChg>
+        <pc:spChg chg="mod">
+          <ac:chgData name="Antonia H." userId="da08060cd893cdf4" providerId="Windows Live" clId="Web-{C69ADD99-7266-4D1E-9617-0C92D6E9677A}" dt="2018-05-08T19:05:31.301" v="1109" actId="20577"/>
+          <ac:spMkLst>
+            <pc:docMk/>
+            <pc:sldMk cId="1279915171" sldId="309"/>
+            <ac:spMk id="8" creationId="{416BCAEB-3558-4AF5-9D6E-66484374177F}"/>
+          </ac:spMkLst>
+        </pc:spChg>
+      </pc:sldChg>
+      <pc:sldChg chg="modSp">
+        <pc:chgData name="Antonia H." userId="da08060cd893cdf4" providerId="Windows Live" clId="Web-{C69ADD99-7266-4D1E-9617-0C92D6E9677A}" dt="2018-05-08T19:07:05.799" v="1165" actId="20577"/>
+        <pc:sldMkLst>
+          <pc:docMk/>
+          <pc:sldMk cId="3775888634" sldId="310"/>
+        </pc:sldMkLst>
+        <pc:spChg chg="mod">
+          <ac:chgData name="Antonia H." userId="da08060cd893cdf4" providerId="Windows Live" clId="Web-{C69ADD99-7266-4D1E-9617-0C92D6E9677A}" dt="2018-05-08T19:07:05.799" v="1165" actId="20577"/>
+          <ac:spMkLst>
+            <pc:docMk/>
+            <pc:sldMk cId="3775888634" sldId="310"/>
+            <ac:spMk id="3" creationId="{A52BA628-5DDF-4334-A361-5230D07313B1}"/>
+          </ac:spMkLst>
+        </pc:spChg>
+      </pc:sldChg>
+      <pc:sldChg chg="modSp addCm modCm modNotes">
+        <pc:chgData name="Antonia H." userId="da08060cd893cdf4" providerId="Windows Live" clId="Web-{C69ADD99-7266-4D1E-9617-0C92D6E9677A}" dt="2018-05-08T18:50:21.968" v="976" actId="20577"/>
+        <pc:sldMkLst>
+          <pc:docMk/>
+          <pc:sldMk cId="997277653" sldId="311"/>
+        </pc:sldMkLst>
+        <pc:spChg chg="mod">
+          <ac:chgData name="Antonia H." userId="da08060cd893cdf4" providerId="Windows Live" clId="Web-{C69ADD99-7266-4D1E-9617-0C92D6E9677A}" dt="2018-05-08T18:37:13.525" v="608" actId="20577"/>
+          <ac:spMkLst>
+            <pc:docMk/>
+            <pc:sldMk cId="997277653" sldId="311"/>
+            <ac:spMk id="3" creationId="{FB77ED10-1DDF-43E8-9F83-EC5C62381D24}"/>
+          </ac:spMkLst>
+        </pc:spChg>
+      </pc:sldChg>
+      <pc:sldChg chg="modSp add replId delCm">
+        <pc:chgData name="Antonia H." userId="da08060cd893cdf4" providerId="Windows Live" clId="Web-{C69ADD99-7266-4D1E-9617-0C92D6E9677A}" dt="2018-05-08T18:38:57.837" v="644" actId="20577"/>
+        <pc:sldMkLst>
+          <pc:docMk/>
+          <pc:sldMk cId="1146980296" sldId="312"/>
+        </pc:sldMkLst>
+        <pc:spChg chg="mod">
+          <ac:chgData name="Antonia H." userId="da08060cd893cdf4" providerId="Windows Live" clId="Web-{C69ADD99-7266-4D1E-9617-0C92D6E9677A}" dt="2018-05-08T18:38:57.837" v="644" actId="20577"/>
+          <ac:spMkLst>
+            <pc:docMk/>
+            <pc:sldMk cId="1146980296" sldId="312"/>
+            <ac:spMk id="3" creationId="{FB77ED10-1DDF-43E8-9F83-EC5C62381D24}"/>
+          </ac:spMkLst>
+        </pc:spChg>
+      </pc:sldChg>
+      <pc:sldChg chg="modSp new addCm modCm">
+        <pc:chgData name="Antonia H." userId="da08060cd893cdf4" providerId="Windows Live" clId="Web-{C69ADD99-7266-4D1E-9617-0C92D6E9677A}" dt="2018-05-08T19:10:10.078" v="1249" actId="20577"/>
+        <pc:sldMkLst>
+          <pc:docMk/>
+          <pc:sldMk cId="1659226659" sldId="313"/>
+        </pc:sldMkLst>
+        <pc:spChg chg="mod">
+          <ac:chgData name="Antonia H." userId="da08060cd893cdf4" providerId="Windows Live" clId="Web-{C69ADD99-7266-4D1E-9617-0C92D6E9677A}" dt="2018-05-08T19:10:05.938" v="1244" actId="20577"/>
+          <ac:spMkLst>
+            <pc:docMk/>
+            <pc:sldMk cId="1659226659" sldId="313"/>
+            <ac:spMk id="2" creationId="{D55D00F8-180D-4088-84A0-F478490FF99E}"/>
+          </ac:spMkLst>
+        </pc:spChg>
+        <pc:spChg chg="mod">
+          <ac:chgData name="Antonia H." userId="da08060cd893cdf4" providerId="Windows Live" clId="Web-{C69ADD99-7266-4D1E-9617-0C92D6E9677A}" dt="2018-05-08T19:10:10.078" v="1249" actId="20577"/>
+          <ac:spMkLst>
+            <pc:docMk/>
+            <pc:sldMk cId="1659226659" sldId="313"/>
+            <ac:spMk id="3" creationId="{AB450AA9-873E-44FE-99C3-4F5C389A03AC}"/>
+          </ac:spMkLst>
+        </pc:spChg>
+      </pc:sldChg>
+      <pc:sldChg chg="delSp modSp new mod modClrScheme chgLayout modNotes">
+        <pc:chgData name="Antonia H." userId="da08060cd893cdf4" providerId="Windows Live" clId="Web-{C69ADD99-7266-4D1E-9617-0C92D6E9677A}" dt="2018-05-08T19:10:50.343" v="1279" actId="20577"/>
+        <pc:sldMkLst>
+          <pc:docMk/>
+          <pc:sldMk cId="995696346" sldId="314"/>
+        </pc:sldMkLst>
+        <pc:spChg chg="mod ord">
+          <ac:chgData name="Antonia H." userId="da08060cd893cdf4" providerId="Windows Live" clId="Web-{C69ADD99-7266-4D1E-9617-0C92D6E9677A}" dt="2018-05-08T19:10:39.765" v="1269" actId="20577"/>
+          <ac:spMkLst>
+            <pc:docMk/>
+            <pc:sldMk cId="995696346" sldId="314"/>
+            <ac:spMk id="2" creationId="{D6290F11-2B19-4A30-A4EA-DFD2067A16F4}"/>
+          </ac:spMkLst>
+        </pc:spChg>
+        <pc:spChg chg="del">
+          <ac:chgData name="Antonia H." userId="da08060cd893cdf4" providerId="Windows Live" clId="Web-{C69ADD99-7266-4D1E-9617-0C92D6E9677A}" dt="2018-05-08T19:10:28.609" v="1252" actId="20577"/>
+          <ac:spMkLst>
+            <pc:docMk/>
+            <pc:sldMk cId="995696346" sldId="314"/>
+            <ac:spMk id="3" creationId="{64804AE3-E364-45D8-88FB-052C044A9A18}"/>
+          </ac:spMkLst>
+        </pc:spChg>
+        <pc:spChg chg="mod ord">
+          <ac:chgData name="Antonia H." userId="da08060cd893cdf4" providerId="Windows Live" clId="Web-{C69ADD99-7266-4D1E-9617-0C92D6E9677A}" dt="2018-05-08T19:10:28.609" v="1252" actId="20577"/>
+          <ac:spMkLst>
+            <pc:docMk/>
+            <pc:sldMk cId="995696346" sldId="314"/>
+            <ac:spMk id="4" creationId="{AFFD4692-60D5-4A15-A475-BE885ED49FB4}"/>
+          </ac:spMkLst>
+        </pc:spChg>
+      </pc:sldChg>
+      <pc:sldChg chg="addSp modSp new mod modClrScheme addCm chgLayout modNotes">
+        <pc:chgData name="Antonia H." userId="da08060cd893cdf4" providerId="Windows Live" clId="Web-{C69ADD99-7266-4D1E-9617-0C92D6E9677A}" dt="2018-05-08T19:29:42.251" v="1801" actId="20577"/>
+        <pc:sldMkLst>
+          <pc:docMk/>
+          <pc:sldMk cId="4128416432" sldId="315"/>
+        </pc:sldMkLst>
+        <pc:spChg chg="mod ord">
+          <ac:chgData name="Antonia H." userId="da08060cd893cdf4" providerId="Windows Live" clId="Web-{C69ADD99-7266-4D1E-9617-0C92D6E9677A}" dt="2018-05-08T19:19:56.336" v="1490" actId="20577"/>
+          <ac:spMkLst>
+            <pc:docMk/>
+            <pc:sldMk cId="4128416432" sldId="315"/>
+            <ac:spMk id="2" creationId="{830F9923-FEE6-4A17-9956-7D258E7BE794}"/>
+          </ac:spMkLst>
+        </pc:spChg>
+        <pc:spChg chg="mod ord">
+          <ac:chgData name="Antonia H." userId="da08060cd893cdf4" providerId="Windows Live" clId="Web-{C69ADD99-7266-4D1E-9617-0C92D6E9677A}" dt="2018-05-08T19:18:03.150" v="1485" actId="20577"/>
+          <ac:spMkLst>
+            <pc:docMk/>
+            <pc:sldMk cId="4128416432" sldId="315"/>
+            <ac:spMk id="3" creationId="{31D2851D-4846-4F30-9B5D-C4969B608A01}"/>
+          </ac:spMkLst>
+        </pc:spChg>
+        <pc:spChg chg="add mod ord">
+          <ac:chgData name="Antonia H." userId="da08060cd893cdf4" providerId="Windows Live" clId="Web-{C69ADD99-7266-4D1E-9617-0C92D6E9677A}" dt="2018-05-08T19:29:42.251" v="1801" actId="20577"/>
+          <ac:spMkLst>
+            <pc:docMk/>
+            <pc:sldMk cId="4128416432" sldId="315"/>
+            <ac:spMk id="5" creationId="{E66D3FE2-C890-46D5-8841-7FCD2E92A30A}"/>
+          </ac:spMkLst>
+        </pc:spChg>
+      </pc:sldChg>
+      <pc:sldChg chg="addSp modSp new mod modClrScheme chgLayout">
+        <pc:chgData name="Antonia H." userId="da08060cd893cdf4" providerId="Windows Live" clId="Web-{C69ADD99-7266-4D1E-9617-0C92D6E9677A}" dt="2018-05-08T19:22:02.241" v="1522" actId="20577"/>
+        <pc:sldMkLst>
+          <pc:docMk/>
+          <pc:sldMk cId="2415655377" sldId="316"/>
+        </pc:sldMkLst>
+        <pc:spChg chg="mod ord">
+          <ac:chgData name="Antonia H." userId="da08060cd893cdf4" providerId="Windows Live" clId="Web-{C69ADD99-7266-4D1E-9617-0C92D6E9677A}" dt="2018-05-08T19:11:47.139" v="1309" actId="20577"/>
+          <ac:spMkLst>
+            <pc:docMk/>
+            <pc:sldMk cId="2415655377" sldId="316"/>
+            <ac:spMk id="2" creationId="{27D469A1-9ABD-458A-B894-15799091CDC5}"/>
+          </ac:spMkLst>
+        </pc:spChg>
+        <pc:spChg chg="mod ord">
+          <ac:chgData name="Antonia H." userId="da08060cd893cdf4" providerId="Windows Live" clId="Web-{C69ADD99-7266-4D1E-9617-0C92D6E9677A}" dt="2018-05-08T19:11:04.218" v="1282" actId="20577"/>
+          <ac:spMkLst>
+            <pc:docMk/>
+            <pc:sldMk cId="2415655377" sldId="316"/>
+            <ac:spMk id="3" creationId="{78175592-A091-4EAD-BA57-EA59CA78D180}"/>
+          </ac:spMkLst>
+        </pc:spChg>
+        <pc:spChg chg="add mod ord">
+          <ac:chgData name="Antonia H." userId="da08060cd893cdf4" providerId="Windows Live" clId="Web-{C69ADD99-7266-4D1E-9617-0C92D6E9677A}" dt="2018-05-08T19:22:02.241" v="1522" actId="20577"/>
+          <ac:spMkLst>
+            <pc:docMk/>
+            <pc:sldMk cId="2415655377" sldId="316"/>
+            <ac:spMk id="5" creationId="{3FB56575-BE2F-4B15-956B-74176E9F7162}"/>
           </ac:spMkLst>
         </pc:spChg>
       </pc:sldChg>
@@ -2909,29 +2621,6 @@
       <pc:docMkLst>
         <pc:docMk/>
       </pc:docMkLst>
-      <pc:sldChg chg="modSp">
-        <pc:chgData name="Antonia H." userId="da08060cd893cdf4" providerId="Windows Live" clId="Web-{951AA90E-E111-4DF2-8997-25CB69852FF0}" dt="2018-05-04T21:15:02.994" v="13"/>
-        <pc:sldMkLst>
-          <pc:docMk/>
-          <pc:sldMk cId="2613893894" sldId="272"/>
-        </pc:sldMkLst>
-        <pc:spChg chg="mod">
-          <ac:chgData name="Antonia H." userId="da08060cd893cdf4" providerId="Windows Live" clId="Web-{951AA90E-E111-4DF2-8997-25CB69852FF0}" dt="2018-05-04T21:15:00.447" v="10"/>
-          <ac:spMkLst>
-            <pc:docMk/>
-            <pc:sldMk cId="2613893894" sldId="272"/>
-            <ac:spMk id="2" creationId="{7B7C0CD7-D996-4495-B2EF-0202CE3AB0E5}"/>
-          </ac:spMkLst>
-        </pc:spChg>
-        <pc:spChg chg="mod">
-          <ac:chgData name="Antonia H." userId="da08060cd893cdf4" providerId="Windows Live" clId="Web-{951AA90E-E111-4DF2-8997-25CB69852FF0}" dt="2018-05-04T21:15:02.994" v="13"/>
-          <ac:spMkLst>
-            <pc:docMk/>
-            <pc:sldMk cId="2613893894" sldId="272"/>
-            <ac:spMk id="3" creationId="{8A2C1CE0-FA47-4B81-87B2-B9B1E8CDFE35}"/>
-          </ac:spMkLst>
-        </pc:spChg>
-      </pc:sldChg>
       <pc:sldChg chg="modSp">
         <pc:chgData name="Antonia H." userId="da08060cd893cdf4" providerId="Windows Live" clId="Web-{951AA90E-E111-4DF2-8997-25CB69852FF0}" dt="2018-05-04T21:14:45.009" v="8"/>
         <pc:sldMkLst>
@@ -3080,67 +2769,687 @@
       </pc:sldChg>
     </pc:docChg>
   </pc:docChgLst>
+  <pc:docChgLst>
+    <pc:chgData name="Antonia H." userId="da08060cd893cdf4" providerId="Windows Live" clId="Web-{07514F11-A717-4A31-B590-C0340D59FC3B}"/>
+    <pc:docChg chg="modSld">
+      <pc:chgData name="Antonia H." userId="da08060cd893cdf4" providerId="Windows Live" clId="Web-{07514F11-A717-4A31-B590-C0340D59FC3B}" dt="2018-05-08T11:17:38.563" v="233"/>
+      <pc:docMkLst>
+        <pc:docMk/>
+      </pc:docMkLst>
+      <pc:sldChg chg="modSp modNotes">
+        <pc:chgData name="Antonia H." userId="da08060cd893cdf4" providerId="Windows Live" clId="Web-{07514F11-A717-4A31-B590-C0340D59FC3B}" dt="2018-05-08T11:17:31.032" v="231"/>
+        <pc:sldMkLst>
+          <pc:docMk/>
+          <pc:sldMk cId="138513243" sldId="277"/>
+        </pc:sldMkLst>
+        <pc:spChg chg="mod">
+          <ac:chgData name="Antonia H." userId="da08060cd893cdf4" providerId="Windows Live" clId="Web-{07514F11-A717-4A31-B590-C0340D59FC3B}" dt="2018-05-08T11:17:31.032" v="231"/>
+          <ac:spMkLst>
+            <pc:docMk/>
+            <pc:sldMk cId="138513243" sldId="277"/>
+            <ac:spMk id="5" creationId="{C71AE9B4-B67A-4A38-98AB-9129A5BDFB14}"/>
+          </ac:spMkLst>
+        </pc:spChg>
+      </pc:sldChg>
+      <pc:sldChg chg="delCm">
+        <pc:chgData name="Antonia H." userId="da08060cd893cdf4" providerId="Windows Live" clId="Web-{07514F11-A717-4A31-B590-C0340D59FC3B}" dt="2018-05-08T11:17:38.563" v="233"/>
+        <pc:sldMkLst>
+          <pc:docMk/>
+          <pc:sldMk cId="151621342" sldId="279"/>
+        </pc:sldMkLst>
+      </pc:sldChg>
+    </pc:docChg>
+  </pc:docChgLst>
+  <pc:docChgLst>
+    <pc:chgData name="Moritz Nipshagen" userId="ee3b3bbc25b4cb6d" providerId="LiveId" clId="{29B88FFD-1FD6-4574-A9D7-C80550FB2799}"/>
+    <pc:docChg chg="undo custSel addSld modSld sldOrd">
+      <pc:chgData name="Moritz Nipshagen" userId="ee3b3bbc25b4cb6d" providerId="LiveId" clId="{29B88FFD-1FD6-4574-A9D7-C80550FB2799}" dt="2018-05-09T08:06:39.852" v="1638" actId="20577"/>
+      <pc:docMkLst>
+        <pc:docMk/>
+      </pc:docMkLst>
+      <pc:sldChg chg="ord">
+        <pc:chgData name="Moritz Nipshagen" userId="ee3b3bbc25b4cb6d" providerId="LiveId" clId="{29B88FFD-1FD6-4574-A9D7-C80550FB2799}" dt="2018-05-07T12:29:39.960" v="1" actId="20577"/>
+        <pc:sldMkLst>
+          <pc:docMk/>
+          <pc:sldMk cId="1309100374" sldId="256"/>
+        </pc:sldMkLst>
+      </pc:sldChg>
+      <pc:sldChg chg="addCm modCm">
+        <pc:chgData name="Moritz Nipshagen" userId="ee3b3bbc25b4cb6d" providerId="LiveId" clId="{29B88FFD-1FD6-4574-A9D7-C80550FB2799}" dt="2018-05-09T06:55:13.466" v="52" actId="20577"/>
+        <pc:sldMkLst>
+          <pc:docMk/>
+          <pc:sldMk cId="541990114" sldId="261"/>
+        </pc:sldMkLst>
+      </pc:sldChg>
+      <pc:sldChg chg="addCm modCm">
+        <pc:chgData name="Moritz Nipshagen" userId="ee3b3bbc25b4cb6d" providerId="LiveId" clId="{29B88FFD-1FD6-4574-A9D7-C80550FB2799}" dt="2018-05-08T22:21:23.538" v="48" actId="20577"/>
+        <pc:sldMkLst>
+          <pc:docMk/>
+          <pc:sldMk cId="608969387" sldId="267"/>
+        </pc:sldMkLst>
+      </pc:sldChg>
+      <pc:sldChg chg="addCm modCm">
+        <pc:chgData name="Moritz Nipshagen" userId="ee3b3bbc25b4cb6d" providerId="LiveId" clId="{29B88FFD-1FD6-4574-A9D7-C80550FB2799}" dt="2018-05-09T06:42:47.515" v="50" actId="20577"/>
+        <pc:sldMkLst>
+          <pc:docMk/>
+          <pc:sldMk cId="1039991320" sldId="273"/>
+        </pc:sldMkLst>
+      </pc:sldChg>
+      <pc:sldChg chg="ord">
+        <pc:chgData name="Moritz Nipshagen" userId="ee3b3bbc25b4cb6d" providerId="LiveId" clId="{29B88FFD-1FD6-4574-A9D7-C80550FB2799}" dt="2018-05-07T12:29:34.348" v="0" actId="20577"/>
+        <pc:sldMkLst>
+          <pc:docMk/>
+          <pc:sldMk cId="2788220547" sldId="283"/>
+        </pc:sldMkLst>
+      </pc:sldChg>
+      <pc:sldChg chg="addCm modCm">
+        <pc:chgData name="Moritz Nipshagen" userId="ee3b3bbc25b4cb6d" providerId="LiveId" clId="{29B88FFD-1FD6-4574-A9D7-C80550FB2799}" dt="2018-05-07T12:59:29.279" v="38" actId="20577"/>
+        <pc:sldMkLst>
+          <pc:docMk/>
+          <pc:sldMk cId="1997070144" sldId="286"/>
+        </pc:sldMkLst>
+      </pc:sldChg>
+      <pc:sldChg chg="modSp addCm modCm">
+        <pc:chgData name="Moritz Nipshagen" userId="ee3b3bbc25b4cb6d" providerId="LiveId" clId="{29B88FFD-1FD6-4574-A9D7-C80550FB2799}" dt="2018-05-07T12:33:13.410" v="9" actId="20577"/>
+        <pc:sldMkLst>
+          <pc:docMk/>
+          <pc:sldMk cId="2931144488" sldId="288"/>
+        </pc:sldMkLst>
+        <pc:spChg chg="mod">
+          <ac:chgData name="Moritz Nipshagen" userId="ee3b3bbc25b4cb6d" providerId="LiveId" clId="{29B88FFD-1FD6-4574-A9D7-C80550FB2799}" dt="2018-05-07T12:32:44.940" v="6" actId="1076"/>
+          <ac:spMkLst>
+            <pc:docMk/>
+            <pc:sldMk cId="2931144488" sldId="288"/>
+            <ac:spMk id="6" creationId="{834E74A6-1D55-4CF2-81BA-7B666291B430}"/>
+          </ac:spMkLst>
+        </pc:spChg>
+      </pc:sldChg>
+      <pc:sldChg chg="addCm delCm modCm">
+        <pc:chgData name="Moritz Nipshagen" userId="ee3b3bbc25b4cb6d" providerId="LiveId" clId="{29B88FFD-1FD6-4574-A9D7-C80550FB2799}" dt="2018-05-09T07:15:09.850" v="61" actId="20577"/>
+        <pc:sldMkLst>
+          <pc:docMk/>
+          <pc:sldMk cId="2728745322" sldId="289"/>
+        </pc:sldMkLst>
+      </pc:sldChg>
+      <pc:sldChg chg="addCm delCm modCm">
+        <pc:chgData name="Moritz Nipshagen" userId="ee3b3bbc25b4cb6d" providerId="LiveId" clId="{29B88FFD-1FD6-4574-A9D7-C80550FB2799}" dt="2018-05-09T07:15:09.302" v="60" actId="20577"/>
+        <pc:sldMkLst>
+          <pc:docMk/>
+          <pc:sldMk cId="1529941566" sldId="290"/>
+        </pc:sldMkLst>
+      </pc:sldChg>
+      <pc:sldChg chg="addCm modCm">
+        <pc:chgData name="Moritz Nipshagen" userId="ee3b3bbc25b4cb6d" providerId="LiveId" clId="{29B88FFD-1FD6-4574-A9D7-C80550FB2799}" dt="2018-05-07T12:49:46.074" v="22" actId="20577"/>
+        <pc:sldMkLst>
+          <pc:docMk/>
+          <pc:sldMk cId="534387332" sldId="291"/>
+        </pc:sldMkLst>
+      </pc:sldChg>
+      <pc:sldChg chg="addCm modCm">
+        <pc:chgData name="Moritz Nipshagen" userId="ee3b3bbc25b4cb6d" providerId="LiveId" clId="{29B88FFD-1FD6-4574-A9D7-C80550FB2799}" dt="2018-05-07T12:51:23.797" v="26" actId="20577"/>
+        <pc:sldMkLst>
+          <pc:docMk/>
+          <pc:sldMk cId="3527562659" sldId="292"/>
+        </pc:sldMkLst>
+      </pc:sldChg>
+      <pc:sldChg chg="addCm modCm">
+        <pc:chgData name="Moritz Nipshagen" userId="ee3b3bbc25b4cb6d" providerId="LiveId" clId="{29B88FFD-1FD6-4574-A9D7-C80550FB2799}" dt="2018-05-07T12:52:49.558" v="29" actId="20577"/>
+        <pc:sldMkLst>
+          <pc:docMk/>
+          <pc:sldMk cId="3222949515" sldId="293"/>
+        </pc:sldMkLst>
+      </pc:sldChg>
+      <pc:sldChg chg="modSp addCm modCm">
+        <pc:chgData name="Moritz Nipshagen" userId="ee3b3bbc25b4cb6d" providerId="LiveId" clId="{29B88FFD-1FD6-4574-A9D7-C80550FB2799}" dt="2018-05-07T12:58:24.537" v="34" actId="20577"/>
+        <pc:sldMkLst>
+          <pc:docMk/>
+          <pc:sldMk cId="1885901484" sldId="294"/>
+        </pc:sldMkLst>
+        <pc:spChg chg="mod">
+          <ac:chgData name="Moritz Nipshagen" userId="ee3b3bbc25b4cb6d" providerId="LiveId" clId="{29B88FFD-1FD6-4574-A9D7-C80550FB2799}" dt="2018-05-07T12:54:30.290" v="30" actId="20577"/>
+          <ac:spMkLst>
+            <pc:docMk/>
+            <pc:sldMk cId="1885901484" sldId="294"/>
+            <ac:spMk id="6" creationId="{7DD28814-2C66-4ED5-9973-27A905C58D80}"/>
+          </ac:spMkLst>
+        </pc:spChg>
+      </pc:sldChg>
+      <pc:sldChg chg="addCm modCm">
+        <pc:chgData name="Moritz Nipshagen" userId="ee3b3bbc25b4cb6d" providerId="LiveId" clId="{29B88FFD-1FD6-4574-A9D7-C80550FB2799}" dt="2018-05-07T12:59:10.982" v="36" actId="20577"/>
+        <pc:sldMkLst>
+          <pc:docMk/>
+          <pc:sldMk cId="1599932138" sldId="295"/>
+        </pc:sldMkLst>
+      </pc:sldChg>
+      <pc:sldChg chg="addCm modCm">
+        <pc:chgData name="Moritz Nipshagen" userId="ee3b3bbc25b4cb6d" providerId="LiveId" clId="{29B88FFD-1FD6-4574-A9D7-C80550FB2799}" dt="2018-05-07T13:00:31.871" v="42" actId="20577"/>
+        <pc:sldMkLst>
+          <pc:docMk/>
+          <pc:sldMk cId="2112731322" sldId="296"/>
+        </pc:sldMkLst>
+      </pc:sldChg>
+      <pc:sldChg chg="addCm modCm">
+        <pc:chgData name="Moritz Nipshagen" userId="ee3b3bbc25b4cb6d" providerId="LiveId" clId="{29B88FFD-1FD6-4574-A9D7-C80550FB2799}" dt="2018-05-09T07:22:20.357" v="64" actId="20577"/>
+        <pc:sldMkLst>
+          <pc:docMk/>
+          <pc:sldMk cId="1834800628" sldId="297"/>
+        </pc:sldMkLst>
+      </pc:sldChg>
+      <pc:sldChg chg="addCm delCm modCm">
+        <pc:chgData name="Moritz Nipshagen" userId="ee3b3bbc25b4cb6d" providerId="LiveId" clId="{29B88FFD-1FD6-4574-A9D7-C80550FB2799}" dt="2018-05-09T07:23:52.084" v="68" actId="20577"/>
+        <pc:sldMkLst>
+          <pc:docMk/>
+          <pc:sldMk cId="1687291217" sldId="299"/>
+        </pc:sldMkLst>
+      </pc:sldChg>
+      <pc:sldChg chg="addCm">
+        <pc:chgData name="Moritz Nipshagen" userId="ee3b3bbc25b4cb6d" providerId="LiveId" clId="{29B88FFD-1FD6-4574-A9D7-C80550FB2799}" dt="2018-05-09T07:20:40.623" v="62" actId="20577"/>
+        <pc:sldMkLst>
+          <pc:docMk/>
+          <pc:sldMk cId="1343733425" sldId="304"/>
+        </pc:sldMkLst>
+      </pc:sldChg>
+      <pc:sldChg chg="addCm modCm">
+        <pc:chgData name="Moritz Nipshagen" userId="ee3b3bbc25b4cb6d" providerId="LiveId" clId="{29B88FFD-1FD6-4574-A9D7-C80550FB2799}" dt="2018-05-09T07:26:25.810" v="71" actId="20577"/>
+        <pc:sldMkLst>
+          <pc:docMk/>
+          <pc:sldMk cId="3961686465" sldId="307"/>
+        </pc:sldMkLst>
+      </pc:sldChg>
+      <pc:sldChg chg="addCm">
+        <pc:chgData name="Moritz Nipshagen" userId="ee3b3bbc25b4cb6d" providerId="LiveId" clId="{29B88FFD-1FD6-4574-A9D7-C80550FB2799}" dt="2018-05-09T07:27:19.483" v="72" actId="20577"/>
+        <pc:sldMkLst>
+          <pc:docMk/>
+          <pc:sldMk cId="1279915171" sldId="309"/>
+        </pc:sldMkLst>
+      </pc:sldChg>
+      <pc:sldChg chg="addCm">
+        <pc:chgData name="Moritz Nipshagen" userId="ee3b3bbc25b4cb6d" providerId="LiveId" clId="{29B88FFD-1FD6-4574-A9D7-C80550FB2799}" dt="2018-05-09T07:27:33.544" v="73" actId="20577"/>
+        <pc:sldMkLst>
+          <pc:docMk/>
+          <pc:sldMk cId="3775888634" sldId="310"/>
+        </pc:sldMkLst>
+      </pc:sldChg>
+      <pc:sldChg chg="addCm">
+        <pc:chgData name="Moritz Nipshagen" userId="ee3b3bbc25b4cb6d" providerId="LiveId" clId="{29B88FFD-1FD6-4574-A9D7-C80550FB2799}" dt="2018-05-09T06:57:28.041" v="53" actId="20577"/>
+        <pc:sldMkLst>
+          <pc:docMk/>
+          <pc:sldMk cId="997277653" sldId="311"/>
+        </pc:sldMkLst>
+      </pc:sldChg>
+      <pc:sldChg chg="addSp delSp modSp">
+        <pc:chgData name="Moritz Nipshagen" userId="ee3b3bbc25b4cb6d" providerId="LiveId" clId="{29B88FFD-1FD6-4574-A9D7-C80550FB2799}" dt="2018-05-09T07:53:22.794" v="428" actId="20577"/>
+        <pc:sldMkLst>
+          <pc:docMk/>
+          <pc:sldMk cId="2415655377" sldId="316"/>
+        </pc:sldMkLst>
+        <pc:spChg chg="add del mod">
+          <ac:chgData name="Moritz Nipshagen" userId="ee3b3bbc25b4cb6d" providerId="LiveId" clId="{29B88FFD-1FD6-4574-A9D7-C80550FB2799}" dt="2018-05-09T07:53:15.619" v="425" actId="20577"/>
+          <ac:spMkLst>
+            <pc:docMk/>
+            <pc:sldMk cId="2415655377" sldId="316"/>
+            <ac:spMk id="4" creationId="{A5BCD601-8E1F-40CC-BCFD-A6A5E94ABEDA}"/>
+          </ac:spMkLst>
+        </pc:spChg>
+        <pc:spChg chg="mod">
+          <ac:chgData name="Moritz Nipshagen" userId="ee3b3bbc25b4cb6d" providerId="LiveId" clId="{29B88FFD-1FD6-4574-A9D7-C80550FB2799}" dt="2018-05-09T07:53:22.794" v="428" actId="20577"/>
+          <ac:spMkLst>
+            <pc:docMk/>
+            <pc:sldMk cId="2415655377" sldId="316"/>
+            <ac:spMk id="5" creationId="{3FB56575-BE2F-4B15-956B-74176E9F7162}"/>
+          </ac:spMkLst>
+        </pc:spChg>
+        <pc:spChg chg="add del mod">
+          <ac:chgData name="Moritz Nipshagen" userId="ee3b3bbc25b4cb6d" providerId="LiveId" clId="{29B88FFD-1FD6-4574-A9D7-C80550FB2799}" dt="2018-05-09T07:53:15.619" v="425" actId="20577"/>
+          <ac:spMkLst>
+            <pc:docMk/>
+            <pc:sldMk cId="2415655377" sldId="316"/>
+            <ac:spMk id="6" creationId="{FA8B42D9-36E3-4DC9-AE71-CF9FA70B2A12}"/>
+          </ac:spMkLst>
+        </pc:spChg>
+        <pc:spChg chg="add del mod">
+          <ac:chgData name="Moritz Nipshagen" userId="ee3b3bbc25b4cb6d" providerId="LiveId" clId="{29B88FFD-1FD6-4574-A9D7-C80550FB2799}" dt="2018-05-09T07:53:15.619" v="425" actId="20577"/>
+          <ac:spMkLst>
+            <pc:docMk/>
+            <pc:sldMk cId="2415655377" sldId="316"/>
+            <ac:spMk id="7" creationId="{DC2D51BA-7C98-4BC7-82AC-635CF029C59A}"/>
+          </ac:spMkLst>
+        </pc:spChg>
+      </pc:sldChg>
+      <pc:sldChg chg="addCm modCm">
+        <pc:chgData name="Moritz Nipshagen" userId="ee3b3bbc25b4cb6d" providerId="LiveId" clId="{29B88FFD-1FD6-4574-A9D7-C80550FB2799}" dt="2018-05-09T07:49:33.197" v="75" actId="20577"/>
+        <pc:sldMkLst>
+          <pc:docMk/>
+          <pc:sldMk cId="3368698885" sldId="317"/>
+        </pc:sldMkLst>
+      </pc:sldChg>
+      <pc:sldChg chg="addSp delSp modSp add ord">
+        <pc:chgData name="Moritz Nipshagen" userId="ee3b3bbc25b4cb6d" providerId="LiveId" clId="{29B88FFD-1FD6-4574-A9D7-C80550FB2799}" dt="2018-05-09T07:53:49.939" v="445" actId="20577"/>
+        <pc:sldMkLst>
+          <pc:docMk/>
+          <pc:sldMk cId="3120754595" sldId="320"/>
+        </pc:sldMkLst>
+        <pc:spChg chg="del">
+          <ac:chgData name="Moritz Nipshagen" userId="ee3b3bbc25b4cb6d" providerId="LiveId" clId="{29B88FFD-1FD6-4574-A9D7-C80550FB2799}" dt="2018-05-09T07:53:42.257" v="430" actId="20577"/>
+          <ac:spMkLst>
+            <pc:docMk/>
+            <pc:sldMk cId="3120754595" sldId="320"/>
+            <ac:spMk id="2" creationId="{BA97E564-366D-4504-B380-1203FB7E15C6}"/>
+          </ac:spMkLst>
+        </pc:spChg>
+        <pc:spChg chg="del">
+          <ac:chgData name="Moritz Nipshagen" userId="ee3b3bbc25b4cb6d" providerId="LiveId" clId="{29B88FFD-1FD6-4574-A9D7-C80550FB2799}" dt="2018-05-09T07:53:42.257" v="430" actId="20577"/>
+          <ac:spMkLst>
+            <pc:docMk/>
+            <pc:sldMk cId="3120754595" sldId="320"/>
+            <ac:spMk id="3" creationId="{7AC0482C-ACFF-4B8F-B8AA-7F5DA5DEAE03}"/>
+          </ac:spMkLst>
+        </pc:spChg>
+        <pc:spChg chg="add mod">
+          <ac:chgData name="Moritz Nipshagen" userId="ee3b3bbc25b4cb6d" providerId="LiveId" clId="{29B88FFD-1FD6-4574-A9D7-C80550FB2799}" dt="2018-05-09T07:53:46.525" v="444" actId="20577"/>
+          <ac:spMkLst>
+            <pc:docMk/>
+            <pc:sldMk cId="3120754595" sldId="320"/>
+            <ac:spMk id="5" creationId="{26AAF6A5-2232-4061-B65D-AEC0DDE6FF9E}"/>
+          </ac:spMkLst>
+        </pc:spChg>
+      </pc:sldChg>
+      <pc:sldChg chg="addSp delSp modSp add">
+        <pc:chgData name="Moritz Nipshagen" userId="ee3b3bbc25b4cb6d" providerId="LiveId" clId="{29B88FFD-1FD6-4574-A9D7-C80550FB2799}" dt="2018-05-09T07:56:27.412" v="1047" actId="5793"/>
+        <pc:sldMkLst>
+          <pc:docMk/>
+          <pc:sldMk cId="2275639764" sldId="321"/>
+        </pc:sldMkLst>
+        <pc:spChg chg="del">
+          <ac:chgData name="Moritz Nipshagen" userId="ee3b3bbc25b4cb6d" providerId="LiveId" clId="{29B88FFD-1FD6-4574-A9D7-C80550FB2799}" dt="2018-05-09T07:53:57.331" v="447" actId="5793"/>
+          <ac:spMkLst>
+            <pc:docMk/>
+            <pc:sldMk cId="2275639764" sldId="321"/>
+            <ac:spMk id="2" creationId="{905106C5-1442-4C87-9F20-D55C0C2BA76F}"/>
+          </ac:spMkLst>
+        </pc:spChg>
+        <pc:spChg chg="add mod">
+          <ac:chgData name="Moritz Nipshagen" userId="ee3b3bbc25b4cb6d" providerId="LiveId" clId="{29B88FFD-1FD6-4574-A9D7-C80550FB2799}" dt="2018-05-09T07:54:10.448" v="480" actId="20577"/>
+          <ac:spMkLst>
+            <pc:docMk/>
+            <pc:sldMk cId="2275639764" sldId="321"/>
+            <ac:spMk id="4" creationId="{3E75A7D9-76CB-4E45-B4A0-FA1D0B908665}"/>
+          </ac:spMkLst>
+        </pc:spChg>
+        <pc:spChg chg="add mod">
+          <ac:chgData name="Moritz Nipshagen" userId="ee3b3bbc25b4cb6d" providerId="LiveId" clId="{29B88FFD-1FD6-4574-A9D7-C80550FB2799}" dt="2018-05-09T07:56:27.412" v="1047" actId="5793"/>
+          <ac:spMkLst>
+            <pc:docMk/>
+            <pc:sldMk cId="2275639764" sldId="321"/>
+            <ac:spMk id="5" creationId="{9A462A69-A1E0-46D5-840D-EAB7E3ECB4BF}"/>
+          </ac:spMkLst>
+        </pc:spChg>
+      </pc:sldChg>
+      <pc:sldChg chg="modSp add">
+        <pc:chgData name="Moritz Nipshagen" userId="ee3b3bbc25b4cb6d" providerId="LiveId" clId="{29B88FFD-1FD6-4574-A9D7-C80550FB2799}" dt="2018-05-09T07:59:09.848" v="1463" actId="5793"/>
+        <pc:sldMkLst>
+          <pc:docMk/>
+          <pc:sldMk cId="1681681720" sldId="322"/>
+        </pc:sldMkLst>
+        <pc:spChg chg="mod">
+          <ac:chgData name="Moritz Nipshagen" userId="ee3b3bbc25b4cb6d" providerId="LiveId" clId="{29B88FFD-1FD6-4574-A9D7-C80550FB2799}" dt="2018-05-09T07:56:30.226" v="1056" actId="20577"/>
+          <ac:spMkLst>
+            <pc:docMk/>
+            <pc:sldMk cId="1681681720" sldId="322"/>
+            <ac:spMk id="2" creationId="{89E88D7F-5A59-43A8-91AC-7A785FCD7823}"/>
+          </ac:spMkLst>
+        </pc:spChg>
+        <pc:spChg chg="mod">
+          <ac:chgData name="Moritz Nipshagen" userId="ee3b3bbc25b4cb6d" providerId="LiveId" clId="{29B88FFD-1FD6-4574-A9D7-C80550FB2799}" dt="2018-05-09T07:59:09.848" v="1463" actId="5793"/>
+          <ac:spMkLst>
+            <pc:docMk/>
+            <pc:sldMk cId="1681681720" sldId="322"/>
+            <ac:spMk id="3" creationId="{9BB15E5D-5EDD-475D-85F0-804DCA9DD923}"/>
+          </ac:spMkLst>
+        </pc:spChg>
+      </pc:sldChg>
+      <pc:sldChg chg="modSp add">
+        <pc:chgData name="Moritz Nipshagen" userId="ee3b3bbc25b4cb6d" providerId="LiveId" clId="{29B88FFD-1FD6-4574-A9D7-C80550FB2799}" dt="2018-05-09T08:06:39.852" v="1638" actId="20577"/>
+        <pc:sldMkLst>
+          <pc:docMk/>
+          <pc:sldMk cId="3965322217" sldId="323"/>
+        </pc:sldMkLst>
+        <pc:spChg chg="mod">
+          <ac:chgData name="Moritz Nipshagen" userId="ee3b3bbc25b4cb6d" providerId="LiveId" clId="{29B88FFD-1FD6-4574-A9D7-C80550FB2799}" dt="2018-05-09T07:59:16.219" v="1482" actId="20577"/>
+          <ac:spMkLst>
+            <pc:docMk/>
+            <pc:sldMk cId="3965322217" sldId="323"/>
+            <ac:spMk id="2" creationId="{40D2A265-6214-4F00-8CA5-5A005430405C}"/>
+          </ac:spMkLst>
+        </pc:spChg>
+        <pc:spChg chg="mod">
+          <ac:chgData name="Moritz Nipshagen" userId="ee3b3bbc25b4cb6d" providerId="LiveId" clId="{29B88FFD-1FD6-4574-A9D7-C80550FB2799}" dt="2018-05-09T08:06:39.852" v="1638" actId="20577"/>
+          <ac:spMkLst>
+            <pc:docMk/>
+            <pc:sldMk cId="3965322217" sldId="323"/>
+            <ac:spMk id="3" creationId="{837D1E5C-226A-4153-B961-20DBA921F3EA}"/>
+          </ac:spMkLst>
+        </pc:spChg>
+      </pc:sldChg>
+    </pc:docChg>
+  </pc:docChgLst>
+  <pc:docChgLst>
+    <pc:chgData name="Antonia H." userId="da08060cd893cdf4" providerId="Windows Live" clId="Web-{DE923093-6540-4658-928B-867121E5E1C7}"/>
+    <pc:docChg chg="modSld">
+      <pc:chgData name="Antonia H." userId="da08060cd893cdf4" providerId="Windows Live" clId="Web-{DE923093-6540-4658-928B-867121E5E1C7}" dt="2018-05-09T09:22:37.090" v="19" actId="20577"/>
+      <pc:docMkLst>
+        <pc:docMk/>
+      </pc:docMkLst>
+      <pc:sldChg chg="delCm">
+        <pc:chgData name="Antonia H." userId="da08060cd893cdf4" providerId="Windows Live" clId="Web-{DE923093-6540-4658-928B-867121E5E1C7}" dt="2018-05-09T09:02:11.288" v="0"/>
+        <pc:sldMkLst>
+          <pc:docMk/>
+          <pc:sldMk cId="541990114" sldId="261"/>
+        </pc:sldMkLst>
+      </pc:sldChg>
+      <pc:sldChg chg="delCm">
+        <pc:chgData name="Antonia H." userId="da08060cd893cdf4" providerId="Windows Live" clId="Web-{DE923093-6540-4658-928B-867121E5E1C7}" dt="2018-05-09T09:04:34.492" v="1"/>
+        <pc:sldMkLst>
+          <pc:docMk/>
+          <pc:sldMk cId="1885901484" sldId="294"/>
+        </pc:sldMkLst>
+      </pc:sldChg>
+      <pc:sldChg chg="delCm">
+        <pc:chgData name="Antonia H." userId="da08060cd893cdf4" providerId="Windows Live" clId="Web-{DE923093-6540-4658-928B-867121E5E1C7}" dt="2018-05-09T09:04:39.492" v="2"/>
+        <pc:sldMkLst>
+          <pc:docMk/>
+          <pc:sldMk cId="1599932138" sldId="295"/>
+        </pc:sldMkLst>
+      </pc:sldChg>
+      <pc:sldChg chg="modSp">
+        <pc:chgData name="Antonia H." userId="da08060cd893cdf4" providerId="Windows Live" clId="Web-{DE923093-6540-4658-928B-867121E5E1C7}" dt="2018-05-09T09:05:55.930" v="13" actId="20577"/>
+        <pc:sldMkLst>
+          <pc:docMk/>
+          <pc:sldMk cId="1834800628" sldId="297"/>
+        </pc:sldMkLst>
+        <pc:spChg chg="mod">
+          <ac:chgData name="Antonia H." userId="da08060cd893cdf4" providerId="Windows Live" clId="Web-{DE923093-6540-4658-928B-867121E5E1C7}" dt="2018-05-09T09:05:55.930" v="13" actId="20577"/>
+          <ac:spMkLst>
+            <pc:docMk/>
+            <pc:sldMk cId="1834800628" sldId="297"/>
+            <ac:spMk id="3" creationId="{8412D31A-8BBA-4A39-A26A-9FAB748ECDCC}"/>
+          </ac:spMkLst>
+        </pc:spChg>
+      </pc:sldChg>
+      <pc:sldChg chg="modSp">
+        <pc:chgData name="Antonia H." userId="da08060cd893cdf4" providerId="Windows Live" clId="Web-{DE923093-6540-4658-928B-867121E5E1C7}" dt="2018-05-09T09:22:37.090" v="18" actId="20577"/>
+        <pc:sldMkLst>
+          <pc:docMk/>
+          <pc:sldMk cId="1681681720" sldId="322"/>
+        </pc:sldMkLst>
+        <pc:spChg chg="mod">
+          <ac:chgData name="Antonia H." userId="da08060cd893cdf4" providerId="Windows Live" clId="Web-{DE923093-6540-4658-928B-867121E5E1C7}" dt="2018-05-09T09:22:37.090" v="18" actId="20577"/>
+          <ac:spMkLst>
+            <pc:docMk/>
+            <pc:sldMk cId="1681681720" sldId="322"/>
+            <ac:spMk id="3" creationId="{9BB15E5D-5EDD-475D-85F0-804DCA9DD923}"/>
+          </ac:spMkLst>
+        </pc:spChg>
+      </pc:sldChg>
+    </pc:docChg>
+  </pc:docChgLst>
+  <pc:docChgLst>
+    <pc:chgData name="Antonia H." userId="da08060cd893cdf4" providerId="Windows Live" clId="Web-{96548583-B4A2-49DF-AB53-3674DAC5BA9C}"/>
+    <pc:docChg chg="addSld modSld">
+      <pc:chgData name="Antonia H." userId="da08060cd893cdf4" providerId="Windows Live" clId="Web-{96548583-B4A2-49DF-AB53-3674DAC5BA9C}" dt="2018-05-05T17:03:10.252" v="881"/>
+      <pc:docMkLst>
+        <pc:docMk/>
+      </pc:docMkLst>
+      <pc:sldChg chg="modSp">
+        <pc:chgData name="Antonia H." userId="da08060cd893cdf4" providerId="Windows Live" clId="Web-{96548583-B4A2-49DF-AB53-3674DAC5BA9C}" dt="2018-05-05T16:27:54.101" v="72"/>
+        <pc:sldMkLst>
+          <pc:docMk/>
+          <pc:sldMk cId="964619605" sldId="278"/>
+        </pc:sldMkLst>
+        <pc:spChg chg="mod">
+          <ac:chgData name="Antonia H." userId="da08060cd893cdf4" providerId="Windows Live" clId="Web-{96548583-B4A2-49DF-AB53-3674DAC5BA9C}" dt="2018-05-05T16:27:54.101" v="72"/>
+          <ac:spMkLst>
+            <pc:docMk/>
+            <pc:sldMk cId="964619605" sldId="278"/>
+            <ac:spMk id="3" creationId="{2C59D76C-56D9-456B-AA29-4770DF0DD128}"/>
+          </ac:spMkLst>
+        </pc:spChg>
+      </pc:sldChg>
+      <pc:sldChg chg="addSp modSp new">
+        <pc:chgData name="Antonia H." userId="da08060cd893cdf4" providerId="Windows Live" clId="Web-{96548583-B4A2-49DF-AB53-3674DAC5BA9C}" dt="2018-05-05T17:02:59.392" v="871"/>
+        <pc:sldMkLst>
+          <pc:docMk/>
+          <pc:sldMk cId="1038459410" sldId="280"/>
+        </pc:sldMkLst>
+        <pc:spChg chg="mod">
+          <ac:chgData name="Antonia H." userId="da08060cd893cdf4" providerId="Windows Live" clId="Web-{96548583-B4A2-49DF-AB53-3674DAC5BA9C}" dt="2018-05-05T17:02:59.392" v="871"/>
+          <ac:spMkLst>
+            <pc:docMk/>
+            <pc:sldMk cId="1038459410" sldId="280"/>
+            <ac:spMk id="2" creationId="{E9887E70-004E-4E54-8EC2-569202DD8951}"/>
+          </ac:spMkLst>
+        </pc:spChg>
+        <pc:spChg chg="mod">
+          <ac:chgData name="Antonia H." userId="da08060cd893cdf4" providerId="Windows Live" clId="Web-{96548583-B4A2-49DF-AB53-3674DAC5BA9C}" dt="2018-05-05T16:42:04.977" v="418"/>
+          <ac:spMkLst>
+            <pc:docMk/>
+            <pc:sldMk cId="1038459410" sldId="280"/>
+            <ac:spMk id="3" creationId="{0F0CFA88-A677-45B1-8C46-DDD487EF5FF0}"/>
+          </ac:spMkLst>
+        </pc:spChg>
+        <pc:spChg chg="add mod">
+          <ac:chgData name="Antonia H." userId="da08060cd893cdf4" providerId="Windows Live" clId="Web-{96548583-B4A2-49DF-AB53-3674DAC5BA9C}" dt="2018-05-05T16:40:37.444" v="368"/>
+          <ac:spMkLst>
+            <pc:docMk/>
+            <pc:sldMk cId="1038459410" sldId="280"/>
+            <ac:spMk id="5" creationId="{14510D5F-5051-4B7C-896F-A5C1B43B58B3}"/>
+          </ac:spMkLst>
+        </pc:spChg>
+        <pc:spChg chg="add mod">
+          <ac:chgData name="Antonia H." userId="da08060cd893cdf4" providerId="Windows Live" clId="Web-{96548583-B4A2-49DF-AB53-3674DAC5BA9C}" dt="2018-05-05T16:41:02.866" v="384"/>
+          <ac:spMkLst>
+            <pc:docMk/>
+            <pc:sldMk cId="1038459410" sldId="280"/>
+            <ac:spMk id="6" creationId="{2D50BEC1-08DC-4929-99C1-0A9C9C045167}"/>
+          </ac:spMkLst>
+        </pc:spChg>
+      </pc:sldChg>
+      <pc:sldChg chg="addSp delSp modSp add replId">
+        <pc:chgData name="Antonia H." userId="da08060cd893cdf4" providerId="Windows Live" clId="Web-{96548583-B4A2-49DF-AB53-3674DAC5BA9C}" dt="2018-05-05T17:03:04.439" v="876"/>
+        <pc:sldMkLst>
+          <pc:docMk/>
+          <pc:sldMk cId="2760054146" sldId="281"/>
+        </pc:sldMkLst>
+        <pc:spChg chg="mod">
+          <ac:chgData name="Antonia H." userId="da08060cd893cdf4" providerId="Windows Live" clId="Web-{96548583-B4A2-49DF-AB53-3674DAC5BA9C}" dt="2018-05-05T17:03:04.439" v="876"/>
+          <ac:spMkLst>
+            <pc:docMk/>
+            <pc:sldMk cId="2760054146" sldId="281"/>
+            <ac:spMk id="2" creationId="{E9887E70-004E-4E54-8EC2-569202DD8951}"/>
+          </ac:spMkLst>
+        </pc:spChg>
+        <pc:spChg chg="del mod">
+          <ac:chgData name="Antonia H." userId="da08060cd893cdf4" providerId="Windows Live" clId="Web-{96548583-B4A2-49DF-AB53-3674DAC5BA9C}" dt="2018-05-05T16:42:17.680" v="420"/>
+          <ac:spMkLst>
+            <pc:docMk/>
+            <pc:sldMk cId="2760054146" sldId="281"/>
+            <ac:spMk id="3" creationId="{0F0CFA88-A677-45B1-8C46-DDD487EF5FF0}"/>
+          </ac:spMkLst>
+        </pc:spChg>
+        <pc:spChg chg="mod">
+          <ac:chgData name="Antonia H." userId="da08060cd893cdf4" providerId="Windows Live" clId="Web-{96548583-B4A2-49DF-AB53-3674DAC5BA9C}" dt="2018-05-05T16:41:18.008" v="387"/>
+          <ac:spMkLst>
+            <pc:docMk/>
+            <pc:sldMk cId="2760054146" sldId="281"/>
+            <ac:spMk id="5" creationId="{14510D5F-5051-4B7C-896F-A5C1B43B58B3}"/>
+          </ac:spMkLst>
+        </pc:spChg>
+        <pc:spChg chg="del mod">
+          <ac:chgData name="Antonia H." userId="da08060cd893cdf4" providerId="Windows Live" clId="Web-{96548583-B4A2-49DF-AB53-3674DAC5BA9C}" dt="2018-05-05T16:48:57.844" v="645"/>
+          <ac:spMkLst>
+            <pc:docMk/>
+            <pc:sldMk cId="2760054146" sldId="281"/>
+            <ac:spMk id="6" creationId="{2D50BEC1-08DC-4929-99C1-0A9C9C045167}"/>
+          </ac:spMkLst>
+        </pc:spChg>
+        <pc:spChg chg="add mod">
+          <ac:chgData name="Antonia H." userId="da08060cd893cdf4" providerId="Windows Live" clId="Web-{96548583-B4A2-49DF-AB53-3674DAC5BA9C}" dt="2018-05-05T16:46:54.529" v="635"/>
+          <ac:spMkLst>
+            <pc:docMk/>
+            <pc:sldMk cId="2760054146" sldId="281"/>
+            <ac:spMk id="8" creationId="{C984D1C8-F757-4093-A7FB-F69E5AB22D87}"/>
+          </ac:spMkLst>
+        </pc:spChg>
+      </pc:sldChg>
+      <pc:sldChg chg="delSp modSp add replId modNotes">
+        <pc:chgData name="Antonia H." userId="da08060cd893cdf4" providerId="Windows Live" clId="Web-{96548583-B4A2-49DF-AB53-3674DAC5BA9C}" dt="2018-05-05T17:03:09.517" v="879"/>
+        <pc:sldMkLst>
+          <pc:docMk/>
+          <pc:sldMk cId="377796833" sldId="282"/>
+        </pc:sldMkLst>
+        <pc:spChg chg="mod">
+          <ac:chgData name="Antonia H." userId="da08060cd893cdf4" providerId="Windows Live" clId="Web-{96548583-B4A2-49DF-AB53-3674DAC5BA9C}" dt="2018-05-05T17:03:09.517" v="879"/>
+          <ac:spMkLst>
+            <pc:docMk/>
+            <pc:sldMk cId="377796833" sldId="282"/>
+            <ac:spMk id="2" creationId="{E9887E70-004E-4E54-8EC2-569202DD8951}"/>
+          </ac:spMkLst>
+        </pc:spChg>
+        <pc:spChg chg="del mod">
+          <ac:chgData name="Antonia H." userId="da08060cd893cdf4" providerId="Windows Live" clId="Web-{96548583-B4A2-49DF-AB53-3674DAC5BA9C}" dt="2018-05-05T16:49:06.516" v="650"/>
+          <ac:spMkLst>
+            <pc:docMk/>
+            <pc:sldMk cId="377796833" sldId="282"/>
+            <ac:spMk id="5" creationId="{14510D5F-5051-4B7C-896F-A5C1B43B58B3}"/>
+          </ac:spMkLst>
+        </pc:spChg>
+        <pc:spChg chg="mod">
+          <ac:chgData name="Antonia H." userId="da08060cd893cdf4" providerId="Windows Live" clId="Web-{96548583-B4A2-49DF-AB53-3674DAC5BA9C}" dt="2018-05-05T16:54:06.788" v="857"/>
+          <ac:spMkLst>
+            <pc:docMk/>
+            <pc:sldMk cId="377796833" sldId="282"/>
+            <ac:spMk id="6" creationId="{2D50BEC1-08DC-4929-99C1-0A9C9C045167}"/>
+          </ac:spMkLst>
+        </pc:spChg>
+        <pc:spChg chg="mod">
+          <ac:chgData name="Antonia H." userId="da08060cd893cdf4" providerId="Windows Live" clId="Web-{96548583-B4A2-49DF-AB53-3674DAC5BA9C}" dt="2018-05-05T16:53:03.396" v="795"/>
+          <ac:spMkLst>
+            <pc:docMk/>
+            <pc:sldMk cId="377796833" sldId="282"/>
+            <ac:spMk id="8" creationId="{C984D1C8-F757-4093-A7FB-F69E5AB22D87}"/>
+          </ac:spMkLst>
+        </pc:spChg>
+      </pc:sldChg>
+    </pc:docChg>
+  </pc:docChgLst>
+  <pc:docChgLst>
+    <pc:chgData name="Antonia H." userId="da08060cd893cdf4" providerId="Windows Live" clId="Web-{1F2D6279-45AA-4F75-B927-55D730CC3AE2}"/>
+    <pc:docChg chg="addSld delSld modSld">
+      <pc:chgData name="Antonia H." userId="da08060cd893cdf4" providerId="Windows Live" clId="Web-{1F2D6279-45AA-4F75-B927-55D730CC3AE2}" dt="2018-05-08T12:38:43.742" v="363" actId="20577"/>
+      <pc:docMkLst>
+        <pc:docMk/>
+      </pc:docMkLst>
+      <pc:sldChg chg="modSp delCm">
+        <pc:chgData name="Antonia H." userId="da08060cd893cdf4" providerId="Windows Live" clId="Web-{1F2D6279-45AA-4F75-B927-55D730CC3AE2}" dt="2018-05-08T12:23:44.428" v="154" actId="20577"/>
+        <pc:sldMkLst>
+          <pc:docMk/>
+          <pc:sldMk cId="1529941566" sldId="290"/>
+        </pc:sldMkLst>
+        <pc:spChg chg="mod">
+          <ac:chgData name="Antonia H." userId="da08060cd893cdf4" providerId="Windows Live" clId="Web-{1F2D6279-45AA-4F75-B927-55D730CC3AE2}" dt="2018-05-08T12:23:44.428" v="154" actId="20577"/>
+          <ac:spMkLst>
+            <pc:docMk/>
+            <pc:sldMk cId="1529941566" sldId="290"/>
+            <ac:spMk id="3" creationId="{B89FBDA8-D8B5-433A-BC51-6FA2CB383BEF}"/>
+          </ac:spMkLst>
+        </pc:spChg>
+        <pc:spChg chg="mod">
+          <ac:chgData name="Antonia H." userId="da08060cd893cdf4" providerId="Windows Live" clId="Web-{1F2D6279-45AA-4F75-B927-55D730CC3AE2}" dt="2018-05-08T12:14:18.120" v="50" actId="20577"/>
+          <ac:spMkLst>
+            <pc:docMk/>
+            <pc:sldMk cId="1529941566" sldId="290"/>
+            <ac:spMk id="6" creationId="{139D3327-983B-4614-A819-89B003CF932C}"/>
+          </ac:spMkLst>
+        </pc:spChg>
+      </pc:sldChg>
+      <pc:sldChg chg="modSp">
+        <pc:chgData name="Antonia H." userId="da08060cd893cdf4" providerId="Windows Live" clId="Web-{1F2D6279-45AA-4F75-B927-55D730CC3AE2}" dt="2018-05-08T12:21:47.644" v="105" actId="20577"/>
+        <pc:sldMkLst>
+          <pc:docMk/>
+          <pc:sldMk cId="534387332" sldId="291"/>
+        </pc:sldMkLst>
+        <pc:spChg chg="mod">
+          <ac:chgData name="Antonia H." userId="da08060cd893cdf4" providerId="Windows Live" clId="Web-{1F2D6279-45AA-4F75-B927-55D730CC3AE2}" dt="2018-05-08T12:21:47.644" v="105" actId="20577"/>
+          <ac:spMkLst>
+            <pc:docMk/>
+            <pc:sldMk cId="534387332" sldId="291"/>
+            <ac:spMk id="3" creationId="{8F7EF2D9-3798-4456-B6AB-D7AD594F578F}"/>
+          </ac:spMkLst>
+        </pc:spChg>
+        <pc:spChg chg="mod">
+          <ac:chgData name="Antonia H." userId="da08060cd893cdf4" providerId="Windows Live" clId="Web-{1F2D6279-45AA-4F75-B927-55D730CC3AE2}" dt="2018-05-08T12:15:09.699" v="70" actId="1076"/>
+          <ac:spMkLst>
+            <pc:docMk/>
+            <pc:sldMk cId="534387332" sldId="291"/>
+            <ac:spMk id="6" creationId="{16553126-0168-41F7-A049-29789E906EE1}"/>
+          </ac:spMkLst>
+        </pc:spChg>
+      </pc:sldChg>
+      <pc:sldChg chg="modSp add del replId">
+        <pc:chgData name="Antonia H." userId="da08060cd893cdf4" providerId="Windows Live" clId="Web-{1F2D6279-45AA-4F75-B927-55D730CC3AE2}" dt="2018-05-08T12:36:43.740" v="238" actId="20577"/>
+        <pc:sldMkLst>
+          <pc:docMk/>
+          <pc:sldMk cId="671228110" sldId="304"/>
+        </pc:sldMkLst>
+        <pc:spChg chg="mod">
+          <ac:chgData name="Antonia H." userId="da08060cd893cdf4" providerId="Windows Live" clId="Web-{1F2D6279-45AA-4F75-B927-55D730CC3AE2}" dt="2018-05-08T12:36:38.239" v="236" actId="20577"/>
+          <ac:spMkLst>
+            <pc:docMk/>
+            <pc:sldMk cId="671228110" sldId="304"/>
+            <ac:spMk id="3" creationId="{8F7EF2D9-3798-4456-B6AB-D7AD594F578F}"/>
+          </ac:spMkLst>
+        </pc:spChg>
+      </pc:sldChg>
+      <pc:sldChg chg="modSp add replId">
+        <pc:chgData name="Antonia H." userId="da08060cd893cdf4" providerId="Windows Live" clId="Web-{1F2D6279-45AA-4F75-B927-55D730CC3AE2}" dt="2018-05-08T12:38:42.382" v="361" actId="20577"/>
+        <pc:sldMkLst>
+          <pc:docMk/>
+          <pc:sldMk cId="1343733425" sldId="304"/>
+        </pc:sldMkLst>
+        <pc:spChg chg="mod">
+          <ac:chgData name="Antonia H." userId="da08060cd893cdf4" providerId="Windows Live" clId="Web-{1F2D6279-45AA-4F75-B927-55D730CC3AE2}" dt="2018-05-08T12:38:42.382" v="361" actId="20577"/>
+          <ac:spMkLst>
+            <pc:docMk/>
+            <pc:sldMk cId="1343733425" sldId="304"/>
+            <ac:spMk id="3" creationId="{8F7EF2D9-3798-4456-B6AB-D7AD594F578F}"/>
+          </ac:spMkLst>
+        </pc:spChg>
+        <pc:spChg chg="mod">
+          <ac:chgData name="Antonia H." userId="da08060cd893cdf4" providerId="Windows Live" clId="Web-{1F2D6279-45AA-4F75-B927-55D730CC3AE2}" dt="2018-05-08T12:38:04.163" v="294" actId="20577"/>
+          <ac:spMkLst>
+            <pc:docMk/>
+            <pc:sldMk cId="1343733425" sldId="304"/>
+            <ac:spMk id="6" creationId="{16553126-0168-41F7-A049-29789E906EE1}"/>
+          </ac:spMkLst>
+        </pc:spChg>
+      </pc:sldChg>
+      <pc:sldChg chg="new del">
+        <pc:chgData name="Antonia H." userId="da08060cd893cdf4" providerId="Windows Live" clId="Web-{1F2D6279-45AA-4F75-B927-55D730CC3AE2}" dt="2018-05-08T12:36:47.896" v="240" actId="20577"/>
+        <pc:sldMkLst>
+          <pc:docMk/>
+          <pc:sldMk cId="3363577877" sldId="304"/>
+        </pc:sldMkLst>
+      </pc:sldChg>
+    </pc:docChg>
+  </pc:docChgLst>
 </pc:chgInfo>
 </file>
 
 <file path=ppt/comments/comment1.xml><?xml version="1.0" encoding="utf-8"?>
 <p:cmLst xmlns:a="http://schemas.openxmlformats.org/drawingml/2006/main" xmlns:r="http://schemas.openxmlformats.org/officeDocument/2006/relationships" xmlns:p="http://schemas.openxmlformats.org/presentationml/2006/main">
-  <p:cm authorId="1" dt="2018-05-08T09:42:25.893" idx="10">
-    <p:pos x="10" y="10"/>
-    <p:text>TODO: comment</p:text>
-    <p:extLst>
-      <p:ext uri="{C676402C-5697-4E1C-873F-D02D1690AC5C}">
-        <p15:threadingInfo xmlns:p15="http://schemas.microsoft.com/office/powerpoint/2012/main" timeZoneBias="0"/>
-      </p:ext>
-    </p:extLst>
-  </p:cm>
-</p:cmLst>
-</file>
-
-<file path=ppt/comments/comment10.xml><?xml version="1.0" encoding="utf-8"?>
-<p:cmLst xmlns:a="http://schemas.openxmlformats.org/drawingml/2006/main" xmlns:r="http://schemas.openxmlformats.org/officeDocument/2006/relationships" xmlns:p="http://schemas.openxmlformats.org/presentationml/2006/main">
-  <p:cm authorId="1" dt="2018-05-06T10:05:55.866" idx="6">
-    <p:pos x="7027" y="1892"/>
-    <p:text>TODO: change up coloring to be more bearable</p:text>
-    <p:extLst>
-      <p:ext uri="{C676402C-5697-4E1C-873F-D02D1690AC5C}">
-        <p15:threadingInfo xmlns:p15="http://schemas.microsoft.com/office/powerpoint/2012/main" timeZoneBias="0"/>
-      </p:ext>
-    </p:extLst>
-  </p:cm>
-</p:cmLst>
-</file>
-
-<file path=ppt/comments/comment11.xml><?xml version="1.0" encoding="utf-8"?>
-<p:cmLst xmlns:a="http://schemas.openxmlformats.org/drawingml/2006/main" xmlns:r="http://schemas.openxmlformats.org/officeDocument/2006/relationships" xmlns:p="http://schemas.openxmlformats.org/presentationml/2006/main">
-  <p:cm authorId="1" dt="2018-05-06T10:41:53.936" idx="7">
-    <p:pos x="10" y="10"/>
-    <p:text>sollte ich auch writelines() erwähnen? bin nicht sicher ob das viel Nutzen für uns hat</p:text>
-    <p:extLst>
-      <p:ext uri="{C676402C-5697-4E1C-873F-D02D1690AC5C}">
-        <p15:threadingInfo xmlns:p15="http://schemas.microsoft.com/office/powerpoint/2012/main" timeZoneBias="0"/>
-      </p:ext>
-    </p:extLst>
-  </p:cm>
-  <p:cm authorId="2" dt="2018-05-07T14:58:24.536" idx="28">
-    <p:pos x="10" y="146"/>
-    <p:text>Ne. Lieber den Link zur Python doc zum thema IO am Ende mit dem Vermerk, dort zu suchen wenn sie mehr Funktionen suchen oder mehr wissen wollen</p:text>
-    <p:extLst>
-      <p:ext uri="{C676402C-5697-4E1C-873F-D02D1690AC5C}">
-        <p15:threadingInfo xmlns:p15="http://schemas.microsoft.com/office/powerpoint/2012/main" timeZoneBias="-120">
-          <p15:parentCm authorId="1" idx="7"/>
-        </p15:threadingInfo>
-      </p:ext>
-    </p:extLst>
-  </p:cm>
-</p:cmLst>
-</file>
-
-<file path=ppt/comments/comment12.xml><?xml version="1.0" encoding="utf-8"?>
-<p:cmLst xmlns:a="http://schemas.openxmlformats.org/drawingml/2006/main" xmlns:r="http://schemas.openxmlformats.org/officeDocument/2006/relationships" xmlns:p="http://schemas.openxmlformats.org/presentationml/2006/main">
-  <p:cm authorId="2" dt="2018-05-07T14:58:37.744" idx="29">
-    <p:pos x="6886" y="2692"/>
-    <p:text>Since you introduced streams, you could as well talk about that they determine in which direction the stream flows :)</p:text>
+  <p:cm authorId="2" dt="2018-05-09T00:20:53.441" idx="34">
+    <p:pos x="2759" y="1192"/>
+    <p:text>Suggestion: "verbose" or "elaborative" ?</p:text>
     <p:extLst>
       <p:ext uri="{C676402C-5697-4E1C-873F-D02D1690AC5C}">
         <p15:threadingInfo xmlns:p15="http://schemas.microsoft.com/office/powerpoint/2012/main" timeZoneBias="-120"/>
@@ -3150,32 +3459,7 @@
 </p:cmLst>
 </file>
 
-<file path=ppt/comments/comment13.xml><?xml version="1.0" encoding="utf-8"?>
-<p:cmLst xmlns:a="http://schemas.openxmlformats.org/drawingml/2006/main" xmlns:r="http://schemas.openxmlformats.org/officeDocument/2006/relationships" xmlns:p="http://schemas.openxmlformats.org/presentationml/2006/main">
-  <p:cm authorId="2" dt="2018-05-07T15:00:24.611" idx="32">
-    <p:pos x="10" y="10"/>
-    <p:text>Do we want to add use case examples?</p:text>
-    <p:extLst>
-      <p:ext uri="{C676402C-5697-4E1C-873F-D02D1690AC5C}">
-        <p15:threadingInfo xmlns:p15="http://schemas.microsoft.com/office/powerpoint/2012/main" timeZoneBias="-120"/>
-      </p:ext>
-    </p:extLst>
-  </p:cm>
-  <p:cm authorId="1" dt="2018-05-08T18:56:09.464" idx="25">
-    <p:pos x="10" y="146"/>
-    <p:text>had no time to come up with any till now. also, table might be too small. sufficient if I name some during the lecture?</p:text>
-    <p:extLst>
-      <p:ext uri="{C676402C-5697-4E1C-873F-D02D1690AC5C}">
-        <p15:threadingInfo xmlns:p15="http://schemas.microsoft.com/office/powerpoint/2012/main" timeZoneBias="0">
-          <p15:parentCm authorId="2" idx="32"/>
-        </p15:threadingInfo>
-      </p:ext>
-    </p:extLst>
-  </p:cm>
-</p:cmLst>
-</file>
-
-<file path=ppt/comments/comment14.xml><?xml version="1.0" encoding="utf-8"?>
+<file path=ppt/comments/comment10.xml><?xml version="1.0" encoding="utf-8"?>
 <p:cmLst xmlns:a="http://schemas.openxmlformats.org/drawingml/2006/main" xmlns:r="http://schemas.openxmlformats.org/officeDocument/2006/relationships" xmlns:p="http://schemas.openxmlformats.org/presentationml/2006/main">
   <p:cm authorId="1" dt="2018-05-08T17:30:13.290" idx="20">
     <p:pos x="6702" y="2590"/>
@@ -3186,10 +3470,33 @@
       </p:ext>
     </p:extLst>
   </p:cm>
+  <p:cm authorId="2" dt="2018-05-09T09:21:58.422" idx="40">
+    <p:pos x="10" y="10"/>
+    <p:text>consider replacing magic numbers 0,1,2 with corresponding constants</p:text>
+    <p:extLst>
+      <p:ext uri="{C676402C-5697-4E1C-873F-D02D1690AC5C}">
+        <p15:threadingInfo xmlns:p15="http://schemas.microsoft.com/office/powerpoint/2012/main" timeZoneBias="-120"/>
+      </p:ext>
+    </p:extLst>
+  </p:cm>
 </p:cmLst>
 </file>
 
-<file path=ppt/comments/comment15.xml><?xml version="1.0" encoding="utf-8"?>
+<file path=ppt/comments/comment11.xml><?xml version="1.0" encoding="utf-8"?>
+<p:cmLst xmlns:a="http://schemas.openxmlformats.org/drawingml/2006/main" xmlns:r="http://schemas.openxmlformats.org/officeDocument/2006/relationships" xmlns:p="http://schemas.openxmlformats.org/presentationml/2006/main">
+  <p:cm authorId="2" dt="2018-05-09T09:23:01.657" idx="42">
+    <p:pos x="7003" y="3430"/>
+    <p:text>Make, at least vernally, a note that this is only really important if the read &amp; write process are more than one liners and more complex. Otherwise you are obfuscating your code more instead of making it clearer imo</p:text>
+    <p:extLst>
+      <p:ext uri="{C676402C-5697-4E1C-873F-D02D1690AC5C}">
+        <p15:threadingInfo xmlns:p15="http://schemas.microsoft.com/office/powerpoint/2012/main" timeZoneBias="-120"/>
+      </p:ext>
+    </p:extLst>
+  </p:cm>
+</p:cmLst>
+</file>
+
+<file path=ppt/comments/comment12.xml><?xml version="1.0" encoding="utf-8"?>
 <p:cmLst xmlns:a="http://schemas.openxmlformats.org/drawingml/2006/main" xmlns:r="http://schemas.openxmlformats.org/officeDocument/2006/relationships" xmlns:p="http://schemas.openxmlformats.org/presentationml/2006/main">
   <p:cm authorId="1" dt="2018-05-08T15:58:22.121" idx="16">
     <p:pos x="10" y="10"/>
@@ -3197,6 +3504,17 @@
     <p:extLst>
       <p:ext uri="{C676402C-5697-4E1C-873F-D02D1690AC5C}">
         <p15:threadingInfo xmlns:p15="http://schemas.microsoft.com/office/powerpoint/2012/main" timeZoneBias="0"/>
+      </p:ext>
+    </p:extLst>
+  </p:cm>
+  <p:cm authorId="2" dt="2018-05-09T09:25:22.340" idx="44">
+    <p:pos x="10" y="146"/>
+    <p:text>I'd say so. alles einlesen wenn du den content halt laengere zeit speichern musst, damit die datei geschlossen werden kann, readline() wenn du stueck fuer stueck ueber die einzelnen zeilen iterierst. something like that</p:text>
+    <p:extLst>
+      <p:ext uri="{C676402C-5697-4E1C-873F-D02D1690AC5C}">
+        <p15:threadingInfo xmlns:p15="http://schemas.microsoft.com/office/powerpoint/2012/main" timeZoneBias="-120">
+          <p15:parentCm authorId="1" idx="16"/>
+        </p15:threadingInfo>
       </p:ext>
     </p:extLst>
   </p:cm>
@@ -3209,10 +3527,21 @@
       </p:ext>
     </p:extLst>
   </p:cm>
+  <p:cm authorId="2" dt="2018-05-09T09:25:16.224" idx="43">
+    <p:pos x="146" y="282"/>
+    <p:text>Ich finde die auswahl schon ok</p:text>
+    <p:extLst>
+      <p:ext uri="{C676402C-5697-4E1C-873F-D02D1690AC5C}">
+        <p15:threadingInfo xmlns:p15="http://schemas.microsoft.com/office/powerpoint/2012/main" timeZoneBias="-120">
+          <p15:parentCm authorId="1" idx="18"/>
+        </p15:threadingInfo>
+      </p:ext>
+    </p:extLst>
+  </p:cm>
 </p:cmLst>
 </file>
 
-<file path=ppt/comments/comment16.xml><?xml version="1.0" encoding="utf-8"?>
+<file path=ppt/comments/comment13.xml><?xml version="1.0" encoding="utf-8"?>
 <p:cmLst xmlns:a="http://schemas.openxmlformats.org/drawingml/2006/main" xmlns:r="http://schemas.openxmlformats.org/officeDocument/2006/relationships" xmlns:p="http://schemas.openxmlformats.org/presentationml/2006/main">
   <p:cm authorId="1" dt="2018-05-08T16:27:15.943" idx="19">
     <p:pos x="10" y="10"/>
@@ -3223,10 +3552,57 @@
       </p:ext>
     </p:extLst>
   </p:cm>
+  <p:cm authorId="1" dt="2018-05-08T23:21:01.206" idx="32">
+    <p:pos x="10" y="146"/>
+    <p:text>gilt auch für den einrückungs-fehler</p:text>
+    <p:extLst>
+      <p:ext uri="{C676402C-5697-4E1C-873F-D02D1690AC5C}">
+        <p15:threadingInfo xmlns:p15="http://schemas.microsoft.com/office/powerpoint/2012/main" timeZoneBias="0">
+          <p15:parentCm authorId="1" idx="19"/>
+        </p15:threadingInfo>
+      </p:ext>
+    </p:extLst>
+  </p:cm>
+  <p:cm authorId="2" dt="2018-05-09T09:27:19.482" idx="45">
+    <p:pos x="10" y="282"/>
+    <p:text>backslashes should be the end of the first line IIRC not the start of the second, right?</p:text>
+    <p:extLst>
+      <p:ext uri="{C676402C-5697-4E1C-873F-D02D1690AC5C}">
+        <p15:threadingInfo xmlns:p15="http://schemas.microsoft.com/office/powerpoint/2012/main" timeZoneBias="-120">
+          <p15:parentCm authorId="1" idx="19"/>
+        </p15:threadingInfo>
+      </p:ext>
+    </p:extLst>
+  </p:cm>
 </p:cmLst>
 </file>
 
-<file path=ppt/comments/comment17.xml><?xml version="1.0" encoding="utf-8"?>
+<file path=ppt/comments/comment14.xml><?xml version="1.0" encoding="utf-8"?>
+<p:cmLst xmlns:a="http://schemas.openxmlformats.org/drawingml/2006/main" xmlns:r="http://schemas.openxmlformats.org/officeDocument/2006/relationships" xmlns:p="http://schemas.openxmlformats.org/presentationml/2006/main">
+  <p:cm authorId="1" dt="2018-05-08T19:36:48.235" idx="29">
+    <p:pos x="10" y="10"/>
+    <p:text>let people try to explain what the line means?</p:text>
+    <p:extLst>
+      <p:ext uri="{C676402C-5697-4E1C-873F-D02D1690AC5C}">
+        <p15:threadingInfo xmlns:p15="http://schemas.microsoft.com/office/powerpoint/2012/main" timeZoneBias="0"/>
+      </p:ext>
+    </p:extLst>
+  </p:cm>
+  <p:cm authorId="2" dt="2018-05-09T09:27:33.543" idx="46">
+    <p:pos x="10" y="146"/>
+    <p:text>Sure</p:text>
+    <p:extLst>
+      <p:ext uri="{C676402C-5697-4E1C-873F-D02D1690AC5C}">
+        <p15:threadingInfo xmlns:p15="http://schemas.microsoft.com/office/powerpoint/2012/main" timeZoneBias="-120">
+          <p15:parentCm authorId="1" idx="29"/>
+        </p15:threadingInfo>
+      </p:ext>
+    </p:extLst>
+  </p:cm>
+</p:cmLst>
+</file>
+
+<file path=ppt/comments/comment15.xml><?xml version="1.0" encoding="utf-8"?>
 <p:cmLst xmlns:a="http://schemas.openxmlformats.org/drawingml/2006/main" xmlns:r="http://schemas.openxmlformats.org/officeDocument/2006/relationships" xmlns:p="http://schemas.openxmlformats.org/presentationml/2006/main">
   <p:cm authorId="1" dt="2018-05-08T19:09:44.610" idx="26">
     <p:pos x="10" y="10"/>
@@ -3240,11 +3616,49 @@
 </p:cmLst>
 </file>
 
-<file path=ppt/comments/comment18.xml><?xml version="1.0" encoding="utf-8"?>
+<file path=ppt/comments/comment16.xml><?xml version="1.0" encoding="utf-8"?>
 <p:cmLst xmlns:a="http://schemas.openxmlformats.org/drawingml/2006/main" xmlns:r="http://schemas.openxmlformats.org/officeDocument/2006/relationships" xmlns:p="http://schemas.openxmlformats.org/presentationml/2006/main">
   <p:cm authorId="1" dt="2018-05-08T19:26:17.644" idx="27">
     <p:pos x="10" y="10"/>
     <p:text>definition ist sehr wikipedia-nah, soll ich referenzieren? ich würds auch anders formulieren aber wusste gerade nicht wie</p:text>
+    <p:extLst>
+      <p:ext uri="{C676402C-5697-4E1C-873F-D02D1690AC5C}">
+        <p15:threadingInfo xmlns:p15="http://schemas.microsoft.com/office/powerpoint/2012/main" timeZoneBias="0"/>
+      </p:ext>
+    </p:extLst>
+  </p:cm>
+</p:cmLst>
+</file>
+
+<file path=ppt/comments/comment17.xml><?xml version="1.0" encoding="utf-8"?>
+<p:cmLst xmlns:a="http://schemas.openxmlformats.org/drawingml/2006/main" xmlns:r="http://schemas.openxmlformats.org/officeDocument/2006/relationships" xmlns:p="http://schemas.openxmlformats.org/presentationml/2006/main">
+  <p:cm authorId="1" dt="2018-05-08T19:44:29.679" idx="30">
+    <p:pos x="10" y="10"/>
+    <p:text>does the function necessarily return what's stated? I can use "print" in the function and it won't return anything. does it implicitly return what's stated otherwise? I wonder how exactly this works
+also, it has to be a one-liner I guess?</p:text>
+    <p:extLst>
+      <p:ext uri="{C676402C-5697-4E1C-873F-D02D1690AC5C}">
+        <p15:threadingInfo xmlns:p15="http://schemas.microsoft.com/office/powerpoint/2012/main" timeZoneBias="0"/>
+      </p:ext>
+    </p:extLst>
+  </p:cm>
+  <p:cm authorId="2" dt="2018-05-09T09:49:27.147" idx="47">
+    <p:pos x="3624" y="1624"/>
+    <p:text>can then be assigned</p:text>
+    <p:extLst>
+      <p:ext uri="{C676402C-5697-4E1C-873F-D02D1690AC5C}">
+        <p15:threadingInfo xmlns:p15="http://schemas.microsoft.com/office/powerpoint/2012/main" timeZoneBias="-120"/>
+      </p:ext>
+    </p:extLst>
+  </p:cm>
+</p:cmLst>
+</file>
+
+<file path=ppt/comments/comment18.xml><?xml version="1.0" encoding="utf-8"?>
+<p:cmLst xmlns:a="http://schemas.openxmlformats.org/drawingml/2006/main" xmlns:r="http://schemas.openxmlformats.org/officeDocument/2006/relationships" xmlns:p="http://schemas.openxmlformats.org/presentationml/2006/main">
+  <p:cm authorId="1" dt="2018-05-08T19:49:12.713" idx="31">
+    <p:pos x="10" y="10"/>
+    <p:text>thx for examples btw. werds vlt nochmal live demonstrieren</p:text>
     <p:extLst>
       <p:ext uri="{C676402C-5697-4E1C-873F-D02D1690AC5C}">
         <p15:threadingInfo xmlns:p15="http://schemas.microsoft.com/office/powerpoint/2012/main" timeZoneBias="0"/>
@@ -3270,23 +3684,12 @@
 
 <file path=ppt/comments/comment2.xml><?xml version="1.0" encoding="utf-8"?>
 <p:cmLst xmlns:a="http://schemas.openxmlformats.org/drawingml/2006/main" xmlns:r="http://schemas.openxmlformats.org/officeDocument/2006/relationships" xmlns:p="http://schemas.openxmlformats.org/presentationml/2006/main">
-  <p:cm authorId="1" dt="2018-05-04T15:34:03.488" idx="4">
+  <p:cm authorId="1" dt="2018-05-08T09:42:25.893" idx="10">
     <p:pos x="10" y="10"/>
-    <p:text>ist das genau genug beschrieben?</p:text>
+    <p:text>TODO: comment</p:text>
     <p:extLst>
       <p:ext uri="{C676402C-5697-4E1C-873F-D02D1690AC5C}">
         <p15:threadingInfo xmlns:p15="http://schemas.microsoft.com/office/powerpoint/2012/main" timeZoneBias="0"/>
-      </p:ext>
-    </p:extLst>
-  </p:cm>
-  <p:cm authorId="2" dt="2018-05-06T18:49:03" idx="7">
-    <p:pos x="10" y="146"/>
-    <p:text>Intuitiv genug + du erklärst das ja noch</p:text>
-    <p:extLst>
-      <p:ext uri="{C676402C-5697-4E1C-873F-D02D1690AC5C}">
-        <p15:threadingInfo xmlns:p15="http://schemas.microsoft.com/office/powerpoint/2012/main" timeZoneBias="-120">
-          <p15:parentCm authorId="1" idx="4"/>
-        </p15:threadingInfo>
       </p:ext>
     </p:extLst>
   </p:cm>
@@ -3294,34 +3697,6 @@
 </file>
 
 <file path=ppt/comments/comment3.xml><?xml version="1.0" encoding="utf-8"?>
-<p:cmLst xmlns:a="http://schemas.openxmlformats.org/drawingml/2006/main" xmlns:r="http://schemas.openxmlformats.org/officeDocument/2006/relationships" xmlns:p="http://schemas.openxmlformats.org/presentationml/2006/main">
-  <p:cm authorId="2" dt="2018-05-06T18:49:17.489" idx="8">
-    <p:pos x="6560" y="1622"/>
-    <p:text>Oder technicalities :p</p:text>
-    <p:extLst>
-      <p:ext uri="{C676402C-5697-4E1C-873F-D02D1690AC5C}">
-        <p15:threadingInfo xmlns:p15="http://schemas.microsoft.com/office/powerpoint/2012/main" timeZoneBias="-120"/>
-      </p:ext>
-    </p:extLst>
-  </p:cm>
-</p:cmLst>
-</file>
-
-<file path=ppt/comments/comment4.xml><?xml version="1.0" encoding="utf-8"?>
-<p:cmLst xmlns:a="http://schemas.openxmlformats.org/drawingml/2006/main" xmlns:r="http://schemas.openxmlformats.org/officeDocument/2006/relationships" xmlns:p="http://schemas.openxmlformats.org/presentationml/2006/main">
-  <p:cm authorId="2" dt="2018-05-06T18:52:48.828" idx="13">
-    <p:pos x="10" y="10"/>
-    <p:text>We could use this point to do an excourse on lambda functions. Because they are used in like 90% of cases for key</p:text>
-    <p:extLst>
-      <p:ext uri="{C676402C-5697-4E1C-873F-D02D1690AC5C}">
-        <p15:threadingInfo xmlns:p15="http://schemas.microsoft.com/office/powerpoint/2012/main" timeZoneBias="-120"/>
-      </p:ext>
-    </p:extLst>
-  </p:cm>
-</p:cmLst>
-</file>
-
-<file path=ppt/comments/comment5.xml><?xml version="1.0" encoding="utf-8"?>
 <p:cmLst xmlns:a="http://schemas.openxmlformats.org/drawingml/2006/main" xmlns:r="http://schemas.openxmlformats.org/officeDocument/2006/relationships" xmlns:p="http://schemas.openxmlformats.org/presentationml/2006/main">
   <p:cm authorId="1" dt="2018-05-08T18:27:19.158" idx="22">
     <p:pos x="3795" y="2454"/>
@@ -3332,10 +3707,21 @@
       </p:ext>
     </p:extLst>
   </p:cm>
+  <p:cm authorId="2" dt="2018-05-09T08:57:28.039" idx="37">
+    <p:pos x="3795" y="2590"/>
+    <p:text>would keep most.</p:text>
+    <p:extLst>
+      <p:ext uri="{C676402C-5697-4E1C-873F-D02D1690AC5C}">
+        <p15:threadingInfo xmlns:p15="http://schemas.microsoft.com/office/powerpoint/2012/main" timeZoneBias="-120">
+          <p15:parentCm authorId="1" idx="22"/>
+        </p15:threadingInfo>
+      </p:ext>
+    </p:extLst>
+  </p:cm>
 </p:cmLst>
 </file>
 
-<file path=ppt/comments/comment6.xml><?xml version="1.0" encoding="utf-8"?>
+<file path=ppt/comments/comment4.xml><?xml version="1.0" encoding="utf-8"?>
 <p:cmLst xmlns:a="http://schemas.openxmlformats.org/drawingml/2006/main" xmlns:r="http://schemas.openxmlformats.org/officeDocument/2006/relationships" xmlns:p="http://schemas.openxmlformats.org/presentationml/2006/main">
   <p:cm authorId="2" dt="2018-05-07T14:38:30.233" idx="19">
     <p:pos x="6629" y="2925"/>
@@ -3361,12 +3747,12 @@
 </p:cmLst>
 </file>
 
-<file path=ppt/comments/comment7.xml><?xml version="1.0" encoding="utf-8"?>
+<file path=ppt/comments/comment5.xml><?xml version="1.0" encoding="utf-8"?>
 <p:cmLst xmlns:a="http://schemas.openxmlformats.org/drawingml/2006/main" xmlns:r="http://schemas.openxmlformats.org/officeDocument/2006/relationships" xmlns:p="http://schemas.openxmlformats.org/presentationml/2006/main">
   <p:cm authorId="1" dt="2018-05-08T18:47:25.861" idx="24">
-    <p:pos x="3192" y="1407"/>
+    <p:pos x="3192" y="1465"/>
     <p:text>/opening?</p:text>
-    <p:extLst>
+    <p:extLst mod="1">
       <p:ext uri="{C676402C-5697-4E1C-873F-D02D1690AC5C}">
         <p15:threadingInfo xmlns:p15="http://schemas.microsoft.com/office/powerpoint/2012/main" timeZoneBias="0"/>
       </p:ext>
@@ -3375,7 +3761,7 @@
 </p:cmLst>
 </file>
 
-<file path=ppt/comments/comment8.xml><?xml version="1.0" encoding="utf-8"?>
+<file path=ppt/comments/comment6.xml><?xml version="1.0" encoding="utf-8"?>
 <p:cmLst xmlns:a="http://schemas.openxmlformats.org/drawingml/2006/main" xmlns:r="http://schemas.openxmlformats.org/officeDocument/2006/relationships" xmlns:p="http://schemas.openxmlformats.org/presentationml/2006/main">
   <p:cm authorId="2" dt="2018-05-07T14:44:39.852" idx="23">
     <p:pos x="10" y="10"/>
@@ -3392,7 +3778,7 @@
 </p:cmLst>
 </file>
 
-<file path=ppt/comments/comment9.xml><?xml version="1.0" encoding="utf-8"?>
+<file path=ppt/comments/comment7.xml><?xml version="1.0" encoding="utf-8"?>
 <p:cmLst xmlns:a="http://schemas.openxmlformats.org/drawingml/2006/main" xmlns:r="http://schemas.openxmlformats.org/officeDocument/2006/relationships" xmlns:p="http://schemas.openxmlformats.org/presentationml/2006/main">
   <p:cm authorId="1" dt="2018-05-08T15:16:08.078" idx="13">
     <p:pos x="4483" y="2373"/>
@@ -3410,6 +3796,65 @@
       <p:ext uri="{C676402C-5697-4E1C-873F-D02D1690AC5C}">
         <p15:threadingInfo xmlns:p15="http://schemas.microsoft.com/office/powerpoint/2012/main" timeZoneBias="0">
           <p15:parentCm authorId="1" idx="13"/>
+        </p15:threadingInfo>
+      </p:ext>
+    </p:extLst>
+  </p:cm>
+  <p:cm authorId="2" dt="2018-05-09T09:20:40.622" idx="39">
+    <p:pos x="4483" y="2645"/>
+    <p:text>Seems fine to me</p:text>
+    <p:extLst>
+      <p:ext uri="{C676402C-5697-4E1C-873F-D02D1690AC5C}">
+        <p15:threadingInfo xmlns:p15="http://schemas.microsoft.com/office/powerpoint/2012/main" timeZoneBias="-120">
+          <p15:parentCm authorId="1" idx="13"/>
+        </p15:threadingInfo>
+      </p:ext>
+    </p:extLst>
+  </p:cm>
+</p:cmLst>
+</file>
+
+<file path=ppt/comments/comment8.xml><?xml version="1.0" encoding="utf-8"?>
+<p:cmLst xmlns:a="http://schemas.openxmlformats.org/drawingml/2006/main" xmlns:r="http://schemas.openxmlformats.org/officeDocument/2006/relationships" xmlns:p="http://schemas.openxmlformats.org/presentationml/2006/main">
+  <p:cm authorId="1" dt="2018-05-06T10:05:55.866" idx="6">
+    <p:pos x="7027" y="1892"/>
+    <p:text>TODO: change up coloring to be more bearable</p:text>
+    <p:extLst>
+      <p:ext uri="{C676402C-5697-4E1C-873F-D02D1690AC5C}">
+        <p15:threadingInfo xmlns:p15="http://schemas.microsoft.com/office/powerpoint/2012/main" timeZoneBias="0"/>
+      </p:ext>
+    </p:extLst>
+  </p:cm>
+  <p:cm authorId="1" dt="2018-05-08T19:36:26.079" idx="28">
+    <p:pos x="10" y="10"/>
+    <p:text>possible slide for asking crowd if someone has an idea why? through live coding demonstration maybe?</p:text>
+    <p:extLst>
+      <p:ext uri="{C676402C-5697-4E1C-873F-D02D1690AC5C}">
+        <p15:threadingInfo xmlns:p15="http://schemas.microsoft.com/office/powerpoint/2012/main" timeZoneBias="0"/>
+      </p:ext>
+    </p:extLst>
+  </p:cm>
+</p:cmLst>
+</file>
+
+<file path=ppt/comments/comment9.xml><?xml version="1.0" encoding="utf-8"?>
+<p:cmLst xmlns:a="http://schemas.openxmlformats.org/drawingml/2006/main" xmlns:r="http://schemas.openxmlformats.org/officeDocument/2006/relationships" xmlns:p="http://schemas.openxmlformats.org/presentationml/2006/main">
+  <p:cm authorId="2" dt="2018-05-07T15:00:24.611" idx="32">
+    <p:pos x="10" y="10"/>
+    <p:text>Do we want to add use case examples?</p:text>
+    <p:extLst>
+      <p:ext uri="{C676402C-5697-4E1C-873F-D02D1690AC5C}">
+        <p15:threadingInfo xmlns:p15="http://schemas.microsoft.com/office/powerpoint/2012/main" timeZoneBias="-120"/>
+      </p:ext>
+    </p:extLst>
+  </p:cm>
+  <p:cm authorId="1" dt="2018-05-08T18:56:09.464" idx="25">
+    <p:pos x="10" y="146"/>
+    <p:text>had no time to come up with any till now. also, table might be too small. sufficient if I name some during the lecture?</p:text>
+    <p:extLst>
+      <p:ext uri="{C676402C-5697-4E1C-873F-D02D1690AC5C}">
+        <p15:threadingInfo xmlns:p15="http://schemas.microsoft.com/office/powerpoint/2012/main" timeZoneBias="0">
+          <p15:parentCm authorId="2" idx="32"/>
         </p15:threadingInfo>
       </p:ext>
     </p:extLst>
@@ -3499,7 +3944,7 @@
           <a:p>
             <a:fld id="{E74960FE-84BF-4F36-96F9-AC8A426EF4E1}" type="datetimeFigureOut">
               <a:rPr lang="en-GB" smtClean="0"/>
-              <a:t>08/05/2018</a:t>
+              <a:t>09/05/2018</a:t>
             </a:fld>
             <a:endParaRPr lang="en-GB"/>
           </a:p>
@@ -4905,6 +5350,184 @@
 </p:notes>
 </file>
 
+<file path=ppt/notesSlides/notesSlide20.xml><?xml version="1.0" encoding="utf-8"?>
+<p:notes xmlns:a="http://schemas.openxmlformats.org/drawingml/2006/main" xmlns:r="http://schemas.openxmlformats.org/officeDocument/2006/relationships" xmlns:p="http://schemas.openxmlformats.org/presentationml/2006/main">
+  <p:cSld>
+    <p:spTree>
+      <p:nvGrpSpPr>
+        <p:cNvPr id="1" name=""/>
+        <p:cNvGrpSpPr/>
+        <p:nvPr/>
+      </p:nvGrpSpPr>
+      <p:grpSpPr>
+        <a:xfrm>
+          <a:off x="0" y="0"/>
+          <a:ext cx="0" cy="0"/>
+          <a:chOff x="0" y="0"/>
+          <a:chExt cx="0" cy="0"/>
+        </a:xfrm>
+      </p:grpSpPr>
+      <p:sp>
+        <p:nvSpPr>
+          <p:cNvPr id="2" name="Folienbildplatzhalter 1"/>
+          <p:cNvSpPr>
+            <a:spLocks noGrp="1" noRot="1" noChangeAspect="1"/>
+          </p:cNvSpPr>
+          <p:nvPr>
+            <p:ph type="sldImg"/>
+          </p:nvPr>
+        </p:nvSpPr>
+        <p:spPr/>
+      </p:sp>
+      <p:sp>
+        <p:nvSpPr>
+          <p:cNvPr id="3" name="Notizenplatzhalter 2"/>
+          <p:cNvSpPr>
+            <a:spLocks noGrp="1"/>
+          </p:cNvSpPr>
+          <p:nvPr>
+            <p:ph type="body" idx="1"/>
+          </p:nvPr>
+        </p:nvSpPr>
+        <p:spPr/>
+        <p:txBody>
+          <a:bodyPr/>
+          <a:lstStyle/>
+          <a:p>
+            <a:r>
+              <a:rPr lang="en-US" dirty="0">
+                <a:cs typeface="Calibri"/>
+              </a:rPr>
+              <a:t>Function is still anonymous, even if assigned</a:t>
+            </a:r>
+          </a:p>
+        </p:txBody>
+      </p:sp>
+      <p:sp>
+        <p:nvSpPr>
+          <p:cNvPr id="4" name="Foliennummernplatzhalter 3"/>
+          <p:cNvSpPr>
+            <a:spLocks noGrp="1"/>
+          </p:cNvSpPr>
+          <p:nvPr>
+            <p:ph type="sldNum" sz="quarter" idx="10"/>
+          </p:nvPr>
+        </p:nvSpPr>
+        <p:spPr/>
+        <p:txBody>
+          <a:bodyPr/>
+          <a:lstStyle/>
+          <a:p>
+            <a:fld id="{42145966-3644-4EF3-8D3C-4E37A0E97571}" type="slidenum">
+              <a:rPr lang="en-GB" smtClean="0"/>
+              <a:t>54</a:t>
+            </a:fld>
+            <a:endParaRPr lang="en-GB"/>
+          </a:p>
+        </p:txBody>
+      </p:sp>
+    </p:spTree>
+    <p:extLst>
+      <p:ext uri="{BB962C8B-B14F-4D97-AF65-F5344CB8AC3E}">
+        <p14:creationId xmlns:p14="http://schemas.microsoft.com/office/powerpoint/2010/main" val="3635477555"/>
+      </p:ext>
+    </p:extLst>
+  </p:cSld>
+  <p:clrMapOvr>
+    <a:masterClrMapping/>
+  </p:clrMapOvr>
+</p:notes>
+</file>
+
+<file path=ppt/notesSlides/notesSlide21.xml><?xml version="1.0" encoding="utf-8"?>
+<p:notes xmlns:a="http://schemas.openxmlformats.org/drawingml/2006/main" xmlns:r="http://schemas.openxmlformats.org/officeDocument/2006/relationships" xmlns:p="http://schemas.openxmlformats.org/presentationml/2006/main">
+  <p:cSld>
+    <p:spTree>
+      <p:nvGrpSpPr>
+        <p:cNvPr id="1" name=""/>
+        <p:cNvGrpSpPr/>
+        <p:nvPr/>
+      </p:nvGrpSpPr>
+      <p:grpSpPr>
+        <a:xfrm>
+          <a:off x="0" y="0"/>
+          <a:ext cx="0" cy="0"/>
+          <a:chOff x="0" y="0"/>
+          <a:chExt cx="0" cy="0"/>
+        </a:xfrm>
+      </p:grpSpPr>
+      <p:sp>
+        <p:nvSpPr>
+          <p:cNvPr id="2" name="Folienbildplatzhalter 1"/>
+          <p:cNvSpPr>
+            <a:spLocks noGrp="1" noRot="1" noChangeAspect="1"/>
+          </p:cNvSpPr>
+          <p:nvPr>
+            <p:ph type="sldImg"/>
+          </p:nvPr>
+        </p:nvSpPr>
+        <p:spPr/>
+      </p:sp>
+      <p:sp>
+        <p:nvSpPr>
+          <p:cNvPr id="3" name="Notizenplatzhalter 2"/>
+          <p:cNvSpPr>
+            <a:spLocks noGrp="1"/>
+          </p:cNvSpPr>
+          <p:nvPr>
+            <p:ph type="body" idx="1"/>
+          </p:nvPr>
+        </p:nvSpPr>
+        <p:spPr/>
+        <p:txBody>
+          <a:bodyPr/>
+          <a:lstStyle/>
+          <a:p>
+            <a:r>
+              <a:rPr lang="en-US" dirty="0">
+                <a:cs typeface="Calibri"/>
+              </a:rPr>
+              <a:t>But really just if you just need a short function for a short time</a:t>
+            </a:r>
+          </a:p>
+        </p:txBody>
+      </p:sp>
+      <p:sp>
+        <p:nvSpPr>
+          <p:cNvPr id="4" name="Foliennummernplatzhalter 3"/>
+          <p:cNvSpPr>
+            <a:spLocks noGrp="1"/>
+          </p:cNvSpPr>
+          <p:nvPr>
+            <p:ph type="sldNum" sz="quarter" idx="10"/>
+          </p:nvPr>
+        </p:nvSpPr>
+        <p:spPr/>
+        <p:txBody>
+          <a:bodyPr/>
+          <a:lstStyle/>
+          <a:p>
+            <a:fld id="{42145966-3644-4EF3-8D3C-4E37A0E97571}" type="slidenum">
+              <a:rPr lang="en-GB" smtClean="0"/>
+              <a:t>56</a:t>
+            </a:fld>
+            <a:endParaRPr lang="en-GB"/>
+          </a:p>
+        </p:txBody>
+      </p:sp>
+    </p:spTree>
+    <p:extLst>
+      <p:ext uri="{BB962C8B-B14F-4D97-AF65-F5344CB8AC3E}">
+        <p14:creationId xmlns:p14="http://schemas.microsoft.com/office/powerpoint/2010/main" val="2272780825"/>
+      </p:ext>
+    </p:extLst>
+  </p:cSld>
+  <p:clrMapOvr>
+    <a:masterClrMapping/>
+  </p:clrMapOvr>
+</p:notes>
+</file>
+
 <file path=ppt/notesSlides/notesSlide3.xml><?xml version="1.0" encoding="utf-8"?>
 <p:notes xmlns:a="http://schemas.openxmlformats.org/drawingml/2006/main" xmlns:r="http://schemas.openxmlformats.org/officeDocument/2006/relationships" xmlns:p="http://schemas.openxmlformats.org/presentationml/2006/main">
   <p:cSld>
@@ -5747,7 +6370,7 @@
           <a:p>
             <a:fld id="{59D2D3E5-8D07-442F-AD09-44D2D54E3827}" type="datetime1">
               <a:rPr lang="en-GB" smtClean="0"/>
-              <a:t>08/05/2018</a:t>
+              <a:t>09/05/2018</a:t>
             </a:fld>
             <a:endParaRPr lang="en-GB"/>
           </a:p>
@@ -6962,7 +7585,7 @@
           <a:p>
             <a:fld id="{AC8401FF-837F-478C-A187-ED49428D1834}" type="datetime1">
               <a:rPr lang="en-GB" smtClean="0"/>
-              <a:t>08/05/2018</a:t>
+              <a:t>09/05/2018</a:t>
             </a:fld>
             <a:endParaRPr lang="en-GB"/>
           </a:p>
@@ -7161,7 +7784,7 @@
           <a:p>
             <a:fld id="{A4BB1C3B-24F6-4AC1-B694-40E27DE719F2}" type="datetime1">
               <a:rPr lang="en-GB" smtClean="0"/>
-              <a:t>08/05/2018</a:t>
+              <a:t>09/05/2018</a:t>
             </a:fld>
             <a:endParaRPr lang="en-GB"/>
           </a:p>
@@ -8352,7 +8975,7 @@
           <a:p>
             <a:fld id="{5255503A-C87E-470F-982F-B4799D338920}" type="datetime1">
               <a:rPr lang="en-GB" smtClean="0"/>
-              <a:t>08/05/2018</a:t>
+              <a:t>09/05/2018</a:t>
             </a:fld>
             <a:endParaRPr lang="en-GB"/>
           </a:p>
@@ -9083,7 +9706,7 @@
           <a:p>
             <a:fld id="{1BF7B5F6-71AF-4144-B18A-52D5DACADA0A}" type="datetime1">
               <a:rPr lang="en-GB" smtClean="0"/>
-              <a:t>08/05/2018</a:t>
+              <a:t>09/05/2018</a:t>
             </a:fld>
             <a:endParaRPr lang="en-GB"/>
           </a:p>
@@ -9248,7 +9871,7 @@
           <a:p>
             <a:fld id="{5255503A-C87E-470F-982F-B4799D338920}" type="datetime1">
               <a:rPr lang="en-GB" smtClean="0"/>
-              <a:t>08/05/2018</a:t>
+              <a:t>09/05/2018</a:t>
             </a:fld>
             <a:endParaRPr lang="en-GB"/>
           </a:p>
@@ -10580,7 +11203,7 @@
           <a:p>
             <a:fld id="{75144A6B-3049-457F-A987-8390460069EE}" type="datetime1">
               <a:rPr lang="en-GB" smtClean="0"/>
-              <a:t>08/05/2018</a:t>
+              <a:t>09/05/2018</a:t>
             </a:fld>
             <a:endParaRPr lang="en-GB"/>
           </a:p>
@@ -10940,7 +11563,7 @@
           <a:p>
             <a:fld id="{FBD4005F-9225-497A-885F-BA883E74DE5D}" type="datetime1">
               <a:rPr lang="en-GB" smtClean="0"/>
-              <a:t>08/05/2018</a:t>
+              <a:t>09/05/2018</a:t>
             </a:fld>
             <a:endParaRPr lang="en-GB"/>
           </a:p>
@@ -11039,7 +11662,7 @@
           <a:p>
             <a:fld id="{AE523FC3-765C-4CC7-9E4B-E3B68A3EDBFE}" type="datetime1">
               <a:rPr lang="en-GB" smtClean="0"/>
-              <a:t>08/05/2018</a:t>
+              <a:t>09/05/2018</a:t>
             </a:fld>
             <a:endParaRPr lang="en-GB"/>
           </a:p>
@@ -11153,7 +11776,7 @@
           <a:p>
             <a:fld id="{9AA3DD7D-9416-45E8-AF3B-D7B360CC564A}" type="datetime1">
               <a:rPr lang="en-GB" smtClean="0"/>
-              <a:t>08/05/2018</a:t>
+              <a:t>09/05/2018</a:t>
             </a:fld>
             <a:endParaRPr lang="en-GB"/>
           </a:p>
@@ -12468,7 +13091,7 @@
           <a:p>
             <a:fld id="{F613CE8B-DAD8-4C75-ABDD-E74B55B147EF}" type="datetime1">
               <a:rPr lang="en-GB" smtClean="0"/>
-              <a:t>08/05/2018</a:t>
+              <a:t>09/05/2018</a:t>
             </a:fld>
             <a:endParaRPr lang="en-GB"/>
           </a:p>
@@ -13745,7 +14368,7 @@
           <a:p>
             <a:fld id="{90C1D48F-8DEA-4C52-92C1-302F75FCAD76}" type="datetime1">
               <a:rPr lang="en-GB" smtClean="0"/>
-              <a:t>08/05/2018</a:t>
+              <a:t>09/05/2018</a:t>
             </a:fld>
             <a:endParaRPr lang="en-GB"/>
           </a:p>
@@ -15007,7 +15630,7 @@
           <a:p>
             <a:fld id="{0F5CF901-3F04-46D3-A66D-6A29BDCE7C35}" type="datetime1">
               <a:rPr lang="en-GB" smtClean="0"/>
-              <a:t>08/05/2018</a:t>
+              <a:t>09/05/2018</a:t>
             </a:fld>
             <a:endParaRPr lang="en-GB"/>
           </a:p>
@@ -42675,7 +43298,7 @@
                 <a:latin typeface="Calibri"/>
                 <a:cs typeface="Calibri"/>
               </a:rPr>
-              <a:t>  </a:t>
+              <a:t>  / SEEK_SET </a:t>
             </a:r>
             <a:r>
               <a:rPr lang="de-DE" dirty="0" err="1">
@@ -51307,7 +51930,7 @@
         <p:spPr/>
         <p:txBody>
           <a:bodyPr vert="horz" lIns="0" tIns="45720" rIns="0" bIns="45720" rtlCol="0" anchor="t">
-            <a:normAutofit lnSpcReduction="10000"/>
+            <a:normAutofit/>
           </a:bodyPr>
           <a:lstStyle/>
           <a:p>
@@ -51619,10 +52242,28 @@
           <a:p>
             <a:pPr marL="182245" indent="-182245"/>
             <a:r>
-              <a:rPr lang="de-DE" dirty="0">
-                <a:cs typeface="Calibri"/>
-              </a:rPr>
-              <a:t>This </a:t>
+              <a:rPr lang="de-DE" dirty="0" err="1">
+                <a:cs typeface="Calibri"/>
+              </a:rPr>
+              <a:t>Using</a:t>
+            </a:r>
+            <a:r>
+              <a:rPr lang="de-DE" dirty="0">
+                <a:cs typeface="Calibri"/>
+              </a:rPr>
+              <a:t> </a:t>
+            </a:r>
+            <a:r>
+              <a:rPr lang="de-DE" dirty="0" err="1">
+                <a:cs typeface="Calibri"/>
+              </a:rPr>
+              <a:t>them</a:t>
+            </a:r>
+            <a:r>
+              <a:rPr lang="de-DE" dirty="0">
+                <a:cs typeface="Calibri"/>
+              </a:rPr>
+              <a:t> </a:t>
             </a:r>
             <a:r>
               <a:rPr lang="de-DE" dirty="0" err="1">
@@ -51640,731 +52281,511 @@
               <a:rPr lang="de-DE" dirty="0" err="1">
                 <a:cs typeface="Calibri"/>
               </a:rPr>
-              <a:t>useful</a:t>
-            </a:r>
-            <a:r>
-              <a:rPr lang="de-DE" dirty="0">
-                <a:cs typeface="Calibri"/>
-              </a:rPr>
-              <a:t> </a:t>
-            </a:r>
-            <a:r>
-              <a:rPr lang="de-DE" dirty="0" err="1">
-                <a:cs typeface="Calibri"/>
-              </a:rPr>
-              <a:t>for</a:t>
-            </a:r>
-            <a:r>
-              <a:rPr lang="de-DE" dirty="0">
-                <a:cs typeface="Calibri"/>
-              </a:rPr>
-              <a:t> (</a:t>
-            </a:r>
-            <a:r>
-              <a:rPr lang="de-DE" dirty="0" err="1">
-                <a:cs typeface="Calibri"/>
-              </a:rPr>
-              <a:t>for</a:t>
-            </a:r>
-            <a:r>
-              <a:rPr lang="de-DE" dirty="0">
-                <a:cs typeface="Calibri"/>
-              </a:rPr>
-              <a:t> </a:t>
-            </a:r>
-            <a:r>
-              <a:rPr lang="de-DE" dirty="0" err="1">
-                <a:cs typeface="Calibri"/>
-              </a:rPr>
-              <a:t>example</a:t>
-            </a:r>
-            <a:r>
-              <a:rPr lang="de-DE" dirty="0">
-                <a:cs typeface="Calibri"/>
-              </a:rPr>
-              <a:t>):</a:t>
-            </a:r>
+              <a:t>mostly</a:t>
+            </a:r>
+            <a:r>
+              <a:rPr lang="de-DE" dirty="0">
+                <a:cs typeface="Calibri"/>
+              </a:rPr>
+              <a:t> a matter </a:t>
+            </a:r>
+            <a:r>
+              <a:rPr lang="de-DE" dirty="0" err="1">
+                <a:cs typeface="Calibri"/>
+              </a:rPr>
+              <a:t>of</a:t>
+            </a:r>
+            <a:r>
+              <a:rPr lang="de-DE" dirty="0">
+                <a:cs typeface="Calibri"/>
+              </a:rPr>
+              <a:t> </a:t>
+            </a:r>
+            <a:r>
+              <a:rPr lang="de-DE" dirty="0" err="1">
+                <a:cs typeface="Calibri"/>
+              </a:rPr>
+              <a:t>good</a:t>
+            </a:r>
+            <a:r>
+              <a:rPr lang="de-DE" dirty="0">
+                <a:cs typeface="Calibri"/>
+              </a:rPr>
+              <a:t> style</a:t>
+            </a:r>
+            <a:endParaRPr lang="de-DE" dirty="0">
+              <a:solidFill>
+                <a:schemeClr val="tx1"/>
+              </a:solidFill>
+            </a:endParaRPr>
           </a:p>
           <a:p>
             <a:pPr marL="383540" lvl="1"/>
             <a:r>
-              <a:rPr lang="de-DE" dirty="0" err="1">
-                <a:cs typeface="Calibri"/>
-              </a:rPr>
-              <a:t>Functions</a:t>
-            </a:r>
-            <a:r>
-              <a:rPr lang="de-DE" dirty="0">
+              <a:rPr lang="de-DE" sz="2400" dirty="0" err="1">
+                <a:cs typeface="Calibri"/>
+              </a:rPr>
+              <a:t>You</a:t>
+            </a:r>
+            <a:r>
+              <a:rPr lang="de-DE" sz="2400" dirty="0">
+                <a:cs typeface="Calibri"/>
+              </a:rPr>
+              <a:t> </a:t>
+            </a:r>
+            <a:r>
+              <a:rPr lang="de-DE" sz="2400" dirty="0" err="1">
+                <a:cs typeface="Calibri"/>
+              </a:rPr>
+              <a:t>could</a:t>
+            </a:r>
+            <a:r>
+              <a:rPr lang="de-DE" sz="2400" dirty="0">
+                <a:cs typeface="Calibri"/>
+              </a:rPr>
+              <a:t> </a:t>
+            </a:r>
+            <a:r>
+              <a:rPr lang="de-DE" sz="2400" dirty="0" err="1">
+                <a:cs typeface="Calibri"/>
+              </a:rPr>
+              <a:t>use</a:t>
+            </a:r>
+            <a:r>
+              <a:rPr lang="de-DE" sz="2400" dirty="0">
+                <a:cs typeface="Calibri"/>
+              </a:rPr>
+              <a:t> </a:t>
+            </a:r>
+            <a:r>
+              <a:rPr lang="de-DE" sz="2400" dirty="0" err="1">
+                <a:cs typeface="Calibri"/>
+              </a:rPr>
+              <a:t>ordinary</a:t>
+            </a:r>
+            <a:r>
+              <a:rPr lang="de-DE" sz="2400" dirty="0">
+                <a:cs typeface="Calibri"/>
+              </a:rPr>
+              <a:t> </a:t>
+            </a:r>
+            <a:r>
+              <a:rPr lang="de-DE" sz="2400" dirty="0" err="1">
+                <a:cs typeface="Calibri"/>
+              </a:rPr>
+              <a:t>functions</a:t>
+            </a:r>
+            <a:r>
+              <a:rPr lang="de-DE" sz="2400" dirty="0">
+                <a:cs typeface="Calibri"/>
+              </a:rPr>
+              <a:t> </a:t>
+            </a:r>
+            <a:r>
+              <a:rPr lang="de-DE" sz="2400" dirty="0" err="1">
+                <a:cs typeface="Calibri"/>
+              </a:rPr>
+              <a:t>instead</a:t>
+            </a:r>
+            <a:endParaRPr lang="de-DE" sz="2400" dirty="0">
+              <a:cs typeface="Calibri"/>
+            </a:endParaRPr>
+          </a:p>
+          <a:p>
+            <a:pPr marL="383540" lvl="1"/>
+            <a:r>
+              <a:rPr lang="de-DE" sz="2400" dirty="0" err="1">
+                <a:cs typeface="Calibri"/>
+              </a:rPr>
+              <a:t>Sometimes</a:t>
+            </a:r>
+            <a:r>
+              <a:rPr lang="de-DE" sz="2400" dirty="0">
                 <a:cs typeface="Calibri"/>
               </a:rPr>
               <a:t> </a:t>
             </a:r>
             <a:r>
-              <a:rPr lang="de-DE" dirty="0" err="1">
-                <a:cs typeface="Calibri"/>
-              </a:rPr>
-              <a:t>that</a:t>
-            </a:r>
-            <a:r>
-              <a:rPr lang="de-DE" dirty="0">
-                <a:cs typeface="Calibri"/>
-              </a:rPr>
-              <a:t> </a:t>
-            </a:r>
-            <a:r>
-              <a:rPr lang="de-DE" dirty="0" err="1">
+              <a:rPr lang="de-DE" sz="2400" dirty="0" err="1">
+                <a:cs typeface="Calibri"/>
+              </a:rPr>
+              <a:t>lambda</a:t>
+            </a:r>
+            <a:r>
+              <a:rPr lang="de-DE" sz="2400" dirty="0">
+                <a:cs typeface="Calibri"/>
+              </a:rPr>
+              <a:t> </a:t>
+            </a:r>
+            <a:r>
+              <a:rPr lang="de-DE" sz="2400" dirty="0" err="1">
+                <a:cs typeface="Calibri"/>
+              </a:rPr>
+              <a:t>functions</a:t>
+            </a:r>
+            <a:r>
+              <a:rPr lang="de-DE" sz="2400" dirty="0">
+                <a:cs typeface="Calibri"/>
+              </a:rPr>
+              <a:t> </a:t>
+            </a:r>
+            <a:r>
+              <a:rPr lang="de-DE" sz="2400" dirty="0" err="1">
+                <a:cs typeface="Calibri"/>
+              </a:rPr>
+              <a:t>even</a:t>
+            </a:r>
+            <a:r>
+              <a:rPr lang="de-DE" sz="2400" dirty="0">
+                <a:cs typeface="Calibri"/>
+              </a:rPr>
+              <a:t> </a:t>
+            </a:r>
+            <a:r>
+              <a:rPr lang="de-DE" sz="2400" dirty="0" err="1">
+                <a:cs typeface="Calibri"/>
+              </a:rPr>
+              <a:t>help</a:t>
+            </a:r>
+            <a:r>
+              <a:rPr lang="de-DE" sz="2400" dirty="0">
+                <a:cs typeface="Calibri"/>
+              </a:rPr>
+              <a:t> </a:t>
+            </a:r>
+            <a:r>
+              <a:rPr lang="de-DE" sz="2400" dirty="0" err="1">
+                <a:cs typeface="Calibri"/>
+              </a:rPr>
+              <a:t>keeping</a:t>
+            </a:r>
+            <a:r>
+              <a:rPr lang="de-DE" sz="2400" dirty="0">
+                <a:cs typeface="Calibri"/>
+              </a:rPr>
+              <a:t> an </a:t>
+            </a:r>
+            <a:r>
+              <a:rPr lang="de-DE" sz="2400" dirty="0" err="1">
+                <a:cs typeface="Calibri"/>
+              </a:rPr>
+              <a:t>overview</a:t>
+            </a:r>
+            <a:r>
+              <a:rPr lang="de-DE" sz="2400" dirty="0">
+                <a:cs typeface="Calibri"/>
+              </a:rPr>
+              <a:t> </a:t>
+            </a:r>
+            <a:r>
+              <a:rPr lang="de-DE" sz="2400" dirty="0" err="1">
+                <a:cs typeface="Calibri"/>
+              </a:rPr>
+              <a:t>over</a:t>
+            </a:r>
+            <a:r>
+              <a:rPr lang="de-DE" sz="2400" dirty="0">
+                <a:cs typeface="Calibri"/>
+              </a:rPr>
+              <a:t> </a:t>
+            </a:r>
+            <a:r>
+              <a:rPr lang="de-DE" sz="2400" dirty="0" err="1">
+                <a:cs typeface="Calibri"/>
+              </a:rPr>
+              <a:t>your</a:t>
+            </a:r>
+            <a:r>
+              <a:rPr lang="de-DE" sz="2400" dirty="0">
+                <a:cs typeface="Calibri"/>
+              </a:rPr>
+              <a:t> </a:t>
+            </a:r>
+            <a:r>
+              <a:rPr lang="de-DE" sz="2400" dirty="0" err="1">
+                <a:cs typeface="Calibri"/>
+              </a:rPr>
+              <a:t>code</a:t>
+            </a:r>
+            <a:endParaRPr lang="de-DE" sz="2400" dirty="0" err="1">
+              <a:solidFill>
+                <a:srgbClr val="000000"/>
+              </a:solidFill>
+              <a:cs typeface="Calibri"/>
+            </a:endParaRPr>
+          </a:p>
+          <a:p>
+            <a:pPr marL="383540" lvl="1"/>
+            <a:r>
+              <a:rPr lang="de-DE" sz="2400" dirty="0">
+                <a:cs typeface="Calibri"/>
+              </a:rPr>
+              <a:t>normal </a:t>
+            </a:r>
+            <a:r>
+              <a:rPr lang="de-DE" sz="2400" dirty="0" err="1">
+                <a:cs typeface="Calibri"/>
+              </a:rPr>
+              <a:t>functions</a:t>
+            </a:r>
+            <a:r>
+              <a:rPr lang="de-DE" sz="2400" dirty="0">
+                <a:cs typeface="Calibri"/>
+              </a:rPr>
+              <a:t> </a:t>
+            </a:r>
+            <a:r>
+              <a:rPr lang="de-DE" sz="2400" dirty="0" err="1">
                 <a:cs typeface="Calibri"/>
               </a:rPr>
               <a:t>are</a:t>
             </a:r>
             <a:r>
-              <a:rPr lang="de-DE" dirty="0">
-                <a:cs typeface="Calibri"/>
-              </a:rPr>
-              <a:t> </a:t>
-            </a:r>
-            <a:r>
-              <a:rPr lang="de-DE" dirty="0" err="1">
-                <a:cs typeface="Calibri"/>
-              </a:rPr>
-              <a:t>only</a:t>
-            </a:r>
-            <a:r>
-              <a:rPr lang="de-DE" dirty="0">
-                <a:cs typeface="Calibri"/>
-              </a:rPr>
-              <a:t> </a:t>
-            </a:r>
-            <a:r>
-              <a:rPr lang="de-DE" dirty="0" err="1">
-                <a:cs typeface="Calibri"/>
-              </a:rPr>
-              <a:t>needed</a:t>
-            </a:r>
-            <a:r>
-              <a:rPr lang="de-DE" dirty="0">
-                <a:cs typeface="Calibri"/>
-              </a:rPr>
-              <a:t> </a:t>
-            </a:r>
-            <a:r>
-              <a:rPr lang="de-DE" dirty="0" err="1">
-                <a:cs typeface="Calibri"/>
-              </a:rPr>
-              <a:t>temporarily</a:t>
-            </a:r>
-          </a:p>
-          <a:p>
-            <a:pPr marL="383540" lvl="1"/>
-            <a:r>
-              <a:rPr lang="de-DE" dirty="0" err="1">
-                <a:cs typeface="Calibri"/>
-              </a:rPr>
-              <a:t>Functions</a:t>
-            </a:r>
-            <a:r>
-              <a:rPr lang="de-DE" dirty="0">
-                <a:cs typeface="Calibri"/>
-              </a:rPr>
-              <a:t> </a:t>
-            </a:r>
-            <a:r>
-              <a:rPr lang="de-DE" dirty="0" err="1">
-                <a:cs typeface="Calibri"/>
-              </a:rPr>
-              <a:t>used</a:t>
-            </a:r>
-            <a:r>
-              <a:rPr lang="de-DE" dirty="0">
-                <a:cs typeface="Calibri"/>
-              </a:rPr>
-              <a:t> </a:t>
-            </a:r>
-            <a:r>
-              <a:rPr lang="de-DE" dirty="0" err="1">
-                <a:cs typeface="Calibri"/>
-              </a:rPr>
-              <a:t>as</a:t>
-            </a:r>
-            <a:r>
-              <a:rPr lang="de-DE" dirty="0">
-                <a:cs typeface="Calibri"/>
-              </a:rPr>
-              <a:t> </a:t>
-            </a:r>
-            <a:r>
-              <a:rPr lang="de-DE" dirty="0" err="1">
-                <a:cs typeface="Calibri"/>
-              </a:rPr>
-              <a:t>arguments</a:t>
-            </a:r>
-            <a:r>
-              <a:rPr lang="de-DE" dirty="0">
-                <a:cs typeface="Calibri"/>
-              </a:rPr>
-              <a:t> </a:t>
-            </a:r>
-            <a:r>
-              <a:rPr lang="de-DE" dirty="0" err="1">
-                <a:cs typeface="Calibri"/>
-              </a:rPr>
-              <a:t>for</a:t>
-            </a:r>
-            <a:r>
-              <a:rPr lang="de-DE" dirty="0">
-                <a:cs typeface="Calibri"/>
-              </a:rPr>
-              <a:t> </a:t>
-            </a:r>
-            <a:r>
-              <a:rPr lang="de-DE" dirty="0" err="1">
-                <a:cs typeface="Calibri"/>
-              </a:rPr>
-              <a:t>other</a:t>
-            </a:r>
-            <a:r>
-              <a:rPr lang="de-DE" dirty="0">
-                <a:cs typeface="Calibri"/>
-              </a:rPr>
-              <a:t> </a:t>
-            </a:r>
-            <a:r>
-              <a:rPr lang="de-DE" dirty="0" err="1">
+              <a:rPr lang="de-DE" sz="2400" dirty="0">
+                <a:cs typeface="Calibri"/>
+              </a:rPr>
+              <a:t> </a:t>
+            </a:r>
+            <a:r>
+              <a:rPr lang="de-DE" sz="2400" dirty="0" err="1">
+                <a:cs typeface="Calibri"/>
+              </a:rPr>
+              <a:t>usually</a:t>
+            </a:r>
+            <a:r>
+              <a:rPr lang="de-DE" sz="2400" dirty="0">
+                <a:cs typeface="Calibri"/>
+              </a:rPr>
+              <a:t> </a:t>
+            </a:r>
+            <a:r>
+              <a:rPr lang="de-DE" sz="2400" dirty="0" err="1">
+                <a:cs typeface="Calibri"/>
+              </a:rPr>
+              <a:t>declared</a:t>
+            </a:r>
+            <a:r>
+              <a:rPr lang="de-DE" sz="2400" dirty="0">
+                <a:cs typeface="Calibri"/>
+              </a:rPr>
+              <a:t> at </a:t>
+            </a:r>
+            <a:r>
+              <a:rPr lang="de-DE" sz="2400" dirty="0" err="1">
+                <a:cs typeface="Calibri"/>
+              </a:rPr>
+              <a:t>the</a:t>
+            </a:r>
+            <a:r>
+              <a:rPr lang="de-DE" sz="2400" dirty="0">
+                <a:cs typeface="Calibri"/>
+              </a:rPr>
+              <a:t> </a:t>
+            </a:r>
+            <a:r>
+              <a:rPr lang="de-DE" sz="2400" dirty="0" err="1">
+                <a:cs typeface="Calibri"/>
+              </a:rPr>
+              <a:t>beginning</a:t>
+            </a:r>
+            <a:r>
+              <a:rPr lang="de-DE" sz="2400" dirty="0">
+                <a:cs typeface="Calibri"/>
+              </a:rPr>
+              <a:t> </a:t>
+            </a:r>
+            <a:r>
+              <a:rPr lang="de-DE" sz="2400" dirty="0" err="1">
+                <a:cs typeface="Calibri"/>
+              </a:rPr>
+              <a:t>of</a:t>
+            </a:r>
+            <a:r>
+              <a:rPr lang="de-DE" sz="2400" dirty="0">
+                <a:cs typeface="Calibri"/>
+              </a:rPr>
+              <a:t> </a:t>
+            </a:r>
+            <a:r>
+              <a:rPr lang="de-DE" sz="2400" dirty="0" err="1">
+                <a:cs typeface="Calibri"/>
+              </a:rPr>
+              <a:t>the</a:t>
+            </a:r>
+            <a:r>
+              <a:rPr lang="de-DE" sz="2400" dirty="0">
+                <a:cs typeface="Calibri"/>
+              </a:rPr>
+              <a:t> </a:t>
+            </a:r>
+            <a:r>
+              <a:rPr lang="de-DE" sz="2400" dirty="0" err="1">
+                <a:cs typeface="Calibri"/>
+              </a:rPr>
+              <a:t>script</a:t>
+            </a:r>
+            <a:r>
+              <a:rPr lang="de-DE" sz="2400" dirty="0">
+                <a:cs typeface="Calibri"/>
+              </a:rPr>
+              <a:t> - </a:t>
+            </a:r>
+            <a:r>
+              <a:rPr lang="de-DE" sz="2400" dirty="0" err="1">
+                <a:cs typeface="Calibri"/>
+              </a:rPr>
+              <a:t>lambda</a:t>
+            </a:r>
+            <a:r>
+              <a:rPr lang="de-DE" sz="2400" dirty="0">
+                <a:cs typeface="Calibri"/>
+              </a:rPr>
+              <a:t> </a:t>
+            </a:r>
+            <a:r>
+              <a:rPr lang="de-DE" sz="2400" dirty="0" err="1">
                 <a:cs typeface="Calibri"/>
               </a:rPr>
               <a:t>functions</a:t>
             </a:r>
-          </a:p>
-          <a:p>
-            <a:pPr marL="182245" indent="-182245"/>
-            <a:r>
-              <a:rPr lang="de-DE" dirty="0" err="1">
-                <a:cs typeface="Calibri"/>
-              </a:rPr>
-              <a:t>Using</a:t>
-            </a:r>
-            <a:r>
-              <a:rPr lang="de-DE" dirty="0">
-                <a:cs typeface="Calibri"/>
-              </a:rPr>
-              <a:t> </a:t>
-            </a:r>
-            <a:r>
-              <a:rPr lang="de-DE" dirty="0" err="1">
-                <a:cs typeface="Calibri"/>
-              </a:rPr>
-              <a:t>them</a:t>
-            </a:r>
-            <a:r>
-              <a:rPr lang="de-DE" dirty="0">
-                <a:cs typeface="Calibri"/>
-              </a:rPr>
-              <a:t> </a:t>
-            </a:r>
-            <a:r>
-              <a:rPr lang="de-DE" dirty="0" err="1">
+            <a:r>
+              <a:rPr lang="de-DE" sz="2400" dirty="0">
+                <a:cs typeface="Calibri"/>
+              </a:rPr>
+              <a:t> </a:t>
+            </a:r>
+            <a:r>
+              <a:rPr lang="de-DE" sz="2400" dirty="0" err="1">
+                <a:cs typeface="Calibri"/>
+              </a:rPr>
+              <a:t>can</a:t>
+            </a:r>
+            <a:r>
+              <a:rPr lang="de-DE" sz="2400" dirty="0">
+                <a:cs typeface="Calibri"/>
+              </a:rPr>
+              <a:t> spare </a:t>
+            </a:r>
+            <a:r>
+              <a:rPr lang="de-DE" sz="2400" dirty="0" err="1">
+                <a:cs typeface="Calibri"/>
+              </a:rPr>
+              <a:t>you</a:t>
+            </a:r>
+            <a:r>
+              <a:rPr lang="de-DE" sz="2400" dirty="0">
+                <a:cs typeface="Calibri"/>
+              </a:rPr>
+              <a:t> </a:t>
+            </a:r>
+            <a:r>
+              <a:rPr lang="de-DE" sz="2400" dirty="0" err="1">
+                <a:cs typeface="Calibri"/>
+              </a:rPr>
+              <a:t>the</a:t>
+            </a:r>
+            <a:r>
+              <a:rPr lang="de-DE" sz="2400" dirty="0">
+                <a:cs typeface="Calibri"/>
+              </a:rPr>
+              <a:t> </a:t>
+            </a:r>
+            <a:r>
+              <a:rPr lang="de-DE" sz="2400" dirty="0" err="1">
+                <a:cs typeface="Calibri"/>
+              </a:rPr>
+              <a:t>scrolling</a:t>
+            </a:r>
+            <a:r>
+              <a:rPr lang="de-DE" sz="2400" dirty="0">
+                <a:cs typeface="Calibri"/>
+              </a:rPr>
+              <a:t> </a:t>
+            </a:r>
+            <a:r>
+              <a:rPr lang="de-DE" sz="2400" dirty="0" err="1">
+                <a:cs typeface="Calibri"/>
+              </a:rPr>
+              <a:t>up</a:t>
+            </a:r>
+            <a:r>
+              <a:rPr lang="de-DE" sz="2400" dirty="0">
+                <a:cs typeface="Calibri"/>
+              </a:rPr>
+              <a:t> </a:t>
+            </a:r>
+            <a:r>
+              <a:rPr lang="de-DE" sz="2400" dirty="0" err="1">
+                <a:cs typeface="Calibri"/>
+              </a:rPr>
+              <a:t>if</a:t>
+            </a:r>
+            <a:r>
+              <a:rPr lang="de-DE" sz="2400" dirty="0">
+                <a:cs typeface="Calibri"/>
+              </a:rPr>
+              <a:t> </a:t>
+            </a:r>
+            <a:r>
+              <a:rPr lang="de-DE" sz="2400" dirty="0" err="1">
+                <a:cs typeface="Calibri"/>
+              </a:rPr>
+              <a:t>the</a:t>
+            </a:r>
+            <a:r>
+              <a:rPr lang="de-DE" sz="2400" dirty="0">
+                <a:cs typeface="Calibri"/>
+              </a:rPr>
+              <a:t> </a:t>
+            </a:r>
+            <a:r>
+              <a:rPr lang="de-DE" sz="2400" dirty="0" err="1">
+                <a:cs typeface="Calibri"/>
+              </a:rPr>
+              <a:t>function</a:t>
+            </a:r>
+            <a:r>
+              <a:rPr lang="de-DE" sz="2400" dirty="0">
+                <a:cs typeface="Calibri"/>
+              </a:rPr>
+              <a:t> </a:t>
+            </a:r>
+            <a:r>
+              <a:rPr lang="de-DE" sz="2400" dirty="0" err="1">
                 <a:cs typeface="Calibri"/>
               </a:rPr>
               <a:t>is</a:t>
             </a:r>
             <a:r>
-              <a:rPr lang="de-DE" dirty="0">
-                <a:cs typeface="Calibri"/>
-              </a:rPr>
-              <a:t> </a:t>
-            </a:r>
-            <a:r>
-              <a:rPr lang="de-DE" dirty="0" err="1">
-                <a:cs typeface="Calibri"/>
-              </a:rPr>
-              <a:t>mostly</a:t>
-            </a:r>
-            <a:r>
-              <a:rPr lang="de-DE" dirty="0">
-                <a:cs typeface="Calibri"/>
-              </a:rPr>
-              <a:t> a matter </a:t>
-            </a:r>
-            <a:r>
-              <a:rPr lang="de-DE" dirty="0" err="1">
-                <a:cs typeface="Calibri"/>
-              </a:rPr>
-              <a:t>of</a:t>
-            </a:r>
-            <a:r>
-              <a:rPr lang="de-DE" dirty="0">
-                <a:cs typeface="Calibri"/>
-              </a:rPr>
-              <a:t> </a:t>
-            </a:r>
-            <a:r>
-              <a:rPr lang="de-DE" dirty="0" err="1">
-                <a:cs typeface="Calibri"/>
-              </a:rPr>
-              <a:t>good</a:t>
-            </a:r>
-            <a:r>
-              <a:rPr lang="de-DE" dirty="0">
-                <a:cs typeface="Calibri"/>
-              </a:rPr>
-              <a:t> style</a:t>
-            </a:r>
-          </a:p>
-          <a:p>
-            <a:pPr marL="383540" lvl="1"/>
-            <a:r>
-              <a:rPr lang="de-DE" dirty="0" err="1">
-                <a:cs typeface="Calibri"/>
-              </a:rPr>
-              <a:t>You</a:t>
-            </a:r>
-            <a:r>
-              <a:rPr lang="de-DE" dirty="0">
-                <a:cs typeface="Calibri"/>
-              </a:rPr>
-              <a:t> </a:t>
-            </a:r>
-            <a:r>
-              <a:rPr lang="de-DE" dirty="0" err="1">
-                <a:cs typeface="Calibri"/>
-              </a:rPr>
-              <a:t>could</a:t>
-            </a:r>
-            <a:r>
-              <a:rPr lang="de-DE" dirty="0">
-                <a:cs typeface="Calibri"/>
-              </a:rPr>
-              <a:t> </a:t>
-            </a:r>
-            <a:r>
-              <a:rPr lang="de-DE" dirty="0" err="1">
-                <a:cs typeface="Calibri"/>
-              </a:rPr>
-              <a:t>use</a:t>
-            </a:r>
-            <a:r>
-              <a:rPr lang="de-DE" dirty="0">
-                <a:cs typeface="Calibri"/>
-              </a:rPr>
-              <a:t> </a:t>
-            </a:r>
-            <a:r>
-              <a:rPr lang="de-DE" dirty="0" err="1">
-                <a:cs typeface="Calibri"/>
-              </a:rPr>
-              <a:t>ordinary</a:t>
-            </a:r>
-            <a:r>
-              <a:rPr lang="de-DE" dirty="0">
-                <a:cs typeface="Calibri"/>
-              </a:rPr>
-              <a:t> </a:t>
-            </a:r>
-            <a:r>
-              <a:rPr lang="de-DE" dirty="0" err="1">
-                <a:cs typeface="Calibri"/>
-              </a:rPr>
-              <a:t>functions</a:t>
-            </a:r>
-            <a:r>
-              <a:rPr lang="de-DE" dirty="0">
-                <a:cs typeface="Calibri"/>
-              </a:rPr>
-              <a:t> </a:t>
-            </a:r>
-            <a:r>
-              <a:rPr lang="de-DE" dirty="0" err="1">
-                <a:cs typeface="Calibri"/>
-              </a:rPr>
-              <a:t>instead</a:t>
-            </a:r>
-          </a:p>
-          <a:p>
-            <a:pPr marL="383540" lvl="1"/>
-            <a:r>
-              <a:rPr lang="de-DE" dirty="0" err="1">
-                <a:cs typeface="Calibri"/>
-              </a:rPr>
-              <a:t>Sometimes</a:t>
-            </a:r>
-            <a:r>
-              <a:rPr lang="de-DE" dirty="0">
-                <a:cs typeface="Calibri"/>
-              </a:rPr>
-              <a:t> </a:t>
-            </a:r>
-            <a:r>
-              <a:rPr lang="de-DE" dirty="0" err="1">
-                <a:cs typeface="Calibri"/>
-              </a:rPr>
-              <a:t>lambda</a:t>
-            </a:r>
-            <a:r>
-              <a:rPr lang="de-DE" dirty="0">
-                <a:cs typeface="Calibri"/>
-              </a:rPr>
-              <a:t> </a:t>
-            </a:r>
-            <a:r>
-              <a:rPr lang="de-DE" dirty="0" err="1">
-                <a:cs typeface="Calibri"/>
-              </a:rPr>
-              <a:t>functions</a:t>
-            </a:r>
-            <a:r>
-              <a:rPr lang="de-DE" dirty="0">
-                <a:cs typeface="Calibri"/>
-              </a:rPr>
-              <a:t> </a:t>
-            </a:r>
-            <a:r>
-              <a:rPr lang="de-DE" dirty="0" err="1">
-                <a:cs typeface="Calibri"/>
-              </a:rPr>
-              <a:t>even</a:t>
-            </a:r>
-            <a:r>
-              <a:rPr lang="de-DE" dirty="0">
-                <a:cs typeface="Calibri"/>
-              </a:rPr>
-              <a:t> </a:t>
-            </a:r>
-            <a:r>
-              <a:rPr lang="de-DE" dirty="0" err="1">
-                <a:cs typeface="Calibri"/>
-              </a:rPr>
-              <a:t>help</a:t>
-            </a:r>
-            <a:r>
-              <a:rPr lang="de-DE" dirty="0">
-                <a:cs typeface="Calibri"/>
-              </a:rPr>
-              <a:t> </a:t>
-            </a:r>
-            <a:r>
-              <a:rPr lang="de-DE" dirty="0" err="1">
-                <a:cs typeface="Calibri"/>
-              </a:rPr>
-              <a:t>keeping</a:t>
-            </a:r>
-            <a:r>
-              <a:rPr lang="de-DE" dirty="0">
-                <a:cs typeface="Calibri"/>
-              </a:rPr>
-              <a:t> an </a:t>
-            </a:r>
-            <a:r>
-              <a:rPr lang="de-DE" dirty="0" err="1">
-                <a:cs typeface="Calibri"/>
-              </a:rPr>
-              <a:t>overview</a:t>
-            </a:r>
-            <a:r>
-              <a:rPr lang="de-DE" dirty="0">
-                <a:cs typeface="Calibri"/>
-              </a:rPr>
-              <a:t> </a:t>
-            </a:r>
-            <a:r>
-              <a:rPr lang="de-DE" dirty="0" err="1">
-                <a:cs typeface="Calibri"/>
-              </a:rPr>
-              <a:t>over</a:t>
-            </a:r>
-            <a:r>
-              <a:rPr lang="de-DE" dirty="0">
-                <a:cs typeface="Calibri"/>
-              </a:rPr>
-              <a:t> </a:t>
-            </a:r>
-            <a:r>
-              <a:rPr lang="de-DE" dirty="0" err="1">
-                <a:cs typeface="Calibri"/>
-              </a:rPr>
-              <a:t>your</a:t>
-            </a:r>
-            <a:r>
-              <a:rPr lang="de-DE" dirty="0">
-                <a:cs typeface="Calibri"/>
-              </a:rPr>
-              <a:t> </a:t>
-            </a:r>
-            <a:r>
-              <a:rPr lang="de-DE" dirty="0" err="1">
-                <a:cs typeface="Calibri"/>
-              </a:rPr>
-              <a:t>code</a:t>
-            </a:r>
-            <a:r>
-              <a:rPr lang="de-DE" dirty="0">
-                <a:cs typeface="Calibri"/>
-              </a:rPr>
-              <a:t> (normal </a:t>
-            </a:r>
-            <a:r>
-              <a:rPr lang="de-DE" dirty="0" err="1">
-                <a:cs typeface="Calibri"/>
-              </a:rPr>
-              <a:t>functions</a:t>
-            </a:r>
-            <a:r>
-              <a:rPr lang="de-DE" dirty="0">
-                <a:cs typeface="Calibri"/>
-              </a:rPr>
-              <a:t> </a:t>
-            </a:r>
-            <a:r>
-              <a:rPr lang="de-DE" dirty="0" err="1">
-                <a:cs typeface="Calibri"/>
-              </a:rPr>
-              <a:t>are</a:t>
-            </a:r>
-            <a:r>
-              <a:rPr lang="de-DE" dirty="0">
-                <a:cs typeface="Calibri"/>
-              </a:rPr>
-              <a:t> </a:t>
-            </a:r>
-            <a:r>
-              <a:rPr lang="de-DE" dirty="0" err="1">
-                <a:cs typeface="Calibri"/>
-              </a:rPr>
-              <a:t>usually</a:t>
-            </a:r>
-            <a:r>
-              <a:rPr lang="de-DE" dirty="0">
-                <a:cs typeface="Calibri"/>
-              </a:rPr>
-              <a:t> </a:t>
-            </a:r>
-            <a:r>
-              <a:rPr lang="de-DE" dirty="0" err="1">
-                <a:cs typeface="Calibri"/>
-              </a:rPr>
-              <a:t>declared</a:t>
-            </a:r>
-            <a:r>
-              <a:rPr lang="de-DE" dirty="0">
-                <a:cs typeface="Calibri"/>
-              </a:rPr>
-              <a:t> at </a:t>
-            </a:r>
-            <a:r>
-              <a:rPr lang="de-DE" dirty="0" err="1">
-                <a:cs typeface="Calibri"/>
-              </a:rPr>
-              <a:t>the</a:t>
-            </a:r>
-            <a:r>
-              <a:rPr lang="de-DE" dirty="0">
-                <a:cs typeface="Calibri"/>
-              </a:rPr>
-              <a:t> </a:t>
-            </a:r>
-            <a:r>
-              <a:rPr lang="de-DE" dirty="0" err="1">
-                <a:cs typeface="Calibri"/>
-              </a:rPr>
-              <a:t>beginning</a:t>
-            </a:r>
-            <a:r>
-              <a:rPr lang="de-DE" dirty="0">
-                <a:cs typeface="Calibri"/>
-              </a:rPr>
-              <a:t> </a:t>
-            </a:r>
-            <a:r>
-              <a:rPr lang="de-DE" dirty="0" err="1">
-                <a:cs typeface="Calibri"/>
-              </a:rPr>
-              <a:t>of</a:t>
-            </a:r>
-            <a:r>
-              <a:rPr lang="de-DE" dirty="0">
-                <a:cs typeface="Calibri"/>
-              </a:rPr>
-              <a:t> </a:t>
-            </a:r>
-            <a:r>
-              <a:rPr lang="de-DE" dirty="0" err="1">
-                <a:cs typeface="Calibri"/>
-              </a:rPr>
-              <a:t>the</a:t>
-            </a:r>
-            <a:r>
-              <a:rPr lang="de-DE" dirty="0">
-                <a:cs typeface="Calibri"/>
-              </a:rPr>
-              <a:t> </a:t>
-            </a:r>
-            <a:r>
-              <a:rPr lang="de-DE" dirty="0" err="1">
-                <a:cs typeface="Calibri"/>
-              </a:rPr>
-              <a:t>script</a:t>
-            </a:r>
-            <a:r>
-              <a:rPr lang="de-DE" dirty="0">
-                <a:cs typeface="Calibri"/>
-              </a:rPr>
-              <a:t> - </a:t>
-            </a:r>
-            <a:r>
-              <a:rPr lang="de-DE" dirty="0" err="1">
-                <a:cs typeface="Calibri"/>
-              </a:rPr>
-              <a:t>lambda</a:t>
-            </a:r>
-            <a:r>
-              <a:rPr lang="de-DE" dirty="0">
-                <a:cs typeface="Calibri"/>
-              </a:rPr>
-              <a:t> </a:t>
-            </a:r>
-            <a:r>
-              <a:rPr lang="de-DE" dirty="0" err="1">
-                <a:cs typeface="Calibri"/>
-              </a:rPr>
-              <a:t>functions</a:t>
-            </a:r>
-            <a:r>
-              <a:rPr lang="de-DE" dirty="0">
-                <a:cs typeface="Calibri"/>
-              </a:rPr>
-              <a:t> </a:t>
-            </a:r>
-            <a:r>
-              <a:rPr lang="de-DE" dirty="0" err="1">
-                <a:cs typeface="Calibri"/>
-              </a:rPr>
-              <a:t>can</a:t>
-            </a:r>
-            <a:r>
-              <a:rPr lang="de-DE" dirty="0">
-                <a:cs typeface="Calibri"/>
-              </a:rPr>
-              <a:t> spare </a:t>
-            </a:r>
-            <a:r>
-              <a:rPr lang="de-DE" dirty="0" err="1">
-                <a:cs typeface="Calibri"/>
-              </a:rPr>
-              <a:t>you</a:t>
-            </a:r>
-            <a:r>
-              <a:rPr lang="de-DE" dirty="0">
-                <a:cs typeface="Calibri"/>
-              </a:rPr>
-              <a:t> </a:t>
-            </a:r>
-            <a:r>
-              <a:rPr lang="de-DE" dirty="0" err="1">
-                <a:cs typeface="Calibri"/>
-              </a:rPr>
-              <a:t>the</a:t>
-            </a:r>
-            <a:r>
-              <a:rPr lang="de-DE" dirty="0">
-                <a:cs typeface="Calibri"/>
-              </a:rPr>
-              <a:t> </a:t>
-            </a:r>
-            <a:r>
-              <a:rPr lang="de-DE" dirty="0" err="1">
-                <a:cs typeface="Calibri"/>
-              </a:rPr>
-              <a:t>scrolling</a:t>
-            </a:r>
-            <a:r>
-              <a:rPr lang="de-DE" dirty="0">
-                <a:cs typeface="Calibri"/>
-              </a:rPr>
-              <a:t> </a:t>
-            </a:r>
-            <a:r>
-              <a:rPr lang="de-DE" dirty="0" err="1">
-                <a:cs typeface="Calibri"/>
-              </a:rPr>
-              <a:t>up</a:t>
-            </a:r>
-            <a:r>
-              <a:rPr lang="de-DE" dirty="0">
-                <a:cs typeface="Calibri"/>
-              </a:rPr>
-              <a:t> </a:t>
-            </a:r>
-            <a:r>
-              <a:rPr lang="de-DE" dirty="0" err="1">
-                <a:cs typeface="Calibri"/>
-              </a:rPr>
-              <a:t>if</a:t>
-            </a:r>
-            <a:r>
-              <a:rPr lang="de-DE" dirty="0">
-                <a:cs typeface="Calibri"/>
-              </a:rPr>
-              <a:t> </a:t>
-            </a:r>
-            <a:r>
-              <a:rPr lang="de-DE" dirty="0" err="1">
-                <a:cs typeface="Calibri"/>
-              </a:rPr>
-              <a:t>the</a:t>
-            </a:r>
-            <a:r>
-              <a:rPr lang="de-DE" dirty="0">
-                <a:cs typeface="Calibri"/>
-              </a:rPr>
-              <a:t> </a:t>
-            </a:r>
-            <a:r>
-              <a:rPr lang="de-DE" dirty="0" err="1">
-                <a:cs typeface="Calibri"/>
-              </a:rPr>
-              <a:t>function</a:t>
-            </a:r>
-            <a:r>
-              <a:rPr lang="de-DE" dirty="0">
-                <a:cs typeface="Calibri"/>
-              </a:rPr>
-              <a:t> </a:t>
-            </a:r>
-            <a:r>
-              <a:rPr lang="de-DE" dirty="0" err="1">
-                <a:cs typeface="Calibri"/>
-              </a:rPr>
-              <a:t>is</a:t>
-            </a:r>
-            <a:r>
-              <a:rPr lang="de-DE" dirty="0">
-                <a:cs typeface="Calibri"/>
-              </a:rPr>
-              <a:t> </a:t>
-            </a:r>
-            <a:r>
-              <a:rPr lang="de-DE" dirty="0" err="1">
+              <a:rPr lang="de-DE" sz="2400" dirty="0">
+                <a:cs typeface="Calibri"/>
+              </a:rPr>
+              <a:t> </a:t>
+            </a:r>
+            <a:r>
+              <a:rPr lang="de-DE" sz="2400" dirty="0" err="1">
                 <a:cs typeface="Calibri"/>
               </a:rPr>
               <a:t>short</a:t>
             </a:r>
             <a:r>
-              <a:rPr lang="de-DE" dirty="0">
-                <a:cs typeface="Calibri"/>
-              </a:rPr>
-              <a:t> </a:t>
-            </a:r>
-            <a:r>
-              <a:rPr lang="de-DE" dirty="0" err="1">
+              <a:rPr lang="de-DE" sz="2400" dirty="0">
+                <a:cs typeface="Calibri"/>
+              </a:rPr>
+              <a:t> </a:t>
+            </a:r>
+            <a:r>
+              <a:rPr lang="de-DE" sz="2400" dirty="0" err="1">
                 <a:cs typeface="Calibri"/>
               </a:rPr>
               <a:t>anyway</a:t>
             </a:r>
-            <a:r>
-              <a:rPr lang="de-DE" dirty="0">
-                <a:cs typeface="Calibri"/>
-              </a:rPr>
-              <a:t>)</a:t>
-            </a:r>
+            <a:endParaRPr lang="de-DE" sz="2400" dirty="0" err="1">
+              <a:solidFill>
+                <a:srgbClr val="404040"/>
+              </a:solidFill>
+              <a:cs typeface="Calibri"/>
+            </a:endParaRPr>
           </a:p>
         </p:txBody>
       </p:sp>
@@ -52432,6 +52853,1921 @@
           <p:cNvPr id="2" name="Titel 1">
             <a:extLst>
               <a:ext uri="{FF2B5EF4-FFF2-40B4-BE49-F238E27FC236}">
+                <a16:creationId xmlns:a16="http://schemas.microsoft.com/office/drawing/2014/main" id="{CA487C71-53FC-4735-A8E7-DA1377512BFE}"/>
+              </a:ext>
+            </a:extLst>
+          </p:cNvPr>
+          <p:cNvSpPr>
+            <a:spLocks noGrp="1"/>
+          </p:cNvSpPr>
+          <p:nvPr>
+            <p:ph type="title"/>
+          </p:nvPr>
+        </p:nvSpPr>
+        <p:spPr/>
+        <p:txBody>
+          <a:bodyPr/>
+          <a:lstStyle/>
+          <a:p>
+            <a:r>
+              <a:rPr lang="de-DE" dirty="0">
+                <a:cs typeface="Calibri Light"/>
+              </a:rPr>
+              <a:t>Lambda </a:t>
+            </a:r>
+            <a:r>
+              <a:rPr lang="de-DE" dirty="0" err="1">
+                <a:cs typeface="Calibri Light"/>
+              </a:rPr>
+              <a:t>Functions</a:t>
+            </a:r>
+            <a:r>
+              <a:rPr lang="de-DE" dirty="0">
+                <a:cs typeface="Calibri Light"/>
+              </a:rPr>
+              <a:t>  - </a:t>
+            </a:r>
+            <a:r>
+              <a:rPr lang="de-DE" dirty="0" err="1">
+                <a:cs typeface="Calibri Light"/>
+              </a:rPr>
+              <a:t>Assignment</a:t>
+            </a:r>
+            <a:endParaRPr lang="de-DE" dirty="0" err="1"/>
+          </a:p>
+        </p:txBody>
+      </p:sp>
+      <p:sp>
+        <p:nvSpPr>
+          <p:cNvPr id="3" name="Inhaltsplatzhalter 2">
+            <a:extLst>
+              <a:ext uri="{FF2B5EF4-FFF2-40B4-BE49-F238E27FC236}">
+                <a16:creationId xmlns:a16="http://schemas.microsoft.com/office/drawing/2014/main" id="{3364B052-1670-4F43-86A0-153690A800F1}"/>
+              </a:ext>
+            </a:extLst>
+          </p:cNvPr>
+          <p:cNvSpPr>
+            <a:spLocks noGrp="1"/>
+          </p:cNvSpPr>
+          <p:nvPr>
+            <p:ph idx="1"/>
+          </p:nvPr>
+        </p:nvSpPr>
+        <p:spPr/>
+        <p:txBody>
+          <a:bodyPr vert="horz" lIns="0" tIns="45720" rIns="0" bIns="45720" rtlCol="0" anchor="t">
+            <a:normAutofit/>
+          </a:bodyPr>
+          <a:lstStyle/>
+          <a:p>
+            <a:pPr marL="182245" indent="-182245"/>
+            <a:r>
+              <a:rPr lang="de-DE" dirty="0">
+                <a:cs typeface="Calibri"/>
+              </a:rPr>
+              <a:t>A </a:t>
+            </a:r>
+            <a:r>
+              <a:rPr lang="de-DE" dirty="0" err="1">
+                <a:cs typeface="Calibri"/>
+              </a:rPr>
+              <a:t>lambda</a:t>
+            </a:r>
+            <a:r>
+              <a:rPr lang="de-DE" dirty="0">
+                <a:cs typeface="Calibri"/>
+              </a:rPr>
+              <a:t> </a:t>
+            </a:r>
+            <a:r>
+              <a:rPr lang="de-DE" dirty="0" err="1">
+                <a:cs typeface="Calibri"/>
+              </a:rPr>
+              <a:t>function</a:t>
+            </a:r>
+            <a:r>
+              <a:rPr lang="de-DE" dirty="0">
+                <a:cs typeface="Calibri"/>
+              </a:rPr>
+              <a:t> </a:t>
+            </a:r>
+            <a:r>
+              <a:rPr lang="de-DE" dirty="0" err="1">
+                <a:cs typeface="Calibri"/>
+              </a:rPr>
+              <a:t>is</a:t>
+            </a:r>
+            <a:r>
+              <a:rPr lang="de-DE" dirty="0">
+                <a:cs typeface="Calibri"/>
+              </a:rPr>
+              <a:t> </a:t>
+            </a:r>
+            <a:r>
+              <a:rPr lang="de-DE" dirty="0" err="1">
+                <a:cs typeface="Calibri"/>
+              </a:rPr>
+              <a:t>defined</a:t>
+            </a:r>
+            <a:r>
+              <a:rPr lang="de-DE" dirty="0">
+                <a:cs typeface="Calibri"/>
+              </a:rPr>
+              <a:t> </a:t>
+            </a:r>
+            <a:r>
+              <a:rPr lang="de-DE" dirty="0" err="1">
+                <a:cs typeface="Calibri"/>
+              </a:rPr>
+              <a:t>by</a:t>
+            </a:r>
+            <a:r>
+              <a:rPr lang="de-DE" dirty="0">
+                <a:cs typeface="Calibri"/>
+              </a:rPr>
+              <a:t> </a:t>
+            </a:r>
+            <a:r>
+              <a:rPr lang="de-DE" dirty="0" err="1">
+                <a:cs typeface="Calibri"/>
+              </a:rPr>
+              <a:t>writing</a:t>
+            </a:r>
+            <a:r>
+              <a:rPr lang="de-DE" dirty="0">
+                <a:cs typeface="Calibri"/>
+              </a:rPr>
+              <a:t> </a:t>
+            </a:r>
+            <a:r>
+              <a:rPr lang="de-DE" dirty="0" err="1">
+                <a:latin typeface="Consolas"/>
+                <a:cs typeface="Calibri"/>
+              </a:rPr>
+              <a:t>lambda</a:t>
+            </a:r>
+            <a:r>
+              <a:rPr lang="de-DE" dirty="0">
+                <a:cs typeface="Calibri"/>
+              </a:rPr>
+              <a:t>, </a:t>
+            </a:r>
+            <a:r>
+              <a:rPr lang="de-DE" dirty="0" err="1">
+                <a:cs typeface="Calibri"/>
+              </a:rPr>
+              <a:t>the</a:t>
+            </a:r>
+            <a:r>
+              <a:rPr lang="de-DE" dirty="0">
+                <a:cs typeface="Calibri"/>
+              </a:rPr>
+              <a:t> </a:t>
+            </a:r>
+            <a:r>
+              <a:rPr lang="de-DE" dirty="0" err="1">
+                <a:latin typeface="Consolas"/>
+                <a:cs typeface="Calibri"/>
+              </a:rPr>
+              <a:t>parameters</a:t>
+            </a:r>
+            <a:r>
+              <a:rPr lang="de-DE" dirty="0">
+                <a:cs typeface="Calibri"/>
+              </a:rPr>
+              <a:t>, </a:t>
+            </a:r>
+            <a:r>
+              <a:rPr lang="de-DE" dirty="0">
+                <a:latin typeface="Consolas"/>
+                <a:cs typeface="Calibri"/>
+              </a:rPr>
+              <a:t>:</a:t>
+            </a:r>
+            <a:r>
+              <a:rPr lang="de-DE" dirty="0">
+                <a:cs typeface="Calibri"/>
+              </a:rPr>
+              <a:t> , and after </a:t>
+            </a:r>
+            <a:r>
+              <a:rPr lang="de-DE" dirty="0" err="1">
+                <a:cs typeface="Calibri"/>
+              </a:rPr>
+              <a:t>that</a:t>
+            </a:r>
+            <a:r>
+              <a:rPr lang="de-DE" dirty="0">
+                <a:cs typeface="Calibri"/>
+              </a:rPr>
+              <a:t> </a:t>
+            </a:r>
+            <a:r>
+              <a:rPr lang="de-DE" dirty="0" err="1">
+                <a:cs typeface="Calibri"/>
+              </a:rPr>
+              <a:t>the</a:t>
+            </a:r>
+            <a:r>
+              <a:rPr lang="de-DE" dirty="0">
+                <a:cs typeface="Calibri"/>
+              </a:rPr>
+              <a:t> </a:t>
+            </a:r>
+            <a:r>
+              <a:rPr lang="de-DE" dirty="0" err="1">
+                <a:cs typeface="Calibri"/>
+              </a:rPr>
+              <a:t>function</a:t>
+            </a:r>
+            <a:r>
+              <a:rPr lang="de-DE" dirty="0">
+                <a:cs typeface="Calibri"/>
+              </a:rPr>
+              <a:t> </a:t>
+            </a:r>
+            <a:r>
+              <a:rPr lang="de-DE" dirty="0" err="1">
+                <a:cs typeface="Calibri"/>
+              </a:rPr>
+              <a:t>statement</a:t>
+            </a:r>
+            <a:endParaRPr lang="de-DE" dirty="0" err="1"/>
+          </a:p>
+          <a:p>
+            <a:pPr marL="182245" indent="-182245"/>
+            <a:r>
+              <a:rPr lang="de-DE" dirty="0">
+                <a:cs typeface="Calibri"/>
+              </a:rPr>
+              <a:t>The </a:t>
+            </a:r>
+            <a:r>
+              <a:rPr lang="de-DE" dirty="0" err="1">
+                <a:cs typeface="Calibri"/>
+              </a:rPr>
+              <a:t>resulting</a:t>
+            </a:r>
+            <a:r>
+              <a:rPr lang="de-DE" dirty="0">
+                <a:cs typeface="Calibri"/>
+              </a:rPr>
+              <a:t> </a:t>
+            </a:r>
+            <a:r>
+              <a:rPr lang="de-DE" dirty="0" err="1">
+                <a:cs typeface="Calibri"/>
+              </a:rPr>
+              <a:t>anonymous</a:t>
+            </a:r>
+            <a:r>
+              <a:rPr lang="de-DE" dirty="0">
+                <a:cs typeface="Calibri"/>
+              </a:rPr>
+              <a:t> </a:t>
+            </a:r>
+            <a:r>
+              <a:rPr lang="de-DE" dirty="0" err="1">
+                <a:cs typeface="Calibri"/>
+              </a:rPr>
+              <a:t>function</a:t>
+            </a:r>
+            <a:r>
+              <a:rPr lang="de-DE" dirty="0">
+                <a:cs typeface="Calibri"/>
+              </a:rPr>
+              <a:t> </a:t>
+            </a:r>
+            <a:r>
+              <a:rPr lang="de-DE" dirty="0" err="1">
+                <a:cs typeface="Calibri"/>
+              </a:rPr>
+              <a:t>is</a:t>
+            </a:r>
+            <a:r>
+              <a:rPr lang="de-DE" dirty="0">
+                <a:cs typeface="Calibri"/>
+              </a:rPr>
+              <a:t> </a:t>
+            </a:r>
+            <a:r>
+              <a:rPr lang="de-DE" dirty="0" err="1">
+                <a:cs typeface="Calibri"/>
+              </a:rPr>
+              <a:t>then</a:t>
+            </a:r>
+            <a:r>
+              <a:rPr lang="de-DE" dirty="0">
+                <a:cs typeface="Calibri"/>
+              </a:rPr>
+              <a:t> </a:t>
+            </a:r>
+            <a:r>
+              <a:rPr lang="de-DE" dirty="0" err="1">
+                <a:cs typeface="Calibri"/>
+              </a:rPr>
+              <a:t>assigned</a:t>
+            </a:r>
+            <a:r>
+              <a:rPr lang="de-DE" dirty="0">
+                <a:cs typeface="Calibri"/>
+              </a:rPr>
+              <a:t> </a:t>
+            </a:r>
+            <a:r>
+              <a:rPr lang="de-DE" dirty="0" err="1">
+                <a:cs typeface="Calibri"/>
+              </a:rPr>
+              <a:t>to</a:t>
+            </a:r>
+            <a:r>
+              <a:rPr lang="de-DE" dirty="0">
+                <a:cs typeface="Calibri"/>
+              </a:rPr>
+              <a:t> a variable:</a:t>
+            </a:r>
+            <a:endParaRPr lang="de-DE" dirty="0">
+              <a:solidFill>
+                <a:schemeClr val="tx1"/>
+              </a:solidFill>
+            </a:endParaRPr>
+          </a:p>
+          <a:p>
+            <a:pPr marL="182245" indent="-182245"/>
+            <a:endParaRPr lang="de-DE" dirty="0">
+              <a:cs typeface="Calibri"/>
+            </a:endParaRPr>
+          </a:p>
+          <a:p>
+            <a:pPr marL="182245" indent="-182245"/>
+            <a:r>
+              <a:rPr lang="de-DE" dirty="0" err="1">
+                <a:cs typeface="Calibri"/>
+              </a:rPr>
+              <a:t>Compare</a:t>
+            </a:r>
+            <a:r>
+              <a:rPr lang="de-DE" dirty="0">
+                <a:cs typeface="Calibri"/>
+              </a:rPr>
+              <a:t> </a:t>
+            </a:r>
+            <a:r>
+              <a:rPr lang="de-DE" dirty="0" err="1">
+                <a:cs typeface="Calibri"/>
+              </a:rPr>
+              <a:t>with</a:t>
+            </a:r>
+            <a:r>
+              <a:rPr lang="de-DE" dirty="0">
+                <a:cs typeface="Calibri"/>
+              </a:rPr>
+              <a:t>:</a:t>
+            </a:r>
+          </a:p>
+        </p:txBody>
+      </p:sp>
+      <p:sp>
+        <p:nvSpPr>
+          <p:cNvPr id="4" name="Foliennummernplatzhalter 3">
+            <a:extLst>
+              <a:ext uri="{FF2B5EF4-FFF2-40B4-BE49-F238E27FC236}">
+                <a16:creationId xmlns:a16="http://schemas.microsoft.com/office/drawing/2014/main" id="{2F789EC5-2467-450A-BB88-F84AF214308A}"/>
+              </a:ext>
+            </a:extLst>
+          </p:cNvPr>
+          <p:cNvSpPr>
+            <a:spLocks noGrp="1"/>
+          </p:cNvSpPr>
+          <p:nvPr>
+            <p:ph type="sldNum" sz="quarter" idx="12"/>
+          </p:nvPr>
+        </p:nvSpPr>
+        <p:spPr/>
+        <p:txBody>
+          <a:bodyPr/>
+          <a:lstStyle/>
+          <a:p>
+            <a:fld id="{89C4E583-6443-4199-AF95-A2ECCC288D48}" type="slidenum">
+              <a:rPr lang="en-GB" smtClean="0"/>
+              <a:t>54</a:t>
+            </a:fld>
+            <a:endParaRPr lang="en-GB"/>
+          </a:p>
+        </p:txBody>
+      </p:sp>
+      <p:sp>
+        <p:nvSpPr>
+          <p:cNvPr id="6" name="Textfeld 5">
+            <a:extLst>
+              <a:ext uri="{FF2B5EF4-FFF2-40B4-BE49-F238E27FC236}">
+                <a16:creationId xmlns:a16="http://schemas.microsoft.com/office/drawing/2014/main" id="{B5C0427D-E34F-4E6B-A5B2-31E974075B46}"/>
+              </a:ext>
+            </a:extLst>
+          </p:cNvPr>
+          <p:cNvSpPr txBox="1"/>
+          <p:nvPr/>
+        </p:nvSpPr>
+        <p:spPr>
+          <a:xfrm>
+            <a:off x="1101302" y="3221959"/>
+            <a:ext cx="10075652" cy="369332"/>
+          </a:xfrm>
+          <a:prstGeom prst="rect">
+            <a:avLst/>
+          </a:prstGeom>
+          <a:solidFill>
+            <a:schemeClr val="bg1">
+              <a:lumMod val="95000"/>
+            </a:schemeClr>
+          </a:solidFill>
+        </p:spPr>
+        <p:txBody>
+          <a:bodyPr rot="0" spcFirstLastPara="0" vertOverflow="overflow" horzOverflow="overflow" vert="horz" wrap="square" lIns="91440" tIns="45720" rIns="91440" bIns="45720" numCol="1" spcCol="0" rtlCol="0" fromWordArt="0" anchor="t" anchorCtr="0" forceAA="0" compatLnSpc="1">
+            <a:prstTxWarp prst="textNoShape">
+              <a:avLst/>
+            </a:prstTxWarp>
+            <a:spAutoFit/>
+          </a:bodyPr>
+          <a:lstStyle/>
+          <a:p>
+            <a:r>
+              <a:rPr lang="de-DE" dirty="0" err="1">
+                <a:latin typeface="Consolas"/>
+              </a:rPr>
+              <a:t>square</a:t>
+            </a:r>
+            <a:r>
+              <a:rPr lang="de-DE" dirty="0">
+                <a:latin typeface="Consolas"/>
+              </a:rPr>
+              <a:t> = </a:t>
+            </a:r>
+            <a:r>
+              <a:rPr lang="de-DE" dirty="0" err="1">
+                <a:latin typeface="Consolas"/>
+              </a:rPr>
+              <a:t>lambda</a:t>
+            </a:r>
+            <a:r>
+              <a:rPr lang="de-DE" dirty="0">
+                <a:latin typeface="Consolas"/>
+              </a:rPr>
+              <a:t> x: x**2</a:t>
+            </a:r>
+            <a:endParaRPr lang="de-DE" dirty="0"/>
+          </a:p>
+        </p:txBody>
+      </p:sp>
+      <p:sp>
+        <p:nvSpPr>
+          <p:cNvPr id="7" name="Textfeld 6">
+            <a:extLst>
+              <a:ext uri="{FF2B5EF4-FFF2-40B4-BE49-F238E27FC236}">
+                <a16:creationId xmlns:a16="http://schemas.microsoft.com/office/drawing/2014/main" id="{E77AFB84-DA7C-4AC5-AA09-9555B6FDCFBA}"/>
+              </a:ext>
+            </a:extLst>
+          </p:cNvPr>
+          <p:cNvSpPr txBox="1"/>
+          <p:nvPr/>
+        </p:nvSpPr>
+        <p:spPr>
+          <a:xfrm>
+            <a:off x="1101301" y="4199619"/>
+            <a:ext cx="10075652" cy="646331"/>
+          </a:xfrm>
+          <a:prstGeom prst="rect">
+            <a:avLst/>
+          </a:prstGeom>
+          <a:solidFill>
+            <a:schemeClr val="bg1">
+              <a:lumMod val="95000"/>
+            </a:schemeClr>
+          </a:solidFill>
+        </p:spPr>
+        <p:txBody>
+          <a:bodyPr rot="0" spcFirstLastPara="0" vertOverflow="overflow" horzOverflow="overflow" vert="horz" wrap="square" lIns="91440" tIns="45720" rIns="91440" bIns="45720" numCol="1" spcCol="0" rtlCol="0" fromWordArt="0" anchor="t" anchorCtr="0" forceAA="0" compatLnSpc="1">
+            <a:prstTxWarp prst="textNoShape">
+              <a:avLst/>
+            </a:prstTxWarp>
+            <a:spAutoFit/>
+          </a:bodyPr>
+          <a:lstStyle/>
+          <a:p>
+            <a:r>
+              <a:rPr lang="de-DE" dirty="0" err="1">
+                <a:latin typeface="Consolas"/>
+              </a:rPr>
+              <a:t>def</a:t>
+            </a:r>
+            <a:r>
+              <a:rPr lang="de-DE" dirty="0">
+                <a:latin typeface="Consolas"/>
+              </a:rPr>
+              <a:t> </a:t>
+            </a:r>
+            <a:r>
+              <a:rPr lang="de-DE" dirty="0" err="1">
+                <a:latin typeface="Consolas"/>
+              </a:rPr>
+              <a:t>square</a:t>
+            </a:r>
+            <a:r>
+              <a:rPr lang="de-DE" dirty="0">
+                <a:latin typeface="Consolas"/>
+              </a:rPr>
+              <a:t>(x):</a:t>
+            </a:r>
+          </a:p>
+          <a:p>
+            <a:r>
+              <a:rPr lang="de-DE" dirty="0">
+                <a:latin typeface="Consolas"/>
+              </a:rPr>
+              <a:t>     </a:t>
+            </a:r>
+            <a:r>
+              <a:rPr lang="de-DE" dirty="0" err="1">
+                <a:latin typeface="Consolas"/>
+              </a:rPr>
+              <a:t>return</a:t>
+            </a:r>
+            <a:r>
+              <a:rPr lang="de-DE" dirty="0">
+                <a:latin typeface="Consolas"/>
+              </a:rPr>
+              <a:t> x**2</a:t>
+            </a:r>
+          </a:p>
+        </p:txBody>
+      </p:sp>
+    </p:spTree>
+    <p:extLst>
+      <p:ext uri="{BB962C8B-B14F-4D97-AF65-F5344CB8AC3E}">
+        <p14:creationId xmlns:p14="http://schemas.microsoft.com/office/powerpoint/2010/main" val="3368698885"/>
+      </p:ext>
+    </p:extLst>
+  </p:cSld>
+  <p:clrMapOvr>
+    <a:masterClrMapping/>
+  </p:clrMapOvr>
+</p:sld>
+</file>
+
+<file path=ppt/slides/slide55.xml><?xml version="1.0" encoding="utf-8"?>
+<p:sld xmlns:a="http://schemas.openxmlformats.org/drawingml/2006/main" xmlns:r="http://schemas.openxmlformats.org/officeDocument/2006/relationships" xmlns:p="http://schemas.openxmlformats.org/presentationml/2006/main">
+  <p:cSld>
+    <p:spTree>
+      <p:nvGrpSpPr>
+        <p:cNvPr id="1" name=""/>
+        <p:cNvGrpSpPr/>
+        <p:nvPr/>
+      </p:nvGrpSpPr>
+      <p:grpSpPr>
+        <a:xfrm>
+          <a:off x="0" y="0"/>
+          <a:ext cx="0" cy="0"/>
+          <a:chOff x="0" y="0"/>
+          <a:chExt cx="0" cy="0"/>
+        </a:xfrm>
+      </p:grpSpPr>
+      <p:sp>
+        <p:nvSpPr>
+          <p:cNvPr id="2" name="Titel 1">
+            <a:extLst>
+              <a:ext uri="{FF2B5EF4-FFF2-40B4-BE49-F238E27FC236}">
+                <a16:creationId xmlns:a16="http://schemas.microsoft.com/office/drawing/2014/main" id="{8B3548FF-EB73-46CF-85F1-C8102113A5A9}"/>
+              </a:ext>
+            </a:extLst>
+          </p:cNvPr>
+          <p:cNvSpPr>
+            <a:spLocks noGrp="1"/>
+          </p:cNvSpPr>
+          <p:nvPr>
+            <p:ph type="title"/>
+          </p:nvPr>
+        </p:nvSpPr>
+        <p:spPr/>
+        <p:txBody>
+          <a:bodyPr/>
+          <a:lstStyle/>
+          <a:p>
+            <a:r>
+              <a:rPr lang="de-DE" dirty="0">
+                <a:cs typeface="Calibri Light"/>
+              </a:rPr>
+              <a:t>Lambda </a:t>
+            </a:r>
+            <a:r>
+              <a:rPr lang="de-DE" dirty="0" err="1">
+                <a:cs typeface="Calibri Light"/>
+              </a:rPr>
+              <a:t>Functions</a:t>
+            </a:r>
+            <a:r>
+              <a:rPr lang="de-DE" dirty="0">
+                <a:cs typeface="Calibri Light"/>
+              </a:rPr>
+              <a:t> - </a:t>
+            </a:r>
+            <a:r>
+              <a:rPr lang="de-DE" dirty="0" err="1">
+                <a:cs typeface="Calibri Light"/>
+              </a:rPr>
+              <a:t>Uses</a:t>
+            </a:r>
+            <a:endParaRPr lang="de-DE" dirty="0" err="1"/>
+          </a:p>
+        </p:txBody>
+      </p:sp>
+      <p:sp>
+        <p:nvSpPr>
+          <p:cNvPr id="3" name="Inhaltsplatzhalter 2">
+            <a:extLst>
+              <a:ext uri="{FF2B5EF4-FFF2-40B4-BE49-F238E27FC236}">
+                <a16:creationId xmlns:a16="http://schemas.microsoft.com/office/drawing/2014/main" id="{2EE147D3-8039-4357-8204-74476B469D5D}"/>
+              </a:ext>
+            </a:extLst>
+          </p:cNvPr>
+          <p:cNvSpPr>
+            <a:spLocks noGrp="1"/>
+          </p:cNvSpPr>
+          <p:nvPr>
+            <p:ph idx="1"/>
+          </p:nvPr>
+        </p:nvSpPr>
+        <p:spPr/>
+        <p:txBody>
+          <a:bodyPr vert="horz" lIns="0" tIns="45720" rIns="0" bIns="45720" rtlCol="0" anchor="t">
+            <a:normAutofit/>
+          </a:bodyPr>
+          <a:lstStyle/>
+          <a:p>
+            <a:pPr marL="182245" indent="-182245"/>
+            <a:r>
+              <a:rPr lang="de-DE" dirty="0" err="1">
+                <a:cs typeface="Calibri"/>
+              </a:rPr>
+              <a:t>They</a:t>
+            </a:r>
+            <a:r>
+              <a:rPr lang="de-DE" dirty="0">
+                <a:cs typeface="Calibri"/>
+              </a:rPr>
+              <a:t> </a:t>
+            </a:r>
+            <a:r>
+              <a:rPr lang="de-DE" dirty="0" err="1">
+                <a:cs typeface="Calibri"/>
+              </a:rPr>
+              <a:t>are</a:t>
+            </a:r>
+            <a:r>
+              <a:rPr lang="de-DE" dirty="0">
+                <a:cs typeface="Calibri"/>
+              </a:rPr>
+              <a:t> </a:t>
+            </a:r>
+            <a:r>
+              <a:rPr lang="de-DE" dirty="0" err="1">
+                <a:cs typeface="Calibri"/>
+              </a:rPr>
+              <a:t>useful</a:t>
+            </a:r>
+            <a:r>
+              <a:rPr lang="de-DE" dirty="0">
+                <a:cs typeface="Calibri"/>
+              </a:rPr>
+              <a:t> </a:t>
+            </a:r>
+            <a:r>
+              <a:rPr lang="de-DE" dirty="0" err="1">
+                <a:cs typeface="Calibri"/>
+              </a:rPr>
+              <a:t>as</a:t>
+            </a:r>
+            <a:r>
+              <a:rPr lang="de-DE" dirty="0">
+                <a:cs typeface="Calibri"/>
+              </a:rPr>
+              <a:t> </a:t>
+            </a:r>
+            <a:r>
+              <a:rPr lang="de-DE" dirty="0" err="1">
+                <a:cs typeface="Calibri"/>
+              </a:rPr>
+              <a:t>functions</a:t>
+            </a:r>
+            <a:r>
+              <a:rPr lang="de-DE" dirty="0">
+                <a:cs typeface="Calibri"/>
+              </a:rPr>
+              <a:t> </a:t>
+            </a:r>
+            <a:r>
+              <a:rPr lang="de-DE" dirty="0" err="1">
+                <a:cs typeface="Calibri"/>
+              </a:rPr>
+              <a:t>that</a:t>
+            </a:r>
+            <a:r>
+              <a:rPr lang="de-DE" dirty="0">
+                <a:cs typeface="Calibri"/>
+              </a:rPr>
+              <a:t> </a:t>
+            </a:r>
+            <a:r>
+              <a:rPr lang="de-DE" dirty="0" err="1">
+                <a:cs typeface="Calibri"/>
+              </a:rPr>
+              <a:t>are</a:t>
+            </a:r>
+            <a:r>
+              <a:rPr lang="de-DE" dirty="0">
+                <a:cs typeface="Calibri"/>
+              </a:rPr>
+              <a:t> </a:t>
+            </a:r>
+            <a:r>
+              <a:rPr lang="de-DE" dirty="0" err="1">
+                <a:cs typeface="Calibri"/>
+              </a:rPr>
+              <a:t>only</a:t>
+            </a:r>
+            <a:r>
+              <a:rPr lang="de-DE" dirty="0">
+                <a:cs typeface="Calibri"/>
+              </a:rPr>
+              <a:t> </a:t>
+            </a:r>
+            <a:r>
+              <a:rPr lang="de-DE" dirty="0" err="1">
+                <a:cs typeface="Calibri"/>
+              </a:rPr>
+              <a:t>needed</a:t>
+            </a:r>
+            <a:r>
+              <a:rPr lang="de-DE" dirty="0">
+                <a:cs typeface="Calibri"/>
+              </a:rPr>
+              <a:t> </a:t>
+            </a:r>
+            <a:r>
+              <a:rPr lang="de-DE" b="1" dirty="0" err="1">
+                <a:cs typeface="Calibri"/>
+              </a:rPr>
+              <a:t>temporarily</a:t>
+            </a:r>
+            <a:endParaRPr lang="de-DE" dirty="0" err="1">
+              <a:solidFill>
+                <a:srgbClr val="000000"/>
+              </a:solidFill>
+              <a:cs typeface="Calibri"/>
+            </a:endParaRPr>
+          </a:p>
+          <a:p>
+            <a:pPr marL="182245" indent="-182245"/>
+            <a:endParaRPr lang="de-DE" dirty="0">
+              <a:cs typeface="Calibri"/>
+            </a:endParaRPr>
+          </a:p>
+          <a:p>
+            <a:pPr marL="182245" indent="-182245"/>
+            <a:r>
+              <a:rPr lang="de-DE" dirty="0" err="1">
+                <a:cs typeface="Calibri"/>
+              </a:rPr>
+              <a:t>Another</a:t>
+            </a:r>
+            <a:r>
+              <a:rPr lang="de-DE" dirty="0">
+                <a:cs typeface="Calibri"/>
+              </a:rPr>
+              <a:t> </a:t>
+            </a:r>
+            <a:r>
+              <a:rPr lang="de-DE" dirty="0" err="1">
+                <a:cs typeface="Calibri"/>
+              </a:rPr>
+              <a:t>common</a:t>
+            </a:r>
+            <a:r>
+              <a:rPr lang="de-DE" dirty="0">
+                <a:cs typeface="Calibri"/>
+              </a:rPr>
+              <a:t> </a:t>
+            </a:r>
+            <a:r>
+              <a:rPr lang="de-DE" dirty="0" err="1">
+                <a:cs typeface="Calibri"/>
+              </a:rPr>
+              <a:t>use</a:t>
+            </a:r>
+            <a:r>
+              <a:rPr lang="de-DE" dirty="0">
+                <a:cs typeface="Calibri"/>
+              </a:rPr>
+              <a:t> </a:t>
+            </a:r>
+            <a:r>
+              <a:rPr lang="de-DE" dirty="0" err="1">
+                <a:cs typeface="Calibri"/>
+              </a:rPr>
+              <a:t>for</a:t>
+            </a:r>
+            <a:r>
+              <a:rPr lang="de-DE" dirty="0">
+                <a:cs typeface="Calibri"/>
+              </a:rPr>
+              <a:t> </a:t>
+            </a:r>
+            <a:r>
+              <a:rPr lang="de-DE" dirty="0" err="1">
+                <a:cs typeface="Calibri"/>
+              </a:rPr>
+              <a:t>lambda</a:t>
+            </a:r>
+            <a:r>
+              <a:rPr lang="de-DE" dirty="0">
+                <a:cs typeface="Calibri"/>
+              </a:rPr>
+              <a:t> </a:t>
+            </a:r>
+            <a:r>
+              <a:rPr lang="de-DE" dirty="0" err="1">
+                <a:cs typeface="Calibri"/>
+              </a:rPr>
+              <a:t>functions</a:t>
+            </a:r>
+            <a:r>
+              <a:rPr lang="de-DE" dirty="0">
+                <a:cs typeface="Calibri"/>
+              </a:rPr>
+              <a:t> </a:t>
+            </a:r>
+            <a:r>
+              <a:rPr lang="de-DE" dirty="0" err="1">
+                <a:cs typeface="Calibri"/>
+              </a:rPr>
+              <a:t>is</a:t>
+            </a:r>
+            <a:r>
+              <a:rPr lang="de-DE" dirty="0">
+                <a:cs typeface="Calibri"/>
+              </a:rPr>
+              <a:t> </a:t>
+            </a:r>
+            <a:r>
+              <a:rPr lang="de-DE" dirty="0" err="1">
+                <a:cs typeface="Calibri"/>
+              </a:rPr>
+              <a:t>as</a:t>
+            </a:r>
+            <a:r>
+              <a:rPr lang="de-DE" dirty="0">
+                <a:cs typeface="Calibri"/>
+              </a:rPr>
+              <a:t> </a:t>
+            </a:r>
+            <a:r>
+              <a:rPr lang="de-DE" dirty="0" err="1">
+                <a:cs typeface="Calibri"/>
+              </a:rPr>
+              <a:t>functions</a:t>
+            </a:r>
+            <a:r>
+              <a:rPr lang="de-DE" dirty="0">
+                <a:cs typeface="Calibri"/>
+              </a:rPr>
+              <a:t> </a:t>
+            </a:r>
+            <a:r>
+              <a:rPr lang="de-DE" b="1" dirty="0" err="1">
+                <a:cs typeface="Calibri"/>
+              </a:rPr>
+              <a:t>used</a:t>
+            </a:r>
+            <a:r>
+              <a:rPr lang="de-DE" b="1" dirty="0">
+                <a:cs typeface="Calibri"/>
+              </a:rPr>
+              <a:t> </a:t>
+            </a:r>
+            <a:r>
+              <a:rPr lang="de-DE" b="1" dirty="0" err="1">
+                <a:cs typeface="Calibri"/>
+              </a:rPr>
+              <a:t>as</a:t>
+            </a:r>
+            <a:r>
+              <a:rPr lang="de-DE" b="1" dirty="0">
+                <a:cs typeface="Calibri"/>
+              </a:rPr>
+              <a:t> </a:t>
+            </a:r>
+            <a:r>
+              <a:rPr lang="de-DE" b="1" dirty="0" err="1">
+                <a:cs typeface="Calibri"/>
+              </a:rPr>
+              <a:t>arguments</a:t>
+            </a:r>
+            <a:r>
+              <a:rPr lang="de-DE" dirty="0">
+                <a:cs typeface="Calibri"/>
+              </a:rPr>
+              <a:t> </a:t>
+            </a:r>
+            <a:r>
+              <a:rPr lang="de-DE" dirty="0" err="1">
+                <a:cs typeface="Calibri"/>
+              </a:rPr>
+              <a:t>for</a:t>
+            </a:r>
+            <a:r>
+              <a:rPr lang="de-DE" dirty="0">
+                <a:cs typeface="Calibri"/>
+              </a:rPr>
+              <a:t> </a:t>
+            </a:r>
+            <a:r>
+              <a:rPr lang="de-DE" dirty="0" err="1">
+                <a:cs typeface="Calibri"/>
+              </a:rPr>
+              <a:t>other</a:t>
+            </a:r>
+            <a:r>
+              <a:rPr lang="de-DE" dirty="0">
+                <a:cs typeface="Calibri"/>
+              </a:rPr>
+              <a:t> </a:t>
+            </a:r>
+            <a:r>
+              <a:rPr lang="de-DE" dirty="0" err="1">
+                <a:cs typeface="Calibri"/>
+              </a:rPr>
+              <a:t>functions</a:t>
+            </a:r>
+            <a:r>
+              <a:rPr lang="de-DE" dirty="0">
+                <a:cs typeface="Calibri"/>
+              </a:rPr>
+              <a:t>:</a:t>
+            </a:r>
+          </a:p>
+          <a:p>
+            <a:pPr marL="182245" indent="-182245"/>
+            <a:endParaRPr lang="de-DE" dirty="0">
+              <a:solidFill>
+                <a:srgbClr val="404040"/>
+              </a:solidFill>
+              <a:cs typeface="Calibri"/>
+            </a:endParaRPr>
+          </a:p>
+        </p:txBody>
+      </p:sp>
+      <p:sp>
+        <p:nvSpPr>
+          <p:cNvPr id="4" name="Foliennummernplatzhalter 3">
+            <a:extLst>
+              <a:ext uri="{FF2B5EF4-FFF2-40B4-BE49-F238E27FC236}">
+                <a16:creationId xmlns:a16="http://schemas.microsoft.com/office/drawing/2014/main" id="{A252162A-873B-49C4-B296-C47C9605DE1A}"/>
+              </a:ext>
+            </a:extLst>
+          </p:cNvPr>
+          <p:cNvSpPr>
+            <a:spLocks noGrp="1"/>
+          </p:cNvSpPr>
+          <p:nvPr>
+            <p:ph type="sldNum" sz="quarter" idx="12"/>
+          </p:nvPr>
+        </p:nvSpPr>
+        <p:spPr/>
+        <p:txBody>
+          <a:bodyPr/>
+          <a:lstStyle/>
+          <a:p>
+            <a:fld id="{89C4E583-6443-4199-AF95-A2ECCC288D48}" type="slidenum">
+              <a:rPr lang="en-GB" smtClean="0"/>
+              <a:t>55</a:t>
+            </a:fld>
+            <a:endParaRPr lang="en-GB"/>
+          </a:p>
+        </p:txBody>
+      </p:sp>
+      <p:sp>
+        <p:nvSpPr>
+          <p:cNvPr id="5" name="Textfeld 1">
+            <a:extLst>
+              <a:ext uri="{FF2B5EF4-FFF2-40B4-BE49-F238E27FC236}">
+                <a16:creationId xmlns:a16="http://schemas.microsoft.com/office/drawing/2014/main" id="{6C5D327E-FF6C-482C-9BAE-1B36246CA526}"/>
+              </a:ext>
+            </a:extLst>
+          </p:cNvPr>
+          <p:cNvSpPr txBox="1"/>
+          <p:nvPr/>
+        </p:nvSpPr>
+        <p:spPr>
+          <a:xfrm>
+            <a:off x="1101303" y="3667665"/>
+            <a:ext cx="10075652" cy="369332"/>
+          </a:xfrm>
+          <a:prstGeom prst="rect">
+            <a:avLst/>
+          </a:prstGeom>
+          <a:solidFill>
+            <a:schemeClr val="bg1">
+              <a:lumMod val="95000"/>
+            </a:schemeClr>
+          </a:solidFill>
+        </p:spPr>
+        <p:txBody>
+          <a:bodyPr rot="0" spcFirstLastPara="0" vert="horz" wrap="square" lIns="91440" tIns="45720" rIns="91440" bIns="45720" numCol="1" spcCol="0" rtlCol="0" fromWordArt="0" anchor="t" anchorCtr="0" forceAA="0" compatLnSpc="1">
+            <a:prstTxWarp prst="textNoShape">
+              <a:avLst/>
+            </a:prstTxWarp>
+            <a:spAutoFit/>
+          </a:bodyPr>
+          <a:lstStyle>
+            <a:defPPr>
+              <a:defRPr lang="en-US"/>
+            </a:defPPr>
+            <a:lvl1pPr marL="0" algn="l" defTabSz="457200" rtl="0" eaLnBrk="1" latinLnBrk="0" hangingPunct="1">
+              <a:defRPr sz="1800" kern="1200">
+                <a:solidFill>
+                  <a:schemeClr val="tx1"/>
+                </a:solidFill>
+                <a:latin typeface="+mn-lt"/>
+                <a:ea typeface="+mn-ea"/>
+                <a:cs typeface="+mn-cs"/>
+              </a:defRPr>
+            </a:lvl1pPr>
+            <a:lvl2pPr marL="457200" algn="l" defTabSz="457200" rtl="0" eaLnBrk="1" latinLnBrk="0" hangingPunct="1">
+              <a:defRPr sz="1800" kern="1200">
+                <a:solidFill>
+                  <a:schemeClr val="tx1"/>
+                </a:solidFill>
+                <a:latin typeface="+mn-lt"/>
+                <a:ea typeface="+mn-ea"/>
+                <a:cs typeface="+mn-cs"/>
+              </a:defRPr>
+            </a:lvl2pPr>
+            <a:lvl3pPr marL="914400" algn="l" defTabSz="457200" rtl="0" eaLnBrk="1" latinLnBrk="0" hangingPunct="1">
+              <a:defRPr sz="1800" kern="1200">
+                <a:solidFill>
+                  <a:schemeClr val="tx1"/>
+                </a:solidFill>
+                <a:latin typeface="+mn-lt"/>
+                <a:ea typeface="+mn-ea"/>
+                <a:cs typeface="+mn-cs"/>
+              </a:defRPr>
+            </a:lvl3pPr>
+            <a:lvl4pPr marL="1371600" algn="l" defTabSz="457200" rtl="0" eaLnBrk="1" latinLnBrk="0" hangingPunct="1">
+              <a:defRPr sz="1800" kern="1200">
+                <a:solidFill>
+                  <a:schemeClr val="tx1"/>
+                </a:solidFill>
+                <a:latin typeface="+mn-lt"/>
+                <a:ea typeface="+mn-ea"/>
+                <a:cs typeface="+mn-cs"/>
+              </a:defRPr>
+            </a:lvl4pPr>
+            <a:lvl5pPr marL="1828800" algn="l" defTabSz="457200" rtl="0" eaLnBrk="1" latinLnBrk="0" hangingPunct="1">
+              <a:defRPr sz="1800" kern="1200">
+                <a:solidFill>
+                  <a:schemeClr val="tx1"/>
+                </a:solidFill>
+                <a:latin typeface="+mn-lt"/>
+                <a:ea typeface="+mn-ea"/>
+                <a:cs typeface="+mn-cs"/>
+              </a:defRPr>
+            </a:lvl5pPr>
+            <a:lvl6pPr marL="2286000" algn="l" defTabSz="457200" rtl="0" eaLnBrk="1" latinLnBrk="0" hangingPunct="1">
+              <a:defRPr sz="1800" kern="1200">
+                <a:solidFill>
+                  <a:schemeClr val="tx1"/>
+                </a:solidFill>
+                <a:latin typeface="+mn-lt"/>
+                <a:ea typeface="+mn-ea"/>
+                <a:cs typeface="+mn-cs"/>
+              </a:defRPr>
+            </a:lvl6pPr>
+            <a:lvl7pPr marL="2743200" algn="l" defTabSz="457200" rtl="0" eaLnBrk="1" latinLnBrk="0" hangingPunct="1">
+              <a:defRPr sz="1800" kern="1200">
+                <a:solidFill>
+                  <a:schemeClr val="tx1"/>
+                </a:solidFill>
+                <a:latin typeface="+mn-lt"/>
+                <a:ea typeface="+mn-ea"/>
+                <a:cs typeface="+mn-cs"/>
+              </a:defRPr>
+            </a:lvl7pPr>
+            <a:lvl8pPr marL="3200400" algn="l" defTabSz="457200" rtl="0" eaLnBrk="1" latinLnBrk="0" hangingPunct="1">
+              <a:defRPr sz="1800" kern="1200">
+                <a:solidFill>
+                  <a:schemeClr val="tx1"/>
+                </a:solidFill>
+                <a:latin typeface="+mn-lt"/>
+                <a:ea typeface="+mn-ea"/>
+                <a:cs typeface="+mn-cs"/>
+              </a:defRPr>
+            </a:lvl8pPr>
+            <a:lvl9pPr marL="3657600" algn="l" defTabSz="457200" rtl="0" eaLnBrk="1" latinLnBrk="0" hangingPunct="1">
+              <a:defRPr sz="1800" kern="1200">
+                <a:solidFill>
+                  <a:schemeClr val="tx1"/>
+                </a:solidFill>
+                <a:latin typeface="+mn-lt"/>
+                <a:ea typeface="+mn-ea"/>
+                <a:cs typeface="+mn-cs"/>
+              </a:defRPr>
+            </a:lvl9pPr>
+          </a:lstStyle>
+          <a:p>
+            <a:r>
+              <a:rPr lang="de-DE" b="1" dirty="0" err="1">
+                <a:latin typeface="Consolas"/>
+              </a:rPr>
+              <a:t>sorted</a:t>
+            </a:r>
+            <a:r>
+              <a:rPr lang="de-DE" dirty="0"/>
+              <a:t>(</a:t>
+            </a:r>
+            <a:r>
+              <a:rPr lang="de-DE" i="1" dirty="0" err="1"/>
+              <a:t>iterable</a:t>
+            </a:r>
+            <a:r>
+              <a:rPr lang="de-DE" dirty="0"/>
+              <a:t>, </a:t>
+            </a:r>
+            <a:r>
+              <a:rPr lang="de-DE" i="1" dirty="0"/>
+              <a:t>*</a:t>
+            </a:r>
+            <a:r>
+              <a:rPr lang="de-DE" dirty="0"/>
+              <a:t>, </a:t>
+            </a:r>
+            <a:r>
+              <a:rPr lang="de-DE" i="1" dirty="0" err="1"/>
+              <a:t>key</a:t>
+            </a:r>
+            <a:r>
+              <a:rPr lang="de-DE" i="1" dirty="0"/>
+              <a:t>=None</a:t>
+            </a:r>
+            <a:r>
+              <a:rPr lang="de-DE" dirty="0"/>
+              <a:t>, </a:t>
+            </a:r>
+            <a:r>
+              <a:rPr lang="de-DE" i="1" dirty="0"/>
+              <a:t>reverse=</a:t>
+            </a:r>
+            <a:r>
+              <a:rPr lang="de-DE" i="1" dirty="0" err="1"/>
+              <a:t>False</a:t>
+            </a:r>
+            <a:r>
+              <a:rPr lang="de-DE" dirty="0"/>
+              <a:t>)</a:t>
+            </a:r>
+          </a:p>
+        </p:txBody>
+      </p:sp>
+    </p:spTree>
+    <p:extLst>
+      <p:ext uri="{BB962C8B-B14F-4D97-AF65-F5344CB8AC3E}">
+        <p14:creationId xmlns:p14="http://schemas.microsoft.com/office/powerpoint/2010/main" val="2457584161"/>
+      </p:ext>
+    </p:extLst>
+  </p:cSld>
+  <p:clrMapOvr>
+    <a:masterClrMapping/>
+  </p:clrMapOvr>
+</p:sld>
+</file>
+
+<file path=ppt/slides/slide56.xml><?xml version="1.0" encoding="utf-8"?>
+<p:sld xmlns:a="http://schemas.openxmlformats.org/drawingml/2006/main" xmlns:r="http://schemas.openxmlformats.org/officeDocument/2006/relationships" xmlns:p="http://schemas.openxmlformats.org/presentationml/2006/main">
+  <p:cSld>
+    <p:spTree>
+      <p:nvGrpSpPr>
+        <p:cNvPr id="1" name=""/>
+        <p:cNvGrpSpPr/>
+        <p:nvPr/>
+      </p:nvGrpSpPr>
+      <p:grpSpPr>
+        <a:xfrm>
+          <a:off x="0" y="0"/>
+          <a:ext cx="0" cy="0"/>
+          <a:chOff x="0" y="0"/>
+          <a:chExt cx="0" cy="0"/>
+        </a:xfrm>
+      </p:grpSpPr>
+      <p:sp>
+        <p:nvSpPr>
+          <p:cNvPr id="2" name="Titel 1">
+            <a:extLst>
+              <a:ext uri="{FF2B5EF4-FFF2-40B4-BE49-F238E27FC236}">
+                <a16:creationId xmlns:a16="http://schemas.microsoft.com/office/drawing/2014/main" id="{F53B2C45-F3E2-4AFA-BFA6-8CC66412D31F}"/>
+              </a:ext>
+            </a:extLst>
+          </p:cNvPr>
+          <p:cNvSpPr>
+            <a:spLocks noGrp="1"/>
+          </p:cNvSpPr>
+          <p:nvPr>
+            <p:ph type="title"/>
+          </p:nvPr>
+        </p:nvSpPr>
+        <p:spPr/>
+        <p:txBody>
+          <a:bodyPr/>
+          <a:lstStyle/>
+          <a:p>
+            <a:r>
+              <a:rPr lang="de-DE" dirty="0">
+                <a:cs typeface="Calibri Light"/>
+              </a:rPr>
+              <a:t>Lambda </a:t>
+            </a:r>
+            <a:r>
+              <a:rPr lang="de-DE" dirty="0" err="1">
+                <a:cs typeface="Calibri Light"/>
+              </a:rPr>
+              <a:t>Functions</a:t>
+            </a:r>
+            <a:r>
+              <a:rPr lang="de-DE" dirty="0">
+                <a:cs typeface="Calibri Light"/>
+              </a:rPr>
+              <a:t>  - Common </a:t>
+            </a:r>
+            <a:r>
+              <a:rPr lang="de-DE" dirty="0" err="1"/>
+              <a:t>Uses</a:t>
+            </a:r>
+          </a:p>
+        </p:txBody>
+      </p:sp>
+      <p:sp>
+        <p:nvSpPr>
+          <p:cNvPr id="3" name="Inhaltsplatzhalter 2">
+            <a:extLst>
+              <a:ext uri="{FF2B5EF4-FFF2-40B4-BE49-F238E27FC236}">
+                <a16:creationId xmlns:a16="http://schemas.microsoft.com/office/drawing/2014/main" id="{61260618-6B83-465F-A4DB-AE88543A6D9D}"/>
+              </a:ext>
+            </a:extLst>
+          </p:cNvPr>
+          <p:cNvSpPr>
+            <a:spLocks noGrp="1"/>
+          </p:cNvSpPr>
+          <p:nvPr>
+            <p:ph idx="1"/>
+          </p:nvPr>
+        </p:nvSpPr>
+        <p:spPr>
+          <a:xfrm>
+            <a:off x="1097280" y="1874489"/>
+            <a:ext cx="10058400" cy="3965850"/>
+          </a:xfrm>
+        </p:spPr>
+        <p:txBody>
+          <a:bodyPr vert="horz" lIns="0" tIns="45720" rIns="0" bIns="45720" rtlCol="0" anchor="t">
+            <a:normAutofit/>
+          </a:bodyPr>
+          <a:lstStyle/>
+          <a:p>
+            <a:pPr marL="182245" indent="-182245"/>
+            <a:r>
+              <a:rPr lang="de-DE" dirty="0">
+                <a:cs typeface="Calibri"/>
+              </a:rPr>
+              <a:t>So </a:t>
+            </a:r>
+            <a:r>
+              <a:rPr lang="de-DE" dirty="0" err="1">
+                <a:cs typeface="Calibri"/>
+              </a:rPr>
+              <a:t>we</a:t>
+            </a:r>
+            <a:r>
+              <a:rPr lang="de-DE" dirty="0">
+                <a:cs typeface="Calibri"/>
+              </a:rPr>
+              <a:t> </a:t>
+            </a:r>
+            <a:r>
+              <a:rPr lang="de-DE" dirty="0" err="1">
+                <a:cs typeface="Calibri"/>
+              </a:rPr>
+              <a:t>can</a:t>
+            </a:r>
+            <a:r>
+              <a:rPr lang="de-DE" dirty="0">
+                <a:cs typeface="Calibri"/>
+              </a:rPr>
+              <a:t> </a:t>
+            </a:r>
+            <a:r>
+              <a:rPr lang="de-DE" dirty="0" err="1">
+                <a:cs typeface="Calibri"/>
+              </a:rPr>
+              <a:t>use</a:t>
+            </a:r>
+            <a:r>
+              <a:rPr lang="de-DE" dirty="0">
+                <a:cs typeface="Calibri"/>
+              </a:rPr>
+              <a:t> a </a:t>
+            </a:r>
+            <a:r>
+              <a:rPr lang="de-DE" dirty="0" err="1">
+                <a:cs typeface="Calibri"/>
+              </a:rPr>
+              <a:t>lambda</a:t>
+            </a:r>
+            <a:r>
+              <a:rPr lang="de-DE" dirty="0">
+                <a:cs typeface="Calibri"/>
+              </a:rPr>
+              <a:t> </a:t>
+            </a:r>
+            <a:r>
+              <a:rPr lang="de-DE" dirty="0" err="1">
+                <a:cs typeface="Calibri"/>
+              </a:rPr>
+              <a:t>function</a:t>
+            </a:r>
+            <a:r>
+              <a:rPr lang="de-DE" dirty="0">
+                <a:cs typeface="Calibri"/>
+              </a:rPr>
+              <a:t> </a:t>
+            </a:r>
+            <a:r>
+              <a:rPr lang="de-DE" b="1" dirty="0" err="1">
+                <a:cs typeface="Calibri"/>
+              </a:rPr>
+              <a:t>as</a:t>
+            </a:r>
+            <a:r>
+              <a:rPr lang="de-DE" b="1" dirty="0">
+                <a:cs typeface="Calibri"/>
+              </a:rPr>
+              <a:t> a </a:t>
+            </a:r>
+            <a:r>
+              <a:rPr lang="de-DE" b="1" dirty="0" err="1">
+                <a:cs typeface="Calibri"/>
+              </a:rPr>
+              <a:t>key</a:t>
+            </a:r>
+            <a:r>
+              <a:rPr lang="de-DE" b="1" dirty="0">
+                <a:cs typeface="Calibri"/>
+              </a:rPr>
+              <a:t> </a:t>
+            </a:r>
+            <a:r>
+              <a:rPr lang="de-DE" b="1" dirty="0" err="1">
+                <a:cs typeface="Calibri"/>
+              </a:rPr>
+              <a:t>function</a:t>
+            </a:r>
+            <a:r>
+              <a:rPr lang="de-DE" dirty="0">
+                <a:cs typeface="Calibri"/>
+              </a:rPr>
+              <a:t> </a:t>
+            </a:r>
+            <a:r>
+              <a:rPr lang="de-DE" dirty="0" err="1">
+                <a:cs typeface="Calibri"/>
+              </a:rPr>
+              <a:t>for</a:t>
+            </a:r>
+            <a:r>
+              <a:rPr lang="de-DE" dirty="0">
+                <a:cs typeface="Calibri"/>
+              </a:rPr>
+              <a:t> </a:t>
+            </a:r>
+            <a:r>
+              <a:rPr lang="de-DE" dirty="0" err="1">
+                <a:cs typeface="Calibri"/>
+              </a:rPr>
+              <a:t>sorting</a:t>
+            </a:r>
+            <a:endParaRPr lang="de-DE" dirty="0" err="1"/>
+          </a:p>
+          <a:p>
+            <a:pPr marL="182245" indent="-182245"/>
+            <a:endParaRPr lang="de-DE" dirty="0">
+              <a:cs typeface="Calibri"/>
+            </a:endParaRPr>
+          </a:p>
+          <a:p>
+            <a:pPr marL="182245" indent="-182245"/>
+            <a:r>
+              <a:rPr lang="de-DE" dirty="0" err="1">
+                <a:cs typeface="Calibri"/>
+              </a:rPr>
+              <a:t>Or</a:t>
+            </a:r>
+            <a:r>
+              <a:rPr lang="de-DE" dirty="0">
+                <a:cs typeface="Calibri"/>
+              </a:rPr>
+              <a:t> </a:t>
+            </a:r>
+            <a:r>
+              <a:rPr lang="de-DE" dirty="0" err="1">
+                <a:cs typeface="Calibri"/>
+              </a:rPr>
+              <a:t>for</a:t>
+            </a:r>
+            <a:r>
+              <a:rPr lang="de-DE" dirty="0">
+                <a:cs typeface="Calibri"/>
+              </a:rPr>
+              <a:t> </a:t>
+            </a:r>
+            <a:r>
+              <a:rPr lang="de-DE" dirty="0" err="1">
+                <a:cs typeface="Calibri"/>
+              </a:rPr>
+              <a:t>comprehensions</a:t>
+            </a:r>
+            <a:r>
+              <a:rPr lang="de-DE" dirty="0">
+                <a:cs typeface="Calibri"/>
+              </a:rPr>
+              <a:t>:</a:t>
+            </a:r>
+          </a:p>
+          <a:p>
+            <a:pPr marL="182245" indent="-182245"/>
+            <a:endParaRPr lang="de-DE" dirty="0">
+              <a:cs typeface="Calibri"/>
+            </a:endParaRPr>
+          </a:p>
+          <a:p>
+            <a:pPr marL="182245" indent="-182245"/>
+            <a:endParaRPr lang="de-DE" dirty="0">
+              <a:cs typeface="Calibri"/>
+            </a:endParaRPr>
+          </a:p>
+          <a:p>
+            <a:pPr marL="182245" indent="-182245"/>
+            <a:endParaRPr lang="de-DE" dirty="0">
+              <a:cs typeface="Calibri"/>
+            </a:endParaRPr>
+          </a:p>
+          <a:p>
+            <a:pPr marL="182245" indent="-182245"/>
+            <a:endParaRPr lang="de-DE" dirty="0">
+              <a:cs typeface="Calibri"/>
+            </a:endParaRPr>
+          </a:p>
+        </p:txBody>
+      </p:sp>
+      <p:sp>
+        <p:nvSpPr>
+          <p:cNvPr id="4" name="Foliennummernplatzhalter 3">
+            <a:extLst>
+              <a:ext uri="{FF2B5EF4-FFF2-40B4-BE49-F238E27FC236}">
+                <a16:creationId xmlns:a16="http://schemas.microsoft.com/office/drawing/2014/main" id="{EFBE9665-88E8-432C-A8C9-8D8655DEE493}"/>
+              </a:ext>
+            </a:extLst>
+          </p:cNvPr>
+          <p:cNvSpPr>
+            <a:spLocks noGrp="1"/>
+          </p:cNvSpPr>
+          <p:nvPr>
+            <p:ph type="sldNum" sz="quarter" idx="12"/>
+          </p:nvPr>
+        </p:nvSpPr>
+        <p:spPr/>
+        <p:txBody>
+          <a:bodyPr/>
+          <a:lstStyle/>
+          <a:p>
+            <a:fld id="{89C4E583-6443-4199-AF95-A2ECCC288D48}" type="slidenum">
+              <a:rPr lang="en-GB" smtClean="0"/>
+              <a:t>56</a:t>
+            </a:fld>
+            <a:endParaRPr lang="en-GB"/>
+          </a:p>
+        </p:txBody>
+      </p:sp>
+      <p:sp>
+        <p:nvSpPr>
+          <p:cNvPr id="7" name="Textfeld 6">
+            <a:extLst>
+              <a:ext uri="{FF2B5EF4-FFF2-40B4-BE49-F238E27FC236}">
+                <a16:creationId xmlns:a16="http://schemas.microsoft.com/office/drawing/2014/main" id="{E9E8F3C3-3F19-41B3-95A3-0847F5D7ED0A}"/>
+              </a:ext>
+            </a:extLst>
+          </p:cNvPr>
+          <p:cNvSpPr txBox="1"/>
+          <p:nvPr/>
+        </p:nvSpPr>
+        <p:spPr>
+          <a:xfrm>
+            <a:off x="1101302" y="2402457"/>
+            <a:ext cx="10075652" cy="369332"/>
+          </a:xfrm>
+          <a:prstGeom prst="rect">
+            <a:avLst/>
+          </a:prstGeom>
+          <a:solidFill>
+            <a:schemeClr val="bg1">
+              <a:lumMod val="95000"/>
+            </a:schemeClr>
+          </a:solidFill>
+        </p:spPr>
+        <p:txBody>
+          <a:bodyPr rot="0" spcFirstLastPara="0" vertOverflow="overflow" horzOverflow="overflow" vert="horz" wrap="square" lIns="91440" tIns="45720" rIns="91440" bIns="45720" numCol="1" spcCol="0" rtlCol="0" fromWordArt="0" anchor="t" anchorCtr="0" forceAA="0" compatLnSpc="1">
+            <a:prstTxWarp prst="textNoShape">
+              <a:avLst/>
+            </a:prstTxWarp>
+            <a:spAutoFit/>
+          </a:bodyPr>
+          <a:lstStyle/>
+          <a:p>
+            <a:r>
+              <a:rPr lang="de-DE" dirty="0" err="1">
+                <a:latin typeface="Consolas"/>
+              </a:rPr>
+              <a:t>sorted</a:t>
+            </a:r>
+            <a:r>
+              <a:rPr lang="de-DE" dirty="0">
+                <a:latin typeface="Consolas"/>
+              </a:rPr>
+              <a:t>(</a:t>
+            </a:r>
+            <a:r>
+              <a:rPr lang="de-DE" dirty="0" err="1">
+                <a:latin typeface="Consolas"/>
+              </a:rPr>
+              <a:t>my_list</a:t>
+            </a:r>
+            <a:r>
+              <a:rPr lang="de-DE" dirty="0">
+                <a:latin typeface="Consolas"/>
+              </a:rPr>
+              <a:t>, </a:t>
+            </a:r>
+            <a:r>
+              <a:rPr lang="de-DE" dirty="0" err="1">
+                <a:latin typeface="Consolas"/>
+              </a:rPr>
+              <a:t>key</a:t>
+            </a:r>
+            <a:r>
+              <a:rPr lang="de-DE" dirty="0">
+                <a:latin typeface="Consolas"/>
+              </a:rPr>
+              <a:t>=</a:t>
+            </a:r>
+            <a:r>
+              <a:rPr lang="de-DE" dirty="0" err="1">
+                <a:latin typeface="Consolas"/>
+              </a:rPr>
+              <a:t>lambda</a:t>
+            </a:r>
+            <a:r>
+              <a:rPr lang="de-DE" dirty="0">
+                <a:latin typeface="Consolas"/>
+              </a:rPr>
+              <a:t> x: x**2) # </a:t>
+            </a:r>
+            <a:r>
+              <a:rPr lang="de-DE" dirty="0" err="1">
+                <a:latin typeface="Consolas"/>
+              </a:rPr>
+              <a:t>sorts</a:t>
+            </a:r>
+            <a:r>
+              <a:rPr lang="de-DE" dirty="0">
+                <a:latin typeface="Consolas"/>
+              </a:rPr>
+              <a:t> </a:t>
+            </a:r>
+            <a:r>
+              <a:rPr lang="de-DE" dirty="0" err="1">
+                <a:latin typeface="Consolas"/>
+              </a:rPr>
+              <a:t>list</a:t>
+            </a:r>
+            <a:r>
+              <a:rPr lang="de-DE" dirty="0">
+                <a:latin typeface="Consolas"/>
+              </a:rPr>
+              <a:t> after </a:t>
+            </a:r>
+            <a:r>
+              <a:rPr lang="de-DE" dirty="0" err="1">
+                <a:latin typeface="Consolas"/>
+              </a:rPr>
+              <a:t>squares</a:t>
+            </a:r>
+            <a:r>
+              <a:rPr lang="de-DE" dirty="0">
+                <a:latin typeface="Consolas"/>
+              </a:rPr>
+              <a:t> </a:t>
+            </a:r>
+            <a:r>
+              <a:rPr lang="de-DE" dirty="0" err="1">
+                <a:latin typeface="Consolas"/>
+              </a:rPr>
+              <a:t>of</a:t>
+            </a:r>
+            <a:r>
+              <a:rPr lang="de-DE" dirty="0">
+                <a:latin typeface="Consolas"/>
+              </a:rPr>
+              <a:t> </a:t>
+            </a:r>
+            <a:r>
+              <a:rPr lang="de-DE" dirty="0" err="1">
+                <a:latin typeface="Consolas"/>
+              </a:rPr>
+              <a:t>values</a:t>
+            </a:r>
+            <a:endParaRPr lang="de-DE" b="1" dirty="0" err="1">
+              <a:latin typeface="Consolas"/>
+            </a:endParaRPr>
+          </a:p>
+        </p:txBody>
+      </p:sp>
+      <p:sp>
+        <p:nvSpPr>
+          <p:cNvPr id="8" name="Textfeld 7">
+            <a:extLst>
+              <a:ext uri="{FF2B5EF4-FFF2-40B4-BE49-F238E27FC236}">
+                <a16:creationId xmlns:a16="http://schemas.microsoft.com/office/drawing/2014/main" id="{F41527FE-CE76-4DB3-9F62-2E08797FC0A8}"/>
+              </a:ext>
+            </a:extLst>
+          </p:cNvPr>
+          <p:cNvSpPr txBox="1"/>
+          <p:nvPr/>
+        </p:nvSpPr>
+        <p:spPr>
+          <a:xfrm>
+            <a:off x="1101301" y="3365740"/>
+            <a:ext cx="10075652" cy="2031325"/>
+          </a:xfrm>
+          <a:prstGeom prst="rect">
+            <a:avLst/>
+          </a:prstGeom>
+          <a:solidFill>
+            <a:schemeClr val="bg1">
+              <a:lumMod val="95000"/>
+            </a:schemeClr>
+          </a:solidFill>
+        </p:spPr>
+        <p:txBody>
+          <a:bodyPr rot="0" spcFirstLastPara="0" vertOverflow="overflow" horzOverflow="overflow" vert="horz" wrap="square" lIns="91440" tIns="45720" rIns="91440" bIns="45720" numCol="1" spcCol="0" rtlCol="0" fromWordArt="0" anchor="t" anchorCtr="0" forceAA="0" compatLnSpc="1">
+            <a:prstTxWarp prst="textNoShape">
+              <a:avLst/>
+            </a:prstTxWarp>
+            <a:spAutoFit/>
+          </a:bodyPr>
+          <a:lstStyle/>
+          <a:p>
+            <a:r>
+              <a:rPr lang="de-DE" dirty="0">
+                <a:latin typeface="Consolas"/>
+              </a:rPr>
+              <a:t># </a:t>
+            </a:r>
+            <a:r>
+              <a:rPr lang="de-DE" dirty="0" err="1">
+                <a:latin typeface="Consolas"/>
+              </a:rPr>
+              <a:t>this</a:t>
+            </a:r>
+            <a:r>
+              <a:rPr lang="de-DE" dirty="0">
+                <a:latin typeface="Consolas"/>
+              </a:rPr>
+              <a:t> </a:t>
+            </a:r>
+            <a:r>
+              <a:rPr lang="de-DE" dirty="0" err="1">
+                <a:latin typeface="Consolas"/>
+              </a:rPr>
+              <a:t>equals</a:t>
+            </a:r>
+            <a:r>
+              <a:rPr lang="de-DE" dirty="0">
+                <a:latin typeface="Consolas"/>
+              </a:rPr>
+              <a:t> </a:t>
+            </a:r>
+            <a:r>
+              <a:rPr lang="de-DE" dirty="0" err="1">
+                <a:latin typeface="Consolas"/>
+              </a:rPr>
+              <a:t>to</a:t>
+            </a:r>
+            <a:r>
+              <a:rPr lang="de-DE" dirty="0">
+                <a:latin typeface="Consolas"/>
+              </a:rPr>
+              <a:t> </a:t>
+            </a:r>
+            <a:r>
+              <a:rPr lang="de-DE" dirty="0" err="1">
+                <a:latin typeface="Consolas"/>
+              </a:rPr>
+              <a:t>squares</a:t>
+            </a:r>
+            <a:r>
+              <a:rPr lang="de-DE" dirty="0">
+                <a:latin typeface="Consolas"/>
+              </a:rPr>
+              <a:t> = [x**2 </a:t>
+            </a:r>
+            <a:r>
+              <a:rPr lang="de-DE" dirty="0" err="1">
+                <a:latin typeface="Consolas"/>
+              </a:rPr>
+              <a:t>for</a:t>
+            </a:r>
+            <a:r>
+              <a:rPr lang="de-DE" dirty="0">
+                <a:latin typeface="Consolas"/>
+              </a:rPr>
+              <a:t> x in </a:t>
+            </a:r>
+            <a:r>
+              <a:rPr lang="de-DE" dirty="0" err="1">
+                <a:latin typeface="Consolas"/>
+              </a:rPr>
+              <a:t>range</a:t>
+            </a:r>
+            <a:r>
+              <a:rPr lang="de-DE" dirty="0">
+                <a:latin typeface="Consolas"/>
+              </a:rPr>
+              <a:t>(10)]</a:t>
+            </a:r>
+          </a:p>
+          <a:p>
+            <a:r>
+              <a:rPr lang="de-DE" dirty="0" err="1">
+                <a:latin typeface="Consolas"/>
+              </a:rPr>
+              <a:t>squares</a:t>
+            </a:r>
+            <a:r>
+              <a:rPr lang="de-DE" dirty="0">
+                <a:latin typeface="Consolas"/>
+              </a:rPr>
+              <a:t> = [(</a:t>
+            </a:r>
+            <a:r>
+              <a:rPr lang="de-DE" dirty="0" err="1">
+                <a:latin typeface="Consolas"/>
+              </a:rPr>
+              <a:t>lambda</a:t>
+            </a:r>
+            <a:r>
+              <a:rPr lang="de-DE" dirty="0">
+                <a:latin typeface="Consolas"/>
+              </a:rPr>
+              <a:t> x: x**2)(x) </a:t>
+            </a:r>
+            <a:r>
+              <a:rPr lang="de-DE" dirty="0" err="1">
+                <a:latin typeface="Consolas"/>
+              </a:rPr>
+              <a:t>for</a:t>
+            </a:r>
+            <a:r>
+              <a:rPr lang="de-DE" dirty="0">
+                <a:latin typeface="Consolas"/>
+              </a:rPr>
+              <a:t> x in </a:t>
+            </a:r>
+            <a:r>
+              <a:rPr lang="de-DE" dirty="0" err="1">
+                <a:latin typeface="Consolas"/>
+              </a:rPr>
+              <a:t>range</a:t>
+            </a:r>
+            <a:r>
+              <a:rPr lang="de-DE" dirty="0">
+                <a:latin typeface="Consolas"/>
+              </a:rPr>
+              <a:t>(10)]</a:t>
+            </a:r>
+          </a:p>
+          <a:p>
+            <a:endParaRPr lang="de-DE" dirty="0">
+              <a:latin typeface="Consolas"/>
+              <a:cs typeface="Calibri"/>
+            </a:endParaRPr>
+          </a:p>
+          <a:p>
+            <a:r>
+              <a:rPr lang="de-DE" dirty="0" err="1">
+                <a:latin typeface="Consolas"/>
+                <a:cs typeface="Calibri"/>
+              </a:rPr>
+              <a:t>print</a:t>
+            </a:r>
+            <a:r>
+              <a:rPr lang="de-DE" dirty="0">
+                <a:latin typeface="Consolas"/>
+                <a:cs typeface="Calibri"/>
+              </a:rPr>
+              <a:t>(</a:t>
+            </a:r>
+            <a:r>
+              <a:rPr lang="de-DE" dirty="0" err="1">
+                <a:latin typeface="Consolas"/>
+                <a:cs typeface="Calibri"/>
+              </a:rPr>
+              <a:t>squares</a:t>
+            </a:r>
+            <a:r>
+              <a:rPr lang="de-DE" dirty="0">
+                <a:latin typeface="Consolas"/>
+                <a:cs typeface="Calibri"/>
+              </a:rPr>
+              <a:t>)</a:t>
+            </a:r>
+          </a:p>
+          <a:p>
+            <a:endParaRPr lang="de-DE" dirty="0">
+              <a:latin typeface="Consolas"/>
+              <a:cs typeface="Calibri"/>
+            </a:endParaRPr>
+          </a:p>
+          <a:p>
+            <a:r>
+              <a:rPr lang="de-DE" i="1" dirty="0">
+                <a:latin typeface="Consolas"/>
+                <a:cs typeface="Calibri"/>
+              </a:rPr>
+              <a:t>Output:</a:t>
+            </a:r>
+          </a:p>
+          <a:p>
+            <a:r>
+              <a:rPr lang="de-DE" dirty="0">
+                <a:latin typeface="Consolas"/>
+                <a:cs typeface="Calibri"/>
+              </a:rPr>
+              <a:t>[0, 1, 4, 9, 16, 25, 36, 49, 64, 81]</a:t>
+            </a:r>
+            <a:endParaRPr lang="de-DE" dirty="0"/>
+          </a:p>
+        </p:txBody>
+      </p:sp>
+    </p:spTree>
+    <p:extLst>
+      <p:ext uri="{BB962C8B-B14F-4D97-AF65-F5344CB8AC3E}">
+        <p14:creationId xmlns:p14="http://schemas.microsoft.com/office/powerpoint/2010/main" val="3535084096"/>
+      </p:ext>
+    </p:extLst>
+  </p:cSld>
+  <p:clrMapOvr>
+    <a:masterClrMapping/>
+  </p:clrMapOvr>
+</p:sld>
+</file>
+
+<file path=ppt/slides/slide57.xml><?xml version="1.0" encoding="utf-8"?>
+<p:sld xmlns:a="http://schemas.openxmlformats.org/drawingml/2006/main" xmlns:r="http://schemas.openxmlformats.org/officeDocument/2006/relationships" xmlns:p="http://schemas.openxmlformats.org/presentationml/2006/main">
+  <p:cSld>
+    <p:spTree>
+      <p:nvGrpSpPr>
+        <p:cNvPr id="1" name=""/>
+        <p:cNvGrpSpPr/>
+        <p:nvPr/>
+      </p:nvGrpSpPr>
+      <p:grpSpPr>
+        <a:xfrm>
+          <a:off x="0" y="0"/>
+          <a:ext cx="0" cy="0"/>
+          <a:chOff x="0" y="0"/>
+          <a:chExt cx="0" cy="0"/>
+        </a:xfrm>
+      </p:grpSpPr>
+      <p:sp>
+        <p:nvSpPr>
+          <p:cNvPr id="2" name="Titel 1">
+            <a:extLst>
+              <a:ext uri="{FF2B5EF4-FFF2-40B4-BE49-F238E27FC236}">
                 <a16:creationId xmlns:a16="http://schemas.microsoft.com/office/drawing/2014/main" id="{C28F96B7-1E0B-4BA8-B48B-53AE282DB043}"/>
               </a:ext>
             </a:extLst>
@@ -52481,7 +54817,7 @@
           <a:p>
             <a:fld id="{89C4E583-6443-4199-AF95-A2ECCC288D48}" type="slidenum">
               <a:rPr lang="en-GB" smtClean="0"/>
-              <a:t>54</a:t>
+              <a:t>57</a:t>
             </a:fld>
             <a:endParaRPr lang="en-GB"/>
           </a:p>
@@ -52500,7 +54836,7 @@
 </p:sld>
 </file>
 
-<file path=ppt/slides/slide55.xml><?xml version="1.0" encoding="utf-8"?>
+<file path=ppt/slides/slide58.xml><?xml version="1.0" encoding="utf-8"?>
 <p:sld xmlns:a="http://schemas.openxmlformats.org/drawingml/2006/main" xmlns:r="http://schemas.openxmlformats.org/officeDocument/2006/relationships" xmlns:p="http://schemas.openxmlformats.org/presentationml/2006/main">
   <p:cSld>
     <p:spTree>
@@ -52539,9 +54875,7 @@
           <a:lstStyle/>
           <a:p>
             <a:r>
-              <a:rPr lang="de-DE" dirty="0" err="1">
-                <a:cs typeface="Calibri Light"/>
-              </a:rPr>
+              <a:rPr lang="de-DE"/>
               <a:t>Homework</a:t>
             </a:r>
             <a:endParaRPr lang="de-DE" dirty="0" err="1"/>
@@ -52573,389 +54907,58 @@
           <a:p>
             <a:pPr marL="182245" indent="-182245"/>
             <a:r>
-              <a:rPr lang="de-DE" dirty="0" err="1">
-                <a:cs typeface="Calibri"/>
-              </a:rPr>
-              <a:t>My</a:t>
-            </a:r>
-            <a:r>
-              <a:rPr lang="de-DE" dirty="0">
-                <a:cs typeface="Calibri"/>
-              </a:rPr>
-              <a:t> </a:t>
-            </a:r>
-            <a:r>
-              <a:rPr lang="de-DE" dirty="0" err="1">
-                <a:cs typeface="Calibri"/>
-              </a:rPr>
-              <a:t>favourite</a:t>
-            </a:r>
-            <a:r>
-              <a:rPr lang="de-DE" dirty="0">
-                <a:cs typeface="Calibri"/>
-              </a:rPr>
-              <a:t> Mo, </a:t>
-            </a:r>
-            <a:r>
-              <a:rPr lang="de-DE" dirty="0" err="1">
-                <a:cs typeface="Calibri"/>
-              </a:rPr>
-              <a:t>can</a:t>
-            </a:r>
-            <a:r>
-              <a:rPr lang="de-DE" dirty="0">
-                <a:cs typeface="Calibri"/>
-              </a:rPr>
-              <a:t> u </a:t>
-            </a:r>
-            <a:r>
-              <a:rPr lang="de-DE" dirty="0" err="1">
-                <a:cs typeface="Calibri"/>
-              </a:rPr>
-              <a:t>make</a:t>
-            </a:r>
-            <a:r>
-              <a:rPr lang="de-DE" dirty="0">
-                <a:cs typeface="Calibri"/>
-              </a:rPr>
-              <a:t> </a:t>
-            </a:r>
-            <a:r>
-              <a:rPr lang="de-DE" dirty="0" err="1">
-                <a:cs typeface="Calibri"/>
-              </a:rPr>
-              <a:t>dis</a:t>
-            </a:r>
-            <a:r>
-              <a:rPr lang="de-DE" dirty="0">
-                <a:cs typeface="Calibri"/>
-              </a:rPr>
-              <a:t> </a:t>
-            </a:r>
-            <a:r>
-              <a:rPr lang="de-DE" dirty="0" err="1">
-                <a:cs typeface="Calibri"/>
-              </a:rPr>
-              <a:t>slide</a:t>
-            </a:r>
-            <a:r>
-              <a:rPr lang="de-DE" dirty="0">
-                <a:cs typeface="Calibri"/>
-              </a:rPr>
-              <a:t> </a:t>
-            </a:r>
-            <a:r>
-              <a:rPr lang="de-DE" dirty="0" err="1">
-                <a:cs typeface="Calibri"/>
-              </a:rPr>
-              <a:t>for</a:t>
-            </a:r>
-            <a:r>
-              <a:rPr lang="de-DE" dirty="0">
-                <a:cs typeface="Calibri"/>
-              </a:rPr>
-              <a:t> </a:t>
-            </a:r>
-            <a:r>
-              <a:rPr lang="de-DE" dirty="0" err="1">
-                <a:cs typeface="Calibri"/>
-              </a:rPr>
-              <a:t>me</a:t>
-            </a:r>
-            <a:r>
-              <a:rPr lang="de-DE" dirty="0">
-                <a:cs typeface="Calibri"/>
-              </a:rPr>
-              <a:t> </a:t>
-            </a:r>
-            <a:r>
-              <a:rPr lang="de-DE" dirty="0" err="1">
-                <a:cs typeface="Calibri"/>
-              </a:rPr>
-              <a:t>plzzz</a:t>
-            </a:r>
-            <a:r>
-              <a:rPr lang="de-DE" dirty="0">
-                <a:cs typeface="Calibri"/>
-              </a:rPr>
-              <a:t>? </a:t>
-            </a:r>
-            <a:r>
-              <a:rPr lang="de-DE" sz="4000" b="1" dirty="0">
-                <a:cs typeface="Calibri"/>
-              </a:rPr>
-              <a:t>:3</a:t>
-            </a:r>
-            <a:r>
-              <a:rPr lang="de-DE" sz="4000" dirty="0">
-                <a:cs typeface="Calibri"/>
-              </a:rPr>
-              <a:t> </a:t>
-            </a:r>
-            <a:r>
-              <a:rPr lang="de-DE" sz="4000" dirty="0">
-                <a:solidFill>
-                  <a:srgbClr val="00B050"/>
-                </a:solidFill>
-                <a:cs typeface="Calibri"/>
-              </a:rPr>
-              <a:t>^-^</a:t>
-            </a:r>
-            <a:r>
-              <a:rPr lang="de-DE" sz="4000" dirty="0">
-                <a:cs typeface="Calibri"/>
-              </a:rPr>
-              <a:t> </a:t>
-            </a:r>
-            <a:r>
-              <a:rPr lang="de-DE" sz="4000" dirty="0">
-                <a:solidFill>
-                  <a:srgbClr val="FF0000"/>
-                </a:solidFill>
-                <a:cs typeface="Calibri"/>
-              </a:rPr>
-              <a:t>♥ </a:t>
-            </a:r>
-            <a:r>
-              <a:rPr lang="de-DE" sz="4000" dirty="0">
-                <a:solidFill>
-                  <a:srgbClr val="0070C0"/>
-                </a:solidFill>
-                <a:cs typeface="Calibri"/>
-              </a:rPr>
-              <a:t>♫</a:t>
-            </a:r>
-            <a:r>
-              <a:rPr lang="de-DE" sz="4000" dirty="0">
-                <a:solidFill>
-                  <a:srgbClr val="FFC000"/>
-                </a:solidFill>
-                <a:cs typeface="Calibri"/>
-              </a:rPr>
-              <a:t> ☼</a:t>
-            </a:r>
+              <a:rPr lang="de-DE" dirty="0"/>
+              <a:t>This </a:t>
+            </a:r>
+            <a:r>
+              <a:rPr lang="de-DE" dirty="0" err="1"/>
+              <a:t>week</a:t>
+            </a:r>
+            <a:r>
+              <a:rPr lang="en-GB" dirty="0"/>
+              <a:t> you will start off light, with some small tasks to get you started into sorting and file I/O</a:t>
+            </a:r>
+            <a:endParaRPr lang="de-DE" dirty="0"/>
+          </a:p>
+          <a:p>
+            <a:pPr marL="182245" indent="-182245"/>
+            <a:r>
+              <a:rPr lang="en-GB" dirty="0"/>
+              <a:t>After that, you will make a game!</a:t>
+            </a:r>
+            <a:endParaRPr lang="en-GB" dirty="0">
+              <a:cs typeface="Calibri"/>
+            </a:endParaRPr>
+          </a:p>
+          <a:p>
+            <a:pPr marL="182245" indent="-182245"/>
+            <a:r>
+              <a:rPr lang="en-GB" dirty="0"/>
+              <a:t>In this week we will program the game hangman</a:t>
+            </a:r>
+            <a:endParaRPr lang="en-GB" dirty="0">
+              <a:cs typeface="Calibri"/>
+            </a:endParaRPr>
           </a:p>
           <a:p>
             <a:pPr marL="383540" lvl="1"/>
             <a:r>
-              <a:rPr lang="de-DE" sz="1600" dirty="0">
-                <a:solidFill>
-                  <a:srgbClr val="000000"/>
-                </a:solidFill>
-                <a:cs typeface="Calibri"/>
-              </a:rPr>
-              <a:t>Look </a:t>
-            </a:r>
-            <a:r>
-              <a:rPr lang="de-DE" sz="1600" dirty="0" err="1">
-                <a:solidFill>
-                  <a:srgbClr val="000000"/>
-                </a:solidFill>
-                <a:cs typeface="Calibri"/>
-              </a:rPr>
-              <a:t>how</a:t>
-            </a:r>
-            <a:r>
-              <a:rPr lang="de-DE" sz="1600" dirty="0">
-                <a:solidFill>
-                  <a:srgbClr val="000000"/>
-                </a:solidFill>
-                <a:cs typeface="Calibri"/>
-              </a:rPr>
-              <a:t> I </a:t>
-            </a:r>
-            <a:r>
-              <a:rPr lang="de-DE" sz="1600" dirty="0" err="1">
-                <a:solidFill>
-                  <a:srgbClr val="000000"/>
-                </a:solidFill>
-                <a:cs typeface="Calibri"/>
-              </a:rPr>
-              <a:t>even</a:t>
-            </a:r>
-            <a:r>
-              <a:rPr lang="de-DE" sz="1600" dirty="0">
-                <a:solidFill>
-                  <a:srgbClr val="000000"/>
-                </a:solidFill>
-                <a:cs typeface="Calibri"/>
-              </a:rPr>
-              <a:t> </a:t>
-            </a:r>
-            <a:r>
-              <a:rPr lang="de-DE" sz="1600" dirty="0" err="1">
-                <a:solidFill>
-                  <a:srgbClr val="000000"/>
-                </a:solidFill>
-                <a:cs typeface="Calibri"/>
-              </a:rPr>
-              <a:t>wrote</a:t>
-            </a:r>
-            <a:r>
-              <a:rPr lang="de-DE" sz="1600" dirty="0">
-                <a:solidFill>
-                  <a:srgbClr val="000000"/>
-                </a:solidFill>
-                <a:cs typeface="Calibri"/>
-              </a:rPr>
-              <a:t> </a:t>
-            </a:r>
-            <a:r>
-              <a:rPr lang="de-DE" sz="1600" dirty="0" err="1">
-                <a:solidFill>
-                  <a:srgbClr val="000000"/>
-                </a:solidFill>
-                <a:cs typeface="Calibri"/>
-              </a:rPr>
-              <a:t>favourite</a:t>
-            </a:r>
-            <a:r>
-              <a:rPr lang="de-DE" sz="1600" dirty="0">
-                <a:solidFill>
-                  <a:srgbClr val="000000"/>
-                </a:solidFill>
-                <a:cs typeface="Calibri"/>
-              </a:rPr>
-              <a:t> </a:t>
-            </a:r>
-            <a:r>
-              <a:rPr lang="de-DE" sz="1600" dirty="0" err="1">
-                <a:solidFill>
-                  <a:srgbClr val="000000"/>
-                </a:solidFill>
-                <a:cs typeface="Calibri"/>
-              </a:rPr>
-              <a:t>with</a:t>
-            </a:r>
-            <a:r>
-              <a:rPr lang="de-DE" sz="1600" dirty="0">
-                <a:solidFill>
-                  <a:srgbClr val="000000"/>
-                </a:solidFill>
-                <a:cs typeface="Calibri"/>
-              </a:rPr>
-              <a:t> a u just </a:t>
-            </a:r>
-            <a:r>
-              <a:rPr lang="de-DE" sz="1600" dirty="0" err="1">
-                <a:solidFill>
-                  <a:srgbClr val="000000"/>
-                </a:solidFill>
-                <a:cs typeface="Calibri"/>
-              </a:rPr>
-              <a:t>for</a:t>
-            </a:r>
-            <a:r>
-              <a:rPr lang="de-DE" sz="1600" dirty="0">
-                <a:solidFill>
-                  <a:srgbClr val="000000"/>
-                </a:solidFill>
-                <a:cs typeface="Calibri"/>
-              </a:rPr>
-              <a:t> </a:t>
-            </a:r>
-            <a:r>
-              <a:rPr lang="de-DE" sz="1600" dirty="0" err="1">
-                <a:solidFill>
-                  <a:srgbClr val="000000"/>
-                </a:solidFill>
-                <a:cs typeface="Calibri"/>
-              </a:rPr>
-              <a:t>you</a:t>
-            </a:r>
-            <a:r>
-              <a:rPr lang="de-DE" sz="1600" dirty="0">
-                <a:solidFill>
-                  <a:srgbClr val="000000"/>
-                </a:solidFill>
-                <a:cs typeface="Calibri"/>
-              </a:rPr>
-              <a:t>!</a:t>
-            </a:r>
+              <a:rPr lang="en-GB" dirty="0"/>
+              <a:t>You will need your newly gained I/O powers for that</a:t>
+            </a:r>
+            <a:endParaRPr lang="en-GB" dirty="0">
+              <a:cs typeface="Calibri"/>
+            </a:endParaRPr>
           </a:p>
           <a:p>
             <a:pPr marL="383540" lvl="1"/>
             <a:r>
-              <a:rPr lang="de-DE" sz="1200" dirty="0" err="1">
-                <a:solidFill>
-                  <a:srgbClr val="000000"/>
-                </a:solidFill>
-                <a:cs typeface="Calibri"/>
-              </a:rPr>
-              <a:t>Sry</a:t>
-            </a:r>
-            <a:r>
-              <a:rPr lang="de-DE" sz="1200" dirty="0">
-                <a:solidFill>
-                  <a:srgbClr val="000000"/>
-                </a:solidFill>
-                <a:cs typeface="Calibri"/>
-              </a:rPr>
-              <a:t> I </a:t>
-            </a:r>
-            <a:r>
-              <a:rPr lang="de-DE" sz="1200" dirty="0" err="1">
-                <a:solidFill>
-                  <a:srgbClr val="000000"/>
-                </a:solidFill>
-                <a:cs typeface="Calibri"/>
-              </a:rPr>
-              <a:t>guess</a:t>
-            </a:r>
-            <a:r>
-              <a:rPr lang="de-DE" sz="1200" dirty="0">
-                <a:solidFill>
-                  <a:srgbClr val="000000"/>
-                </a:solidFill>
-                <a:cs typeface="Calibri"/>
-              </a:rPr>
-              <a:t> </a:t>
-            </a:r>
-            <a:r>
-              <a:rPr lang="de-DE" sz="1200" dirty="0" err="1">
-                <a:solidFill>
-                  <a:srgbClr val="000000"/>
-                </a:solidFill>
-                <a:cs typeface="Calibri"/>
-              </a:rPr>
-              <a:t>I'm</a:t>
-            </a:r>
-            <a:r>
-              <a:rPr lang="de-DE" sz="1200" dirty="0">
-                <a:solidFill>
-                  <a:srgbClr val="000000"/>
-                </a:solidFill>
-                <a:cs typeface="Calibri"/>
-              </a:rPr>
-              <a:t> </a:t>
-            </a:r>
-            <a:r>
-              <a:rPr lang="de-DE" sz="1200" dirty="0" err="1">
-                <a:solidFill>
-                  <a:srgbClr val="000000"/>
-                </a:solidFill>
-                <a:cs typeface="Calibri"/>
-              </a:rPr>
-              <a:t>getting</a:t>
-            </a:r>
-            <a:r>
-              <a:rPr lang="de-DE" sz="1200" dirty="0">
-                <a:solidFill>
-                  <a:srgbClr val="000000"/>
-                </a:solidFill>
-                <a:cs typeface="Calibri"/>
-              </a:rPr>
-              <a:t> </a:t>
-            </a:r>
-            <a:r>
-              <a:rPr lang="de-DE" sz="1200" dirty="0" err="1">
-                <a:solidFill>
-                  <a:srgbClr val="000000"/>
-                </a:solidFill>
-                <a:cs typeface="Calibri"/>
-              </a:rPr>
-              <a:t>tired</a:t>
-            </a:r>
+              <a:rPr lang="en-GB" dirty="0"/>
+              <a:t>And also quite a bit of what we did so far</a:t>
+            </a:r>
+            <a:endParaRPr lang="de-DE" dirty="0">
+              <a:cs typeface="Calibri"/>
+            </a:endParaRPr>
           </a:p>
         </p:txBody>
       </p:sp>
@@ -52982,7 +54985,8 @@
           <a:p>
             <a:fld id="{89C4E583-6443-4199-AF95-A2ECCC288D48}" type="slidenum">
               <a:rPr lang="en-GB" smtClean="0"/>
-              <a:t>55</a:t>
+              <a:pPr/>
+              <a:t>58</a:t>
             </a:fld>
             <a:endParaRPr lang="en-GB"/>
           </a:p>
@@ -53001,7 +55005,7 @@
 </p:sld>
 </file>
 
-<file path=ppt/slides/slide56.xml><?xml version="1.0" encoding="utf-8"?>
+<file path=ppt/slides/slide59.xml><?xml version="1.0" encoding="utf-8"?>
 <p:sld xmlns:a="http://schemas.openxmlformats.org/drawingml/2006/main" xmlns:r="http://schemas.openxmlformats.org/officeDocument/2006/relationships" xmlns:p="http://schemas.openxmlformats.org/presentationml/2006/main">
   <p:cSld>
     <p:spTree>
@@ -53020,10 +55024,10 @@
       </p:grpSpPr>
       <p:sp>
         <p:nvSpPr>
-          <p:cNvPr id="2" name="Titel 1">
+          <p:cNvPr id="5" name="Title 4">
             <a:extLst>
               <a:ext uri="{FF2B5EF4-FFF2-40B4-BE49-F238E27FC236}">
-                <a16:creationId xmlns:a16="http://schemas.microsoft.com/office/drawing/2014/main" id="{C28F96B7-1E0B-4BA8-B48B-53AE282DB043}"/>
+                <a16:creationId xmlns:a16="http://schemas.microsoft.com/office/drawing/2014/main" id="{26AAF6A5-2232-4061-B65D-AEC0DDE6FF9E}"/>
               </a:ext>
             </a:extLst>
           </p:cNvPr>
@@ -53040,57 +55044,18 @@
           <a:lstStyle/>
           <a:p>
             <a:r>
-              <a:rPr lang="de-DE" dirty="0">
-                <a:cs typeface="Calibri Light"/>
-              </a:rPr>
-              <a:t>See </a:t>
-            </a:r>
-            <a:r>
-              <a:rPr lang="de-DE" dirty="0" err="1">
-                <a:cs typeface="Calibri Light"/>
-              </a:rPr>
-              <a:t>you</a:t>
-            </a:r>
-            <a:r>
-              <a:rPr lang="de-DE" dirty="0">
-                <a:cs typeface="Calibri Light"/>
-              </a:rPr>
-              <a:t> all </a:t>
-            </a:r>
-            <a:r>
-              <a:rPr lang="de-DE" dirty="0" err="1">
-                <a:cs typeface="Calibri Light"/>
-              </a:rPr>
-              <a:t>next</a:t>
-            </a:r>
-            <a:r>
-              <a:rPr lang="de-DE" dirty="0">
-                <a:cs typeface="Calibri Light"/>
-              </a:rPr>
-              <a:t> </a:t>
-            </a:r>
-            <a:r>
-              <a:rPr lang="de-DE" dirty="0" err="1">
-                <a:cs typeface="Calibri Light"/>
-              </a:rPr>
-              <a:t>week</a:t>
-            </a:r>
-            <a:r>
-              <a:rPr lang="de-DE" dirty="0">
-                <a:cs typeface="Calibri Light"/>
-              </a:rPr>
-              <a:t>!</a:t>
-            </a:r>
-            <a:endParaRPr lang="de-DE" dirty="0" err="1"/>
+              <a:rPr lang="en-GB" dirty="0"/>
+              <a:t>Technicalities</a:t>
+            </a:r>
           </a:p>
         </p:txBody>
       </p:sp>
       <p:sp>
         <p:nvSpPr>
-          <p:cNvPr id="4" name="Foliennummernplatzhalter 3">
+          <p:cNvPr id="4" name="Slide Number Placeholder 3">
             <a:extLst>
               <a:ext uri="{FF2B5EF4-FFF2-40B4-BE49-F238E27FC236}">
-                <a16:creationId xmlns:a16="http://schemas.microsoft.com/office/drawing/2014/main" id="{B1068CFA-062D-4EE0-94F8-007D0474B7E5}"/>
+                <a16:creationId xmlns:a16="http://schemas.microsoft.com/office/drawing/2014/main" id="{ED54FC14-0CE6-460F-AB78-5E8296929F1B}"/>
               </a:ext>
             </a:extLst>
           </p:cNvPr>
@@ -53108,7 +55073,7 @@
           <a:p>
             <a:fld id="{89C4E583-6443-4199-AF95-A2ECCC288D48}" type="slidenum">
               <a:rPr lang="en-GB" smtClean="0"/>
-              <a:t>56</a:t>
+              <a:t>59</a:t>
             </a:fld>
             <a:endParaRPr lang="en-GB"/>
           </a:p>
@@ -53117,7 +55082,7 @@
     </p:spTree>
     <p:extLst>
       <p:ext uri="{BB962C8B-B14F-4D97-AF65-F5344CB8AC3E}">
-        <p14:creationId xmlns:p14="http://schemas.microsoft.com/office/powerpoint/2010/main" val="1974718465"/>
+        <p14:creationId xmlns:p14="http://schemas.microsoft.com/office/powerpoint/2010/main" val="3120754595"/>
       </p:ext>
     </p:extLst>
   </p:cSld>
@@ -53523,6 +55488,649 @@
     <p:extLst>
       <p:ext uri="{BB962C8B-B14F-4D97-AF65-F5344CB8AC3E}">
         <p14:creationId xmlns:p14="http://schemas.microsoft.com/office/powerpoint/2010/main" val="3188346349"/>
+      </p:ext>
+    </p:extLst>
+  </p:cSld>
+  <p:clrMapOvr>
+    <a:masterClrMapping/>
+  </p:clrMapOvr>
+</p:sld>
+</file>
+
+<file path=ppt/slides/slide60.xml><?xml version="1.0" encoding="utf-8"?>
+<p:sld xmlns:a="http://schemas.openxmlformats.org/drawingml/2006/main" xmlns:r="http://schemas.openxmlformats.org/officeDocument/2006/relationships" xmlns:p="http://schemas.openxmlformats.org/presentationml/2006/main">
+  <p:cSld>
+    <p:spTree>
+      <p:nvGrpSpPr>
+        <p:cNvPr id="1" name=""/>
+        <p:cNvGrpSpPr/>
+        <p:nvPr/>
+      </p:nvGrpSpPr>
+      <p:grpSpPr>
+        <a:xfrm>
+          <a:off x="0" y="0"/>
+          <a:ext cx="0" cy="0"/>
+          <a:chOff x="0" y="0"/>
+          <a:chExt cx="0" cy="0"/>
+        </a:xfrm>
+      </p:grpSpPr>
+      <p:sp>
+        <p:nvSpPr>
+          <p:cNvPr id="4" name="Title 3">
+            <a:extLst>
+              <a:ext uri="{FF2B5EF4-FFF2-40B4-BE49-F238E27FC236}">
+                <a16:creationId xmlns:a16="http://schemas.microsoft.com/office/drawing/2014/main" id="{3E75A7D9-76CB-4E45-B4A0-FA1D0B908665}"/>
+              </a:ext>
+            </a:extLst>
+          </p:cNvPr>
+          <p:cNvSpPr>
+            <a:spLocks noGrp="1"/>
+          </p:cNvSpPr>
+          <p:nvPr>
+            <p:ph type="title"/>
+          </p:nvPr>
+        </p:nvSpPr>
+        <p:spPr/>
+        <p:txBody>
+          <a:bodyPr/>
+          <a:lstStyle/>
+          <a:p>
+            <a:r>
+              <a:rPr lang="en-GB" dirty="0"/>
+              <a:t>There is no plain text</a:t>
+            </a:r>
+          </a:p>
+        </p:txBody>
+      </p:sp>
+      <p:sp>
+        <p:nvSpPr>
+          <p:cNvPr id="5" name="Content Placeholder 4">
+            <a:extLst>
+              <a:ext uri="{FF2B5EF4-FFF2-40B4-BE49-F238E27FC236}">
+                <a16:creationId xmlns:a16="http://schemas.microsoft.com/office/drawing/2014/main" id="{9A462A69-A1E0-46D5-840D-EAB7E3ECB4BF}"/>
+              </a:ext>
+            </a:extLst>
+          </p:cNvPr>
+          <p:cNvSpPr>
+            <a:spLocks noGrp="1"/>
+          </p:cNvSpPr>
+          <p:nvPr>
+            <p:ph idx="1"/>
+          </p:nvPr>
+        </p:nvSpPr>
+        <p:spPr/>
+        <p:txBody>
+          <a:bodyPr/>
+          <a:lstStyle/>
+          <a:p>
+            <a:r>
+              <a:rPr lang="en-GB" dirty="0"/>
+              <a:t>Text files are often called plain text</a:t>
+            </a:r>
+          </a:p>
+          <a:p>
+            <a:pPr lvl="1"/>
+            <a:r>
+              <a:rPr lang="en-GB" dirty="0"/>
+              <a:t>This is a misconception</a:t>
+            </a:r>
+          </a:p>
+          <a:p>
+            <a:pPr lvl="1"/>
+            <a:r>
+              <a:rPr lang="en-GB" dirty="0"/>
+              <a:t>Text files can differ in many different ways</a:t>
+            </a:r>
+          </a:p>
+          <a:p>
+            <a:pPr lvl="1"/>
+            <a:r>
+              <a:rPr lang="en-GB" dirty="0"/>
+              <a:t>Probably the most important: encoding</a:t>
+            </a:r>
+          </a:p>
+          <a:p>
+            <a:r>
+              <a:rPr lang="en-GB" dirty="0"/>
+              <a:t>Under the hood, each text character is just a number</a:t>
+            </a:r>
+          </a:p>
+          <a:p>
+            <a:r>
+              <a:rPr lang="en-GB" dirty="0"/>
+              <a:t>This number is then mapped by your editor/program/</a:t>
+            </a:r>
+            <a:r>
+              <a:rPr lang="en-GB" dirty="0" err="1"/>
+              <a:t>os</a:t>
+            </a:r>
+            <a:r>
+              <a:rPr lang="en-GB" dirty="0"/>
+              <a:t>/whatever to a glyph</a:t>
+            </a:r>
+          </a:p>
+          <a:p>
+            <a:pPr lvl="1"/>
+            <a:r>
+              <a:rPr lang="en-GB" dirty="0"/>
+              <a:t>Glyph is just a fancy and more general name for letter, as it also includes all kinds of characters, word-symbols, math operators, and so on</a:t>
+            </a:r>
+          </a:p>
+          <a:p>
+            <a:pPr marL="0" indent="0">
+              <a:buNone/>
+            </a:pPr>
+            <a:endParaRPr lang="en-GB" dirty="0"/>
+          </a:p>
+        </p:txBody>
+      </p:sp>
+      <p:sp>
+        <p:nvSpPr>
+          <p:cNvPr id="3" name="Slide Number Placeholder 2">
+            <a:extLst>
+              <a:ext uri="{FF2B5EF4-FFF2-40B4-BE49-F238E27FC236}">
+                <a16:creationId xmlns:a16="http://schemas.microsoft.com/office/drawing/2014/main" id="{10D4F600-45F2-425D-B3A8-377B4536F9EF}"/>
+              </a:ext>
+            </a:extLst>
+          </p:cNvPr>
+          <p:cNvSpPr>
+            <a:spLocks noGrp="1"/>
+          </p:cNvSpPr>
+          <p:nvPr>
+            <p:ph type="sldNum" sz="quarter" idx="12"/>
+          </p:nvPr>
+        </p:nvSpPr>
+        <p:spPr/>
+        <p:txBody>
+          <a:bodyPr/>
+          <a:lstStyle/>
+          <a:p>
+            <a:fld id="{89C4E583-6443-4199-AF95-A2ECCC288D48}" type="slidenum">
+              <a:rPr lang="en-GB" smtClean="0"/>
+              <a:t>60</a:t>
+            </a:fld>
+            <a:endParaRPr lang="en-GB"/>
+          </a:p>
+        </p:txBody>
+      </p:sp>
+    </p:spTree>
+    <p:extLst>
+      <p:ext uri="{BB962C8B-B14F-4D97-AF65-F5344CB8AC3E}">
+        <p14:creationId xmlns:p14="http://schemas.microsoft.com/office/powerpoint/2010/main" val="2275639764"/>
+      </p:ext>
+    </p:extLst>
+  </p:cSld>
+  <p:clrMapOvr>
+    <a:masterClrMapping/>
+  </p:clrMapOvr>
+</p:sld>
+</file>
+
+<file path=ppt/slides/slide61.xml><?xml version="1.0" encoding="utf-8"?>
+<p:sld xmlns:a="http://schemas.openxmlformats.org/drawingml/2006/main" xmlns:r="http://schemas.openxmlformats.org/officeDocument/2006/relationships" xmlns:p="http://schemas.openxmlformats.org/presentationml/2006/main">
+  <p:cSld>
+    <p:spTree>
+      <p:nvGrpSpPr>
+        <p:cNvPr id="1" name=""/>
+        <p:cNvGrpSpPr/>
+        <p:nvPr/>
+      </p:nvGrpSpPr>
+      <p:grpSpPr>
+        <a:xfrm>
+          <a:off x="0" y="0"/>
+          <a:ext cx="0" cy="0"/>
+          <a:chOff x="0" y="0"/>
+          <a:chExt cx="0" cy="0"/>
+        </a:xfrm>
+      </p:grpSpPr>
+      <p:sp>
+        <p:nvSpPr>
+          <p:cNvPr id="2" name="Title 1">
+            <a:extLst>
+              <a:ext uri="{FF2B5EF4-FFF2-40B4-BE49-F238E27FC236}">
+                <a16:creationId xmlns:a16="http://schemas.microsoft.com/office/drawing/2014/main" id="{89E88D7F-5A59-43A8-91AC-7A785FCD7823}"/>
+              </a:ext>
+            </a:extLst>
+          </p:cNvPr>
+          <p:cNvSpPr>
+            <a:spLocks noGrp="1"/>
+          </p:cNvSpPr>
+          <p:nvPr>
+            <p:ph type="title"/>
+          </p:nvPr>
+        </p:nvSpPr>
+        <p:spPr/>
+        <p:txBody>
+          <a:bodyPr/>
+          <a:lstStyle/>
+          <a:p>
+            <a:r>
+              <a:rPr lang="en-GB" dirty="0"/>
+              <a:t>Encoding</a:t>
+            </a:r>
+          </a:p>
+        </p:txBody>
+      </p:sp>
+      <p:sp>
+        <p:nvSpPr>
+          <p:cNvPr id="3" name="Content Placeholder 2">
+            <a:extLst>
+              <a:ext uri="{FF2B5EF4-FFF2-40B4-BE49-F238E27FC236}">
+                <a16:creationId xmlns:a16="http://schemas.microsoft.com/office/drawing/2014/main" id="{9BB15E5D-5EDD-475D-85F0-804DCA9DD923}"/>
+              </a:ext>
+            </a:extLst>
+          </p:cNvPr>
+          <p:cNvSpPr>
+            <a:spLocks noGrp="1"/>
+          </p:cNvSpPr>
+          <p:nvPr>
+            <p:ph idx="1"/>
+          </p:nvPr>
+        </p:nvSpPr>
+        <p:spPr/>
+        <p:txBody>
+          <a:bodyPr vert="horz" lIns="0" tIns="45720" rIns="0" bIns="45720" rtlCol="0" anchor="t">
+            <a:normAutofit/>
+          </a:bodyPr>
+          <a:lstStyle/>
+          <a:p>
+            <a:pPr marL="182245" indent="-182245"/>
+            <a:r>
+              <a:rPr lang="en-GB" dirty="0"/>
+              <a:t>Every file that includes text, is encoded in some way</a:t>
+            </a:r>
+            <a:endParaRPr lang="de-DE"/>
+          </a:p>
+          <a:p>
+            <a:pPr marL="182245" indent="-182245"/>
+            <a:r>
+              <a:rPr lang="en-GB" dirty="0"/>
+              <a:t>When you press a letter on your keyboard, it will be saved as a number inside the file</a:t>
+            </a:r>
+            <a:endParaRPr lang="en-GB" dirty="0">
+              <a:cs typeface="Calibri"/>
+            </a:endParaRPr>
+          </a:p>
+          <a:p>
+            <a:pPr marL="182245" indent="-182245"/>
+            <a:r>
+              <a:rPr lang="en-GB" dirty="0"/>
+              <a:t>Which number that is depends on the encoding</a:t>
+            </a:r>
+            <a:endParaRPr lang="en-GB" dirty="0">
+              <a:cs typeface="Calibri"/>
+            </a:endParaRPr>
+          </a:p>
+          <a:p>
+            <a:pPr marL="182245" indent="-182245"/>
+            <a:r>
+              <a:rPr lang="en-GB" dirty="0"/>
+              <a:t>Encodings are basically huge tables (and sometimes tables of tables) that hold a glyph for each possible number</a:t>
+            </a:r>
+            <a:endParaRPr lang="en-GB" dirty="0">
+              <a:cs typeface="Calibri"/>
+            </a:endParaRPr>
+          </a:p>
+          <a:p>
+            <a:pPr marL="0" indent="0">
+              <a:buNone/>
+            </a:pPr>
+            <a:endParaRPr lang="en-GB" dirty="0"/>
+          </a:p>
+        </p:txBody>
+      </p:sp>
+      <p:sp>
+        <p:nvSpPr>
+          <p:cNvPr id="4" name="Slide Number Placeholder 3">
+            <a:extLst>
+              <a:ext uri="{FF2B5EF4-FFF2-40B4-BE49-F238E27FC236}">
+                <a16:creationId xmlns:a16="http://schemas.microsoft.com/office/drawing/2014/main" id="{665EDB05-F7FB-4E56-A679-0DC586CD1A0D}"/>
+              </a:ext>
+            </a:extLst>
+          </p:cNvPr>
+          <p:cNvSpPr>
+            <a:spLocks noGrp="1"/>
+          </p:cNvSpPr>
+          <p:nvPr>
+            <p:ph type="sldNum" sz="quarter" idx="12"/>
+          </p:nvPr>
+        </p:nvSpPr>
+        <p:spPr/>
+        <p:txBody>
+          <a:bodyPr/>
+          <a:lstStyle/>
+          <a:p>
+            <a:fld id="{89C4E583-6443-4199-AF95-A2ECCC288D48}" type="slidenum">
+              <a:rPr lang="en-GB" smtClean="0"/>
+              <a:t>61</a:t>
+            </a:fld>
+            <a:endParaRPr lang="en-GB"/>
+          </a:p>
+        </p:txBody>
+      </p:sp>
+    </p:spTree>
+    <p:extLst>
+      <p:ext uri="{BB962C8B-B14F-4D97-AF65-F5344CB8AC3E}">
+        <p14:creationId xmlns:p14="http://schemas.microsoft.com/office/powerpoint/2010/main" val="1681681720"/>
+      </p:ext>
+    </p:extLst>
+  </p:cSld>
+  <p:clrMapOvr>
+    <a:masterClrMapping/>
+  </p:clrMapOvr>
+</p:sld>
+</file>
+
+<file path=ppt/slides/slide62.xml><?xml version="1.0" encoding="utf-8"?>
+<p:sld xmlns:a="http://schemas.openxmlformats.org/drawingml/2006/main" xmlns:r="http://schemas.openxmlformats.org/officeDocument/2006/relationships" xmlns:p="http://schemas.openxmlformats.org/presentationml/2006/main">
+  <p:cSld>
+    <p:spTree>
+      <p:nvGrpSpPr>
+        <p:cNvPr id="1" name=""/>
+        <p:cNvGrpSpPr/>
+        <p:nvPr/>
+      </p:nvGrpSpPr>
+      <p:grpSpPr>
+        <a:xfrm>
+          <a:off x="0" y="0"/>
+          <a:ext cx="0" cy="0"/>
+          <a:chOff x="0" y="0"/>
+          <a:chExt cx="0" cy="0"/>
+        </a:xfrm>
+      </p:grpSpPr>
+      <p:sp>
+        <p:nvSpPr>
+          <p:cNvPr id="2" name="Title 1">
+            <a:extLst>
+              <a:ext uri="{FF2B5EF4-FFF2-40B4-BE49-F238E27FC236}">
+                <a16:creationId xmlns:a16="http://schemas.microsoft.com/office/drawing/2014/main" id="{40D2A265-6214-4F00-8CA5-5A005430405C}"/>
+              </a:ext>
+            </a:extLst>
+          </p:cNvPr>
+          <p:cNvSpPr>
+            <a:spLocks noGrp="1"/>
+          </p:cNvSpPr>
+          <p:nvPr>
+            <p:ph type="title"/>
+          </p:nvPr>
+        </p:nvSpPr>
+        <p:spPr/>
+        <p:txBody>
+          <a:bodyPr/>
+          <a:lstStyle/>
+          <a:p>
+            <a:r>
+              <a:rPr lang="en-GB" dirty="0"/>
+              <a:t>The important ones</a:t>
+            </a:r>
+          </a:p>
+        </p:txBody>
+      </p:sp>
+      <p:sp>
+        <p:nvSpPr>
+          <p:cNvPr id="3" name="Content Placeholder 2">
+            <a:extLst>
+              <a:ext uri="{FF2B5EF4-FFF2-40B4-BE49-F238E27FC236}">
+                <a16:creationId xmlns:a16="http://schemas.microsoft.com/office/drawing/2014/main" id="{837D1E5C-226A-4153-B961-20DBA921F3EA}"/>
+              </a:ext>
+            </a:extLst>
+          </p:cNvPr>
+          <p:cNvSpPr>
+            <a:spLocks noGrp="1"/>
+          </p:cNvSpPr>
+          <p:nvPr>
+            <p:ph idx="1"/>
+          </p:nvPr>
+        </p:nvSpPr>
+        <p:spPr/>
+        <p:txBody>
+          <a:bodyPr/>
+          <a:lstStyle/>
+          <a:p>
+            <a:r>
+              <a:rPr lang="en-GB" dirty="0"/>
+              <a:t>ASCII</a:t>
+            </a:r>
+          </a:p>
+          <a:p>
+            <a:pPr lvl="1"/>
+            <a:r>
+              <a:rPr lang="en-GB" dirty="0"/>
+              <a:t>American Standard Code for Information Interchange</a:t>
+            </a:r>
+          </a:p>
+          <a:p>
+            <a:pPr lvl="1"/>
+            <a:r>
+              <a:rPr lang="en-GB" dirty="0"/>
+              <a:t>English alphanumeric symbols</a:t>
+            </a:r>
+          </a:p>
+          <a:p>
+            <a:r>
+              <a:rPr lang="en-GB" dirty="0"/>
+              <a:t>UTF-8</a:t>
+            </a:r>
+          </a:p>
+          <a:p>
+            <a:pPr lvl="1"/>
+            <a:r>
+              <a:rPr lang="de-DE" dirty="0"/>
+              <a:t>T</a:t>
+            </a:r>
+            <a:r>
+              <a:rPr lang="en-GB" dirty="0"/>
+              <a:t>he new kid in town</a:t>
+            </a:r>
+          </a:p>
+          <a:p>
+            <a:pPr lvl="1"/>
+            <a:r>
+              <a:rPr lang="de-DE" dirty="0"/>
+              <a:t>B</a:t>
+            </a:r>
+            <a:r>
+              <a:rPr lang="en-GB" dirty="0" err="1"/>
+              <a:t>ackwards</a:t>
+            </a:r>
+            <a:r>
+              <a:rPr lang="en-GB" dirty="0"/>
+              <a:t> compatible to ascii</a:t>
+            </a:r>
+          </a:p>
+          <a:p>
+            <a:pPr lvl="1"/>
+            <a:r>
+              <a:rPr lang="de-DE" dirty="0"/>
+              <a:t>B</a:t>
+            </a:r>
+            <a:r>
+              <a:rPr lang="en-GB" dirty="0" err="1"/>
+              <a:t>ut</a:t>
+            </a:r>
+            <a:r>
+              <a:rPr lang="en-GB" dirty="0"/>
+              <a:t> includes many </a:t>
+            </a:r>
+            <a:r>
+              <a:rPr lang="en-GB" dirty="0" err="1"/>
+              <a:t>many</a:t>
+            </a:r>
+            <a:r>
+              <a:rPr lang="en-GB" dirty="0"/>
+              <a:t> </a:t>
+            </a:r>
+            <a:r>
+              <a:rPr lang="en-GB" dirty="0" err="1"/>
+              <a:t>many</a:t>
+            </a:r>
+            <a:r>
+              <a:rPr lang="en-GB"/>
+              <a:t> more</a:t>
+            </a:r>
+            <a:endParaRPr lang="en-GB" dirty="0"/>
+          </a:p>
+        </p:txBody>
+      </p:sp>
+      <p:sp>
+        <p:nvSpPr>
+          <p:cNvPr id="4" name="Slide Number Placeholder 3">
+            <a:extLst>
+              <a:ext uri="{FF2B5EF4-FFF2-40B4-BE49-F238E27FC236}">
+                <a16:creationId xmlns:a16="http://schemas.microsoft.com/office/drawing/2014/main" id="{B6ECE103-DD13-42BA-A72F-369B5FE0F1D6}"/>
+              </a:ext>
+            </a:extLst>
+          </p:cNvPr>
+          <p:cNvSpPr>
+            <a:spLocks noGrp="1"/>
+          </p:cNvSpPr>
+          <p:nvPr>
+            <p:ph type="sldNum" sz="quarter" idx="12"/>
+          </p:nvPr>
+        </p:nvSpPr>
+        <p:spPr/>
+        <p:txBody>
+          <a:bodyPr/>
+          <a:lstStyle/>
+          <a:p>
+            <a:fld id="{89C4E583-6443-4199-AF95-A2ECCC288D48}" type="slidenum">
+              <a:rPr lang="en-GB" smtClean="0"/>
+              <a:t>62</a:t>
+            </a:fld>
+            <a:endParaRPr lang="en-GB"/>
+          </a:p>
+        </p:txBody>
+      </p:sp>
+    </p:spTree>
+    <p:extLst>
+      <p:ext uri="{BB962C8B-B14F-4D97-AF65-F5344CB8AC3E}">
+        <p14:creationId xmlns:p14="http://schemas.microsoft.com/office/powerpoint/2010/main" val="3965322217"/>
+      </p:ext>
+    </p:extLst>
+  </p:cSld>
+  <p:clrMapOvr>
+    <a:masterClrMapping/>
+  </p:clrMapOvr>
+</p:sld>
+</file>
+
+<file path=ppt/slides/slide63.xml><?xml version="1.0" encoding="utf-8"?>
+<p:sld xmlns:a="http://schemas.openxmlformats.org/drawingml/2006/main" xmlns:r="http://schemas.openxmlformats.org/officeDocument/2006/relationships" xmlns:p="http://schemas.openxmlformats.org/presentationml/2006/main">
+  <p:cSld>
+    <p:spTree>
+      <p:nvGrpSpPr>
+        <p:cNvPr id="1" name=""/>
+        <p:cNvGrpSpPr/>
+        <p:nvPr/>
+      </p:nvGrpSpPr>
+      <p:grpSpPr>
+        <a:xfrm>
+          <a:off x="0" y="0"/>
+          <a:ext cx="0" cy="0"/>
+          <a:chOff x="0" y="0"/>
+          <a:chExt cx="0" cy="0"/>
+        </a:xfrm>
+      </p:grpSpPr>
+      <p:sp>
+        <p:nvSpPr>
+          <p:cNvPr id="2" name="Titel 1">
+            <a:extLst>
+              <a:ext uri="{FF2B5EF4-FFF2-40B4-BE49-F238E27FC236}">
+                <a16:creationId xmlns:a16="http://schemas.microsoft.com/office/drawing/2014/main" id="{C28F96B7-1E0B-4BA8-B48B-53AE282DB043}"/>
+              </a:ext>
+            </a:extLst>
+          </p:cNvPr>
+          <p:cNvSpPr>
+            <a:spLocks noGrp="1"/>
+          </p:cNvSpPr>
+          <p:nvPr>
+            <p:ph type="title"/>
+          </p:nvPr>
+        </p:nvSpPr>
+        <p:spPr/>
+        <p:txBody>
+          <a:bodyPr/>
+          <a:lstStyle/>
+          <a:p>
+            <a:r>
+              <a:rPr lang="de-DE" dirty="0">
+                <a:cs typeface="Calibri Light"/>
+              </a:rPr>
+              <a:t>See </a:t>
+            </a:r>
+            <a:r>
+              <a:rPr lang="de-DE" dirty="0" err="1">
+                <a:cs typeface="Calibri Light"/>
+              </a:rPr>
+              <a:t>you</a:t>
+            </a:r>
+            <a:r>
+              <a:rPr lang="de-DE" dirty="0">
+                <a:cs typeface="Calibri Light"/>
+              </a:rPr>
+              <a:t> all </a:t>
+            </a:r>
+            <a:r>
+              <a:rPr lang="de-DE" dirty="0" err="1">
+                <a:cs typeface="Calibri Light"/>
+              </a:rPr>
+              <a:t>next</a:t>
+            </a:r>
+            <a:r>
+              <a:rPr lang="de-DE" dirty="0">
+                <a:cs typeface="Calibri Light"/>
+              </a:rPr>
+              <a:t> </a:t>
+            </a:r>
+            <a:r>
+              <a:rPr lang="de-DE" dirty="0" err="1">
+                <a:cs typeface="Calibri Light"/>
+              </a:rPr>
+              <a:t>week</a:t>
+            </a:r>
+            <a:r>
+              <a:rPr lang="de-DE" dirty="0">
+                <a:cs typeface="Calibri Light"/>
+              </a:rPr>
+              <a:t>!</a:t>
+            </a:r>
+            <a:endParaRPr lang="de-DE" dirty="0" err="1"/>
+          </a:p>
+        </p:txBody>
+      </p:sp>
+      <p:sp>
+        <p:nvSpPr>
+          <p:cNvPr id="4" name="Foliennummernplatzhalter 3">
+            <a:extLst>
+              <a:ext uri="{FF2B5EF4-FFF2-40B4-BE49-F238E27FC236}">
+                <a16:creationId xmlns:a16="http://schemas.microsoft.com/office/drawing/2014/main" id="{B1068CFA-062D-4EE0-94F8-007D0474B7E5}"/>
+              </a:ext>
+            </a:extLst>
+          </p:cNvPr>
+          <p:cNvSpPr>
+            <a:spLocks noGrp="1"/>
+          </p:cNvSpPr>
+          <p:nvPr>
+            <p:ph type="sldNum" sz="quarter" idx="12"/>
+          </p:nvPr>
+        </p:nvSpPr>
+        <p:spPr/>
+        <p:txBody>
+          <a:bodyPr/>
+          <a:lstStyle/>
+          <a:p>
+            <a:fld id="{89C4E583-6443-4199-AF95-A2ECCC288D48}" type="slidenum">
+              <a:rPr lang="en-GB" smtClean="0"/>
+              <a:t>63</a:t>
+            </a:fld>
+            <a:endParaRPr lang="en-GB"/>
+          </a:p>
+        </p:txBody>
+      </p:sp>
+    </p:spTree>
+    <p:extLst>
+      <p:ext uri="{BB962C8B-B14F-4D97-AF65-F5344CB8AC3E}">
+        <p14:creationId xmlns:p14="http://schemas.microsoft.com/office/powerpoint/2010/main" val="1974718465"/>
       </p:ext>
     </p:extLst>
   </p:cSld>
